--- a/doc/Candida Comparison.pptx
+++ b/doc/Candida Comparison.pptx
@@ -4,17 +4,30 @@
   <p:sldMasterIdLst>
     <p:sldMasterId id="2147483648" r:id="rId1"/>
   </p:sldMasterIdLst>
+  <p:notesMasterIdLst>
+    <p:notesMasterId r:id="rId22"/>
+  </p:notesMasterIdLst>
   <p:sldIdLst>
     <p:sldId id="256" r:id="rId2"/>
-    <p:sldId id="257" r:id="rId3"/>
-    <p:sldId id="258" r:id="rId4"/>
-    <p:sldId id="259" r:id="rId5"/>
-    <p:sldId id="260" r:id="rId6"/>
-    <p:sldId id="261" r:id="rId7"/>
-    <p:sldId id="262" r:id="rId8"/>
-    <p:sldId id="265" r:id="rId9"/>
-    <p:sldId id="263" r:id="rId10"/>
-    <p:sldId id="264" r:id="rId11"/>
+    <p:sldId id="266" r:id="rId3"/>
+    <p:sldId id="267" r:id="rId4"/>
+    <p:sldId id="257" r:id="rId5"/>
+    <p:sldId id="268" r:id="rId6"/>
+    <p:sldId id="258" r:id="rId7"/>
+    <p:sldId id="259" r:id="rId8"/>
+    <p:sldId id="260" r:id="rId9"/>
+    <p:sldId id="270" r:id="rId10"/>
+    <p:sldId id="261" r:id="rId11"/>
+    <p:sldId id="262" r:id="rId12"/>
+    <p:sldId id="272" r:id="rId13"/>
+    <p:sldId id="265" r:id="rId14"/>
+    <p:sldId id="263" r:id="rId15"/>
+    <p:sldId id="274" r:id="rId16"/>
+    <p:sldId id="278" r:id="rId17"/>
+    <p:sldId id="279" r:id="rId18"/>
+    <p:sldId id="275" r:id="rId19"/>
+    <p:sldId id="276" r:id="rId20"/>
+    <p:sldId id="277" r:id="rId21"/>
   </p:sldIdLst>
   <p:sldSz cx="12192000" cy="6858000"/>
   <p:notesSz cx="6858000" cy="9144000"/>
@@ -113,13 +126,18 @@
       </a:defRPr>
     </a:lvl9pPr>
   </p:defaultTextStyle>
+  <p:extLst>
+    <p:ext uri="{EFAFB233-063F-42B5-8137-9DF3F51BA10A}">
+      <p15:sldGuideLst xmlns:p15="http://schemas.microsoft.com/office/powerpoint/2012/main"/>
+    </p:ext>
+  </p:extLst>
 </p:presentation>
 </file>
 
 <file path=ppt/revisionInfo.xml><?xml version="1.0" encoding="utf-8"?>
 <p1510:revInfo xmlns:a="http://schemas.openxmlformats.org/drawingml/2006/main" xmlns:r="http://schemas.openxmlformats.org/officeDocument/2006/relationships" xmlns:p1510="http://schemas.microsoft.com/office/powerpoint/2015/10/main">
   <p1510:revLst>
-    <p1510:client id="{0291CB95-2AE6-47A1-BF8B-781C6B23D02D}" v="14" dt="2025-12-05T04:29:16.558"/>
+    <p1510:client id="{0291CB95-2AE6-47A1-BF8B-781C6B23D02D}" v="37" dt="2025-12-05T17:38:07.375"/>
   </p1510:revLst>
 </p1510:revInfo>
 </file>
@@ -128,34 +146,434 @@
 <pc:chgInfo xmlns:a="http://schemas.openxmlformats.org/drawingml/2006/main" xmlns:r="http://schemas.openxmlformats.org/officeDocument/2006/relationships" xmlns:ac="http://schemas.microsoft.com/office/drawing/2013/main/command" xmlns:pc="http://schemas.microsoft.com/office/powerpoint/2013/main/command">
   <pc:docChgLst>
     <pc:chgData name="Sabrina Saiphoo" userId="c384fbdc55ec1817" providerId="LiveId" clId="{C7219627-2762-4F40-B5D0-FB5BACC945B4}"/>
-    <pc:docChg chg="custSel addSld modSld sldOrd">
-      <pc:chgData name="Sabrina Saiphoo" userId="c384fbdc55ec1817" providerId="LiveId" clId="{C7219627-2762-4F40-B5D0-FB5BACC945B4}" dt="2025-12-05T04:29:24.587" v="260" actId="20577"/>
+    <pc:docChg chg="undo custSel addSld delSld modSld sldOrd">
+      <pc:chgData name="Sabrina Saiphoo" userId="c384fbdc55ec1817" providerId="LiveId" clId="{C7219627-2762-4F40-B5D0-FB5BACC945B4}" dt="2025-12-05T17:38:30.413" v="991" actId="26606"/>
       <pc:docMkLst>
         <pc:docMk/>
       </pc:docMkLst>
-      <pc:sldChg chg="modSp new mod">
-        <pc:chgData name="Sabrina Saiphoo" userId="c384fbdc55ec1817" providerId="LiveId" clId="{C7219627-2762-4F40-B5D0-FB5BACC945B4}" dt="2025-12-05T04:04:19.391" v="22" actId="20577"/>
+      <pc:sldChg chg="addSp delSp modSp new mod modMedia setBg addAnim delAnim">
+        <pc:chgData name="Sabrina Saiphoo" userId="c384fbdc55ec1817" providerId="LiveId" clId="{C7219627-2762-4F40-B5D0-FB5BACC945B4}" dt="2025-12-05T17:37:32.487" v="990" actId="14100"/>
         <pc:sldMkLst>
           <pc:docMk/>
           <pc:sldMk cId="3900803714" sldId="256"/>
         </pc:sldMkLst>
         <pc:spChg chg="mod">
-          <ac:chgData name="Sabrina Saiphoo" userId="c384fbdc55ec1817" providerId="LiveId" clId="{C7219627-2762-4F40-B5D0-FB5BACC945B4}" dt="2025-12-05T04:04:19.391" v="22" actId="20577"/>
+          <ac:chgData name="Sabrina Saiphoo" userId="c384fbdc55ec1817" providerId="LiveId" clId="{C7219627-2762-4F40-B5D0-FB5BACC945B4}" dt="2025-12-05T17:35:04.552" v="982" actId="26606"/>
           <ac:spMkLst>
             <pc:docMk/>
             <pc:sldMk cId="3900803714" sldId="256"/>
             <ac:spMk id="2" creationId="{41CD0352-2795-E59F-BA41-B3624DE2902F}"/>
           </ac:spMkLst>
         </pc:spChg>
+        <pc:spChg chg="mod">
+          <ac:chgData name="Sabrina Saiphoo" userId="c384fbdc55ec1817" providerId="LiveId" clId="{C7219627-2762-4F40-B5D0-FB5BACC945B4}" dt="2025-12-05T17:35:04.552" v="982" actId="26606"/>
+          <ac:spMkLst>
+            <pc:docMk/>
+            <pc:sldMk cId="3900803714" sldId="256"/>
+            <ac:spMk id="3" creationId="{5D09F1C5-7CDC-F54C-C948-A9EB66BF9159}"/>
+          </ac:spMkLst>
+        </pc:spChg>
+        <pc:spChg chg="add del">
+          <ac:chgData name="Sabrina Saiphoo" userId="c384fbdc55ec1817" providerId="LiveId" clId="{C7219627-2762-4F40-B5D0-FB5BACC945B4}" dt="2025-12-05T05:13:18.129" v="310" actId="26606"/>
+          <ac:spMkLst>
+            <pc:docMk/>
+            <pc:sldMk cId="3900803714" sldId="256"/>
+            <ac:spMk id="8" creationId="{1ACA2EA0-FFD3-42EC-9406-B595015ED96E}"/>
+          </ac:spMkLst>
+        </pc:spChg>
+        <pc:spChg chg="add del">
+          <ac:chgData name="Sabrina Saiphoo" userId="c384fbdc55ec1817" providerId="LiveId" clId="{C7219627-2762-4F40-B5D0-FB5BACC945B4}" dt="2025-12-05T05:13:18.129" v="310" actId="26606"/>
+          <ac:spMkLst>
+            <pc:docMk/>
+            <pc:sldMk cId="3900803714" sldId="256"/>
+            <ac:spMk id="10" creationId="{D5288BCE-665C-472A-8C43-664BCFA31E43}"/>
+          </ac:spMkLst>
+        </pc:spChg>
+        <pc:spChg chg="add del">
+          <ac:chgData name="Sabrina Saiphoo" userId="c384fbdc55ec1817" providerId="LiveId" clId="{C7219627-2762-4F40-B5D0-FB5BACC945B4}" dt="2025-12-05T05:13:18.129" v="310" actId="26606"/>
+          <ac:spMkLst>
+            <pc:docMk/>
+            <pc:sldMk cId="3900803714" sldId="256"/>
+            <ac:spMk id="12" creationId="{46C57131-53A7-4C1A-BEA8-25F06A06AD29}"/>
+          </ac:spMkLst>
+        </pc:spChg>
+        <pc:spChg chg="add del">
+          <ac:chgData name="Sabrina Saiphoo" userId="c384fbdc55ec1817" providerId="LiveId" clId="{C7219627-2762-4F40-B5D0-FB5BACC945B4}" dt="2025-12-05T17:28:55.599" v="952" actId="26606"/>
+          <ac:spMkLst>
+            <pc:docMk/>
+            <pc:sldMk cId="3900803714" sldId="256"/>
+            <ac:spMk id="14" creationId="{BAD76F3E-3A97-486B-B402-44400A8B9173}"/>
+          </ac:spMkLst>
+        </pc:spChg>
+        <pc:spChg chg="add del">
+          <ac:chgData name="Sabrina Saiphoo" userId="c384fbdc55ec1817" providerId="LiveId" clId="{C7219627-2762-4F40-B5D0-FB5BACC945B4}" dt="2025-12-05T17:28:55.599" v="952" actId="26606"/>
+          <ac:spMkLst>
+            <pc:docMk/>
+            <pc:sldMk cId="3900803714" sldId="256"/>
+            <ac:spMk id="15" creationId="{391F6B52-91F4-4AEB-B6DB-29FEBCF28C8B}"/>
+          </ac:spMkLst>
+        </pc:spChg>
+        <pc:spChg chg="add del">
+          <ac:chgData name="Sabrina Saiphoo" userId="c384fbdc55ec1817" providerId="LiveId" clId="{C7219627-2762-4F40-B5D0-FB5BACC945B4}" dt="2025-12-05T17:28:55.599" v="952" actId="26606"/>
+          <ac:spMkLst>
+            <pc:docMk/>
+            <pc:sldMk cId="3900803714" sldId="256"/>
+            <ac:spMk id="16" creationId="{2CD6F061-7C53-44F4-9794-953DB70A451B}"/>
+          </ac:spMkLst>
+        </pc:spChg>
+        <pc:spChg chg="add del">
+          <ac:chgData name="Sabrina Saiphoo" userId="c384fbdc55ec1817" providerId="LiveId" clId="{C7219627-2762-4F40-B5D0-FB5BACC945B4}" dt="2025-12-05T17:28:45.402" v="945" actId="26606"/>
+          <ac:spMkLst>
+            <pc:docMk/>
+            <pc:sldMk cId="3900803714" sldId="256"/>
+            <ac:spMk id="22" creationId="{716F42E0-28DF-4093-AFC5-CA01F54C8897}"/>
+          </ac:spMkLst>
+        </pc:spChg>
+        <pc:spChg chg="add del">
+          <ac:chgData name="Sabrina Saiphoo" userId="c384fbdc55ec1817" providerId="LiveId" clId="{C7219627-2762-4F40-B5D0-FB5BACC945B4}" dt="2025-12-05T17:28:49.103" v="949" actId="26606"/>
+          <ac:spMkLst>
+            <pc:docMk/>
+            <pc:sldMk cId="3900803714" sldId="256"/>
+            <ac:spMk id="23" creationId="{A3363022-C969-41E9-8EB2-E4C94908C1FA}"/>
+          </ac:spMkLst>
+        </pc:spChg>
+        <pc:spChg chg="add del">
+          <ac:chgData name="Sabrina Saiphoo" userId="c384fbdc55ec1817" providerId="LiveId" clId="{C7219627-2762-4F40-B5D0-FB5BACC945B4}" dt="2025-12-05T17:28:45.402" v="945" actId="26606"/>
+          <ac:spMkLst>
+            <pc:docMk/>
+            <pc:sldMk cId="3900803714" sldId="256"/>
+            <ac:spMk id="24" creationId="{4063B759-00FC-46D1-9898-8E8625268FAF}"/>
+          </ac:spMkLst>
+        </pc:spChg>
+        <pc:spChg chg="add del">
+          <ac:chgData name="Sabrina Saiphoo" userId="c384fbdc55ec1817" providerId="LiveId" clId="{C7219627-2762-4F40-B5D0-FB5BACC945B4}" dt="2025-12-05T17:28:49.103" v="949" actId="26606"/>
+          <ac:spMkLst>
+            <pc:docMk/>
+            <pc:sldMk cId="3900803714" sldId="256"/>
+            <ac:spMk id="25" creationId="{8D1AD6B3-BE88-4CEB-BA17-790657CC4729}"/>
+          </ac:spMkLst>
+        </pc:spChg>
+        <pc:spChg chg="add del">
+          <ac:chgData name="Sabrina Saiphoo" userId="c384fbdc55ec1817" providerId="LiveId" clId="{C7219627-2762-4F40-B5D0-FB5BACC945B4}" dt="2025-12-05T17:28:45.402" v="945" actId="26606"/>
+          <ac:spMkLst>
+            <pc:docMk/>
+            <pc:sldMk cId="3900803714" sldId="256"/>
+            <ac:spMk id="26" creationId="{D5B012D8-7F27-4758-9AC6-C889B154BD73}"/>
+          </ac:spMkLst>
+        </pc:spChg>
+        <pc:spChg chg="add del">
+          <ac:chgData name="Sabrina Saiphoo" userId="c384fbdc55ec1817" providerId="LiveId" clId="{C7219627-2762-4F40-B5D0-FB5BACC945B4}" dt="2025-12-05T17:28:47.586" v="947" actId="26606"/>
+          <ac:spMkLst>
+            <pc:docMk/>
+            <pc:sldMk cId="3900803714" sldId="256"/>
+            <ac:spMk id="29" creationId="{EB0222B5-B739-82A9-5CCC-C5585AE12A69}"/>
+          </ac:spMkLst>
+        </pc:spChg>
+        <pc:spChg chg="add del">
+          <ac:chgData name="Sabrina Saiphoo" userId="c384fbdc55ec1817" providerId="LiveId" clId="{C7219627-2762-4F40-B5D0-FB5BACC945B4}" dt="2025-12-05T17:28:47.586" v="947" actId="26606"/>
+          <ac:spMkLst>
+            <pc:docMk/>
+            <pc:sldMk cId="3900803714" sldId="256"/>
+            <ac:spMk id="30" creationId="{5BE23E75-E7E9-4D9F-6D25-5512363F8621}"/>
+          </ac:spMkLst>
+        </pc:spChg>
+        <pc:spChg chg="add del">
+          <ac:chgData name="Sabrina Saiphoo" userId="c384fbdc55ec1817" providerId="LiveId" clId="{C7219627-2762-4F40-B5D0-FB5BACC945B4}" dt="2025-12-05T17:28:55.583" v="951" actId="26606"/>
+          <ac:spMkLst>
+            <pc:docMk/>
+            <pc:sldMk cId="3900803714" sldId="256"/>
+            <ac:spMk id="37" creationId="{65219498-D544-41AC-98FE-8F956EF66A62}"/>
+          </ac:spMkLst>
+        </pc:spChg>
+        <pc:spChg chg="add del">
+          <ac:chgData name="Sabrina Saiphoo" userId="c384fbdc55ec1817" providerId="LiveId" clId="{C7219627-2762-4F40-B5D0-FB5BACC945B4}" dt="2025-12-05T17:28:55.583" v="951" actId="26606"/>
+          <ac:spMkLst>
+            <pc:docMk/>
+            <pc:sldMk cId="3900803714" sldId="256"/>
+            <ac:spMk id="38" creationId="{F500DBFC-17A9-4E0A-AEE2-A49F9AEEF0FD}"/>
+          </ac:spMkLst>
+        </pc:spChg>
+        <pc:spChg chg="add del">
+          <ac:chgData name="Sabrina Saiphoo" userId="c384fbdc55ec1817" providerId="LiveId" clId="{C7219627-2762-4F40-B5D0-FB5BACC945B4}" dt="2025-12-05T17:29:11.227" v="955" actId="26606"/>
+          <ac:spMkLst>
+            <pc:docMk/>
+            <pc:sldMk cId="3900803714" sldId="256"/>
+            <ac:spMk id="46" creationId="{55666830-9A19-4E01-8505-D6C7F9AC5665}"/>
+          </ac:spMkLst>
+        </pc:spChg>
+        <pc:spChg chg="add del">
+          <ac:chgData name="Sabrina Saiphoo" userId="c384fbdc55ec1817" providerId="LiveId" clId="{C7219627-2762-4F40-B5D0-FB5BACC945B4}" dt="2025-12-05T17:29:11.227" v="955" actId="26606"/>
+          <ac:spMkLst>
+            <pc:docMk/>
+            <pc:sldMk cId="3900803714" sldId="256"/>
+            <ac:spMk id="48" creationId="{AE9FC877-7FB6-4D22-9988-35420644E202}"/>
+          </ac:spMkLst>
+        </pc:spChg>
+        <pc:spChg chg="add del">
+          <ac:chgData name="Sabrina Saiphoo" userId="c384fbdc55ec1817" providerId="LiveId" clId="{C7219627-2762-4F40-B5D0-FB5BACC945B4}" dt="2025-12-05T17:29:11.227" v="955" actId="26606"/>
+          <ac:spMkLst>
+            <pc:docMk/>
+            <pc:sldMk cId="3900803714" sldId="256"/>
+            <ac:spMk id="49" creationId="{E41809D1-F12E-46BB-B804-5F209D325E8B}"/>
+          </ac:spMkLst>
+        </pc:spChg>
+        <pc:spChg chg="add del">
+          <ac:chgData name="Sabrina Saiphoo" userId="c384fbdc55ec1817" providerId="LiveId" clId="{C7219627-2762-4F40-B5D0-FB5BACC945B4}" dt="2025-12-05T17:29:11.227" v="955" actId="26606"/>
+          <ac:spMkLst>
+            <pc:docMk/>
+            <pc:sldMk cId="3900803714" sldId="256"/>
+            <ac:spMk id="50" creationId="{AF2F604E-43BE-4DC3-B983-E071523364F8}"/>
+          </ac:spMkLst>
+        </pc:spChg>
+        <pc:spChg chg="add del">
+          <ac:chgData name="Sabrina Saiphoo" userId="c384fbdc55ec1817" providerId="LiveId" clId="{C7219627-2762-4F40-B5D0-FB5BACC945B4}" dt="2025-12-05T17:29:11.227" v="955" actId="26606"/>
+          <ac:spMkLst>
+            <pc:docMk/>
+            <pc:sldMk cId="3900803714" sldId="256"/>
+            <ac:spMk id="51" creationId="{08C9B587-E65E-4B52-B37C-ABEBB6E87928}"/>
+          </ac:spMkLst>
+        </pc:spChg>
+        <pc:spChg chg="add del">
+          <ac:chgData name="Sabrina Saiphoo" userId="c384fbdc55ec1817" providerId="LiveId" clId="{C7219627-2762-4F40-B5D0-FB5BACC945B4}" dt="2025-12-05T17:35:04.552" v="982" actId="26606"/>
+          <ac:spMkLst>
+            <pc:docMk/>
+            <pc:sldMk cId="3900803714" sldId="256"/>
+            <ac:spMk id="56" creationId="{9B7AD9F6-8CE7-4299-8FC6-328F4DCD3FF9}"/>
+          </ac:spMkLst>
+        </pc:spChg>
+        <pc:spChg chg="add del">
+          <ac:chgData name="Sabrina Saiphoo" userId="c384fbdc55ec1817" providerId="LiveId" clId="{C7219627-2762-4F40-B5D0-FB5BACC945B4}" dt="2025-12-05T17:35:04.552" v="982" actId="26606"/>
+          <ac:spMkLst>
+            <pc:docMk/>
+            <pc:sldMk cId="3900803714" sldId="256"/>
+            <ac:spMk id="58" creationId="{F49775AF-8896-43EE-92C6-83497D6DC56F}"/>
+          </ac:spMkLst>
+        </pc:spChg>
+        <pc:spChg chg="add del">
+          <ac:chgData name="Sabrina Saiphoo" userId="c384fbdc55ec1817" providerId="LiveId" clId="{C7219627-2762-4F40-B5D0-FB5BACC945B4}" dt="2025-12-05T17:34:54.957" v="975" actId="26606"/>
+          <ac:spMkLst>
+            <pc:docMk/>
+            <pc:sldMk cId="3900803714" sldId="256"/>
+            <ac:spMk id="63" creationId="{657F69E0-C4B0-4BEC-A689-4F8D877F05D4}"/>
+          </ac:spMkLst>
+        </pc:spChg>
+        <pc:spChg chg="add del">
+          <ac:chgData name="Sabrina Saiphoo" userId="c384fbdc55ec1817" providerId="LiveId" clId="{C7219627-2762-4F40-B5D0-FB5BACC945B4}" dt="2025-12-05T17:34:54.957" v="975" actId="26606"/>
+          <ac:spMkLst>
+            <pc:docMk/>
+            <pc:sldMk cId="3900803714" sldId="256"/>
+            <ac:spMk id="65" creationId="{9F6380B4-6A1C-481E-8408-B4E6C75B9B81}"/>
+          </ac:spMkLst>
+        </pc:spChg>
+        <pc:spChg chg="add del">
+          <ac:chgData name="Sabrina Saiphoo" userId="c384fbdc55ec1817" providerId="LiveId" clId="{C7219627-2762-4F40-B5D0-FB5BACC945B4}" dt="2025-12-05T17:35:00.348" v="977" actId="26606"/>
+          <ac:spMkLst>
+            <pc:docMk/>
+            <pc:sldMk cId="3900803714" sldId="256"/>
+            <ac:spMk id="67" creationId="{AF2F604E-43BE-4DC3-B983-E071523364F8}"/>
+          </ac:spMkLst>
+        </pc:spChg>
+        <pc:spChg chg="add del">
+          <ac:chgData name="Sabrina Saiphoo" userId="c384fbdc55ec1817" providerId="LiveId" clId="{C7219627-2762-4F40-B5D0-FB5BACC945B4}" dt="2025-12-05T17:35:00.348" v="977" actId="26606"/>
+          <ac:spMkLst>
+            <pc:docMk/>
+            <pc:sldMk cId="3900803714" sldId="256"/>
+            <ac:spMk id="68" creationId="{E91DC736-0EF8-4F87-9146-EBF1D2EE4D3D}"/>
+          </ac:spMkLst>
+        </pc:spChg>
+        <pc:spChg chg="add del">
+          <ac:chgData name="Sabrina Saiphoo" userId="c384fbdc55ec1817" providerId="LiveId" clId="{C7219627-2762-4F40-B5D0-FB5BACC945B4}" dt="2025-12-05T17:35:00.348" v="977" actId="26606"/>
+          <ac:spMkLst>
+            <pc:docMk/>
+            <pc:sldMk cId="3900803714" sldId="256"/>
+            <ac:spMk id="69" creationId="{08C9B587-E65E-4B52-B37C-ABEBB6E87928}"/>
+          </ac:spMkLst>
+        </pc:spChg>
+        <pc:spChg chg="add del">
+          <ac:chgData name="Sabrina Saiphoo" userId="c384fbdc55ec1817" providerId="LiveId" clId="{C7219627-2762-4F40-B5D0-FB5BACC945B4}" dt="2025-12-05T17:35:00.348" v="977" actId="26606"/>
+          <ac:spMkLst>
+            <pc:docMk/>
+            <pc:sldMk cId="3900803714" sldId="256"/>
+            <ac:spMk id="70" creationId="{097CD68E-23E3-4007-8847-CD0944C4F7BE}"/>
+          </ac:spMkLst>
+        </pc:spChg>
+        <pc:spChg chg="add del">
+          <ac:chgData name="Sabrina Saiphoo" userId="c384fbdc55ec1817" providerId="LiveId" clId="{C7219627-2762-4F40-B5D0-FB5BACC945B4}" dt="2025-12-05T17:35:02.844" v="979" actId="26606"/>
+          <ac:spMkLst>
+            <pc:docMk/>
+            <pc:sldMk cId="3900803714" sldId="256"/>
+            <ac:spMk id="71" creationId="{86C3B9CB-4E48-4726-B7B9-9E02F71B150F}"/>
+          </ac:spMkLst>
+        </pc:spChg>
+        <pc:spChg chg="add del">
+          <ac:chgData name="Sabrina Saiphoo" userId="c384fbdc55ec1817" providerId="LiveId" clId="{C7219627-2762-4F40-B5D0-FB5BACC945B4}" dt="2025-12-05T17:35:02.844" v="979" actId="26606"/>
+          <ac:spMkLst>
+            <pc:docMk/>
+            <pc:sldMk cId="3900803714" sldId="256"/>
+            <ac:spMk id="72" creationId="{49B447FE-DDA9-4B30-828A-59FC569124E2}"/>
+          </ac:spMkLst>
+        </pc:spChg>
+        <pc:spChg chg="add del">
+          <ac:chgData name="Sabrina Saiphoo" userId="c384fbdc55ec1817" providerId="LiveId" clId="{C7219627-2762-4F40-B5D0-FB5BACC945B4}" dt="2025-12-05T17:35:02.844" v="979" actId="26606"/>
+          <ac:spMkLst>
+            <pc:docMk/>
+            <pc:sldMk cId="3900803714" sldId="256"/>
+            <ac:spMk id="73" creationId="{C84384FE-1C88-4CAA-8FB8-2313A3AE734D}"/>
+          </ac:spMkLst>
+        </pc:spChg>
+        <pc:spChg chg="add del">
+          <ac:chgData name="Sabrina Saiphoo" userId="c384fbdc55ec1817" providerId="LiveId" clId="{C7219627-2762-4F40-B5D0-FB5BACC945B4}" dt="2025-12-05T17:35:02.844" v="979" actId="26606"/>
+          <ac:spMkLst>
+            <pc:docMk/>
+            <pc:sldMk cId="3900803714" sldId="256"/>
+            <ac:spMk id="74" creationId="{C3D487F7-9050-4871-B351-34A72ADB296C}"/>
+          </ac:spMkLst>
+        </pc:spChg>
+        <pc:spChg chg="add del">
+          <ac:chgData name="Sabrina Saiphoo" userId="c384fbdc55ec1817" providerId="LiveId" clId="{C7219627-2762-4F40-B5D0-FB5BACC945B4}" dt="2025-12-05T17:35:02.844" v="979" actId="26606"/>
+          <ac:spMkLst>
+            <pc:docMk/>
+            <pc:sldMk cId="3900803714" sldId="256"/>
+            <ac:spMk id="75" creationId="{F43C27DD-EF6A-4C48-9669-C2970E71A814}"/>
+          </ac:spMkLst>
+        </pc:spChg>
+        <pc:spChg chg="add del">
+          <ac:chgData name="Sabrina Saiphoo" userId="c384fbdc55ec1817" providerId="LiveId" clId="{C7219627-2762-4F40-B5D0-FB5BACC945B4}" dt="2025-12-05T17:35:02.844" v="979" actId="26606"/>
+          <ac:spMkLst>
+            <pc:docMk/>
+            <pc:sldMk cId="3900803714" sldId="256"/>
+            <ac:spMk id="76" creationId="{05A1AA86-B7E6-4C02-AA34-F1A25CD4CCBD}"/>
+          </ac:spMkLst>
+        </pc:spChg>
+        <pc:spChg chg="add del">
+          <ac:chgData name="Sabrina Saiphoo" userId="c384fbdc55ec1817" providerId="LiveId" clId="{C7219627-2762-4F40-B5D0-FB5BACC945B4}" dt="2025-12-05T17:35:04.536" v="981" actId="26606"/>
+          <ac:spMkLst>
+            <pc:docMk/>
+            <pc:sldMk cId="3900803714" sldId="256"/>
+            <ac:spMk id="78" creationId="{06DA9DF9-31F7-4056-B42E-878CC92417B8}"/>
+          </ac:spMkLst>
+        </pc:spChg>
+        <pc:spChg chg="add">
+          <ac:chgData name="Sabrina Saiphoo" userId="c384fbdc55ec1817" providerId="LiveId" clId="{C7219627-2762-4F40-B5D0-FB5BACC945B4}" dt="2025-12-05T17:35:04.552" v="982" actId="26606"/>
+          <ac:spMkLst>
+            <pc:docMk/>
+            <pc:sldMk cId="3900803714" sldId="256"/>
+            <ac:spMk id="80" creationId="{E91DC736-0EF8-4F87-9146-EBF1D2EE4D3D}"/>
+          </ac:spMkLst>
+        </pc:spChg>
+        <pc:spChg chg="add">
+          <ac:chgData name="Sabrina Saiphoo" userId="c384fbdc55ec1817" providerId="LiveId" clId="{C7219627-2762-4F40-B5D0-FB5BACC945B4}" dt="2025-12-05T17:35:04.552" v="982" actId="26606"/>
+          <ac:spMkLst>
+            <pc:docMk/>
+            <pc:sldMk cId="3900803714" sldId="256"/>
+            <ac:spMk id="81" creationId="{097CD68E-23E3-4007-8847-CD0944C4F7BE}"/>
+          </ac:spMkLst>
+        </pc:spChg>
+        <pc:spChg chg="add">
+          <ac:chgData name="Sabrina Saiphoo" userId="c384fbdc55ec1817" providerId="LiveId" clId="{C7219627-2762-4F40-B5D0-FB5BACC945B4}" dt="2025-12-05T17:35:04.552" v="982" actId="26606"/>
+          <ac:spMkLst>
+            <pc:docMk/>
+            <pc:sldMk cId="3900803714" sldId="256"/>
+            <ac:spMk id="82" creationId="{AF2F604E-43BE-4DC3-B983-E071523364F8}"/>
+          </ac:spMkLst>
+        </pc:spChg>
+        <pc:spChg chg="add">
+          <ac:chgData name="Sabrina Saiphoo" userId="c384fbdc55ec1817" providerId="LiveId" clId="{C7219627-2762-4F40-B5D0-FB5BACC945B4}" dt="2025-12-05T17:35:04.552" v="982" actId="26606"/>
+          <ac:spMkLst>
+            <pc:docMk/>
+            <pc:sldMk cId="3900803714" sldId="256"/>
+            <ac:spMk id="83" creationId="{08C9B587-E65E-4B52-B37C-ABEBB6E87928}"/>
+          </ac:spMkLst>
+        </pc:spChg>
+        <pc:grpChg chg="add del">
+          <ac:chgData name="Sabrina Saiphoo" userId="c384fbdc55ec1817" providerId="LiveId" clId="{C7219627-2762-4F40-B5D0-FB5BACC945B4}" dt="2025-12-05T17:28:49.103" v="949" actId="26606"/>
+          <ac:grpSpMkLst>
+            <pc:docMk/>
+            <pc:sldMk cId="3900803714" sldId="256"/>
+            <ac:grpSpMk id="27" creationId="{89D1390B-7E13-4B4F-9CB2-391063412E54}"/>
+          </ac:grpSpMkLst>
+        </pc:grpChg>
+        <pc:grpChg chg="add del">
+          <ac:chgData name="Sabrina Saiphoo" userId="c384fbdc55ec1817" providerId="LiveId" clId="{C7219627-2762-4F40-B5D0-FB5BACC945B4}" dt="2025-12-05T17:28:55.583" v="951" actId="26606"/>
+          <ac:grpSpMkLst>
+            <pc:docMk/>
+            <pc:sldMk cId="3900803714" sldId="256"/>
+            <ac:grpSpMk id="39" creationId="{D74613BB-817C-4C4F-8A24-4936F2F064C0}"/>
+          </ac:grpSpMkLst>
+        </pc:grpChg>
+        <pc:picChg chg="add del mod">
+          <ac:chgData name="Sabrina Saiphoo" userId="c384fbdc55ec1817" providerId="LiveId" clId="{C7219627-2762-4F40-B5D0-FB5BACC945B4}" dt="2025-12-05T17:28:45.402" v="945" actId="26606"/>
+          <ac:picMkLst>
+            <pc:docMk/>
+            <pc:sldMk cId="3900803714" sldId="256"/>
+            <ac:picMk id="18" creationId="{BD198FFA-3716-F358-7AC2-B233F1C8A6B0}"/>
+          </ac:picMkLst>
+        </pc:picChg>
+        <pc:picChg chg="add del">
+          <ac:chgData name="Sabrina Saiphoo" userId="c384fbdc55ec1817" providerId="LiveId" clId="{C7219627-2762-4F40-B5D0-FB5BACC945B4}" dt="2025-12-05T17:28:49.103" v="949" actId="26606"/>
+          <ac:picMkLst>
+            <pc:docMk/>
+            <pc:sldMk cId="3900803714" sldId="256"/>
+            <ac:picMk id="20" creationId="{4890CFF9-0FE3-3FDD-AB09-593605372811}"/>
+          </ac:picMkLst>
+        </pc:picChg>
+        <pc:picChg chg="add del">
+          <ac:chgData name="Sabrina Saiphoo" userId="c384fbdc55ec1817" providerId="LiveId" clId="{C7219627-2762-4F40-B5D0-FB5BACC945B4}" dt="2025-12-05T17:28:47.586" v="947" actId="26606"/>
+          <ac:picMkLst>
+            <pc:docMk/>
+            <pc:sldMk cId="3900803714" sldId="256"/>
+            <ac:picMk id="28" creationId="{B084A942-1A86-CA13-5CAE-54890B668437}"/>
+          </ac:picMkLst>
+        </pc:picChg>
+        <pc:picChg chg="add del">
+          <ac:chgData name="Sabrina Saiphoo" userId="c384fbdc55ec1817" providerId="LiveId" clId="{C7219627-2762-4F40-B5D0-FB5BACC945B4}" dt="2025-12-05T17:28:55.583" v="951" actId="26606"/>
+          <ac:picMkLst>
+            <pc:docMk/>
+            <pc:sldMk cId="3900803714" sldId="256"/>
+            <ac:picMk id="44" creationId="{02ECEEB5-BF39-EA5B-870B-EBE822E3C2AC}"/>
+          </ac:picMkLst>
+        </pc:picChg>
+        <pc:picChg chg="add del mod ord">
+          <ac:chgData name="Sabrina Saiphoo" userId="c384fbdc55ec1817" providerId="LiveId" clId="{C7219627-2762-4F40-B5D0-FB5BACC945B4}" dt="2025-12-05T17:37:32.487" v="990" actId="14100"/>
+          <ac:picMkLst>
+            <pc:docMk/>
+            <pc:sldMk cId="3900803714" sldId="256"/>
+            <ac:picMk id="47" creationId="{9777E510-FA33-0085-F41F-113903BD8E25}"/>
+          </ac:picMkLst>
+        </pc:picChg>
+        <pc:picChg chg="add">
+          <ac:chgData name="Sabrina Saiphoo" userId="c384fbdc55ec1817" providerId="LiveId" clId="{C7219627-2762-4F40-B5D0-FB5BACC945B4}" dt="2025-12-05T17:32:21.822" v="957"/>
+          <ac:picMkLst>
+            <pc:docMk/>
+            <pc:sldMk cId="3900803714" sldId="256"/>
+            <ac:picMk id="1026" creationId="{6838FFB3-EB55-35FF-5A88-59877D2646F9}"/>
+          </ac:picMkLst>
+        </pc:picChg>
+        <pc:picChg chg="add mod">
+          <ac:chgData name="Sabrina Saiphoo" userId="c384fbdc55ec1817" providerId="LiveId" clId="{C7219627-2762-4F40-B5D0-FB5BACC945B4}" dt="2025-12-05T17:32:29.146" v="963" actId="1076"/>
+          <ac:picMkLst>
+            <pc:docMk/>
+            <pc:sldMk cId="3900803714" sldId="256"/>
+            <ac:picMk id="1028" creationId="{1C0F014F-146F-551D-A29E-CFE6F9522889}"/>
+          </ac:picMkLst>
+        </pc:picChg>
+        <pc:cxnChg chg="add del">
+          <ac:chgData name="Sabrina Saiphoo" userId="c384fbdc55ec1817" providerId="LiveId" clId="{C7219627-2762-4F40-B5D0-FB5BACC945B4}" dt="2025-12-05T17:28:47.586" v="947" actId="26606"/>
+          <ac:cxnSpMkLst>
+            <pc:docMk/>
+            <pc:sldMk cId="3900803714" sldId="256"/>
+            <ac:cxnSpMk id="31" creationId="{61B115DB-65EB-3FC3-7284-CFDF4ADC60B6}"/>
+          </ac:cxnSpMkLst>
+        </pc:cxnChg>
       </pc:sldChg>
-      <pc:sldChg chg="addSp delSp modSp new mod">
-        <pc:chgData name="Sabrina Saiphoo" userId="c384fbdc55ec1817" providerId="LiveId" clId="{C7219627-2762-4F40-B5D0-FB5BACC945B4}" dt="2025-12-05T04:05:21.021" v="42"/>
+      <pc:sldChg chg="addSp delSp modSp new mod ord setBg">
+        <pc:chgData name="Sabrina Saiphoo" userId="c384fbdc55ec1817" providerId="LiveId" clId="{C7219627-2762-4F40-B5D0-FB5BACC945B4}" dt="2025-12-05T17:10:49.743" v="462" actId="20577"/>
         <pc:sldMkLst>
           <pc:docMk/>
           <pc:sldMk cId="3774420809" sldId="257"/>
         </pc:sldMkLst>
         <pc:spChg chg="mod">
-          <ac:chgData name="Sabrina Saiphoo" userId="c384fbdc55ec1817" providerId="LiveId" clId="{C7219627-2762-4F40-B5D0-FB5BACC945B4}" dt="2025-12-05T04:04:25.147" v="32" actId="20577"/>
+          <ac:chgData name="Sabrina Saiphoo" userId="c384fbdc55ec1817" providerId="LiveId" clId="{C7219627-2762-4F40-B5D0-FB5BACC945B4}" dt="2025-12-05T17:10:49.743" v="462" actId="20577"/>
           <ac:spMkLst>
             <pc:docMk/>
             <pc:sldMk cId="3774420809" sldId="257"/>
@@ -163,7 +581,7 @@
           </ac:spMkLst>
         </pc:spChg>
         <pc:spChg chg="add del mod">
-          <ac:chgData name="Sabrina Saiphoo" userId="c384fbdc55ec1817" providerId="LiveId" clId="{C7219627-2762-4F40-B5D0-FB5BACC945B4}" dt="2025-12-05T04:05:21.021" v="42"/>
+          <ac:chgData name="Sabrina Saiphoo" userId="c384fbdc55ec1817" providerId="LiveId" clId="{C7219627-2762-4F40-B5D0-FB5BACC945B4}" dt="2025-12-05T05:13:24.092" v="312" actId="26606"/>
           <ac:spMkLst>
             <pc:docMk/>
             <pc:sldMk cId="3774420809" sldId="257"/>
@@ -186,15 +604,47 @@
             <ac:spMk id="5" creationId="{5F5D54B3-EB33-77EC-134F-1C88D7600405}"/>
           </ac:spMkLst>
         </pc:spChg>
+        <pc:spChg chg="add">
+          <ac:chgData name="Sabrina Saiphoo" userId="c384fbdc55ec1817" providerId="LiveId" clId="{C7219627-2762-4F40-B5D0-FB5BACC945B4}" dt="2025-12-05T05:13:24.092" v="312" actId="26606"/>
+          <ac:spMkLst>
+            <pc:docMk/>
+            <pc:sldMk cId="3774420809" sldId="257"/>
+            <ac:spMk id="8" creationId="{DAF1966E-FD40-4A4A-B61B-C4DF7FA05F06}"/>
+          </ac:spMkLst>
+        </pc:spChg>
+        <pc:spChg chg="add">
+          <ac:chgData name="Sabrina Saiphoo" userId="c384fbdc55ec1817" providerId="LiveId" clId="{C7219627-2762-4F40-B5D0-FB5BACC945B4}" dt="2025-12-05T05:13:24.092" v="312" actId="26606"/>
+          <ac:spMkLst>
+            <pc:docMk/>
+            <pc:sldMk cId="3774420809" sldId="257"/>
+            <ac:spMk id="10" creationId="{047BFA19-D45E-416B-A404-7AF2F3F27017}"/>
+          </ac:spMkLst>
+        </pc:spChg>
+        <pc:spChg chg="add">
+          <ac:chgData name="Sabrina Saiphoo" userId="c384fbdc55ec1817" providerId="LiveId" clId="{C7219627-2762-4F40-B5D0-FB5BACC945B4}" dt="2025-12-05T05:13:24.092" v="312" actId="26606"/>
+          <ac:spMkLst>
+            <pc:docMk/>
+            <pc:sldMk cId="3774420809" sldId="257"/>
+            <ac:spMk id="12" creationId="{8E0105E7-23DB-4CF2-8258-FF47C7620F6E}"/>
+          </ac:spMkLst>
+        </pc:spChg>
+        <pc:spChg chg="add">
+          <ac:chgData name="Sabrina Saiphoo" userId="c384fbdc55ec1817" providerId="LiveId" clId="{C7219627-2762-4F40-B5D0-FB5BACC945B4}" dt="2025-12-05T05:13:24.092" v="312" actId="26606"/>
+          <ac:spMkLst>
+            <pc:docMk/>
+            <pc:sldMk cId="3774420809" sldId="257"/>
+            <ac:spMk id="14" creationId="{074B4F7D-14B2-478B-8BF5-01E4E0C5D263}"/>
+          </ac:spMkLst>
+        </pc:spChg>
       </pc:sldChg>
-      <pc:sldChg chg="modSp new mod">
-        <pc:chgData name="Sabrina Saiphoo" userId="c384fbdc55ec1817" providerId="LiveId" clId="{C7219627-2762-4F40-B5D0-FB5BACC945B4}" dt="2025-12-05T04:13:59.226" v="52" actId="27636"/>
+      <pc:sldChg chg="addSp modSp new mod setBg">
+        <pc:chgData name="Sabrina Saiphoo" userId="c384fbdc55ec1817" providerId="LiveId" clId="{C7219627-2762-4F40-B5D0-FB5BACC945B4}" dt="2025-12-05T05:13:30.340" v="313" actId="26606"/>
         <pc:sldMkLst>
           <pc:docMk/>
           <pc:sldMk cId="1562785195" sldId="258"/>
         </pc:sldMkLst>
         <pc:spChg chg="mod">
-          <ac:chgData name="Sabrina Saiphoo" userId="c384fbdc55ec1817" providerId="LiveId" clId="{C7219627-2762-4F40-B5D0-FB5BACC945B4}" dt="2025-12-05T04:13:57.839" v="50" actId="20577"/>
+          <ac:chgData name="Sabrina Saiphoo" userId="c384fbdc55ec1817" providerId="LiveId" clId="{C7219627-2762-4F40-B5D0-FB5BACC945B4}" dt="2025-12-05T05:13:30.340" v="313" actId="26606"/>
           <ac:spMkLst>
             <pc:docMk/>
             <pc:sldMk cId="1562785195" sldId="258"/>
@@ -202,22 +652,54 @@
           </ac:spMkLst>
         </pc:spChg>
         <pc:spChg chg="mod">
-          <ac:chgData name="Sabrina Saiphoo" userId="c384fbdc55ec1817" providerId="LiveId" clId="{C7219627-2762-4F40-B5D0-FB5BACC945B4}" dt="2025-12-05T04:13:59.226" v="52" actId="27636"/>
+          <ac:chgData name="Sabrina Saiphoo" userId="c384fbdc55ec1817" providerId="LiveId" clId="{C7219627-2762-4F40-B5D0-FB5BACC945B4}" dt="2025-12-05T05:13:30.340" v="313" actId="26606"/>
           <ac:spMkLst>
             <pc:docMk/>
             <pc:sldMk cId="1562785195" sldId="258"/>
             <ac:spMk id="3" creationId="{CF530968-FBBB-275D-311B-50F20A251D33}"/>
           </ac:spMkLst>
         </pc:spChg>
+        <pc:spChg chg="add">
+          <ac:chgData name="Sabrina Saiphoo" userId="c384fbdc55ec1817" providerId="LiveId" clId="{C7219627-2762-4F40-B5D0-FB5BACC945B4}" dt="2025-12-05T05:13:30.340" v="313" actId="26606"/>
+          <ac:spMkLst>
+            <pc:docMk/>
+            <pc:sldMk cId="1562785195" sldId="258"/>
+            <ac:spMk id="8" creationId="{DAF1966E-FD40-4A4A-B61B-C4DF7FA05F06}"/>
+          </ac:spMkLst>
+        </pc:spChg>
+        <pc:spChg chg="add">
+          <ac:chgData name="Sabrina Saiphoo" userId="c384fbdc55ec1817" providerId="LiveId" clId="{C7219627-2762-4F40-B5D0-FB5BACC945B4}" dt="2025-12-05T05:13:30.340" v="313" actId="26606"/>
+          <ac:spMkLst>
+            <pc:docMk/>
+            <pc:sldMk cId="1562785195" sldId="258"/>
+            <ac:spMk id="10" creationId="{047BFA19-D45E-416B-A404-7AF2F3F27017}"/>
+          </ac:spMkLst>
+        </pc:spChg>
+        <pc:spChg chg="add">
+          <ac:chgData name="Sabrina Saiphoo" userId="c384fbdc55ec1817" providerId="LiveId" clId="{C7219627-2762-4F40-B5D0-FB5BACC945B4}" dt="2025-12-05T05:13:30.340" v="313" actId="26606"/>
+          <ac:spMkLst>
+            <pc:docMk/>
+            <pc:sldMk cId="1562785195" sldId="258"/>
+            <ac:spMk id="12" creationId="{8E0105E7-23DB-4CF2-8258-FF47C7620F6E}"/>
+          </ac:spMkLst>
+        </pc:spChg>
+        <pc:spChg chg="add">
+          <ac:chgData name="Sabrina Saiphoo" userId="c384fbdc55ec1817" providerId="LiveId" clId="{C7219627-2762-4F40-B5D0-FB5BACC945B4}" dt="2025-12-05T05:13:30.340" v="313" actId="26606"/>
+          <ac:spMkLst>
+            <pc:docMk/>
+            <pc:sldMk cId="1562785195" sldId="258"/>
+            <ac:spMk id="14" creationId="{074B4F7D-14B2-478B-8BF5-01E4E0C5D263}"/>
+          </ac:spMkLst>
+        </pc:spChg>
       </pc:sldChg>
-      <pc:sldChg chg="addSp delSp modSp new mod">
-        <pc:chgData name="Sabrina Saiphoo" userId="c384fbdc55ec1817" providerId="LiveId" clId="{C7219627-2762-4F40-B5D0-FB5BACC945B4}" dt="2025-12-05T04:26:52.454" v="111" actId="478"/>
+      <pc:sldChg chg="addSp delSp modSp new mod setBg">
+        <pc:chgData name="Sabrina Saiphoo" userId="c384fbdc55ec1817" providerId="LiveId" clId="{C7219627-2762-4F40-B5D0-FB5BACC945B4}" dt="2025-12-05T05:12:03.245" v="302" actId="26606"/>
         <pc:sldMkLst>
           <pc:docMk/>
           <pc:sldMk cId="2006350347" sldId="259"/>
         </pc:sldMkLst>
         <pc:spChg chg="mod">
-          <ac:chgData name="Sabrina Saiphoo" userId="c384fbdc55ec1817" providerId="LiveId" clId="{C7219627-2762-4F40-B5D0-FB5BACC945B4}" dt="2025-12-05T04:19:07.830" v="80" actId="20577"/>
+          <ac:chgData name="Sabrina Saiphoo" userId="c384fbdc55ec1817" providerId="LiveId" clId="{C7219627-2762-4F40-B5D0-FB5BACC945B4}" dt="2025-12-05T05:12:03.245" v="302" actId="26606"/>
           <ac:spMkLst>
             <pc:docMk/>
             <pc:sldMk cId="2006350347" sldId="259"/>
@@ -232,12 +714,60 @@
             <ac:spMk id="3" creationId="{0E8F32EB-23EF-9B12-D901-6FF02FA4F35F}"/>
           </ac:spMkLst>
         </pc:spChg>
-        <pc:spChg chg="add mod">
-          <ac:chgData name="Sabrina Saiphoo" userId="c384fbdc55ec1817" providerId="LiveId" clId="{C7219627-2762-4F40-B5D0-FB5BACC945B4}" dt="2025-12-05T04:26:52.454" v="111" actId="478"/>
+        <pc:spChg chg="add del mod">
+          <ac:chgData name="Sabrina Saiphoo" userId="c384fbdc55ec1817" providerId="LiveId" clId="{C7219627-2762-4F40-B5D0-FB5BACC945B4}" dt="2025-12-05T05:09:59.312" v="267"/>
+          <ac:spMkLst>
+            <pc:docMk/>
+            <pc:sldMk cId="2006350347" sldId="259"/>
+            <ac:spMk id="4" creationId="{91CBBAAB-CE54-C9A2-6C7E-10EE3D869C0E}"/>
+          </ac:spMkLst>
+        </pc:spChg>
+        <pc:spChg chg="add del mod">
+          <ac:chgData name="Sabrina Saiphoo" userId="c384fbdc55ec1817" providerId="LiveId" clId="{C7219627-2762-4F40-B5D0-FB5BACC945B4}" dt="2025-12-05T04:44:15.086" v="261"/>
           <ac:spMkLst>
             <pc:docMk/>
             <pc:sldMk cId="2006350347" sldId="259"/>
             <ac:spMk id="7" creationId="{F498FD9B-9118-B951-2FD8-95C16DD5056E}"/>
+          </ac:spMkLst>
+        </pc:spChg>
+        <pc:spChg chg="add del">
+          <ac:chgData name="Sabrina Saiphoo" userId="c384fbdc55ec1817" providerId="LiveId" clId="{C7219627-2762-4F40-B5D0-FB5BACC945B4}" dt="2025-12-05T05:12:03.245" v="302" actId="26606"/>
+          <ac:spMkLst>
+            <pc:docMk/>
+            <pc:sldMk cId="2006350347" sldId="259"/>
+            <ac:spMk id="11" creationId="{665DBBEF-238B-476B-96AB-8AAC3224ECEA}"/>
+          </ac:spMkLst>
+        </pc:spChg>
+        <pc:spChg chg="add del">
+          <ac:chgData name="Sabrina Saiphoo" userId="c384fbdc55ec1817" providerId="LiveId" clId="{C7219627-2762-4F40-B5D0-FB5BACC945B4}" dt="2025-12-05T05:12:03.245" v="302" actId="26606"/>
+          <ac:spMkLst>
+            <pc:docMk/>
+            <pc:sldMk cId="2006350347" sldId="259"/>
+            <ac:spMk id="13" creationId="{3FCFB1DE-0B7E-48CC-BA90-B2AB0889F9D6}"/>
+          </ac:spMkLst>
+        </pc:spChg>
+        <pc:spChg chg="add">
+          <ac:chgData name="Sabrina Saiphoo" userId="c384fbdc55ec1817" providerId="LiveId" clId="{C7219627-2762-4F40-B5D0-FB5BACC945B4}" dt="2025-12-05T05:12:03.245" v="302" actId="26606"/>
+          <ac:spMkLst>
+            <pc:docMk/>
+            <pc:sldMk cId="2006350347" sldId="259"/>
+            <ac:spMk id="18" creationId="{68AF5748-FED8-45BA-8631-26D1D10F3246}"/>
+          </ac:spMkLst>
+        </pc:spChg>
+        <pc:spChg chg="add">
+          <ac:chgData name="Sabrina Saiphoo" userId="c384fbdc55ec1817" providerId="LiveId" clId="{C7219627-2762-4F40-B5D0-FB5BACC945B4}" dt="2025-12-05T05:12:03.245" v="302" actId="26606"/>
+          <ac:spMkLst>
+            <pc:docMk/>
+            <pc:sldMk cId="2006350347" sldId="259"/>
+            <ac:spMk id="20" creationId="{AF2F604E-43BE-4DC3-B983-E071523364F8}"/>
+          </ac:spMkLst>
+        </pc:spChg>
+        <pc:spChg chg="add">
+          <ac:chgData name="Sabrina Saiphoo" userId="c384fbdc55ec1817" providerId="LiveId" clId="{C7219627-2762-4F40-B5D0-FB5BACC945B4}" dt="2025-12-05T05:12:03.245" v="302" actId="26606"/>
+          <ac:spMkLst>
+            <pc:docMk/>
+            <pc:sldMk cId="2006350347" sldId="259"/>
+            <ac:spMk id="22" creationId="{08C9B587-E65E-4B52-B37C-ABEBB6E87928}"/>
           </ac:spMkLst>
         </pc:spChg>
         <pc:picChg chg="add del mod">
@@ -248,15 +778,31 @@
             <ac:picMk id="5" creationId="{2AF0C74C-60C9-7B60-D12D-A9974575FE10}"/>
           </ac:picMkLst>
         </pc:picChg>
+        <pc:picChg chg="add mod">
+          <ac:chgData name="Sabrina Saiphoo" userId="c384fbdc55ec1817" providerId="LiveId" clId="{C7219627-2762-4F40-B5D0-FB5BACC945B4}" dt="2025-12-05T05:12:03.245" v="302" actId="26606"/>
+          <ac:picMkLst>
+            <pc:docMk/>
+            <pc:sldMk cId="2006350347" sldId="259"/>
+            <ac:picMk id="6" creationId="{C0B9DBBF-5366-1389-ED0C-AC6C0CDEB959}"/>
+          </ac:picMkLst>
+        </pc:picChg>
+        <pc:picChg chg="add del mod">
+          <ac:chgData name="Sabrina Saiphoo" userId="c384fbdc55ec1817" providerId="LiveId" clId="{C7219627-2762-4F40-B5D0-FB5BACC945B4}" dt="2025-12-05T05:09:44.648" v="266" actId="478"/>
+          <ac:picMkLst>
+            <pc:docMk/>
+            <pc:sldMk cId="2006350347" sldId="259"/>
+            <ac:picMk id="9" creationId="{236A99C1-5586-B223-CBC0-C498AAFC72D6}"/>
+          </ac:picMkLst>
+        </pc:picChg>
       </pc:sldChg>
-      <pc:sldChg chg="addSp delSp modSp new mod">
-        <pc:chgData name="Sabrina Saiphoo" userId="c384fbdc55ec1817" providerId="LiveId" clId="{C7219627-2762-4F40-B5D0-FB5BACC945B4}" dt="2025-12-05T04:26:55.035" v="112" actId="478"/>
+      <pc:sldChg chg="addSp delSp modSp new mod setBg">
+        <pc:chgData name="Sabrina Saiphoo" userId="c384fbdc55ec1817" providerId="LiveId" clId="{C7219627-2762-4F40-B5D0-FB5BACC945B4}" dt="2025-12-05T05:12:06.247" v="303" actId="26606"/>
         <pc:sldMkLst>
           <pc:docMk/>
           <pc:sldMk cId="2571068111" sldId="260"/>
         </pc:sldMkLst>
         <pc:spChg chg="mod">
-          <ac:chgData name="Sabrina Saiphoo" userId="c384fbdc55ec1817" providerId="LiveId" clId="{C7219627-2762-4F40-B5D0-FB5BACC945B4}" dt="2025-12-05T04:19:23.044" v="107" actId="20577"/>
+          <ac:chgData name="Sabrina Saiphoo" userId="c384fbdc55ec1817" providerId="LiveId" clId="{C7219627-2762-4F40-B5D0-FB5BACC945B4}" dt="2025-12-05T05:12:06.247" v="303" actId="26606"/>
           <ac:spMkLst>
             <pc:docMk/>
             <pc:sldMk cId="2571068111" sldId="260"/>
@@ -271,14 +817,62 @@
             <ac:spMk id="3" creationId="{2B6E11EB-13AB-7A60-F7ED-FE8D82A3D34C}"/>
           </ac:spMkLst>
         </pc:spChg>
-        <pc:spChg chg="add mod">
-          <ac:chgData name="Sabrina Saiphoo" userId="c384fbdc55ec1817" providerId="LiveId" clId="{C7219627-2762-4F40-B5D0-FB5BACC945B4}" dt="2025-12-05T04:26:55.035" v="112" actId="478"/>
+        <pc:spChg chg="add del mod">
+          <ac:chgData name="Sabrina Saiphoo" userId="c384fbdc55ec1817" providerId="LiveId" clId="{C7219627-2762-4F40-B5D0-FB5BACC945B4}" dt="2025-12-05T05:10:05.284" v="270"/>
           <ac:spMkLst>
             <pc:docMk/>
             <pc:sldMk cId="2571068111" sldId="260"/>
             <ac:spMk id="7" creationId="{5559CD8B-1923-3EA4-1604-000332616E15}"/>
           </ac:spMkLst>
         </pc:spChg>
+        <pc:spChg chg="add del">
+          <ac:chgData name="Sabrina Saiphoo" userId="c384fbdc55ec1817" providerId="LiveId" clId="{C7219627-2762-4F40-B5D0-FB5BACC945B4}" dt="2025-12-05T05:12:06.247" v="303" actId="26606"/>
+          <ac:spMkLst>
+            <pc:docMk/>
+            <pc:sldMk cId="2571068111" sldId="260"/>
+            <ac:spMk id="9" creationId="{665DBBEF-238B-476B-96AB-8AAC3224ECEA}"/>
+          </ac:spMkLst>
+        </pc:spChg>
+        <pc:spChg chg="add del">
+          <ac:chgData name="Sabrina Saiphoo" userId="c384fbdc55ec1817" providerId="LiveId" clId="{C7219627-2762-4F40-B5D0-FB5BACC945B4}" dt="2025-12-05T05:12:06.247" v="303" actId="26606"/>
+          <ac:spMkLst>
+            <pc:docMk/>
+            <pc:sldMk cId="2571068111" sldId="260"/>
+            <ac:spMk id="11" creationId="{3FCFB1DE-0B7E-48CC-BA90-B2AB0889F9D6}"/>
+          </ac:spMkLst>
+        </pc:spChg>
+        <pc:spChg chg="add">
+          <ac:chgData name="Sabrina Saiphoo" userId="c384fbdc55ec1817" providerId="LiveId" clId="{C7219627-2762-4F40-B5D0-FB5BACC945B4}" dt="2025-12-05T05:12:06.247" v="303" actId="26606"/>
+          <ac:spMkLst>
+            <pc:docMk/>
+            <pc:sldMk cId="2571068111" sldId="260"/>
+            <ac:spMk id="16" creationId="{68AF5748-FED8-45BA-8631-26D1D10F3246}"/>
+          </ac:spMkLst>
+        </pc:spChg>
+        <pc:spChg chg="add">
+          <ac:chgData name="Sabrina Saiphoo" userId="c384fbdc55ec1817" providerId="LiveId" clId="{C7219627-2762-4F40-B5D0-FB5BACC945B4}" dt="2025-12-05T05:12:06.247" v="303" actId="26606"/>
+          <ac:spMkLst>
+            <pc:docMk/>
+            <pc:sldMk cId="2571068111" sldId="260"/>
+            <ac:spMk id="18" creationId="{AF2F604E-43BE-4DC3-B983-E071523364F8}"/>
+          </ac:spMkLst>
+        </pc:spChg>
+        <pc:spChg chg="add">
+          <ac:chgData name="Sabrina Saiphoo" userId="c384fbdc55ec1817" providerId="LiveId" clId="{C7219627-2762-4F40-B5D0-FB5BACC945B4}" dt="2025-12-05T05:12:06.247" v="303" actId="26606"/>
+          <ac:spMkLst>
+            <pc:docMk/>
+            <pc:sldMk cId="2571068111" sldId="260"/>
+            <ac:spMk id="20" creationId="{08C9B587-E65E-4B52-B37C-ABEBB6E87928}"/>
+          </ac:spMkLst>
+        </pc:spChg>
+        <pc:picChg chg="add mod">
+          <ac:chgData name="Sabrina Saiphoo" userId="c384fbdc55ec1817" providerId="LiveId" clId="{C7219627-2762-4F40-B5D0-FB5BACC945B4}" dt="2025-12-05T05:12:06.247" v="303" actId="26606"/>
+          <ac:picMkLst>
+            <pc:docMk/>
+            <pc:sldMk cId="2571068111" sldId="260"/>
+            <ac:picMk id="4" creationId="{25720D99-0272-52A3-204C-9A304F3383A7}"/>
+          </ac:picMkLst>
+        </pc:picChg>
         <pc:picChg chg="add del mod">
           <ac:chgData name="Sabrina Saiphoo" userId="c384fbdc55ec1817" providerId="LiveId" clId="{C7219627-2762-4F40-B5D0-FB5BACC945B4}" dt="2025-12-05T04:26:55.035" v="112" actId="478"/>
           <ac:picMkLst>
@@ -288,14 +882,14 @@
           </ac:picMkLst>
         </pc:picChg>
       </pc:sldChg>
-      <pc:sldChg chg="addSp delSp modSp new mod">
-        <pc:chgData name="Sabrina Saiphoo" userId="c384fbdc55ec1817" providerId="LiveId" clId="{C7219627-2762-4F40-B5D0-FB5BACC945B4}" dt="2025-12-05T04:28:18.833" v="171" actId="478"/>
+      <pc:sldChg chg="addSp delSp modSp new mod setBg">
+        <pc:chgData name="Sabrina Saiphoo" userId="c384fbdc55ec1817" providerId="LiveId" clId="{C7219627-2762-4F40-B5D0-FB5BACC945B4}" dt="2025-12-05T05:12:09.605" v="304" actId="26606"/>
         <pc:sldMkLst>
           <pc:docMk/>
           <pc:sldMk cId="721873184" sldId="261"/>
         </pc:sldMkLst>
         <pc:spChg chg="mod">
-          <ac:chgData name="Sabrina Saiphoo" userId="c384fbdc55ec1817" providerId="LiveId" clId="{C7219627-2762-4F40-B5D0-FB5BACC945B4}" dt="2025-12-05T04:28:12.674" v="170" actId="20577"/>
+          <ac:chgData name="Sabrina Saiphoo" userId="c384fbdc55ec1817" providerId="LiveId" clId="{C7219627-2762-4F40-B5D0-FB5BACC945B4}" dt="2025-12-05T05:12:09.605" v="304" actId="26606"/>
           <ac:spMkLst>
             <pc:docMk/>
             <pc:sldMk cId="721873184" sldId="261"/>
@@ -310,14 +904,62 @@
             <ac:spMk id="3" creationId="{972CBC7D-8BBE-721D-A01A-A6EDFAB5D775}"/>
           </ac:spMkLst>
         </pc:spChg>
-        <pc:spChg chg="add mod">
-          <ac:chgData name="Sabrina Saiphoo" userId="c384fbdc55ec1817" providerId="LiveId" clId="{C7219627-2762-4F40-B5D0-FB5BACC945B4}" dt="2025-12-05T04:28:18.833" v="171" actId="478"/>
+        <pc:spChg chg="add del mod">
+          <ac:chgData name="Sabrina Saiphoo" userId="c384fbdc55ec1817" providerId="LiveId" clId="{C7219627-2762-4F40-B5D0-FB5BACC945B4}" dt="2025-12-05T05:10:10.300" v="272"/>
           <ac:spMkLst>
             <pc:docMk/>
             <pc:sldMk cId="721873184" sldId="261"/>
             <ac:spMk id="7" creationId="{53683359-93D0-6B5F-0C3E-452D7FB09ECC}"/>
           </ac:spMkLst>
         </pc:spChg>
+        <pc:spChg chg="add del">
+          <ac:chgData name="Sabrina Saiphoo" userId="c384fbdc55ec1817" providerId="LiveId" clId="{C7219627-2762-4F40-B5D0-FB5BACC945B4}" dt="2025-12-05T05:12:09.605" v="304" actId="26606"/>
+          <ac:spMkLst>
+            <pc:docMk/>
+            <pc:sldMk cId="721873184" sldId="261"/>
+            <ac:spMk id="9" creationId="{665DBBEF-238B-476B-96AB-8AAC3224ECEA}"/>
+          </ac:spMkLst>
+        </pc:spChg>
+        <pc:spChg chg="add del">
+          <ac:chgData name="Sabrina Saiphoo" userId="c384fbdc55ec1817" providerId="LiveId" clId="{C7219627-2762-4F40-B5D0-FB5BACC945B4}" dt="2025-12-05T05:12:09.605" v="304" actId="26606"/>
+          <ac:spMkLst>
+            <pc:docMk/>
+            <pc:sldMk cId="721873184" sldId="261"/>
+            <ac:spMk id="11" creationId="{3FCFB1DE-0B7E-48CC-BA90-B2AB0889F9D6}"/>
+          </ac:spMkLst>
+        </pc:spChg>
+        <pc:spChg chg="add">
+          <ac:chgData name="Sabrina Saiphoo" userId="c384fbdc55ec1817" providerId="LiveId" clId="{C7219627-2762-4F40-B5D0-FB5BACC945B4}" dt="2025-12-05T05:12:09.605" v="304" actId="26606"/>
+          <ac:spMkLst>
+            <pc:docMk/>
+            <pc:sldMk cId="721873184" sldId="261"/>
+            <ac:spMk id="16" creationId="{68AF5748-FED8-45BA-8631-26D1D10F3246}"/>
+          </ac:spMkLst>
+        </pc:spChg>
+        <pc:spChg chg="add">
+          <ac:chgData name="Sabrina Saiphoo" userId="c384fbdc55ec1817" providerId="LiveId" clId="{C7219627-2762-4F40-B5D0-FB5BACC945B4}" dt="2025-12-05T05:12:09.605" v="304" actId="26606"/>
+          <ac:spMkLst>
+            <pc:docMk/>
+            <pc:sldMk cId="721873184" sldId="261"/>
+            <ac:spMk id="18" creationId="{AF2F604E-43BE-4DC3-B983-E071523364F8}"/>
+          </ac:spMkLst>
+        </pc:spChg>
+        <pc:spChg chg="add">
+          <ac:chgData name="Sabrina Saiphoo" userId="c384fbdc55ec1817" providerId="LiveId" clId="{C7219627-2762-4F40-B5D0-FB5BACC945B4}" dt="2025-12-05T05:12:09.605" v="304" actId="26606"/>
+          <ac:spMkLst>
+            <pc:docMk/>
+            <pc:sldMk cId="721873184" sldId="261"/>
+            <ac:spMk id="20" creationId="{08C9B587-E65E-4B52-B37C-ABEBB6E87928}"/>
+          </ac:spMkLst>
+        </pc:spChg>
+        <pc:picChg chg="add mod">
+          <ac:chgData name="Sabrina Saiphoo" userId="c384fbdc55ec1817" providerId="LiveId" clId="{C7219627-2762-4F40-B5D0-FB5BACC945B4}" dt="2025-12-05T05:12:09.605" v="304" actId="26606"/>
+          <ac:picMkLst>
+            <pc:docMk/>
+            <pc:sldMk cId="721873184" sldId="261"/>
+            <ac:picMk id="4" creationId="{A88D4708-CD6F-B152-141B-708A63023DC3}"/>
+          </ac:picMkLst>
+        </pc:picChg>
         <pc:picChg chg="add del mod">
           <ac:chgData name="Sabrina Saiphoo" userId="c384fbdc55ec1817" providerId="LiveId" clId="{C7219627-2762-4F40-B5D0-FB5BACC945B4}" dt="2025-12-05T04:28:18.833" v="171" actId="478"/>
           <ac:picMkLst>
@@ -327,61 +969,980 @@
           </ac:picMkLst>
         </pc:picChg>
       </pc:sldChg>
-      <pc:sldChg chg="modSp add mod">
-        <pc:chgData name="Sabrina Saiphoo" userId="c384fbdc55ec1817" providerId="LiveId" clId="{C7219627-2762-4F40-B5D0-FB5BACC945B4}" dt="2025-12-05T04:28:31.801" v="183" actId="20577"/>
+      <pc:sldChg chg="addSp delSp modSp add mod setBg">
+        <pc:chgData name="Sabrina Saiphoo" userId="c384fbdc55ec1817" providerId="LiveId" clId="{C7219627-2762-4F40-B5D0-FB5BACC945B4}" dt="2025-12-05T05:11:58.284" v="301" actId="26606"/>
         <pc:sldMkLst>
           <pc:docMk/>
           <pc:sldMk cId="1614155236" sldId="262"/>
         </pc:sldMkLst>
         <pc:spChg chg="mod">
-          <ac:chgData name="Sabrina Saiphoo" userId="c384fbdc55ec1817" providerId="LiveId" clId="{C7219627-2762-4F40-B5D0-FB5BACC945B4}" dt="2025-12-05T04:28:31.801" v="183" actId="20577"/>
+          <ac:chgData name="Sabrina Saiphoo" userId="c384fbdc55ec1817" providerId="LiveId" clId="{C7219627-2762-4F40-B5D0-FB5BACC945B4}" dt="2025-12-05T05:11:58.284" v="301" actId="26606"/>
           <ac:spMkLst>
             <pc:docMk/>
             <pc:sldMk cId="1614155236" sldId="262"/>
             <ac:spMk id="2" creationId="{F9586A67-2A06-FD07-F282-8990DB42C684}"/>
           </ac:spMkLst>
         </pc:spChg>
+        <pc:spChg chg="del">
+          <ac:chgData name="Sabrina Saiphoo" userId="c384fbdc55ec1817" providerId="LiveId" clId="{C7219627-2762-4F40-B5D0-FB5BACC945B4}" dt="2025-12-05T05:10:14.379" v="275"/>
+          <ac:spMkLst>
+            <pc:docMk/>
+            <pc:sldMk cId="1614155236" sldId="262"/>
+            <ac:spMk id="7" creationId="{6217E57D-15CB-69C8-01DE-9170D3075E5F}"/>
+          </ac:spMkLst>
+        </pc:spChg>
+        <pc:spChg chg="add del">
+          <ac:chgData name="Sabrina Saiphoo" userId="c384fbdc55ec1817" providerId="LiveId" clId="{C7219627-2762-4F40-B5D0-FB5BACC945B4}" dt="2025-12-05T05:11:56.337" v="298" actId="26606"/>
+          <ac:spMkLst>
+            <pc:docMk/>
+            <pc:sldMk cId="1614155236" sldId="262"/>
+            <ac:spMk id="9" creationId="{68AF5748-FED8-45BA-8631-26D1D10F3246}"/>
+          </ac:spMkLst>
+        </pc:spChg>
+        <pc:spChg chg="add del">
+          <ac:chgData name="Sabrina Saiphoo" userId="c384fbdc55ec1817" providerId="LiveId" clId="{C7219627-2762-4F40-B5D0-FB5BACC945B4}" dt="2025-12-05T05:11:56.337" v="298" actId="26606"/>
+          <ac:spMkLst>
+            <pc:docMk/>
+            <pc:sldMk cId="1614155236" sldId="262"/>
+            <ac:spMk id="11" creationId="{AF2F604E-43BE-4DC3-B983-E071523364F8}"/>
+          </ac:spMkLst>
+        </pc:spChg>
+        <pc:spChg chg="add del">
+          <ac:chgData name="Sabrina Saiphoo" userId="c384fbdc55ec1817" providerId="LiveId" clId="{C7219627-2762-4F40-B5D0-FB5BACC945B4}" dt="2025-12-05T05:11:56.337" v="298" actId="26606"/>
+          <ac:spMkLst>
+            <pc:docMk/>
+            <pc:sldMk cId="1614155236" sldId="262"/>
+            <ac:spMk id="13" creationId="{08C9B587-E65E-4B52-B37C-ABEBB6E87928}"/>
+          </ac:spMkLst>
+        </pc:spChg>
+        <pc:spChg chg="add del">
+          <ac:chgData name="Sabrina Saiphoo" userId="c384fbdc55ec1817" providerId="LiveId" clId="{C7219627-2762-4F40-B5D0-FB5BACC945B4}" dt="2025-12-05T05:11:58.253" v="300" actId="26606"/>
+          <ac:spMkLst>
+            <pc:docMk/>
+            <pc:sldMk cId="1614155236" sldId="262"/>
+            <ac:spMk id="15" creationId="{665DBBEF-238B-476B-96AB-8AAC3224ECEA}"/>
+          </ac:spMkLst>
+        </pc:spChg>
+        <pc:spChg chg="add del">
+          <ac:chgData name="Sabrina Saiphoo" userId="c384fbdc55ec1817" providerId="LiveId" clId="{C7219627-2762-4F40-B5D0-FB5BACC945B4}" dt="2025-12-05T05:11:58.253" v="300" actId="26606"/>
+          <ac:spMkLst>
+            <pc:docMk/>
+            <pc:sldMk cId="1614155236" sldId="262"/>
+            <ac:spMk id="16" creationId="{3FCFB1DE-0B7E-48CC-BA90-B2AB0889F9D6}"/>
+          </ac:spMkLst>
+        </pc:spChg>
+        <pc:spChg chg="add">
+          <ac:chgData name="Sabrina Saiphoo" userId="c384fbdc55ec1817" providerId="LiveId" clId="{C7219627-2762-4F40-B5D0-FB5BACC945B4}" dt="2025-12-05T05:11:58.284" v="301" actId="26606"/>
+          <ac:spMkLst>
+            <pc:docMk/>
+            <pc:sldMk cId="1614155236" sldId="262"/>
+            <ac:spMk id="18" creationId="{68AF5748-FED8-45BA-8631-26D1D10F3246}"/>
+          </ac:spMkLst>
+        </pc:spChg>
+        <pc:spChg chg="add">
+          <ac:chgData name="Sabrina Saiphoo" userId="c384fbdc55ec1817" providerId="LiveId" clId="{C7219627-2762-4F40-B5D0-FB5BACC945B4}" dt="2025-12-05T05:11:58.284" v="301" actId="26606"/>
+          <ac:spMkLst>
+            <pc:docMk/>
+            <pc:sldMk cId="1614155236" sldId="262"/>
+            <ac:spMk id="19" creationId="{AF2F604E-43BE-4DC3-B983-E071523364F8}"/>
+          </ac:spMkLst>
+        </pc:spChg>
+        <pc:spChg chg="add">
+          <ac:chgData name="Sabrina Saiphoo" userId="c384fbdc55ec1817" providerId="LiveId" clId="{C7219627-2762-4F40-B5D0-FB5BACC945B4}" dt="2025-12-05T05:11:58.284" v="301" actId="26606"/>
+          <ac:spMkLst>
+            <pc:docMk/>
+            <pc:sldMk cId="1614155236" sldId="262"/>
+            <ac:spMk id="20" creationId="{08C9B587-E65E-4B52-B37C-ABEBB6E87928}"/>
+          </ac:spMkLst>
+        </pc:spChg>
+        <pc:picChg chg="add mod">
+          <ac:chgData name="Sabrina Saiphoo" userId="c384fbdc55ec1817" providerId="LiveId" clId="{C7219627-2762-4F40-B5D0-FB5BACC945B4}" dt="2025-12-05T05:11:58.284" v="301" actId="26606"/>
+          <ac:picMkLst>
+            <pc:docMk/>
+            <pc:sldMk cId="1614155236" sldId="262"/>
+            <ac:picMk id="4" creationId="{A992125B-0444-8F48-CBBA-0CADA1F03A7A}"/>
+          </ac:picMkLst>
+        </pc:picChg>
       </pc:sldChg>
-      <pc:sldChg chg="modSp add mod">
-        <pc:chgData name="Sabrina Saiphoo" userId="c384fbdc55ec1817" providerId="LiveId" clId="{C7219627-2762-4F40-B5D0-FB5BACC945B4}" dt="2025-12-05T04:29:05.566" v="252" actId="20577"/>
+      <pc:sldChg chg="addSp delSp modSp add mod setBg">
+        <pc:chgData name="Sabrina Saiphoo" userId="c384fbdc55ec1817" providerId="LiveId" clId="{C7219627-2762-4F40-B5D0-FB5BACC945B4}" dt="2025-12-05T05:12:17.003" v="306" actId="26606"/>
         <pc:sldMkLst>
           <pc:docMk/>
           <pc:sldMk cId="3150043789" sldId="263"/>
         </pc:sldMkLst>
         <pc:spChg chg="mod">
-          <ac:chgData name="Sabrina Saiphoo" userId="c384fbdc55ec1817" providerId="LiveId" clId="{C7219627-2762-4F40-B5D0-FB5BACC945B4}" dt="2025-12-05T04:29:05.566" v="252" actId="20577"/>
+          <ac:chgData name="Sabrina Saiphoo" userId="c384fbdc55ec1817" providerId="LiveId" clId="{C7219627-2762-4F40-B5D0-FB5BACC945B4}" dt="2025-12-05T05:12:17.003" v="306" actId="26606"/>
           <ac:spMkLst>
             <pc:docMk/>
             <pc:sldMk cId="3150043789" sldId="263"/>
             <ac:spMk id="2" creationId="{A1FE1C16-4AD2-88D6-1EF1-8FD19066BF5D}"/>
           </ac:spMkLst>
         </pc:spChg>
+        <pc:spChg chg="del">
+          <ac:chgData name="Sabrina Saiphoo" userId="c384fbdc55ec1817" providerId="LiveId" clId="{C7219627-2762-4F40-B5D0-FB5BACC945B4}" dt="2025-12-05T05:10:27.230" v="281"/>
+          <ac:spMkLst>
+            <pc:docMk/>
+            <pc:sldMk cId="3150043789" sldId="263"/>
+            <ac:spMk id="7" creationId="{BF2B3E1F-D8A3-6619-1BEC-9D1F0851767C}"/>
+          </ac:spMkLst>
+        </pc:spChg>
+        <pc:spChg chg="add">
+          <ac:chgData name="Sabrina Saiphoo" userId="c384fbdc55ec1817" providerId="LiveId" clId="{C7219627-2762-4F40-B5D0-FB5BACC945B4}" dt="2025-12-05T05:12:17.003" v="306" actId="26606"/>
+          <ac:spMkLst>
+            <pc:docMk/>
+            <pc:sldMk cId="3150043789" sldId="263"/>
+            <ac:spMk id="9" creationId="{68AF5748-FED8-45BA-8631-26D1D10F3246}"/>
+          </ac:spMkLst>
+        </pc:spChg>
+        <pc:spChg chg="add">
+          <ac:chgData name="Sabrina Saiphoo" userId="c384fbdc55ec1817" providerId="LiveId" clId="{C7219627-2762-4F40-B5D0-FB5BACC945B4}" dt="2025-12-05T05:12:17.003" v="306" actId="26606"/>
+          <ac:spMkLst>
+            <pc:docMk/>
+            <pc:sldMk cId="3150043789" sldId="263"/>
+            <ac:spMk id="11" creationId="{AF2F604E-43BE-4DC3-B983-E071523364F8}"/>
+          </ac:spMkLst>
+        </pc:spChg>
+        <pc:spChg chg="add">
+          <ac:chgData name="Sabrina Saiphoo" userId="c384fbdc55ec1817" providerId="LiveId" clId="{C7219627-2762-4F40-B5D0-FB5BACC945B4}" dt="2025-12-05T05:12:17.003" v="306" actId="26606"/>
+          <ac:spMkLst>
+            <pc:docMk/>
+            <pc:sldMk cId="3150043789" sldId="263"/>
+            <ac:spMk id="13" creationId="{08C9B587-E65E-4B52-B37C-ABEBB6E87928}"/>
+          </ac:spMkLst>
+        </pc:spChg>
+        <pc:picChg chg="add mod">
+          <ac:chgData name="Sabrina Saiphoo" userId="c384fbdc55ec1817" providerId="LiveId" clId="{C7219627-2762-4F40-B5D0-FB5BACC945B4}" dt="2025-12-05T05:12:17.003" v="306" actId="26606"/>
+          <ac:picMkLst>
+            <pc:docMk/>
+            <pc:sldMk cId="3150043789" sldId="263"/>
+            <ac:picMk id="4" creationId="{A1C67450-868C-EDDC-8BA9-25CCDA47F7FD}"/>
+          </ac:picMkLst>
+        </pc:picChg>
       </pc:sldChg>
-      <pc:sldChg chg="add">
-        <pc:chgData name="Sabrina Saiphoo" userId="c384fbdc55ec1817" providerId="LiveId" clId="{C7219627-2762-4F40-B5D0-FB5BACC945B4}" dt="2025-12-05T04:28:35.010" v="184"/>
+      <pc:sldChg chg="add del">
+        <pc:chgData name="Sabrina Saiphoo" userId="c384fbdc55ec1817" providerId="LiveId" clId="{C7219627-2762-4F40-B5D0-FB5BACC945B4}" dt="2025-12-05T05:12:33.675" v="307" actId="47"/>
         <pc:sldMkLst>
           <pc:docMk/>
           <pc:sldMk cId="3315205668" sldId="264"/>
         </pc:sldMkLst>
       </pc:sldChg>
-      <pc:sldChg chg="modSp add mod ord">
-        <pc:chgData name="Sabrina Saiphoo" userId="c384fbdc55ec1817" providerId="LiveId" clId="{C7219627-2762-4F40-B5D0-FB5BACC945B4}" dt="2025-12-05T04:29:24.587" v="260" actId="20577"/>
+      <pc:sldChg chg="addSp delSp modSp add mod ord setBg">
+        <pc:chgData name="Sabrina Saiphoo" userId="c384fbdc55ec1817" providerId="LiveId" clId="{C7219627-2762-4F40-B5D0-FB5BACC945B4}" dt="2025-12-05T05:12:13.098" v="305" actId="26606"/>
         <pc:sldMkLst>
           <pc:docMk/>
           <pc:sldMk cId="4229450842" sldId="265"/>
         </pc:sldMkLst>
         <pc:spChg chg="mod">
-          <ac:chgData name="Sabrina Saiphoo" userId="c384fbdc55ec1817" providerId="LiveId" clId="{C7219627-2762-4F40-B5D0-FB5BACC945B4}" dt="2025-12-05T04:29:24.587" v="260" actId="20577"/>
+          <ac:chgData name="Sabrina Saiphoo" userId="c384fbdc55ec1817" providerId="LiveId" clId="{C7219627-2762-4F40-B5D0-FB5BACC945B4}" dt="2025-12-05T05:12:13.098" v="305" actId="26606"/>
           <ac:spMkLst>
             <pc:docMk/>
             <pc:sldMk cId="4229450842" sldId="265"/>
             <ac:spMk id="2" creationId="{99BE6C36-EC13-1AD6-9795-0AFA16A478C6}"/>
+          </ac:spMkLst>
+        </pc:spChg>
+        <pc:spChg chg="add del mod">
+          <ac:chgData name="Sabrina Saiphoo" userId="c384fbdc55ec1817" providerId="LiveId" clId="{C7219627-2762-4F40-B5D0-FB5BACC945B4}" dt="2025-12-05T05:10:58.148" v="291"/>
+          <ac:spMkLst>
+            <pc:docMk/>
+            <pc:sldMk cId="4229450842" sldId="265"/>
+            <ac:spMk id="6" creationId="{1221DAAC-98E6-D9C1-3F7C-2BCFE0CCE118}"/>
+          </ac:spMkLst>
+        </pc:spChg>
+        <pc:spChg chg="del">
+          <ac:chgData name="Sabrina Saiphoo" userId="c384fbdc55ec1817" providerId="LiveId" clId="{C7219627-2762-4F40-B5D0-FB5BACC945B4}" dt="2025-12-05T05:10:22.326" v="278"/>
+          <ac:spMkLst>
+            <pc:docMk/>
+            <pc:sldMk cId="4229450842" sldId="265"/>
+            <ac:spMk id="7" creationId="{EDC7B3AA-C1A3-7124-9CEF-19A726969BA3}"/>
+          </ac:spMkLst>
+        </pc:spChg>
+        <pc:spChg chg="add del">
+          <ac:chgData name="Sabrina Saiphoo" userId="c384fbdc55ec1817" providerId="LiveId" clId="{C7219627-2762-4F40-B5D0-FB5BACC945B4}" dt="2025-12-05T05:12:13.098" v="305" actId="26606"/>
+          <ac:spMkLst>
+            <pc:docMk/>
+            <pc:sldMk cId="4229450842" sldId="265"/>
+            <ac:spMk id="13" creationId="{F76BC10A-9109-3647-71FD-06AD37FB5845}"/>
+          </ac:spMkLst>
+        </pc:spChg>
+        <pc:spChg chg="add del">
+          <ac:chgData name="Sabrina Saiphoo" userId="c384fbdc55ec1817" providerId="LiveId" clId="{C7219627-2762-4F40-B5D0-FB5BACC945B4}" dt="2025-12-05T05:12:13.098" v="305" actId="26606"/>
+          <ac:spMkLst>
+            <pc:docMk/>
+            <pc:sldMk cId="4229450842" sldId="265"/>
+            <ac:spMk id="16" creationId="{2B97F24A-32CE-4C1C-A50D-3016B394DCFB}"/>
+          </ac:spMkLst>
+        </pc:spChg>
+        <pc:spChg chg="add del">
+          <ac:chgData name="Sabrina Saiphoo" userId="c384fbdc55ec1817" providerId="LiveId" clId="{C7219627-2762-4F40-B5D0-FB5BACC945B4}" dt="2025-12-05T05:12:13.098" v="305" actId="26606"/>
+          <ac:spMkLst>
+            <pc:docMk/>
+            <pc:sldMk cId="4229450842" sldId="265"/>
+            <ac:spMk id="18" creationId="{CD8B4F24-440B-49E9-B85D-733523DC064B}"/>
+          </ac:spMkLst>
+        </pc:spChg>
+        <pc:spChg chg="add">
+          <ac:chgData name="Sabrina Saiphoo" userId="c384fbdc55ec1817" providerId="LiveId" clId="{C7219627-2762-4F40-B5D0-FB5BACC945B4}" dt="2025-12-05T05:12:13.098" v="305" actId="26606"/>
+          <ac:spMkLst>
+            <pc:docMk/>
+            <pc:sldMk cId="4229450842" sldId="265"/>
+            <ac:spMk id="23" creationId="{68AF5748-FED8-45BA-8631-26D1D10F3246}"/>
+          </ac:spMkLst>
+        </pc:spChg>
+        <pc:spChg chg="add">
+          <ac:chgData name="Sabrina Saiphoo" userId="c384fbdc55ec1817" providerId="LiveId" clId="{C7219627-2762-4F40-B5D0-FB5BACC945B4}" dt="2025-12-05T05:12:13.098" v="305" actId="26606"/>
+          <ac:spMkLst>
+            <pc:docMk/>
+            <pc:sldMk cId="4229450842" sldId="265"/>
+            <ac:spMk id="25" creationId="{AF2F604E-43BE-4DC3-B983-E071523364F8}"/>
+          </ac:spMkLst>
+        </pc:spChg>
+        <pc:spChg chg="add">
+          <ac:chgData name="Sabrina Saiphoo" userId="c384fbdc55ec1817" providerId="LiveId" clId="{C7219627-2762-4F40-B5D0-FB5BACC945B4}" dt="2025-12-05T05:12:13.098" v="305" actId="26606"/>
+          <ac:spMkLst>
+            <pc:docMk/>
+            <pc:sldMk cId="4229450842" sldId="265"/>
+            <ac:spMk id="27" creationId="{08C9B587-E65E-4B52-B37C-ABEBB6E87928}"/>
+          </ac:spMkLst>
+        </pc:spChg>
+        <pc:picChg chg="add del mod">
+          <ac:chgData name="Sabrina Saiphoo" userId="c384fbdc55ec1817" providerId="LiveId" clId="{C7219627-2762-4F40-B5D0-FB5BACC945B4}" dt="2025-12-05T05:10:45.370" v="290" actId="478"/>
+          <ac:picMkLst>
+            <pc:docMk/>
+            <pc:sldMk cId="4229450842" sldId="265"/>
+            <ac:picMk id="4" creationId="{73CF2FF8-222B-E61D-09BE-12D65B737630}"/>
+          </ac:picMkLst>
+        </pc:picChg>
+        <pc:picChg chg="add mod">
+          <ac:chgData name="Sabrina Saiphoo" userId="c384fbdc55ec1817" providerId="LiveId" clId="{C7219627-2762-4F40-B5D0-FB5BACC945B4}" dt="2025-12-05T05:12:13.098" v="305" actId="26606"/>
+          <ac:picMkLst>
+            <pc:docMk/>
+            <pc:sldMk cId="4229450842" sldId="265"/>
+            <ac:picMk id="9" creationId="{CD7FB4D6-0700-0A25-90B3-DA55CB4F2EE1}"/>
+          </ac:picMkLst>
+        </pc:picChg>
+      </pc:sldChg>
+      <pc:sldChg chg="addSp modSp new mod setBg">
+        <pc:chgData name="Sabrina Saiphoo" userId="c384fbdc55ec1817" providerId="LiveId" clId="{C7219627-2762-4F40-B5D0-FB5BACC945B4}" dt="2025-12-05T17:38:30.413" v="991" actId="26606"/>
+        <pc:sldMkLst>
+          <pc:docMk/>
+          <pc:sldMk cId="3822432095" sldId="266"/>
+        </pc:sldMkLst>
+        <pc:spChg chg="mod">
+          <ac:chgData name="Sabrina Saiphoo" userId="c384fbdc55ec1817" providerId="LiveId" clId="{C7219627-2762-4F40-B5D0-FB5BACC945B4}" dt="2025-12-05T17:38:30.413" v="991" actId="26606"/>
+          <ac:spMkLst>
+            <pc:docMk/>
+            <pc:sldMk cId="3822432095" sldId="266"/>
+            <ac:spMk id="2" creationId="{64CA6A74-2B82-02F4-B146-16927AAF62A3}"/>
+          </ac:spMkLst>
+        </pc:spChg>
+        <pc:spChg chg="mod">
+          <ac:chgData name="Sabrina Saiphoo" userId="c384fbdc55ec1817" providerId="LiveId" clId="{C7219627-2762-4F40-B5D0-FB5BACC945B4}" dt="2025-12-05T17:38:30.413" v="991" actId="26606"/>
+          <ac:spMkLst>
+            <pc:docMk/>
+            <pc:sldMk cId="3822432095" sldId="266"/>
+            <ac:spMk id="3" creationId="{57D59376-A0D0-A2E0-CA49-DEC497E419CC}"/>
+          </ac:spMkLst>
+        </pc:spChg>
+        <pc:spChg chg="add">
+          <ac:chgData name="Sabrina Saiphoo" userId="c384fbdc55ec1817" providerId="LiveId" clId="{C7219627-2762-4F40-B5D0-FB5BACC945B4}" dt="2025-12-05T17:38:30.413" v="991" actId="26606"/>
+          <ac:spMkLst>
+            <pc:docMk/>
+            <pc:sldMk cId="3822432095" sldId="266"/>
+            <ac:spMk id="8" creationId="{DAF1966E-FD40-4A4A-B61B-C4DF7FA05F06}"/>
+          </ac:spMkLst>
+        </pc:spChg>
+        <pc:spChg chg="add">
+          <ac:chgData name="Sabrina Saiphoo" userId="c384fbdc55ec1817" providerId="LiveId" clId="{C7219627-2762-4F40-B5D0-FB5BACC945B4}" dt="2025-12-05T17:38:30.413" v="991" actId="26606"/>
+          <ac:spMkLst>
+            <pc:docMk/>
+            <pc:sldMk cId="3822432095" sldId="266"/>
+            <ac:spMk id="10" creationId="{047BFA19-D45E-416B-A404-7AF2F3F27017}"/>
+          </ac:spMkLst>
+        </pc:spChg>
+        <pc:spChg chg="add">
+          <ac:chgData name="Sabrina Saiphoo" userId="c384fbdc55ec1817" providerId="LiveId" clId="{C7219627-2762-4F40-B5D0-FB5BACC945B4}" dt="2025-12-05T17:38:30.413" v="991" actId="26606"/>
+          <ac:spMkLst>
+            <pc:docMk/>
+            <pc:sldMk cId="3822432095" sldId="266"/>
+            <ac:spMk id="12" creationId="{8E0105E7-23DB-4CF2-8258-FF47C7620F6E}"/>
+          </ac:spMkLst>
+        </pc:spChg>
+        <pc:spChg chg="add">
+          <ac:chgData name="Sabrina Saiphoo" userId="c384fbdc55ec1817" providerId="LiveId" clId="{C7219627-2762-4F40-B5D0-FB5BACC945B4}" dt="2025-12-05T17:38:30.413" v="991" actId="26606"/>
+          <ac:spMkLst>
+            <pc:docMk/>
+            <pc:sldMk cId="3822432095" sldId="266"/>
+            <ac:spMk id="14" creationId="{074B4F7D-14B2-478B-8BF5-01E4E0C5D263}"/>
+          </ac:spMkLst>
+        </pc:spChg>
+      </pc:sldChg>
+      <pc:sldChg chg="modSp new mod">
+        <pc:chgData name="Sabrina Saiphoo" userId="c384fbdc55ec1817" providerId="LiveId" clId="{C7219627-2762-4F40-B5D0-FB5BACC945B4}" dt="2025-12-05T17:10:35.847" v="435" actId="20577"/>
+        <pc:sldMkLst>
+          <pc:docMk/>
+          <pc:sldMk cId="2909032815" sldId="267"/>
+        </pc:sldMkLst>
+        <pc:spChg chg="mod">
+          <ac:chgData name="Sabrina Saiphoo" userId="c384fbdc55ec1817" providerId="LiveId" clId="{C7219627-2762-4F40-B5D0-FB5BACC945B4}" dt="2025-12-05T17:10:35.847" v="435" actId="20577"/>
+          <ac:spMkLst>
+            <pc:docMk/>
+            <pc:sldMk cId="2909032815" sldId="267"/>
+            <ac:spMk id="2" creationId="{FC4699DD-36C4-83D6-AF34-C1FF230AEA31}"/>
+          </ac:spMkLst>
+        </pc:spChg>
+      </pc:sldChg>
+      <pc:sldChg chg="modSp new mod">
+        <pc:chgData name="Sabrina Saiphoo" userId="c384fbdc55ec1817" providerId="LiveId" clId="{C7219627-2762-4F40-B5D0-FB5BACC945B4}" dt="2025-12-05T17:12:52.057" v="676" actId="20577"/>
+        <pc:sldMkLst>
+          <pc:docMk/>
+          <pc:sldMk cId="4201228382" sldId="268"/>
+        </pc:sldMkLst>
+        <pc:spChg chg="mod">
+          <ac:chgData name="Sabrina Saiphoo" userId="c384fbdc55ec1817" providerId="LiveId" clId="{C7219627-2762-4F40-B5D0-FB5BACC945B4}" dt="2025-12-05T17:11:05.542" v="501" actId="20577"/>
+          <ac:spMkLst>
+            <pc:docMk/>
+            <pc:sldMk cId="4201228382" sldId="268"/>
+            <ac:spMk id="2" creationId="{A83AD947-4B1B-366F-6E75-B1A905A4E8F8}"/>
+          </ac:spMkLst>
+        </pc:spChg>
+        <pc:spChg chg="mod">
+          <ac:chgData name="Sabrina Saiphoo" userId="c384fbdc55ec1817" providerId="LiveId" clId="{C7219627-2762-4F40-B5D0-FB5BACC945B4}" dt="2025-12-05T17:12:52.057" v="676" actId="20577"/>
+          <ac:spMkLst>
+            <pc:docMk/>
+            <pc:sldMk cId="4201228382" sldId="268"/>
+            <ac:spMk id="3" creationId="{E0CF221B-4187-5340-FE8D-EE9EAE52BCBE}"/>
+          </ac:spMkLst>
+        </pc:spChg>
+      </pc:sldChg>
+      <pc:sldChg chg="modSp new del mod">
+        <pc:chgData name="Sabrina Saiphoo" userId="c384fbdc55ec1817" providerId="LiveId" clId="{C7219627-2762-4F40-B5D0-FB5BACC945B4}" dt="2025-12-05T17:19:18.795" v="767" actId="47"/>
+        <pc:sldMkLst>
+          <pc:docMk/>
+          <pc:sldMk cId="634417652" sldId="269"/>
+        </pc:sldMkLst>
+        <pc:spChg chg="mod">
+          <ac:chgData name="Sabrina Saiphoo" userId="c384fbdc55ec1817" providerId="LiveId" clId="{C7219627-2762-4F40-B5D0-FB5BACC945B4}" dt="2025-12-05T17:13:21.554" v="695" actId="20577"/>
+          <ac:spMkLst>
+            <pc:docMk/>
+            <pc:sldMk cId="634417652" sldId="269"/>
+            <ac:spMk id="2" creationId="{AF67B356-EAD7-1EC2-32BB-386D7C7EBAC1}"/>
+          </ac:spMkLst>
+        </pc:spChg>
+      </pc:sldChg>
+      <pc:sldChg chg="modSp add mod">
+        <pc:chgData name="Sabrina Saiphoo" userId="c384fbdc55ec1817" providerId="LiveId" clId="{C7219627-2762-4F40-B5D0-FB5BACC945B4}" dt="2025-12-05T17:19:29.116" v="791" actId="20577"/>
+        <pc:sldMkLst>
+          <pc:docMk/>
+          <pc:sldMk cId="3009727759" sldId="270"/>
+        </pc:sldMkLst>
+        <pc:spChg chg="mod">
+          <ac:chgData name="Sabrina Saiphoo" userId="c384fbdc55ec1817" providerId="LiveId" clId="{C7219627-2762-4F40-B5D0-FB5BACC945B4}" dt="2025-12-05T17:19:29.116" v="791" actId="20577"/>
+          <ac:spMkLst>
+            <pc:docMk/>
+            <pc:sldMk cId="3009727759" sldId="270"/>
+            <ac:spMk id="2" creationId="{FFE3D95D-040C-678C-7D56-6EE99A08DC11}"/>
+          </ac:spMkLst>
+        </pc:spChg>
+      </pc:sldChg>
+      <pc:sldChg chg="modSp add del mod">
+        <pc:chgData name="Sabrina Saiphoo" userId="c384fbdc55ec1817" providerId="LiveId" clId="{C7219627-2762-4F40-B5D0-FB5BACC945B4}" dt="2025-12-05T17:19:37.285" v="792" actId="47"/>
+        <pc:sldMkLst>
+          <pc:docMk/>
+          <pc:sldMk cId="74967166" sldId="271"/>
+        </pc:sldMkLst>
+        <pc:spChg chg="mod">
+          <ac:chgData name="Sabrina Saiphoo" userId="c384fbdc55ec1817" providerId="LiveId" clId="{C7219627-2762-4F40-B5D0-FB5BACC945B4}" dt="2025-12-05T17:13:30.267" v="701" actId="20577"/>
+          <ac:spMkLst>
+            <pc:docMk/>
+            <pc:sldMk cId="74967166" sldId="271"/>
+            <ac:spMk id="2" creationId="{C6B47C3E-D0A4-655C-EE42-447EAC639843}"/>
+          </ac:spMkLst>
+        </pc:spChg>
+      </pc:sldChg>
+      <pc:sldChg chg="modSp add mod">
+        <pc:chgData name="Sabrina Saiphoo" userId="c384fbdc55ec1817" providerId="LiveId" clId="{C7219627-2762-4F40-B5D0-FB5BACC945B4}" dt="2025-12-05T17:19:49.400" v="836" actId="20577"/>
+        <pc:sldMkLst>
+          <pc:docMk/>
+          <pc:sldMk cId="3855461042" sldId="272"/>
+        </pc:sldMkLst>
+        <pc:spChg chg="mod">
+          <ac:chgData name="Sabrina Saiphoo" userId="c384fbdc55ec1817" providerId="LiveId" clId="{C7219627-2762-4F40-B5D0-FB5BACC945B4}" dt="2025-12-05T17:19:49.400" v="836" actId="20577"/>
+          <ac:spMkLst>
+            <pc:docMk/>
+            <pc:sldMk cId="3855461042" sldId="272"/>
+            <ac:spMk id="2" creationId="{A3362D89-9915-3717-5D6D-70C0944FBFB8}"/>
+          </ac:spMkLst>
+        </pc:spChg>
+      </pc:sldChg>
+      <pc:sldChg chg="modSp add del mod">
+        <pc:chgData name="Sabrina Saiphoo" userId="c384fbdc55ec1817" providerId="LiveId" clId="{C7219627-2762-4F40-B5D0-FB5BACC945B4}" dt="2025-12-05T17:19:56.076" v="837" actId="47"/>
+        <pc:sldMkLst>
+          <pc:docMk/>
+          <pc:sldMk cId="1919550338" sldId="273"/>
+        </pc:sldMkLst>
+        <pc:spChg chg="mod">
+          <ac:chgData name="Sabrina Saiphoo" userId="c384fbdc55ec1817" providerId="LiveId" clId="{C7219627-2762-4F40-B5D0-FB5BACC945B4}" dt="2025-12-05T17:13:39.045" v="707" actId="20577"/>
+          <ac:spMkLst>
+            <pc:docMk/>
+            <pc:sldMk cId="1919550338" sldId="273"/>
+            <ac:spMk id="2" creationId="{55EC8980-34A8-DC06-0B57-F5D83753A0A0}"/>
+          </ac:spMkLst>
+        </pc:spChg>
+      </pc:sldChg>
+      <pc:sldChg chg="modSp add mod">
+        <pc:chgData name="Sabrina Saiphoo" userId="c384fbdc55ec1817" providerId="LiveId" clId="{C7219627-2762-4F40-B5D0-FB5BACC945B4}" dt="2025-12-05T17:20:06.960" v="864" actId="20577"/>
+        <pc:sldMkLst>
+          <pc:docMk/>
+          <pc:sldMk cId="688248080" sldId="274"/>
+        </pc:sldMkLst>
+        <pc:spChg chg="mod">
+          <ac:chgData name="Sabrina Saiphoo" userId="c384fbdc55ec1817" providerId="LiveId" clId="{C7219627-2762-4F40-B5D0-FB5BACC945B4}" dt="2025-12-05T17:20:06.960" v="864" actId="20577"/>
+          <ac:spMkLst>
+            <pc:docMk/>
+            <pc:sldMk cId="688248080" sldId="274"/>
+            <ac:spMk id="2" creationId="{5C862C09-AA77-6A5A-C25C-5F5F795FADBA}"/>
+          </ac:spMkLst>
+        </pc:spChg>
+      </pc:sldChg>
+      <pc:sldChg chg="modSp new mod">
+        <pc:chgData name="Sabrina Saiphoo" userId="c384fbdc55ec1817" providerId="LiveId" clId="{C7219627-2762-4F40-B5D0-FB5BACC945B4}" dt="2025-12-05T17:18:31.700" v="721" actId="20577"/>
+        <pc:sldMkLst>
+          <pc:docMk/>
+          <pc:sldMk cId="2800872766" sldId="275"/>
+        </pc:sldMkLst>
+        <pc:spChg chg="mod">
+          <ac:chgData name="Sabrina Saiphoo" userId="c384fbdc55ec1817" providerId="LiveId" clId="{C7219627-2762-4F40-B5D0-FB5BACC945B4}" dt="2025-12-05T17:18:31.700" v="721" actId="20577"/>
+          <ac:spMkLst>
+            <pc:docMk/>
+            <pc:sldMk cId="2800872766" sldId="275"/>
+            <ac:spMk id="2" creationId="{399F0BBB-CFF5-A445-E511-8203383E2DD8}"/>
+          </ac:spMkLst>
+        </pc:spChg>
+      </pc:sldChg>
+      <pc:sldChg chg="addSp delSp modSp new mod modClrScheme chgLayout">
+        <pc:chgData name="Sabrina Saiphoo" userId="c384fbdc55ec1817" providerId="LiveId" clId="{C7219627-2762-4F40-B5D0-FB5BACC945B4}" dt="2025-12-05T17:18:50.160" v="755" actId="20577"/>
+        <pc:sldMkLst>
+          <pc:docMk/>
+          <pc:sldMk cId="3672716716" sldId="276"/>
+        </pc:sldMkLst>
+        <pc:spChg chg="del mod ord">
+          <ac:chgData name="Sabrina Saiphoo" userId="c384fbdc55ec1817" providerId="LiveId" clId="{C7219627-2762-4F40-B5D0-FB5BACC945B4}" dt="2025-12-05T17:18:42.482" v="727" actId="700"/>
+          <ac:spMkLst>
+            <pc:docMk/>
+            <pc:sldMk cId="3672716716" sldId="276"/>
+            <ac:spMk id="2" creationId="{39F5E3EF-BCED-63C7-753E-4D1BF2F5A74D}"/>
+          </ac:spMkLst>
+        </pc:spChg>
+        <pc:spChg chg="del mod ord">
+          <ac:chgData name="Sabrina Saiphoo" userId="c384fbdc55ec1817" providerId="LiveId" clId="{C7219627-2762-4F40-B5D0-FB5BACC945B4}" dt="2025-12-05T17:18:42.482" v="727" actId="700"/>
+          <ac:spMkLst>
+            <pc:docMk/>
+            <pc:sldMk cId="3672716716" sldId="276"/>
+            <ac:spMk id="3" creationId="{DEEE7D26-0A57-1F96-CA63-B690DD49DB91}"/>
+          </ac:spMkLst>
+        </pc:spChg>
+        <pc:spChg chg="add mod ord">
+          <ac:chgData name="Sabrina Saiphoo" userId="c384fbdc55ec1817" providerId="LiveId" clId="{C7219627-2762-4F40-B5D0-FB5BACC945B4}" dt="2025-12-05T17:18:50.160" v="755" actId="20577"/>
+          <ac:spMkLst>
+            <pc:docMk/>
+            <pc:sldMk cId="3672716716" sldId="276"/>
+            <ac:spMk id="4" creationId="{847B9BA4-DDB8-BEA2-35A1-F7BD2F81D71F}"/>
+          </ac:spMkLst>
+        </pc:spChg>
+        <pc:spChg chg="add mod ord">
+          <ac:chgData name="Sabrina Saiphoo" userId="c384fbdc55ec1817" providerId="LiveId" clId="{C7219627-2762-4F40-B5D0-FB5BACC945B4}" dt="2025-12-05T17:18:42.482" v="727" actId="700"/>
+          <ac:spMkLst>
+            <pc:docMk/>
+            <pc:sldMk cId="3672716716" sldId="276"/>
+            <ac:spMk id="5" creationId="{EF090D86-9E38-DE45-F322-381004069004}"/>
+          </ac:spMkLst>
+        </pc:spChg>
+      </pc:sldChg>
+      <pc:sldChg chg="modSp new mod">
+        <pc:chgData name="Sabrina Saiphoo" userId="c384fbdc55ec1817" providerId="LiveId" clId="{C7219627-2762-4F40-B5D0-FB5BACC945B4}" dt="2025-12-05T17:19:04.132" v="766" actId="20577"/>
+        <pc:sldMkLst>
+          <pc:docMk/>
+          <pc:sldMk cId="3484402897" sldId="277"/>
+        </pc:sldMkLst>
+        <pc:spChg chg="mod">
+          <ac:chgData name="Sabrina Saiphoo" userId="c384fbdc55ec1817" providerId="LiveId" clId="{C7219627-2762-4F40-B5D0-FB5BACC945B4}" dt="2025-12-05T17:19:04.132" v="766" actId="20577"/>
+          <ac:spMkLst>
+            <pc:docMk/>
+            <pc:sldMk cId="3484402897" sldId="277"/>
+            <ac:spMk id="2" creationId="{B34679DC-B13B-D4D1-46F8-998C6510540D}"/>
+          </ac:spMkLst>
+        </pc:spChg>
+      </pc:sldChg>
+      <pc:sldChg chg="modSp new mod">
+        <pc:chgData name="Sabrina Saiphoo" userId="c384fbdc55ec1817" providerId="LiveId" clId="{C7219627-2762-4F40-B5D0-FB5BACC945B4}" dt="2025-12-05T17:22:10.882" v="909" actId="20577"/>
+        <pc:sldMkLst>
+          <pc:docMk/>
+          <pc:sldMk cId="1610408392" sldId="278"/>
+        </pc:sldMkLst>
+        <pc:spChg chg="mod">
+          <ac:chgData name="Sabrina Saiphoo" userId="c384fbdc55ec1817" providerId="LiveId" clId="{C7219627-2762-4F40-B5D0-FB5BACC945B4}" dt="2025-12-05T17:22:10.882" v="909" actId="20577"/>
+          <ac:spMkLst>
+            <pc:docMk/>
+            <pc:sldMk cId="1610408392" sldId="278"/>
+            <ac:spMk id="2" creationId="{66B8FCD5-804E-0578-1A38-A3509A2E9978}"/>
+          </ac:spMkLst>
+        </pc:spChg>
+      </pc:sldChg>
+      <pc:sldChg chg="modSp new mod">
+        <pc:chgData name="Sabrina Saiphoo" userId="c384fbdc55ec1817" providerId="LiveId" clId="{C7219627-2762-4F40-B5D0-FB5BACC945B4}" dt="2025-12-05T17:22:32.268" v="939" actId="20577"/>
+        <pc:sldMkLst>
+          <pc:docMk/>
+          <pc:sldMk cId="2055492507" sldId="279"/>
+        </pc:sldMkLst>
+        <pc:spChg chg="mod">
+          <ac:chgData name="Sabrina Saiphoo" userId="c384fbdc55ec1817" providerId="LiveId" clId="{C7219627-2762-4F40-B5D0-FB5BACC945B4}" dt="2025-12-05T17:22:32.268" v="939" actId="20577"/>
+          <ac:spMkLst>
+            <pc:docMk/>
+            <pc:sldMk cId="2055492507" sldId="279"/>
+            <ac:spMk id="2" creationId="{9BF84893-49E0-688B-61C5-2DE14D776A0E}"/>
           </ac:spMkLst>
         </pc:spChg>
       </pc:sldChg>
     </pc:docChg>
   </pc:docChgLst>
 </pc:chgInfo>
+</file>
+
+<file path=ppt/notesMasters/notesMaster1.xml><?xml version="1.0" encoding="utf-8"?>
+<p:notesMaster xmlns:a="http://schemas.openxmlformats.org/drawingml/2006/main" xmlns:r="http://schemas.openxmlformats.org/officeDocument/2006/relationships" xmlns:p="http://schemas.openxmlformats.org/presentationml/2006/main">
+  <p:cSld>
+    <p:bg>
+      <p:bgRef idx="1001">
+        <a:schemeClr val="bg1"/>
+      </p:bgRef>
+    </p:bg>
+    <p:spTree>
+      <p:nvGrpSpPr>
+        <p:cNvPr id="1" name=""/>
+        <p:cNvGrpSpPr/>
+        <p:nvPr/>
+      </p:nvGrpSpPr>
+      <p:grpSpPr>
+        <a:xfrm>
+          <a:off x="0" y="0"/>
+          <a:ext cx="0" cy="0"/>
+          <a:chOff x="0" y="0"/>
+          <a:chExt cx="0" cy="0"/>
+        </a:xfrm>
+      </p:grpSpPr>
+      <p:sp>
+        <p:nvSpPr>
+          <p:cNvPr id="2" name="Header Placeholder 1"/>
+          <p:cNvSpPr>
+            <a:spLocks noGrp="1"/>
+          </p:cNvSpPr>
+          <p:nvPr>
+            <p:ph type="hdr" sz="quarter"/>
+          </p:nvPr>
+        </p:nvSpPr>
+        <p:spPr>
+          <a:xfrm>
+            <a:off x="0" y="0"/>
+            <a:ext cx="2971800" cy="458788"/>
+          </a:xfrm>
+          <a:prstGeom prst="rect">
+            <a:avLst/>
+          </a:prstGeom>
+        </p:spPr>
+        <p:txBody>
+          <a:bodyPr vert="horz" lIns="91440" tIns="45720" rIns="91440" bIns="45720" rtlCol="0"/>
+          <a:lstStyle>
+            <a:lvl1pPr algn="l">
+              <a:defRPr sz="1200"/>
+            </a:lvl1pPr>
+          </a:lstStyle>
+          <a:p>
+            <a:endParaRPr lang="en-CA"/>
+          </a:p>
+        </p:txBody>
+      </p:sp>
+      <p:sp>
+        <p:nvSpPr>
+          <p:cNvPr id="3" name="Date Placeholder 2"/>
+          <p:cNvSpPr>
+            <a:spLocks noGrp="1"/>
+          </p:cNvSpPr>
+          <p:nvPr>
+            <p:ph type="dt" idx="1"/>
+          </p:nvPr>
+        </p:nvSpPr>
+        <p:spPr>
+          <a:xfrm>
+            <a:off x="3884613" y="0"/>
+            <a:ext cx="2971800" cy="458788"/>
+          </a:xfrm>
+          <a:prstGeom prst="rect">
+            <a:avLst/>
+          </a:prstGeom>
+        </p:spPr>
+        <p:txBody>
+          <a:bodyPr vert="horz" lIns="91440" tIns="45720" rIns="91440" bIns="45720" rtlCol="0"/>
+          <a:lstStyle>
+            <a:lvl1pPr algn="r">
+              <a:defRPr sz="1200"/>
+            </a:lvl1pPr>
+          </a:lstStyle>
+          <a:p>
+            <a:fld id="{BAABE572-C936-4062-BF11-54F574C45F8D}" type="datetimeFigureOut">
+              <a:rPr lang="en-CA" smtClean="0"/>
+              <a:t>2025-12-05</a:t>
+            </a:fld>
+            <a:endParaRPr lang="en-CA"/>
+          </a:p>
+        </p:txBody>
+      </p:sp>
+      <p:sp>
+        <p:nvSpPr>
+          <p:cNvPr id="4" name="Slide Image Placeholder 3"/>
+          <p:cNvSpPr>
+            <a:spLocks noGrp="1" noRot="1" noChangeAspect="1"/>
+          </p:cNvSpPr>
+          <p:nvPr>
+            <p:ph type="sldImg" idx="2"/>
+          </p:nvPr>
+        </p:nvSpPr>
+        <p:spPr>
+          <a:xfrm>
+            <a:off x="685800" y="1143000"/>
+            <a:ext cx="5486400" cy="3086100"/>
+          </a:xfrm>
+          <a:prstGeom prst="rect">
+            <a:avLst/>
+          </a:prstGeom>
+          <a:noFill/>
+          <a:ln w="12700">
+            <a:solidFill>
+              <a:prstClr val="black"/>
+            </a:solidFill>
+          </a:ln>
+        </p:spPr>
+        <p:txBody>
+          <a:bodyPr vert="horz" lIns="91440" tIns="45720" rIns="91440" bIns="45720" rtlCol="0" anchor="ctr"/>
+          <a:lstStyle/>
+          <a:p>
+            <a:endParaRPr lang="en-CA"/>
+          </a:p>
+        </p:txBody>
+      </p:sp>
+      <p:sp>
+        <p:nvSpPr>
+          <p:cNvPr id="5" name="Notes Placeholder 4"/>
+          <p:cNvSpPr>
+            <a:spLocks noGrp="1"/>
+          </p:cNvSpPr>
+          <p:nvPr>
+            <p:ph type="body" sz="quarter" idx="3"/>
+          </p:nvPr>
+        </p:nvSpPr>
+        <p:spPr>
+          <a:xfrm>
+            <a:off x="685800" y="4400550"/>
+            <a:ext cx="5486400" cy="3600450"/>
+          </a:xfrm>
+          <a:prstGeom prst="rect">
+            <a:avLst/>
+          </a:prstGeom>
+        </p:spPr>
+        <p:txBody>
+          <a:bodyPr vert="horz" lIns="91440" tIns="45720" rIns="91440" bIns="45720" rtlCol="0"/>
+          <a:lstStyle/>
+          <a:p>
+            <a:pPr lvl="0"/>
+            <a:r>
+              <a:rPr lang="en-US"/>
+              <a:t>Click to edit Master text styles</a:t>
+            </a:r>
+          </a:p>
+          <a:p>
+            <a:pPr lvl="1"/>
+            <a:r>
+              <a:rPr lang="en-US"/>
+              <a:t>Second level</a:t>
+            </a:r>
+          </a:p>
+          <a:p>
+            <a:pPr lvl="2"/>
+            <a:r>
+              <a:rPr lang="en-US"/>
+              <a:t>Third level</a:t>
+            </a:r>
+          </a:p>
+          <a:p>
+            <a:pPr lvl="3"/>
+            <a:r>
+              <a:rPr lang="en-US"/>
+              <a:t>Fourth level</a:t>
+            </a:r>
+          </a:p>
+          <a:p>
+            <a:pPr lvl="4"/>
+            <a:r>
+              <a:rPr lang="en-US"/>
+              <a:t>Fifth level</a:t>
+            </a:r>
+            <a:endParaRPr lang="en-CA"/>
+          </a:p>
+        </p:txBody>
+      </p:sp>
+      <p:sp>
+        <p:nvSpPr>
+          <p:cNvPr id="6" name="Footer Placeholder 5"/>
+          <p:cNvSpPr>
+            <a:spLocks noGrp="1"/>
+          </p:cNvSpPr>
+          <p:nvPr>
+            <p:ph type="ftr" sz="quarter" idx="4"/>
+          </p:nvPr>
+        </p:nvSpPr>
+        <p:spPr>
+          <a:xfrm>
+            <a:off x="0" y="8685213"/>
+            <a:ext cx="2971800" cy="458787"/>
+          </a:xfrm>
+          <a:prstGeom prst="rect">
+            <a:avLst/>
+          </a:prstGeom>
+        </p:spPr>
+        <p:txBody>
+          <a:bodyPr vert="horz" lIns="91440" tIns="45720" rIns="91440" bIns="45720" rtlCol="0" anchor="b"/>
+          <a:lstStyle>
+            <a:lvl1pPr algn="l">
+              <a:defRPr sz="1200"/>
+            </a:lvl1pPr>
+          </a:lstStyle>
+          <a:p>
+            <a:endParaRPr lang="en-CA"/>
+          </a:p>
+        </p:txBody>
+      </p:sp>
+      <p:sp>
+        <p:nvSpPr>
+          <p:cNvPr id="7" name="Slide Number Placeholder 6"/>
+          <p:cNvSpPr>
+            <a:spLocks noGrp="1"/>
+          </p:cNvSpPr>
+          <p:nvPr>
+            <p:ph type="sldNum" sz="quarter" idx="5"/>
+          </p:nvPr>
+        </p:nvSpPr>
+        <p:spPr>
+          <a:xfrm>
+            <a:off x="3884613" y="8685213"/>
+            <a:ext cx="2971800" cy="458787"/>
+          </a:xfrm>
+          <a:prstGeom prst="rect">
+            <a:avLst/>
+          </a:prstGeom>
+        </p:spPr>
+        <p:txBody>
+          <a:bodyPr vert="horz" lIns="91440" tIns="45720" rIns="91440" bIns="45720" rtlCol="0" anchor="b"/>
+          <a:lstStyle>
+            <a:lvl1pPr algn="r">
+              <a:defRPr sz="1200"/>
+            </a:lvl1pPr>
+          </a:lstStyle>
+          <a:p>
+            <a:fld id="{3C3CB123-8DBF-45B3-968F-E474D464657A}" type="slidenum">
+              <a:rPr lang="en-CA" smtClean="0"/>
+              <a:t>‹#›</a:t>
+            </a:fld>
+            <a:endParaRPr lang="en-CA"/>
+          </a:p>
+        </p:txBody>
+      </p:sp>
+    </p:spTree>
+    <p:extLst>
+      <p:ext uri="{BB962C8B-B14F-4D97-AF65-F5344CB8AC3E}">
+        <p14:creationId xmlns:p14="http://schemas.microsoft.com/office/powerpoint/2010/main" val="3995814486"/>
+      </p:ext>
+    </p:extLst>
+  </p:cSld>
+  <p:clrMap bg1="lt1" tx1="dk1" bg2="lt2" tx2="dk2" accent1="accent1" accent2="accent2" accent3="accent3" accent4="accent4" accent5="accent5" accent6="accent6" hlink="hlink" folHlink="folHlink"/>
+  <p:notesStyle>
+    <a:lvl1pPr marL="0" algn="l" defTabSz="914400" rtl="0" eaLnBrk="1" latinLnBrk="0" hangingPunct="1">
+      <a:defRPr sz="1200" kern="1200">
+        <a:solidFill>
+          <a:schemeClr val="tx1"/>
+        </a:solidFill>
+        <a:latin typeface="+mn-lt"/>
+        <a:ea typeface="+mn-ea"/>
+        <a:cs typeface="+mn-cs"/>
+      </a:defRPr>
+    </a:lvl1pPr>
+    <a:lvl2pPr marL="457200" algn="l" defTabSz="914400" rtl="0" eaLnBrk="1" latinLnBrk="0" hangingPunct="1">
+      <a:defRPr sz="1200" kern="1200">
+        <a:solidFill>
+          <a:schemeClr val="tx1"/>
+        </a:solidFill>
+        <a:latin typeface="+mn-lt"/>
+        <a:ea typeface="+mn-ea"/>
+        <a:cs typeface="+mn-cs"/>
+      </a:defRPr>
+    </a:lvl2pPr>
+    <a:lvl3pPr marL="914400" algn="l" defTabSz="914400" rtl="0" eaLnBrk="1" latinLnBrk="0" hangingPunct="1">
+      <a:defRPr sz="1200" kern="1200">
+        <a:solidFill>
+          <a:schemeClr val="tx1"/>
+        </a:solidFill>
+        <a:latin typeface="+mn-lt"/>
+        <a:ea typeface="+mn-ea"/>
+        <a:cs typeface="+mn-cs"/>
+      </a:defRPr>
+    </a:lvl3pPr>
+    <a:lvl4pPr marL="1371600" algn="l" defTabSz="914400" rtl="0" eaLnBrk="1" latinLnBrk="0" hangingPunct="1">
+      <a:defRPr sz="1200" kern="1200">
+        <a:solidFill>
+          <a:schemeClr val="tx1"/>
+        </a:solidFill>
+        <a:latin typeface="+mn-lt"/>
+        <a:ea typeface="+mn-ea"/>
+        <a:cs typeface="+mn-cs"/>
+      </a:defRPr>
+    </a:lvl4pPr>
+    <a:lvl5pPr marL="1828800" algn="l" defTabSz="914400" rtl="0" eaLnBrk="1" latinLnBrk="0" hangingPunct="1">
+      <a:defRPr sz="1200" kern="1200">
+        <a:solidFill>
+          <a:schemeClr val="tx1"/>
+        </a:solidFill>
+        <a:latin typeface="+mn-lt"/>
+        <a:ea typeface="+mn-ea"/>
+        <a:cs typeface="+mn-cs"/>
+      </a:defRPr>
+    </a:lvl5pPr>
+    <a:lvl6pPr marL="2286000" algn="l" defTabSz="914400" rtl="0" eaLnBrk="1" latinLnBrk="0" hangingPunct="1">
+      <a:defRPr sz="1200" kern="1200">
+        <a:solidFill>
+          <a:schemeClr val="tx1"/>
+        </a:solidFill>
+        <a:latin typeface="+mn-lt"/>
+        <a:ea typeface="+mn-ea"/>
+        <a:cs typeface="+mn-cs"/>
+      </a:defRPr>
+    </a:lvl6pPr>
+    <a:lvl7pPr marL="2743200" algn="l" defTabSz="914400" rtl="0" eaLnBrk="1" latinLnBrk="0" hangingPunct="1">
+      <a:defRPr sz="1200" kern="1200">
+        <a:solidFill>
+          <a:schemeClr val="tx1"/>
+        </a:solidFill>
+        <a:latin typeface="+mn-lt"/>
+        <a:ea typeface="+mn-ea"/>
+        <a:cs typeface="+mn-cs"/>
+      </a:defRPr>
+    </a:lvl7pPr>
+    <a:lvl8pPr marL="3200400" algn="l" defTabSz="914400" rtl="0" eaLnBrk="1" latinLnBrk="0" hangingPunct="1">
+      <a:defRPr sz="1200" kern="1200">
+        <a:solidFill>
+          <a:schemeClr val="tx1"/>
+        </a:solidFill>
+        <a:latin typeface="+mn-lt"/>
+        <a:ea typeface="+mn-ea"/>
+        <a:cs typeface="+mn-cs"/>
+      </a:defRPr>
+    </a:lvl8pPr>
+    <a:lvl9pPr marL="3657600" algn="l" defTabSz="914400" rtl="0" eaLnBrk="1" latinLnBrk="0" hangingPunct="1">
+      <a:defRPr sz="1200" kern="1200">
+        <a:solidFill>
+          <a:schemeClr val="tx1"/>
+        </a:solidFill>
+        <a:latin typeface="+mn-lt"/>
+        <a:ea typeface="+mn-ea"/>
+        <a:cs typeface="+mn-cs"/>
+      </a:defRPr>
+    </a:lvl9pPr>
+  </p:notesStyle>
+</p:notesMaster>
+</file>
+
+<file path=ppt/notesSlides/notesSlide1.xml><?xml version="1.0" encoding="utf-8"?>
+<p:notes xmlns:a="http://schemas.openxmlformats.org/drawingml/2006/main" xmlns:r="http://schemas.openxmlformats.org/officeDocument/2006/relationships" xmlns:p="http://schemas.openxmlformats.org/presentationml/2006/main">
+  <p:cSld>
+    <p:spTree>
+      <p:nvGrpSpPr>
+        <p:cNvPr id="1" name=""/>
+        <p:cNvGrpSpPr/>
+        <p:nvPr/>
+      </p:nvGrpSpPr>
+      <p:grpSpPr>
+        <a:xfrm>
+          <a:off x="0" y="0"/>
+          <a:ext cx="0" cy="0"/>
+          <a:chOff x="0" y="0"/>
+          <a:chExt cx="0" cy="0"/>
+        </a:xfrm>
+      </p:grpSpPr>
+      <p:sp>
+        <p:nvSpPr>
+          <p:cNvPr id="2" name="Slide Image Placeholder 1"/>
+          <p:cNvSpPr>
+            <a:spLocks noGrp="1" noRot="1" noChangeAspect="1"/>
+          </p:cNvSpPr>
+          <p:nvPr>
+            <p:ph type="sldImg"/>
+          </p:nvPr>
+        </p:nvSpPr>
+        <p:spPr/>
+      </p:sp>
+      <p:sp>
+        <p:nvSpPr>
+          <p:cNvPr id="3" name="Notes Placeholder 2"/>
+          <p:cNvSpPr>
+            <a:spLocks noGrp="1"/>
+          </p:cNvSpPr>
+          <p:nvPr>
+            <p:ph type="body" idx="1"/>
+          </p:nvPr>
+        </p:nvSpPr>
+        <p:spPr/>
+        <p:txBody>
+          <a:bodyPr/>
+          <a:lstStyle/>
+          <a:p>
+            <a:r>
+              <a:rPr lang="en-CA" dirty="0"/>
+              <a:t>https://commons.wikimedia.org/wiki/File:Candida_albicans_%28251_12%29.jpg</a:t>
+            </a:r>
+          </a:p>
+        </p:txBody>
+      </p:sp>
+      <p:sp>
+        <p:nvSpPr>
+          <p:cNvPr id="4" name="Slide Number Placeholder 3"/>
+          <p:cNvSpPr>
+            <a:spLocks noGrp="1"/>
+          </p:cNvSpPr>
+          <p:nvPr>
+            <p:ph type="sldNum" sz="quarter" idx="5"/>
+          </p:nvPr>
+        </p:nvSpPr>
+        <p:spPr/>
+        <p:txBody>
+          <a:bodyPr/>
+          <a:lstStyle/>
+          <a:p>
+            <a:fld id="{3C3CB123-8DBF-45B3-968F-E474D464657A}" type="slidenum">
+              <a:rPr lang="en-CA" smtClean="0"/>
+              <a:t>1</a:t>
+            </a:fld>
+            <a:endParaRPr lang="en-CA"/>
+          </a:p>
+        </p:txBody>
+      </p:sp>
+    </p:spTree>
+    <p:extLst>
+      <p:ext uri="{BB962C8B-B14F-4D97-AF65-F5344CB8AC3E}">
+        <p14:creationId xmlns:p14="http://schemas.microsoft.com/office/powerpoint/2010/main" val="3465106864"/>
+      </p:ext>
+    </p:extLst>
+  </p:cSld>
+  <p:clrMapOvr>
+    <a:masterClrMapping/>
+  </p:clrMapOvr>
+</p:notes>
 </file>
 
 <file path=ppt/slideLayouts/slideLayout1.xml><?xml version="1.0" encoding="utf-8"?>
@@ -533,7 +2094,7 @@
           <a:p>
             <a:fld id="{1F056AB0-6FF7-408B-BCA1-2B8900F83E34}" type="datetimeFigureOut">
               <a:rPr lang="en-CA" smtClean="0"/>
-              <a:t>2025-12-04</a:t>
+              <a:t>2025-12-05</a:t>
             </a:fld>
             <a:endParaRPr lang="en-CA"/>
           </a:p>
@@ -733,7 +2294,7 @@
           <a:p>
             <a:fld id="{1F056AB0-6FF7-408B-BCA1-2B8900F83E34}" type="datetimeFigureOut">
               <a:rPr lang="en-CA" smtClean="0"/>
-              <a:t>2025-12-04</a:t>
+              <a:t>2025-12-05</a:t>
             </a:fld>
             <a:endParaRPr lang="en-CA"/>
           </a:p>
@@ -943,7 +2504,7 @@
           <a:p>
             <a:fld id="{1F056AB0-6FF7-408B-BCA1-2B8900F83E34}" type="datetimeFigureOut">
               <a:rPr lang="en-CA" smtClean="0"/>
-              <a:t>2025-12-04</a:t>
+              <a:t>2025-12-05</a:t>
             </a:fld>
             <a:endParaRPr lang="en-CA"/>
           </a:p>
@@ -1143,7 +2704,7 @@
           <a:p>
             <a:fld id="{1F056AB0-6FF7-408B-BCA1-2B8900F83E34}" type="datetimeFigureOut">
               <a:rPr lang="en-CA" smtClean="0"/>
-              <a:t>2025-12-04</a:t>
+              <a:t>2025-12-05</a:t>
             </a:fld>
             <a:endParaRPr lang="en-CA"/>
           </a:p>
@@ -1419,7 +2980,7 @@
           <a:p>
             <a:fld id="{1F056AB0-6FF7-408B-BCA1-2B8900F83E34}" type="datetimeFigureOut">
               <a:rPr lang="en-CA" smtClean="0"/>
-              <a:t>2025-12-04</a:t>
+              <a:t>2025-12-05</a:t>
             </a:fld>
             <a:endParaRPr lang="en-CA"/>
           </a:p>
@@ -1687,7 +3248,7 @@
           <a:p>
             <a:fld id="{1F056AB0-6FF7-408B-BCA1-2B8900F83E34}" type="datetimeFigureOut">
               <a:rPr lang="en-CA" smtClean="0"/>
-              <a:t>2025-12-04</a:t>
+              <a:t>2025-12-05</a:t>
             </a:fld>
             <a:endParaRPr lang="en-CA"/>
           </a:p>
@@ -2102,7 +3663,7 @@
           <a:p>
             <a:fld id="{1F056AB0-6FF7-408B-BCA1-2B8900F83E34}" type="datetimeFigureOut">
               <a:rPr lang="en-CA" smtClean="0"/>
-              <a:t>2025-12-04</a:t>
+              <a:t>2025-12-05</a:t>
             </a:fld>
             <a:endParaRPr lang="en-CA"/>
           </a:p>
@@ -2244,7 +3805,7 @@
           <a:p>
             <a:fld id="{1F056AB0-6FF7-408B-BCA1-2B8900F83E34}" type="datetimeFigureOut">
               <a:rPr lang="en-CA" smtClean="0"/>
-              <a:t>2025-12-04</a:t>
+              <a:t>2025-12-05</a:t>
             </a:fld>
             <a:endParaRPr lang="en-CA"/>
           </a:p>
@@ -2357,7 +3918,7 @@
           <a:p>
             <a:fld id="{1F056AB0-6FF7-408B-BCA1-2B8900F83E34}" type="datetimeFigureOut">
               <a:rPr lang="en-CA" smtClean="0"/>
-              <a:t>2025-12-04</a:t>
+              <a:t>2025-12-05</a:t>
             </a:fld>
             <a:endParaRPr lang="en-CA"/>
           </a:p>
@@ -2670,7 +4231,7 @@
           <a:p>
             <a:fld id="{1F056AB0-6FF7-408B-BCA1-2B8900F83E34}" type="datetimeFigureOut">
               <a:rPr lang="en-CA" smtClean="0"/>
-              <a:t>2025-12-04</a:t>
+              <a:t>2025-12-05</a:t>
             </a:fld>
             <a:endParaRPr lang="en-CA"/>
           </a:p>
@@ -2959,7 +4520,7 @@
           <a:p>
             <a:fld id="{1F056AB0-6FF7-408B-BCA1-2B8900F83E34}" type="datetimeFigureOut">
               <a:rPr lang="en-CA" smtClean="0"/>
-              <a:t>2025-12-04</a:t>
+              <a:t>2025-12-05</a:t>
             </a:fld>
             <a:endParaRPr lang="en-CA"/>
           </a:p>
@@ -3202,7 +4763,7 @@
           <a:p>
             <a:fld id="{1F056AB0-6FF7-408B-BCA1-2B8900F83E34}" type="datetimeFigureOut">
               <a:rPr lang="en-CA" smtClean="0"/>
-              <a:t>2025-12-04</a:t>
+              <a:t>2025-12-05</a:t>
             </a:fld>
             <a:endParaRPr lang="en-CA"/>
           </a:p>
@@ -3605,6 +5166,14 @@
 <file path=ppt/slides/slide1.xml><?xml version="1.0" encoding="utf-8"?>
 <p:sld xmlns:a="http://schemas.openxmlformats.org/drawingml/2006/main" xmlns:r="http://schemas.openxmlformats.org/officeDocument/2006/relationships" xmlns:p="http://schemas.openxmlformats.org/presentationml/2006/main">
   <p:cSld>
+    <p:bg>
+      <p:bgPr>
+        <a:solidFill>
+          <a:schemeClr val="bg1"/>
+        </a:solidFill>
+        <a:effectLst/>
+      </p:bgPr>
+    </p:bg>
     <p:spTree>
       <p:nvGrpSpPr>
         <p:cNvPr id="1" name=""/>
@@ -3619,6 +5188,187 @@
           <a:chExt cx="0" cy="0"/>
         </a:xfrm>
       </p:grpSpPr>
+      <p:sp useBgFill="1">
+        <p:nvSpPr>
+          <p:cNvPr id="80" name="Rectangle 79">
+            <a:extLst>
+              <a:ext uri="{FF2B5EF4-FFF2-40B4-BE49-F238E27FC236}">
+                <a16:creationId xmlns:a16="http://schemas.microsoft.com/office/drawing/2014/main" id="{E91DC736-0EF8-4F87-9146-EBF1D2EE4D3D}"/>
+              </a:ext>
+              <a:ext uri="{C183D7F6-B498-43B3-948B-1728B52AA6E4}">
+                <adec:decorative xmlns:adec="http://schemas.microsoft.com/office/drawing/2017/decorative" val="1"/>
+              </a:ext>
+            </a:extLst>
+          </p:cNvPr>
+          <p:cNvSpPr>
+            <a:spLocks noGrp="1" noRot="1" noChangeAspect="1" noMove="1" noResize="1" noEditPoints="1" noAdjustHandles="1" noChangeArrowheads="1" noChangeShapeType="1" noTextEdit="1"/>
+          </p:cNvSpPr>
+          <p:nvPr>
+            <p:extLst>
+              <p:ext uri="{386F3935-93C4-4BCD-93E2-E3B085C9AB24}">
+                <p16:designElem xmlns:p16="http://schemas.microsoft.com/office/powerpoint/2015/main" val="1"/>
+              </p:ext>
+            </p:extLst>
+          </p:nvPr>
+        </p:nvSpPr>
+        <p:spPr>
+          <a:xfrm>
+            <a:off x="0" y="0"/>
+            <a:ext cx="12192000" cy="6858000"/>
+          </a:xfrm>
+          <a:prstGeom prst="rect">
+            <a:avLst/>
+          </a:prstGeom>
+          <a:ln>
+            <a:noFill/>
+          </a:ln>
+        </p:spPr>
+        <p:style>
+          <a:lnRef idx="2">
+            <a:schemeClr val="accent1">
+              <a:shade val="50000"/>
+            </a:schemeClr>
+          </a:lnRef>
+          <a:fillRef idx="1">
+            <a:schemeClr val="accent1"/>
+          </a:fillRef>
+          <a:effectRef idx="0">
+            <a:schemeClr val="accent1"/>
+          </a:effectRef>
+          <a:fontRef idx="minor">
+            <a:schemeClr val="lt1"/>
+          </a:fontRef>
+        </p:style>
+        <p:txBody>
+          <a:bodyPr rtlCol="0" anchor="ctr"/>
+          <a:lstStyle/>
+          <a:p>
+            <a:pPr algn="ctr"/>
+            <a:endParaRPr lang="en-US"/>
+          </a:p>
+        </p:txBody>
+      </p:sp>
+      <p:pic>
+        <p:nvPicPr>
+          <p:cNvPr id="47" name="Picture 46">
+            <a:extLst>
+              <a:ext uri="{FF2B5EF4-FFF2-40B4-BE49-F238E27FC236}">
+                <a16:creationId xmlns:a16="http://schemas.microsoft.com/office/drawing/2014/main" id="{9777E510-FA33-0085-F41F-113903BD8E25}"/>
+              </a:ext>
+            </a:extLst>
+          </p:cNvPr>
+          <p:cNvPicPr>
+            <a:picLocks noChangeAspect="1"/>
+          </p:cNvPicPr>
+          <p:nvPr/>
+        </p:nvPicPr>
+        <p:blipFill>
+          <a:blip r:embed="rId3">
+            <a:extLst>
+              <a:ext uri="{28A0092B-C50C-407E-A947-70E740481C1C}">
+                <a14:useLocalDpi xmlns:a14="http://schemas.microsoft.com/office/drawing/2010/main" val="0"/>
+              </a:ext>
+            </a:extLst>
+          </a:blip>
+          <a:srcRect l="10178" r="10178"/>
+          <a:stretch/>
+        </p:blipFill>
+        <p:spPr>
+          <a:xfrm>
+            <a:off x="3385227" y="0"/>
+            <a:ext cx="8874626" cy="6857990"/>
+          </a:xfrm>
+          <a:prstGeom prst="rect">
+            <a:avLst/>
+          </a:prstGeom>
+        </p:spPr>
+      </p:pic>
+      <p:sp>
+        <p:nvSpPr>
+          <p:cNvPr id="81" name="Rectangle 80">
+            <a:extLst>
+              <a:ext uri="{FF2B5EF4-FFF2-40B4-BE49-F238E27FC236}">
+                <a16:creationId xmlns:a16="http://schemas.microsoft.com/office/drawing/2014/main" id="{097CD68E-23E3-4007-8847-CD0944C4F7BE}"/>
+              </a:ext>
+              <a:ext uri="{C183D7F6-B498-43B3-948B-1728B52AA6E4}">
+                <adec:decorative xmlns:adec="http://schemas.microsoft.com/office/drawing/2017/decorative" val="1"/>
+              </a:ext>
+            </a:extLst>
+          </p:cNvPr>
+          <p:cNvSpPr>
+            <a:spLocks noGrp="1" noRot="1" noChangeAspect="1" noMove="1" noResize="1" noEditPoints="1" noAdjustHandles="1" noChangeArrowheads="1" noChangeShapeType="1" noTextEdit="1"/>
+          </p:cNvSpPr>
+          <p:nvPr>
+            <p:extLst>
+              <p:ext uri="{386F3935-93C4-4BCD-93E2-E3B085C9AB24}">
+                <p16:designElem xmlns:p16="http://schemas.microsoft.com/office/powerpoint/2015/main" val="1"/>
+              </p:ext>
+            </p:extLst>
+          </p:nvPr>
+        </p:nvSpPr>
+        <p:spPr>
+          <a:xfrm>
+            <a:off x="0" y="0"/>
+            <a:ext cx="9756601" cy="6858000"/>
+          </a:xfrm>
+          <a:prstGeom prst="rect">
+            <a:avLst/>
+          </a:prstGeom>
+          <a:gradFill>
+            <a:gsLst>
+              <a:gs pos="58000">
+                <a:schemeClr val="bg1"/>
+              </a:gs>
+              <a:gs pos="35000">
+                <a:schemeClr val="bg1">
+                  <a:alpha val="79000"/>
+                </a:schemeClr>
+              </a:gs>
+              <a:gs pos="19000">
+                <a:schemeClr val="bg1">
+                  <a:alpha val="38000"/>
+                </a:schemeClr>
+              </a:gs>
+              <a:gs pos="0">
+                <a:schemeClr val="bg1">
+                  <a:alpha val="0"/>
+                </a:schemeClr>
+              </a:gs>
+              <a:gs pos="100000">
+                <a:schemeClr val="bg1"/>
+              </a:gs>
+            </a:gsLst>
+            <a:lin ang="10800000" scaled="0"/>
+          </a:gradFill>
+          <a:ln>
+            <a:noFill/>
+          </a:ln>
+        </p:spPr>
+        <p:style>
+          <a:lnRef idx="2">
+            <a:schemeClr val="accent1">
+              <a:shade val="50000"/>
+            </a:schemeClr>
+          </a:lnRef>
+          <a:fillRef idx="1">
+            <a:schemeClr val="accent1"/>
+          </a:fillRef>
+          <a:effectRef idx="0">
+            <a:schemeClr val="accent1"/>
+          </a:effectRef>
+          <a:fontRef idx="minor">
+            <a:schemeClr val="lt1"/>
+          </a:fontRef>
+        </p:style>
+        <p:txBody>
+          <a:bodyPr rtlCol="0" anchor="ctr"/>
+          <a:lstStyle/>
+          <a:p>
+            <a:pPr algn="ctr"/>
+            <a:endParaRPr lang="en-US" dirty="0"/>
+          </a:p>
+        </p:txBody>
+      </p:sp>
       <p:sp>
         <p:nvSpPr>
           <p:cNvPr id="2" name="Title 1">
@@ -3635,15 +5385,32 @@
             <p:ph type="ctrTitle"/>
           </p:nvPr>
         </p:nvSpPr>
-        <p:spPr/>
-        <p:txBody>
-          <a:bodyPr/>
-          <a:lstStyle/>
-          <a:p>
-            <a:r>
-              <a:rPr lang="en-CA" dirty="0"/>
-              <a:t>Candida Comparison</a:t>
-            </a:r>
+        <p:spPr>
+          <a:xfrm>
+            <a:off x="477981" y="1122363"/>
+            <a:ext cx="4023360" cy="3204134"/>
+          </a:xfrm>
+        </p:spPr>
+        <p:txBody>
+          <a:bodyPr anchor="b">
+            <a:normAutofit/>
+          </a:bodyPr>
+          <a:lstStyle/>
+          <a:p>
+            <a:pPr algn="l"/>
+            <a:r>
+              <a:rPr lang="en-US" sz="4100"/>
+              <a:t>Species-Level Clustering of </a:t>
+            </a:r>
+            <a:r>
+              <a:rPr lang="en-US" sz="4100" i="1"/>
+              <a:t>Candida</a:t>
+            </a:r>
+            <a:r>
+              <a:rPr lang="en-US" sz="4100"/>
+              <a:t> Using ITS and ERG11 Gene Sequences</a:t>
+            </a:r>
+            <a:endParaRPr lang="en-CA" sz="4100"/>
           </a:p>
         </p:txBody>
       </p:sp>
@@ -3663,12 +5430,191 @@
             <p:ph type="subTitle" idx="1"/>
           </p:nvPr>
         </p:nvSpPr>
-        <p:spPr/>
-        <p:txBody>
-          <a:bodyPr/>
-          <a:lstStyle/>
-          <a:p>
-            <a:endParaRPr lang="en-CA"/>
+        <p:spPr>
+          <a:xfrm>
+            <a:off x="477980" y="4872922"/>
+            <a:ext cx="4023359" cy="1208141"/>
+          </a:xfrm>
+        </p:spPr>
+        <p:txBody>
+          <a:bodyPr>
+            <a:normAutofit/>
+          </a:bodyPr>
+          <a:lstStyle/>
+          <a:p>
+            <a:pPr algn="l"/>
+            <a:r>
+              <a:rPr lang="en-CA" sz="2000"/>
+              <a:t>Sabrina Saiphoo</a:t>
+            </a:r>
+          </a:p>
+          <a:p>
+            <a:pPr algn="l"/>
+            <a:r>
+              <a:rPr lang="en-CA" sz="2000"/>
+              <a:t>GITHUBBBBBBBBBBBBB</a:t>
+            </a:r>
+          </a:p>
+        </p:txBody>
+      </p:sp>
+      <p:sp>
+        <p:nvSpPr>
+          <p:cNvPr id="82" name="Rectangle 81">
+            <a:extLst>
+              <a:ext uri="{FF2B5EF4-FFF2-40B4-BE49-F238E27FC236}">
+                <a16:creationId xmlns:a16="http://schemas.microsoft.com/office/drawing/2014/main" id="{AF2F604E-43BE-4DC3-B983-E071523364F8}"/>
+              </a:ext>
+              <a:ext uri="{C183D7F6-B498-43B3-948B-1728B52AA6E4}">
+                <adec:decorative xmlns:adec="http://schemas.microsoft.com/office/drawing/2017/decorative" val="1"/>
+              </a:ext>
+            </a:extLst>
+          </p:cNvPr>
+          <p:cNvSpPr>
+            <a:spLocks noGrp="1" noRot="1" noChangeAspect="1" noMove="1" noResize="1" noEditPoints="1" noAdjustHandles="1" noChangeArrowheads="1" noChangeShapeType="1" noTextEdit="1"/>
+          </p:cNvSpPr>
+          <p:nvPr>
+            <p:extLst>
+              <p:ext uri="{386F3935-93C4-4BCD-93E2-E3B085C9AB24}">
+                <p16:designElem xmlns:p16="http://schemas.microsoft.com/office/powerpoint/2015/main" val="1"/>
+              </p:ext>
+            </p:extLst>
+          </p:nvPr>
+        </p:nvSpPr>
+        <p:spPr>
+          <a:xfrm rot="5400000">
+            <a:off x="759921" y="346791"/>
+            <a:ext cx="146304" cy="704088"/>
+          </a:xfrm>
+          <a:prstGeom prst="rect">
+            <a:avLst/>
+          </a:prstGeom>
+          <a:solidFill>
+            <a:schemeClr val="accent2"/>
+          </a:solidFill>
+          <a:ln>
+            <a:noFill/>
+          </a:ln>
+        </p:spPr>
+        <p:style>
+          <a:lnRef idx="2">
+            <a:schemeClr val="accent1">
+              <a:shade val="50000"/>
+            </a:schemeClr>
+          </a:lnRef>
+          <a:fillRef idx="1">
+            <a:schemeClr val="accent1"/>
+          </a:fillRef>
+          <a:effectRef idx="0">
+            <a:schemeClr val="accent1"/>
+          </a:effectRef>
+          <a:fontRef idx="minor">
+            <a:schemeClr val="lt1"/>
+          </a:fontRef>
+        </p:style>
+        <p:txBody>
+          <a:bodyPr rtlCol="0" anchor="ctr"/>
+          <a:lstStyle/>
+          <a:p>
+            <a:pPr algn="ctr"/>
+            <a:endParaRPr lang="en-US">
+              <a:solidFill>
+                <a:prstClr val="white"/>
+              </a:solidFill>
+              <a:latin typeface="Calibri" panose="020F0502020204030204"/>
+            </a:endParaRPr>
+          </a:p>
+        </p:txBody>
+      </p:sp>
+      <p:sp>
+        <p:nvSpPr>
+          <p:cNvPr id="83" name="Rectangle 82">
+            <a:extLst>
+              <a:ext uri="{FF2B5EF4-FFF2-40B4-BE49-F238E27FC236}">
+                <a16:creationId xmlns:a16="http://schemas.microsoft.com/office/drawing/2014/main" id="{08C9B587-E65E-4B52-B37C-ABEBB6E87928}"/>
+              </a:ext>
+              <a:ext uri="{C183D7F6-B498-43B3-948B-1728B52AA6E4}">
+                <adec:decorative xmlns:adec="http://schemas.microsoft.com/office/drawing/2017/decorative" val="1"/>
+              </a:ext>
+            </a:extLst>
+          </p:cNvPr>
+          <p:cNvSpPr>
+            <a:spLocks noGrp="1" noRot="1" noChangeAspect="1" noMove="1" noResize="1" noEditPoints="1" noAdjustHandles="1" noChangeArrowheads="1" noChangeShapeType="1" noTextEdit="1"/>
+          </p:cNvSpPr>
+          <p:nvPr>
+            <p:extLst>
+              <p:ext uri="{386F3935-93C4-4BCD-93E2-E3B085C9AB24}">
+                <p16:designElem xmlns:p16="http://schemas.microsoft.com/office/powerpoint/2015/main" val="1"/>
+              </p:ext>
+            </p:extLst>
+          </p:nvPr>
+        </p:nvSpPr>
+        <p:spPr>
+          <a:xfrm>
+            <a:off x="481029" y="4546920"/>
+            <a:ext cx="3977640" cy="18288"/>
+          </a:xfrm>
+          <a:prstGeom prst="rect">
+            <a:avLst/>
+          </a:prstGeom>
+          <a:solidFill>
+            <a:srgbClr val="D5D5D5"/>
+          </a:solidFill>
+          <a:ln w="3175">
+            <a:noFill/>
+          </a:ln>
+          <a:effectLst/>
+        </p:spPr>
+        <p:style>
+          <a:lnRef idx="2">
+            <a:schemeClr val="accent1">
+              <a:shade val="50000"/>
+            </a:schemeClr>
+          </a:lnRef>
+          <a:fillRef idx="1">
+            <a:schemeClr val="accent1"/>
+          </a:fillRef>
+          <a:effectRef idx="0">
+            <a:schemeClr val="accent1"/>
+          </a:effectRef>
+          <a:fontRef idx="minor">
+            <a:schemeClr val="lt1"/>
+          </a:fontRef>
+        </p:style>
+        <p:txBody>
+          <a:bodyPr rtlCol="0" anchor="ctr"/>
+          <a:lstStyle/>
+          <a:p>
+            <a:pPr marL="0" marR="0" lvl="0" indent="0" algn="ctr" defTabSz="914400" rtl="0" eaLnBrk="1" fontAlgn="auto" latinLnBrk="0" hangingPunct="1">
+              <a:lnSpc>
+                <a:spcPct val="100000"/>
+              </a:lnSpc>
+              <a:spcBef>
+                <a:spcPts val="0"/>
+              </a:spcBef>
+              <a:spcAft>
+                <a:spcPts val="0"/>
+              </a:spcAft>
+              <a:buClrTx/>
+              <a:buSzTx/>
+              <a:buFontTx/>
+              <a:buNone/>
+              <a:tabLst/>
+              <a:defRPr/>
+            </a:pPr>
+            <a:endParaRPr kumimoji="0" lang="en-US" sz="1800" b="0" i="0" u="none" strike="noStrike" kern="1200" cap="none" spc="0" normalizeH="0" baseline="0" noProof="0">
+              <a:ln>
+                <a:noFill/>
+              </a:ln>
+              <a:solidFill>
+                <a:prstClr val="white"/>
+              </a:solidFill>
+              <a:effectLst/>
+              <a:uLnTx/>
+              <a:uFillTx/>
+              <a:latin typeface="Calibri" panose="020F0502020204030204"/>
+              <a:ea typeface="+mn-ea"/>
+              <a:cs typeface="+mn-cs"/>
+            </a:endParaRPr>
           </a:p>
         </p:txBody>
       </p:sp>
@@ -3682,18 +5628,568 @@
   <p:clrMapOvr>
     <a:masterClrMapping/>
   </p:clrMapOvr>
+  <p:timing>
+    <p:tnLst>
+      <p:par>
+        <p:cTn id="1" dur="indefinite" restart="never" nodeType="tmRoot">
+          <p:childTnLst>
+            <p:seq concurrent="1" nextAc="seek">
+              <p:cTn id="2" dur="indefinite" nodeType="mainSeq">
+                <p:childTnLst>
+                  <p:par>
+                    <p:cTn id="3" fill="hold">
+                      <p:stCondLst>
+                        <p:cond delay="indefinite"/>
+                        <p:cond evt="onBegin" delay="0">
+                          <p:tn val="2"/>
+                        </p:cond>
+                      </p:stCondLst>
+                      <p:childTnLst>
+                        <p:par>
+                          <p:cTn id="4" fill="hold">
+                            <p:stCondLst>
+                              <p:cond delay="0"/>
+                            </p:stCondLst>
+                            <p:childTnLst>
+                              <p:par>
+                                <p:cTn id="5" presetID="10" presetClass="entr" presetSubtype="0" fill="hold" grpId="0" nodeType="withEffect">
+                                  <p:stCondLst>
+                                    <p:cond delay="1000"/>
+                                  </p:stCondLst>
+                                  <p:iterate>
+                                    <p:tmPct val="10000"/>
+                                  </p:iterate>
+                                  <p:childTnLst>
+                                    <p:set>
+                                      <p:cBhvr>
+                                        <p:cTn id="6" dur="1" fill="hold">
+                                          <p:stCondLst>
+                                            <p:cond delay="0"/>
+                                          </p:stCondLst>
+                                        </p:cTn>
+                                        <p:tgtEl>
+                                          <p:spTgt spid="2"/>
+                                        </p:tgtEl>
+                                        <p:attrNameLst>
+                                          <p:attrName>style.visibility</p:attrName>
+                                        </p:attrNameLst>
+                                      </p:cBhvr>
+                                      <p:to>
+                                        <p:strVal val="visible"/>
+                                      </p:to>
+                                    </p:set>
+                                    <p:animEffect transition="in" filter="fade">
+                                      <p:cBhvr>
+                                        <p:cTn id="7" dur="700"/>
+                                        <p:tgtEl>
+                                          <p:spTgt spid="2"/>
+                                        </p:tgtEl>
+                                      </p:cBhvr>
+                                    </p:animEffect>
+                                  </p:childTnLst>
+                                </p:cTn>
+                              </p:par>
+                              <p:par>
+                                <p:cTn id="8" presetID="10" presetClass="entr" presetSubtype="0" fill="hold" grpId="0" nodeType="withEffect">
+                                  <p:stCondLst>
+                                    <p:cond delay="1500"/>
+                                  </p:stCondLst>
+                                  <p:iterate>
+                                    <p:tmPct val="10000"/>
+                                  </p:iterate>
+                                  <p:childTnLst>
+                                    <p:set>
+                                      <p:cBhvr>
+                                        <p:cTn id="9" dur="1" fill="hold">
+                                          <p:stCondLst>
+                                            <p:cond delay="0"/>
+                                          </p:stCondLst>
+                                        </p:cTn>
+                                        <p:tgtEl>
+                                          <p:spTgt spid="3">
+                                            <p:txEl>
+                                              <p:pRg st="0" end="0"/>
+                                            </p:txEl>
+                                          </p:spTgt>
+                                        </p:tgtEl>
+                                        <p:attrNameLst>
+                                          <p:attrName>style.visibility</p:attrName>
+                                        </p:attrNameLst>
+                                      </p:cBhvr>
+                                      <p:to>
+                                        <p:strVal val="visible"/>
+                                      </p:to>
+                                    </p:set>
+                                    <p:animEffect transition="in" filter="fade">
+                                      <p:cBhvr>
+                                        <p:cTn id="10" dur="700"/>
+                                        <p:tgtEl>
+                                          <p:spTgt spid="3">
+                                            <p:txEl>
+                                              <p:pRg st="0" end="0"/>
+                                            </p:txEl>
+                                          </p:spTgt>
+                                        </p:tgtEl>
+                                      </p:cBhvr>
+                                    </p:animEffect>
+                                  </p:childTnLst>
+                                </p:cTn>
+                              </p:par>
+                            </p:childTnLst>
+                          </p:cTn>
+                        </p:par>
+                      </p:childTnLst>
+                    </p:cTn>
+                  </p:par>
+                  <p:par>
+                    <p:cTn id="11" fill="hold">
+                      <p:stCondLst>
+                        <p:cond delay="indefinite"/>
+                      </p:stCondLst>
+                      <p:childTnLst>
+                        <p:par>
+                          <p:cTn id="12" fill="hold">
+                            <p:stCondLst>
+                              <p:cond delay="0"/>
+                            </p:stCondLst>
+                            <p:childTnLst>
+                              <p:par>
+                                <p:cTn id="13" presetID="10" presetClass="entr" presetSubtype="0" fill="hold" grpId="0" nodeType="clickEffect">
+                                  <p:stCondLst>
+                                    <p:cond delay="1500"/>
+                                  </p:stCondLst>
+                                  <p:iterate>
+                                    <p:tmPct val="10000"/>
+                                  </p:iterate>
+                                  <p:childTnLst>
+                                    <p:set>
+                                      <p:cBhvr>
+                                        <p:cTn id="14" dur="1" fill="hold">
+                                          <p:stCondLst>
+                                            <p:cond delay="0"/>
+                                          </p:stCondLst>
+                                        </p:cTn>
+                                        <p:tgtEl>
+                                          <p:spTgt spid="3">
+                                            <p:txEl>
+                                              <p:pRg st="1" end="1"/>
+                                            </p:txEl>
+                                          </p:spTgt>
+                                        </p:tgtEl>
+                                        <p:attrNameLst>
+                                          <p:attrName>style.visibility</p:attrName>
+                                        </p:attrNameLst>
+                                      </p:cBhvr>
+                                      <p:to>
+                                        <p:strVal val="visible"/>
+                                      </p:to>
+                                    </p:set>
+                                    <p:animEffect transition="in" filter="fade">
+                                      <p:cBhvr>
+                                        <p:cTn id="15" dur="700"/>
+                                        <p:tgtEl>
+                                          <p:spTgt spid="3">
+                                            <p:txEl>
+                                              <p:pRg st="1" end="1"/>
+                                            </p:txEl>
+                                          </p:spTgt>
+                                        </p:tgtEl>
+                                      </p:cBhvr>
+                                    </p:animEffect>
+                                  </p:childTnLst>
+                                </p:cTn>
+                              </p:par>
+                            </p:childTnLst>
+                          </p:cTn>
+                        </p:par>
+                      </p:childTnLst>
+                    </p:cTn>
+                  </p:par>
+                </p:childTnLst>
+              </p:cTn>
+              <p:prevCondLst>
+                <p:cond evt="onPrev" delay="0">
+                  <p:tgtEl>
+                    <p:sldTgt/>
+                  </p:tgtEl>
+                </p:cond>
+              </p:prevCondLst>
+              <p:nextCondLst>
+                <p:cond evt="onNext" delay="0">
+                  <p:tgtEl>
+                    <p:sldTgt/>
+                  </p:tgtEl>
+                </p:cond>
+              </p:nextCondLst>
+            </p:seq>
+          </p:childTnLst>
+        </p:cTn>
+      </p:par>
+    </p:tnLst>
+    <p:bldLst>
+      <p:bldP spid="2" grpId="0"/>
+      <p:bldP spid="3" grpId="0" build="p"/>
+    </p:bldLst>
+  </p:timing>
 </p:sld>
 </file>
 
 <file path=ppt/slides/slide10.xml><?xml version="1.0" encoding="utf-8"?>
 <p:sld xmlns:a="http://schemas.openxmlformats.org/drawingml/2006/main" xmlns:r="http://schemas.openxmlformats.org/officeDocument/2006/relationships" xmlns:p="http://schemas.openxmlformats.org/presentationml/2006/main">
   <p:cSld>
+    <p:bg>
+      <p:bgPr>
+        <a:solidFill>
+          <a:schemeClr val="bg1"/>
+        </a:solidFill>
+        <a:effectLst/>
+      </p:bgPr>
+    </p:bg>
+    <p:spTree>
+      <p:nvGrpSpPr>
+        <p:cNvPr id="1" name=""/>
+        <p:cNvGrpSpPr/>
+        <p:nvPr/>
+      </p:nvGrpSpPr>
+      <p:grpSpPr>
+        <a:xfrm>
+          <a:off x="0" y="0"/>
+          <a:ext cx="0" cy="0"/>
+          <a:chOff x="0" y="0"/>
+          <a:chExt cx="0" cy="0"/>
+        </a:xfrm>
+      </p:grpSpPr>
+      <p:sp useBgFill="1">
+        <p:nvSpPr>
+          <p:cNvPr id="16" name="Rectangle 15">
+            <a:extLst>
+              <a:ext uri="{FF2B5EF4-FFF2-40B4-BE49-F238E27FC236}">
+                <a16:creationId xmlns:a16="http://schemas.microsoft.com/office/drawing/2014/main" id="{68AF5748-FED8-45BA-8631-26D1D10F3246}"/>
+              </a:ext>
+              <a:ext uri="{C183D7F6-B498-43B3-948B-1728B52AA6E4}">
+                <adec:decorative xmlns:adec="http://schemas.microsoft.com/office/drawing/2017/decorative" val="1"/>
+              </a:ext>
+            </a:extLst>
+          </p:cNvPr>
+          <p:cNvSpPr>
+            <a:spLocks noGrp="1" noRot="1" noChangeAspect="1" noMove="1" noResize="1" noEditPoints="1" noAdjustHandles="1" noChangeArrowheads="1" noChangeShapeType="1" noTextEdit="1"/>
+          </p:cNvSpPr>
+          <p:nvPr>
+            <p:extLst>
+              <p:ext uri="{386F3935-93C4-4BCD-93E2-E3B085C9AB24}">
+                <p16:designElem xmlns:p16="http://schemas.microsoft.com/office/powerpoint/2015/main" val="1"/>
+              </p:ext>
+            </p:extLst>
+          </p:nvPr>
+        </p:nvSpPr>
+        <p:spPr>
+          <a:xfrm>
+            <a:off x="0" y="0"/>
+            <a:ext cx="12192000" cy="6858000"/>
+          </a:xfrm>
+          <a:prstGeom prst="rect">
+            <a:avLst/>
+          </a:prstGeom>
+          <a:ln>
+            <a:noFill/>
+          </a:ln>
+        </p:spPr>
+        <p:style>
+          <a:lnRef idx="2">
+            <a:schemeClr val="accent1">
+              <a:shade val="50000"/>
+            </a:schemeClr>
+          </a:lnRef>
+          <a:fillRef idx="1">
+            <a:schemeClr val="accent1"/>
+          </a:fillRef>
+          <a:effectRef idx="0">
+            <a:schemeClr val="accent1"/>
+          </a:effectRef>
+          <a:fontRef idx="minor">
+            <a:schemeClr val="lt1"/>
+          </a:fontRef>
+        </p:style>
+        <p:txBody>
+          <a:bodyPr rtlCol="0" anchor="ctr"/>
+          <a:lstStyle/>
+          <a:p>
+            <a:pPr algn="ctr"/>
+            <a:endParaRPr lang="en-US"/>
+          </a:p>
+        </p:txBody>
+      </p:sp>
+      <p:sp>
+        <p:nvSpPr>
+          <p:cNvPr id="2" name="Title 1">
+            <a:extLst>
+              <a:ext uri="{FF2B5EF4-FFF2-40B4-BE49-F238E27FC236}">
+                <a16:creationId xmlns:a16="http://schemas.microsoft.com/office/drawing/2014/main" id="{6633B26C-766D-D96B-659C-D582DE3DFE88}"/>
+              </a:ext>
+            </a:extLst>
+          </p:cNvPr>
+          <p:cNvSpPr>
+            <a:spLocks noGrp="1"/>
+          </p:cNvSpPr>
+          <p:nvPr>
+            <p:ph type="title"/>
+          </p:nvPr>
+        </p:nvSpPr>
+        <p:spPr>
+          <a:xfrm>
+            <a:off x="477981" y="1122363"/>
+            <a:ext cx="4023360" cy="3204134"/>
+          </a:xfrm>
+        </p:spPr>
+        <p:txBody>
+          <a:bodyPr vert="horz" lIns="91440" tIns="45720" rIns="91440" bIns="45720" rtlCol="0" anchor="b">
+            <a:normAutofit/>
+          </a:bodyPr>
+          <a:lstStyle/>
+          <a:p>
+            <a:r>
+              <a:rPr lang="en-US" sz="4800" kern="1200">
+                <a:solidFill>
+                  <a:schemeClr val="tx1"/>
+                </a:solidFill>
+                <a:latin typeface="+mj-lt"/>
+                <a:ea typeface="+mj-ea"/>
+                <a:cs typeface="+mj-cs"/>
+              </a:rPr>
+              <a:t>Image 3 – ITS Feature-Based Clustering with PCA</a:t>
+            </a:r>
+          </a:p>
+        </p:txBody>
+      </p:sp>
+      <p:sp>
+        <p:nvSpPr>
+          <p:cNvPr id="18" name="Rectangle 17">
+            <a:extLst>
+              <a:ext uri="{FF2B5EF4-FFF2-40B4-BE49-F238E27FC236}">
+                <a16:creationId xmlns:a16="http://schemas.microsoft.com/office/drawing/2014/main" id="{AF2F604E-43BE-4DC3-B983-E071523364F8}"/>
+              </a:ext>
+              <a:ext uri="{C183D7F6-B498-43B3-948B-1728B52AA6E4}">
+                <adec:decorative xmlns:adec="http://schemas.microsoft.com/office/drawing/2017/decorative" val="1"/>
+              </a:ext>
+            </a:extLst>
+          </p:cNvPr>
+          <p:cNvSpPr>
+            <a:spLocks noGrp="1" noRot="1" noChangeAspect="1" noMove="1" noResize="1" noEditPoints="1" noAdjustHandles="1" noChangeArrowheads="1" noChangeShapeType="1" noTextEdit="1"/>
+          </p:cNvSpPr>
+          <p:nvPr>
+            <p:extLst>
+              <p:ext uri="{386F3935-93C4-4BCD-93E2-E3B085C9AB24}">
+                <p16:designElem xmlns:p16="http://schemas.microsoft.com/office/powerpoint/2015/main" val="1"/>
+              </p:ext>
+            </p:extLst>
+          </p:nvPr>
+        </p:nvSpPr>
+        <p:spPr>
+          <a:xfrm rot="5400000">
+            <a:off x="759921" y="346791"/>
+            <a:ext cx="146304" cy="704088"/>
+          </a:xfrm>
+          <a:prstGeom prst="rect">
+            <a:avLst/>
+          </a:prstGeom>
+          <a:solidFill>
+            <a:schemeClr val="accent2"/>
+          </a:solidFill>
+          <a:ln>
+            <a:noFill/>
+          </a:ln>
+        </p:spPr>
+        <p:style>
+          <a:lnRef idx="2">
+            <a:schemeClr val="accent1">
+              <a:shade val="50000"/>
+            </a:schemeClr>
+          </a:lnRef>
+          <a:fillRef idx="1">
+            <a:schemeClr val="accent1"/>
+          </a:fillRef>
+          <a:effectRef idx="0">
+            <a:schemeClr val="accent1"/>
+          </a:effectRef>
+          <a:fontRef idx="minor">
+            <a:schemeClr val="lt1"/>
+          </a:fontRef>
+        </p:style>
+        <p:txBody>
+          <a:bodyPr rtlCol="0" anchor="ctr"/>
+          <a:lstStyle/>
+          <a:p>
+            <a:pPr marL="0" marR="0" lvl="0" indent="0" algn="ctr" defTabSz="914400" rtl="0" eaLnBrk="1" fontAlgn="auto" latinLnBrk="0" hangingPunct="1">
+              <a:lnSpc>
+                <a:spcPct val="100000"/>
+              </a:lnSpc>
+              <a:spcBef>
+                <a:spcPts val="0"/>
+              </a:spcBef>
+              <a:spcAft>
+                <a:spcPts val="0"/>
+              </a:spcAft>
+              <a:buClrTx/>
+              <a:buSzTx/>
+              <a:buFontTx/>
+              <a:buNone/>
+              <a:tabLst/>
+              <a:defRPr/>
+            </a:pPr>
+            <a:endParaRPr kumimoji="0" lang="en-US" sz="1800" b="0" i="0" u="none" strike="noStrike" kern="1200" cap="none" spc="0" normalizeH="0" baseline="0" noProof="0">
+              <a:ln>
+                <a:noFill/>
+              </a:ln>
+              <a:solidFill>
+                <a:prstClr val="white"/>
+              </a:solidFill>
+              <a:effectLst/>
+              <a:uLnTx/>
+              <a:uFillTx/>
+              <a:latin typeface="Calibri" panose="020F0502020204030204"/>
+              <a:ea typeface="+mn-ea"/>
+              <a:cs typeface="+mn-cs"/>
+            </a:endParaRPr>
+          </a:p>
+        </p:txBody>
+      </p:sp>
+      <p:sp>
+        <p:nvSpPr>
+          <p:cNvPr id="20" name="Rectangle 19">
+            <a:extLst>
+              <a:ext uri="{FF2B5EF4-FFF2-40B4-BE49-F238E27FC236}">
+                <a16:creationId xmlns:a16="http://schemas.microsoft.com/office/drawing/2014/main" id="{08C9B587-E65E-4B52-B37C-ABEBB6E87928}"/>
+              </a:ext>
+              <a:ext uri="{C183D7F6-B498-43B3-948B-1728B52AA6E4}">
+                <adec:decorative xmlns:adec="http://schemas.microsoft.com/office/drawing/2017/decorative" val="1"/>
+              </a:ext>
+            </a:extLst>
+          </p:cNvPr>
+          <p:cNvSpPr>
+            <a:spLocks noGrp="1" noRot="1" noChangeAspect="1" noMove="1" noResize="1" noEditPoints="1" noAdjustHandles="1" noChangeArrowheads="1" noChangeShapeType="1" noTextEdit="1"/>
+          </p:cNvSpPr>
+          <p:nvPr>
+            <p:extLst>
+              <p:ext uri="{386F3935-93C4-4BCD-93E2-E3B085C9AB24}">
+                <p16:designElem xmlns:p16="http://schemas.microsoft.com/office/powerpoint/2015/main" val="1"/>
+              </p:ext>
+            </p:extLst>
+          </p:nvPr>
+        </p:nvSpPr>
+        <p:spPr>
+          <a:xfrm>
+            <a:off x="481029" y="4546920"/>
+            <a:ext cx="4023360" cy="18288"/>
+          </a:xfrm>
+          <a:prstGeom prst="rect">
+            <a:avLst/>
+          </a:prstGeom>
+          <a:solidFill>
+            <a:srgbClr val="D5D5D5"/>
+          </a:solidFill>
+          <a:ln w="3175">
+            <a:noFill/>
+          </a:ln>
+          <a:effectLst/>
+        </p:spPr>
+        <p:style>
+          <a:lnRef idx="2">
+            <a:schemeClr val="accent1">
+              <a:shade val="50000"/>
+            </a:schemeClr>
+          </a:lnRef>
+          <a:fillRef idx="1">
+            <a:schemeClr val="accent1"/>
+          </a:fillRef>
+          <a:effectRef idx="0">
+            <a:schemeClr val="accent1"/>
+          </a:effectRef>
+          <a:fontRef idx="minor">
+            <a:schemeClr val="lt1"/>
+          </a:fontRef>
+        </p:style>
+        <p:txBody>
+          <a:bodyPr rtlCol="0" anchor="ctr"/>
+          <a:lstStyle/>
+          <a:p>
+            <a:pPr algn="ctr"/>
+            <a:endParaRPr lang="en-US">
+              <a:solidFill>
+                <a:prstClr val="white"/>
+              </a:solidFill>
+              <a:latin typeface="Calibri" panose="020F0502020204030204"/>
+            </a:endParaRPr>
+          </a:p>
+        </p:txBody>
+      </p:sp>
+      <p:pic>
+        <p:nvPicPr>
+          <p:cNvPr id="4" name="Content Placeholder 3" descr="A chart with different colored dots&#10;&#10;AI-generated content may be incorrect.">
+            <a:extLst>
+              <a:ext uri="{FF2B5EF4-FFF2-40B4-BE49-F238E27FC236}">
+                <a16:creationId xmlns:a16="http://schemas.microsoft.com/office/drawing/2014/main" id="{A88D4708-CD6F-B152-141B-708A63023DC3}"/>
+              </a:ext>
+            </a:extLst>
+          </p:cNvPr>
+          <p:cNvPicPr>
+            <a:picLocks noGrp="1" noChangeAspect="1"/>
+          </p:cNvPicPr>
+          <p:nvPr>
+            <p:ph idx="1"/>
+          </p:nvPr>
+        </p:nvPicPr>
+        <p:blipFill>
+          <a:blip r:embed="rId2">
+            <a:extLst>
+              <a:ext uri="{28A0092B-C50C-407E-A947-70E740481C1C}">
+                <a14:useLocalDpi xmlns:a14="http://schemas.microsoft.com/office/drawing/2010/main" val="0"/>
+              </a:ext>
+            </a:extLst>
+          </a:blip>
+          <a:stretch>
+            <a:fillRect/>
+          </a:stretch>
+        </p:blipFill>
+        <p:spPr>
+          <a:xfrm>
+            <a:off x="4864608" y="785987"/>
+            <a:ext cx="6846363" cy="5134772"/>
+          </a:xfrm>
+          <a:prstGeom prst="rect">
+            <a:avLst/>
+          </a:prstGeom>
+        </p:spPr>
+      </p:pic>
+    </p:spTree>
+    <p:extLst>
+      <p:ext uri="{BB962C8B-B14F-4D97-AF65-F5344CB8AC3E}">
+        <p14:creationId xmlns:p14="http://schemas.microsoft.com/office/powerpoint/2010/main" val="721873184"/>
+      </p:ext>
+    </p:extLst>
+  </p:cSld>
+  <p:clrMapOvr>
+    <a:masterClrMapping/>
+  </p:clrMapOvr>
+</p:sld>
+</file>
+
+<file path=ppt/slides/slide11.xml><?xml version="1.0" encoding="utf-8"?>
+<p:sld xmlns:a="http://schemas.openxmlformats.org/drawingml/2006/main" xmlns:r="http://schemas.openxmlformats.org/officeDocument/2006/relationships" xmlns:p="http://schemas.openxmlformats.org/presentationml/2006/main">
+  <p:cSld>
+    <p:bg>
+      <p:bgPr>
+        <a:solidFill>
+          <a:schemeClr val="bg1"/>
+        </a:solidFill>
+        <a:effectLst/>
+      </p:bgPr>
+    </p:bg>
     <p:spTree>
       <p:nvGrpSpPr>
         <p:cNvPr id="1" name="">
           <a:extLst>
             <a:ext uri="{FF2B5EF4-FFF2-40B4-BE49-F238E27FC236}">
-              <a16:creationId xmlns:a16="http://schemas.microsoft.com/office/drawing/2014/main" id="{6E820005-4EA5-10BE-424A-1B157F82C8BF}"/>
+              <a16:creationId xmlns:a16="http://schemas.microsoft.com/office/drawing/2014/main" id="{098F3956-4354-B183-BE32-41955005D129}"/>
             </a:ext>
           </a:extLst>
         </p:cNvPr>
@@ -3708,12 +6204,72 @@
           <a:chExt cx="0" cy="0"/>
         </a:xfrm>
       </p:grpSpPr>
+      <p:sp useBgFill="1">
+        <p:nvSpPr>
+          <p:cNvPr id="18" name="Rectangle 17">
+            <a:extLst>
+              <a:ext uri="{FF2B5EF4-FFF2-40B4-BE49-F238E27FC236}">
+                <a16:creationId xmlns:a16="http://schemas.microsoft.com/office/drawing/2014/main" id="{68AF5748-FED8-45BA-8631-26D1D10F3246}"/>
+              </a:ext>
+              <a:ext uri="{C183D7F6-B498-43B3-948B-1728B52AA6E4}">
+                <adec:decorative xmlns:adec="http://schemas.microsoft.com/office/drawing/2017/decorative" val="1"/>
+              </a:ext>
+            </a:extLst>
+          </p:cNvPr>
+          <p:cNvSpPr>
+            <a:spLocks noGrp="1" noRot="1" noChangeAspect="1" noMove="1" noResize="1" noEditPoints="1" noAdjustHandles="1" noChangeArrowheads="1" noChangeShapeType="1" noTextEdit="1"/>
+          </p:cNvSpPr>
+          <p:nvPr>
+            <p:extLst>
+              <p:ext uri="{386F3935-93C4-4BCD-93E2-E3B085C9AB24}">
+                <p16:designElem xmlns:p16="http://schemas.microsoft.com/office/powerpoint/2015/main" val="1"/>
+              </p:ext>
+            </p:extLst>
+          </p:nvPr>
+        </p:nvSpPr>
+        <p:spPr>
+          <a:xfrm>
+            <a:off x="0" y="0"/>
+            <a:ext cx="12192000" cy="6858000"/>
+          </a:xfrm>
+          <a:prstGeom prst="rect">
+            <a:avLst/>
+          </a:prstGeom>
+          <a:ln>
+            <a:noFill/>
+          </a:ln>
+        </p:spPr>
+        <p:style>
+          <a:lnRef idx="2">
+            <a:schemeClr val="accent1">
+              <a:shade val="50000"/>
+            </a:schemeClr>
+          </a:lnRef>
+          <a:fillRef idx="1">
+            <a:schemeClr val="accent1"/>
+          </a:fillRef>
+          <a:effectRef idx="0">
+            <a:schemeClr val="accent1"/>
+          </a:effectRef>
+          <a:fontRef idx="minor">
+            <a:schemeClr val="lt1"/>
+          </a:fontRef>
+        </p:style>
+        <p:txBody>
+          <a:bodyPr rtlCol="0" anchor="ctr"/>
+          <a:lstStyle/>
+          <a:p>
+            <a:pPr algn="ctr"/>
+            <a:endParaRPr lang="en-US"/>
+          </a:p>
+        </p:txBody>
+      </p:sp>
       <p:sp>
         <p:nvSpPr>
           <p:cNvPr id="2" name="Title 1">
             <a:extLst>
               <a:ext uri="{FF2B5EF4-FFF2-40B4-BE49-F238E27FC236}">
-                <a16:creationId xmlns:a16="http://schemas.microsoft.com/office/drawing/2014/main" id="{B6498A66-CBA5-6070-06DD-22A9368A6C1A}"/>
+                <a16:creationId xmlns:a16="http://schemas.microsoft.com/office/drawing/2014/main" id="{F9586A67-2A06-FD07-F282-8990DB42C684}"/>
               </a:ext>
             </a:extLst>
           </p:cNvPr>
@@ -3724,13 +6280,27 @@
             <p:ph type="title"/>
           </p:nvPr>
         </p:nvSpPr>
-        <p:spPr/>
-        <p:txBody>
-          <a:bodyPr/>
-          <a:lstStyle/>
-          <a:p>
-            <a:r>
-              <a:rPr lang="en-CA" dirty="0"/>
+        <p:spPr>
+          <a:xfrm>
+            <a:off x="477981" y="1122363"/>
+            <a:ext cx="4023360" cy="3204134"/>
+          </a:xfrm>
+        </p:spPr>
+        <p:txBody>
+          <a:bodyPr vert="horz" lIns="91440" tIns="45720" rIns="91440" bIns="45720" rtlCol="0" anchor="b">
+            <a:normAutofit/>
+          </a:bodyPr>
+          <a:lstStyle/>
+          <a:p>
+            <a:r>
+              <a:rPr lang="en-US" kern="1200">
+                <a:solidFill>
+                  <a:schemeClr val="tx1"/>
+                </a:solidFill>
+                <a:latin typeface="+mj-lt"/>
+                <a:ea typeface="+mj-ea"/>
+                <a:cs typeface="+mj-cs"/>
+              </a:rPr>
               <a:t>Image 4 – ERG11Feature-Based Clustering with PCA</a:t>
             </a:r>
           </a:p>
@@ -3738,33 +6308,207 @@
       </p:sp>
       <p:sp>
         <p:nvSpPr>
-          <p:cNvPr id="7" name="Content Placeholder 6">
-            <a:extLst>
-              <a:ext uri="{FF2B5EF4-FFF2-40B4-BE49-F238E27FC236}">
-                <a16:creationId xmlns:a16="http://schemas.microsoft.com/office/drawing/2014/main" id="{BDAC5A68-C153-3FC2-07FF-23CE4EAF8749}"/>
-              </a:ext>
-            </a:extLst>
-          </p:cNvPr>
-          <p:cNvSpPr>
-            <a:spLocks noGrp="1"/>
-          </p:cNvSpPr>
+          <p:cNvPr id="19" name="Rectangle 18">
+            <a:extLst>
+              <a:ext uri="{FF2B5EF4-FFF2-40B4-BE49-F238E27FC236}">
+                <a16:creationId xmlns:a16="http://schemas.microsoft.com/office/drawing/2014/main" id="{AF2F604E-43BE-4DC3-B983-E071523364F8}"/>
+              </a:ext>
+              <a:ext uri="{C183D7F6-B498-43B3-948B-1728B52AA6E4}">
+                <adec:decorative xmlns:adec="http://schemas.microsoft.com/office/drawing/2017/decorative" val="1"/>
+              </a:ext>
+            </a:extLst>
+          </p:cNvPr>
+          <p:cNvSpPr>
+            <a:spLocks noGrp="1" noRot="1" noChangeAspect="1" noMove="1" noResize="1" noEditPoints="1" noAdjustHandles="1" noChangeArrowheads="1" noChangeShapeType="1" noTextEdit="1"/>
+          </p:cNvSpPr>
+          <p:nvPr>
+            <p:extLst>
+              <p:ext uri="{386F3935-93C4-4BCD-93E2-E3B085C9AB24}">
+                <p16:designElem xmlns:p16="http://schemas.microsoft.com/office/powerpoint/2015/main" val="1"/>
+              </p:ext>
+            </p:extLst>
+          </p:nvPr>
+        </p:nvSpPr>
+        <p:spPr>
+          <a:xfrm rot="5400000">
+            <a:off x="759921" y="346791"/>
+            <a:ext cx="146304" cy="704088"/>
+          </a:xfrm>
+          <a:prstGeom prst="rect">
+            <a:avLst/>
+          </a:prstGeom>
+          <a:solidFill>
+            <a:schemeClr val="accent2"/>
+          </a:solidFill>
+          <a:ln>
+            <a:noFill/>
+          </a:ln>
+        </p:spPr>
+        <p:style>
+          <a:lnRef idx="2">
+            <a:schemeClr val="accent1">
+              <a:shade val="50000"/>
+            </a:schemeClr>
+          </a:lnRef>
+          <a:fillRef idx="1">
+            <a:schemeClr val="accent1"/>
+          </a:fillRef>
+          <a:effectRef idx="0">
+            <a:schemeClr val="accent1"/>
+          </a:effectRef>
+          <a:fontRef idx="minor">
+            <a:schemeClr val="lt1"/>
+          </a:fontRef>
+        </p:style>
+        <p:txBody>
+          <a:bodyPr rtlCol="0" anchor="ctr"/>
+          <a:lstStyle/>
+          <a:p>
+            <a:pPr marL="0" marR="0" lvl="0" indent="0" algn="ctr" defTabSz="914400" rtl="0" eaLnBrk="1" fontAlgn="auto" latinLnBrk="0" hangingPunct="1">
+              <a:lnSpc>
+                <a:spcPct val="100000"/>
+              </a:lnSpc>
+              <a:spcBef>
+                <a:spcPts val="0"/>
+              </a:spcBef>
+              <a:spcAft>
+                <a:spcPts val="0"/>
+              </a:spcAft>
+              <a:buClrTx/>
+              <a:buSzTx/>
+              <a:buFontTx/>
+              <a:buNone/>
+              <a:tabLst/>
+              <a:defRPr/>
+            </a:pPr>
+            <a:endParaRPr kumimoji="0" lang="en-US" sz="1800" b="0" i="0" u="none" strike="noStrike" kern="1200" cap="none" spc="0" normalizeH="0" baseline="0" noProof="0">
+              <a:ln>
+                <a:noFill/>
+              </a:ln>
+              <a:solidFill>
+                <a:prstClr val="white"/>
+              </a:solidFill>
+              <a:effectLst/>
+              <a:uLnTx/>
+              <a:uFillTx/>
+              <a:latin typeface="Calibri" panose="020F0502020204030204"/>
+              <a:ea typeface="+mn-ea"/>
+              <a:cs typeface="+mn-cs"/>
+            </a:endParaRPr>
+          </a:p>
+        </p:txBody>
+      </p:sp>
+      <p:sp>
+        <p:nvSpPr>
+          <p:cNvPr id="20" name="Rectangle 19">
+            <a:extLst>
+              <a:ext uri="{FF2B5EF4-FFF2-40B4-BE49-F238E27FC236}">
+                <a16:creationId xmlns:a16="http://schemas.microsoft.com/office/drawing/2014/main" id="{08C9B587-E65E-4B52-B37C-ABEBB6E87928}"/>
+              </a:ext>
+              <a:ext uri="{C183D7F6-B498-43B3-948B-1728B52AA6E4}">
+                <adec:decorative xmlns:adec="http://schemas.microsoft.com/office/drawing/2017/decorative" val="1"/>
+              </a:ext>
+            </a:extLst>
+          </p:cNvPr>
+          <p:cNvSpPr>
+            <a:spLocks noGrp="1" noRot="1" noChangeAspect="1" noMove="1" noResize="1" noEditPoints="1" noAdjustHandles="1" noChangeArrowheads="1" noChangeShapeType="1" noTextEdit="1"/>
+          </p:cNvSpPr>
+          <p:nvPr>
+            <p:extLst>
+              <p:ext uri="{386F3935-93C4-4BCD-93E2-E3B085C9AB24}">
+                <p16:designElem xmlns:p16="http://schemas.microsoft.com/office/powerpoint/2015/main" val="1"/>
+              </p:ext>
+            </p:extLst>
+          </p:nvPr>
+        </p:nvSpPr>
+        <p:spPr>
+          <a:xfrm>
+            <a:off x="481029" y="4546920"/>
+            <a:ext cx="4023360" cy="18288"/>
+          </a:xfrm>
+          <a:prstGeom prst="rect">
+            <a:avLst/>
+          </a:prstGeom>
+          <a:solidFill>
+            <a:srgbClr val="D5D5D5"/>
+          </a:solidFill>
+          <a:ln w="3175">
+            <a:noFill/>
+          </a:ln>
+          <a:effectLst/>
+        </p:spPr>
+        <p:style>
+          <a:lnRef idx="2">
+            <a:schemeClr val="accent1">
+              <a:shade val="50000"/>
+            </a:schemeClr>
+          </a:lnRef>
+          <a:fillRef idx="1">
+            <a:schemeClr val="accent1"/>
+          </a:fillRef>
+          <a:effectRef idx="0">
+            <a:schemeClr val="accent1"/>
+          </a:effectRef>
+          <a:fontRef idx="minor">
+            <a:schemeClr val="lt1"/>
+          </a:fontRef>
+        </p:style>
+        <p:txBody>
+          <a:bodyPr rtlCol="0" anchor="ctr"/>
+          <a:lstStyle/>
+          <a:p>
+            <a:pPr algn="ctr"/>
+            <a:endParaRPr lang="en-US">
+              <a:solidFill>
+                <a:prstClr val="white"/>
+              </a:solidFill>
+              <a:latin typeface="Calibri" panose="020F0502020204030204"/>
+            </a:endParaRPr>
+          </a:p>
+        </p:txBody>
+      </p:sp>
+      <p:pic>
+        <p:nvPicPr>
+          <p:cNvPr id="4" name="Content Placeholder 3" descr="A graph with colored dots and numbers&#10;&#10;AI-generated content may be incorrect.">
+            <a:extLst>
+              <a:ext uri="{FF2B5EF4-FFF2-40B4-BE49-F238E27FC236}">
+                <a16:creationId xmlns:a16="http://schemas.microsoft.com/office/drawing/2014/main" id="{A992125B-0444-8F48-CBBA-0CADA1F03A7A}"/>
+              </a:ext>
+            </a:extLst>
+          </p:cNvPr>
+          <p:cNvPicPr>
+            <a:picLocks noGrp="1" noChangeAspect="1"/>
+          </p:cNvPicPr>
           <p:nvPr>
             <p:ph idx="1"/>
           </p:nvPr>
-        </p:nvSpPr>
-        <p:spPr/>
-        <p:txBody>
-          <a:bodyPr/>
-          <a:lstStyle/>
-          <a:p>
-            <a:endParaRPr lang="en-CA"/>
-          </a:p>
-        </p:txBody>
-      </p:sp>
+        </p:nvPicPr>
+        <p:blipFill>
+          <a:blip r:embed="rId2">
+            <a:extLst>
+              <a:ext uri="{28A0092B-C50C-407E-A947-70E740481C1C}">
+                <a14:useLocalDpi xmlns:a14="http://schemas.microsoft.com/office/drawing/2010/main" val="0"/>
+              </a:ext>
+            </a:extLst>
+          </a:blip>
+          <a:stretch>
+            <a:fillRect/>
+          </a:stretch>
+        </p:blipFill>
+        <p:spPr>
+          <a:xfrm>
+            <a:off x="4864608" y="785987"/>
+            <a:ext cx="6846363" cy="5134772"/>
+          </a:xfrm>
+          <a:prstGeom prst="rect">
+            <a:avLst/>
+          </a:prstGeom>
+        </p:spPr>
+      </p:pic>
     </p:spTree>
     <p:extLst>
       <p:ext uri="{BB962C8B-B14F-4D97-AF65-F5344CB8AC3E}">
-        <p14:creationId xmlns:p14="http://schemas.microsoft.com/office/powerpoint/2010/main" val="3315205668"/>
+        <p14:creationId xmlns:p14="http://schemas.microsoft.com/office/powerpoint/2010/main" val="1614155236"/>
       </p:ext>
     </p:extLst>
   </p:cSld>
@@ -3774,7 +6518,879 @@
 </p:sld>
 </file>
 
-<file path=ppt/slides/slide2.xml><?xml version="1.0" encoding="utf-8"?>
+<file path=ppt/slides/slide12.xml><?xml version="1.0" encoding="utf-8"?>
+<p:sld xmlns:a="http://schemas.openxmlformats.org/drawingml/2006/main" xmlns:r="http://schemas.openxmlformats.org/officeDocument/2006/relationships" xmlns:p="http://schemas.openxmlformats.org/presentationml/2006/main">
+  <p:cSld>
+    <p:spTree>
+      <p:nvGrpSpPr>
+        <p:cNvPr id="1" name="">
+          <a:extLst>
+            <a:ext uri="{FF2B5EF4-FFF2-40B4-BE49-F238E27FC236}">
+              <a16:creationId xmlns:a16="http://schemas.microsoft.com/office/drawing/2014/main" id="{9859DA82-3B5F-A633-48A1-6BC1057FEEBA}"/>
+            </a:ext>
+          </a:extLst>
+        </p:cNvPr>
+        <p:cNvGrpSpPr/>
+        <p:nvPr/>
+      </p:nvGrpSpPr>
+      <p:grpSpPr>
+        <a:xfrm>
+          <a:off x="0" y="0"/>
+          <a:ext cx="0" cy="0"/>
+          <a:chOff x="0" y="0"/>
+          <a:chExt cx="0" cy="0"/>
+        </a:xfrm>
+      </p:grpSpPr>
+      <p:sp>
+        <p:nvSpPr>
+          <p:cNvPr id="2" name="Title 1">
+            <a:extLst>
+              <a:ext uri="{FF2B5EF4-FFF2-40B4-BE49-F238E27FC236}">
+                <a16:creationId xmlns:a16="http://schemas.microsoft.com/office/drawing/2014/main" id="{A3362D89-9915-3717-5D6D-70C0944FBFB8}"/>
+              </a:ext>
+            </a:extLst>
+          </p:cNvPr>
+          <p:cNvSpPr>
+            <a:spLocks noGrp="1"/>
+          </p:cNvSpPr>
+          <p:nvPr>
+            <p:ph type="title"/>
+          </p:nvPr>
+        </p:nvSpPr>
+        <p:spPr/>
+        <p:txBody>
+          <a:bodyPr/>
+          <a:lstStyle/>
+          <a:p>
+            <a:r>
+              <a:rPr lang="en-CA" dirty="0"/>
+              <a:t>Feature-Based Clustering with PCA Discussion</a:t>
+            </a:r>
+          </a:p>
+        </p:txBody>
+      </p:sp>
+      <p:sp>
+        <p:nvSpPr>
+          <p:cNvPr id="3" name="Content Placeholder 2">
+            <a:extLst>
+              <a:ext uri="{FF2B5EF4-FFF2-40B4-BE49-F238E27FC236}">
+                <a16:creationId xmlns:a16="http://schemas.microsoft.com/office/drawing/2014/main" id="{D85B793E-66B6-D1F7-C31B-0DD03EF48ABF}"/>
+              </a:ext>
+            </a:extLst>
+          </p:cNvPr>
+          <p:cNvSpPr>
+            <a:spLocks noGrp="1"/>
+          </p:cNvSpPr>
+          <p:nvPr>
+            <p:ph idx="1"/>
+          </p:nvPr>
+        </p:nvSpPr>
+        <p:spPr/>
+        <p:txBody>
+          <a:bodyPr/>
+          <a:lstStyle/>
+          <a:p>
+            <a:endParaRPr lang="en-CA"/>
+          </a:p>
+        </p:txBody>
+      </p:sp>
+    </p:spTree>
+    <p:extLst>
+      <p:ext uri="{BB962C8B-B14F-4D97-AF65-F5344CB8AC3E}">
+        <p14:creationId xmlns:p14="http://schemas.microsoft.com/office/powerpoint/2010/main" val="3855461042"/>
+      </p:ext>
+    </p:extLst>
+  </p:cSld>
+  <p:clrMapOvr>
+    <a:masterClrMapping/>
+  </p:clrMapOvr>
+</p:sld>
+</file>
+
+<file path=ppt/slides/slide13.xml><?xml version="1.0" encoding="utf-8"?>
+<p:sld xmlns:a="http://schemas.openxmlformats.org/drawingml/2006/main" xmlns:r="http://schemas.openxmlformats.org/officeDocument/2006/relationships" xmlns:p="http://schemas.openxmlformats.org/presentationml/2006/main">
+  <p:cSld>
+    <p:bg>
+      <p:bgPr>
+        <a:solidFill>
+          <a:schemeClr val="bg1"/>
+        </a:solidFill>
+        <a:effectLst/>
+      </p:bgPr>
+    </p:bg>
+    <p:spTree>
+      <p:nvGrpSpPr>
+        <p:cNvPr id="1" name="">
+          <a:extLst>
+            <a:ext uri="{FF2B5EF4-FFF2-40B4-BE49-F238E27FC236}">
+              <a16:creationId xmlns:a16="http://schemas.microsoft.com/office/drawing/2014/main" id="{627264CC-F8BB-B9D4-C83A-F2BFD0D10B0F}"/>
+            </a:ext>
+          </a:extLst>
+        </p:cNvPr>
+        <p:cNvGrpSpPr/>
+        <p:nvPr/>
+      </p:nvGrpSpPr>
+      <p:grpSpPr>
+        <a:xfrm>
+          <a:off x="0" y="0"/>
+          <a:ext cx="0" cy="0"/>
+          <a:chOff x="0" y="0"/>
+          <a:chExt cx="0" cy="0"/>
+        </a:xfrm>
+      </p:grpSpPr>
+      <p:sp useBgFill="1">
+        <p:nvSpPr>
+          <p:cNvPr id="23" name="Rectangle 22">
+            <a:extLst>
+              <a:ext uri="{FF2B5EF4-FFF2-40B4-BE49-F238E27FC236}">
+                <a16:creationId xmlns:a16="http://schemas.microsoft.com/office/drawing/2014/main" id="{68AF5748-FED8-45BA-8631-26D1D10F3246}"/>
+              </a:ext>
+              <a:ext uri="{C183D7F6-B498-43B3-948B-1728B52AA6E4}">
+                <adec:decorative xmlns:adec="http://schemas.microsoft.com/office/drawing/2017/decorative" val="1"/>
+              </a:ext>
+            </a:extLst>
+          </p:cNvPr>
+          <p:cNvSpPr>
+            <a:spLocks noGrp="1" noRot="1" noChangeAspect="1" noMove="1" noResize="1" noEditPoints="1" noAdjustHandles="1" noChangeArrowheads="1" noChangeShapeType="1" noTextEdit="1"/>
+          </p:cNvSpPr>
+          <p:nvPr>
+            <p:extLst>
+              <p:ext uri="{386F3935-93C4-4BCD-93E2-E3B085C9AB24}">
+                <p16:designElem xmlns:p16="http://schemas.microsoft.com/office/powerpoint/2015/main" val="1"/>
+              </p:ext>
+            </p:extLst>
+          </p:nvPr>
+        </p:nvSpPr>
+        <p:spPr>
+          <a:xfrm>
+            <a:off x="0" y="0"/>
+            <a:ext cx="12192000" cy="6858000"/>
+          </a:xfrm>
+          <a:prstGeom prst="rect">
+            <a:avLst/>
+          </a:prstGeom>
+          <a:ln>
+            <a:noFill/>
+          </a:ln>
+        </p:spPr>
+        <p:style>
+          <a:lnRef idx="2">
+            <a:schemeClr val="accent1">
+              <a:shade val="50000"/>
+            </a:schemeClr>
+          </a:lnRef>
+          <a:fillRef idx="1">
+            <a:schemeClr val="accent1"/>
+          </a:fillRef>
+          <a:effectRef idx="0">
+            <a:schemeClr val="accent1"/>
+          </a:effectRef>
+          <a:fontRef idx="minor">
+            <a:schemeClr val="lt1"/>
+          </a:fontRef>
+        </p:style>
+        <p:txBody>
+          <a:bodyPr rtlCol="0" anchor="ctr"/>
+          <a:lstStyle/>
+          <a:p>
+            <a:pPr algn="ctr"/>
+            <a:endParaRPr lang="en-US"/>
+          </a:p>
+        </p:txBody>
+      </p:sp>
+      <p:sp>
+        <p:nvSpPr>
+          <p:cNvPr id="2" name="Title 1">
+            <a:extLst>
+              <a:ext uri="{FF2B5EF4-FFF2-40B4-BE49-F238E27FC236}">
+                <a16:creationId xmlns:a16="http://schemas.microsoft.com/office/drawing/2014/main" id="{99BE6C36-EC13-1AD6-9795-0AFA16A478C6}"/>
+              </a:ext>
+            </a:extLst>
+          </p:cNvPr>
+          <p:cNvSpPr>
+            <a:spLocks noGrp="1"/>
+          </p:cNvSpPr>
+          <p:nvPr>
+            <p:ph type="title"/>
+          </p:nvPr>
+        </p:nvSpPr>
+        <p:spPr>
+          <a:xfrm>
+            <a:off x="477981" y="1122363"/>
+            <a:ext cx="4023360" cy="3204134"/>
+          </a:xfrm>
+        </p:spPr>
+        <p:txBody>
+          <a:bodyPr vert="horz" lIns="91440" tIns="45720" rIns="91440" bIns="45720" rtlCol="0" anchor="b">
+            <a:normAutofit/>
+          </a:bodyPr>
+          <a:lstStyle/>
+          <a:p>
+            <a:r>
+              <a:rPr lang="en-US" sz="4800" kern="1200">
+                <a:solidFill>
+                  <a:schemeClr val="tx1"/>
+                </a:solidFill>
+                <a:latin typeface="+mj-lt"/>
+                <a:ea typeface="+mj-ea"/>
+                <a:cs typeface="+mj-cs"/>
+              </a:rPr>
+              <a:t>Image 5 – ITS Silhouette plot</a:t>
+            </a:r>
+          </a:p>
+        </p:txBody>
+      </p:sp>
+      <p:sp>
+        <p:nvSpPr>
+          <p:cNvPr id="25" name="Rectangle 24">
+            <a:extLst>
+              <a:ext uri="{FF2B5EF4-FFF2-40B4-BE49-F238E27FC236}">
+                <a16:creationId xmlns:a16="http://schemas.microsoft.com/office/drawing/2014/main" id="{AF2F604E-43BE-4DC3-B983-E071523364F8}"/>
+              </a:ext>
+              <a:ext uri="{C183D7F6-B498-43B3-948B-1728B52AA6E4}">
+                <adec:decorative xmlns:adec="http://schemas.microsoft.com/office/drawing/2017/decorative" val="1"/>
+              </a:ext>
+            </a:extLst>
+          </p:cNvPr>
+          <p:cNvSpPr>
+            <a:spLocks noGrp="1" noRot="1" noChangeAspect="1" noMove="1" noResize="1" noEditPoints="1" noAdjustHandles="1" noChangeArrowheads="1" noChangeShapeType="1" noTextEdit="1"/>
+          </p:cNvSpPr>
+          <p:nvPr>
+            <p:extLst>
+              <p:ext uri="{386F3935-93C4-4BCD-93E2-E3B085C9AB24}">
+                <p16:designElem xmlns:p16="http://schemas.microsoft.com/office/powerpoint/2015/main" val="1"/>
+              </p:ext>
+            </p:extLst>
+          </p:nvPr>
+        </p:nvSpPr>
+        <p:spPr>
+          <a:xfrm rot="5400000">
+            <a:off x="759921" y="346791"/>
+            <a:ext cx="146304" cy="704088"/>
+          </a:xfrm>
+          <a:prstGeom prst="rect">
+            <a:avLst/>
+          </a:prstGeom>
+          <a:solidFill>
+            <a:schemeClr val="accent2"/>
+          </a:solidFill>
+          <a:ln>
+            <a:noFill/>
+          </a:ln>
+        </p:spPr>
+        <p:style>
+          <a:lnRef idx="2">
+            <a:schemeClr val="accent1">
+              <a:shade val="50000"/>
+            </a:schemeClr>
+          </a:lnRef>
+          <a:fillRef idx="1">
+            <a:schemeClr val="accent1"/>
+          </a:fillRef>
+          <a:effectRef idx="0">
+            <a:schemeClr val="accent1"/>
+          </a:effectRef>
+          <a:fontRef idx="minor">
+            <a:schemeClr val="lt1"/>
+          </a:fontRef>
+        </p:style>
+        <p:txBody>
+          <a:bodyPr rtlCol="0" anchor="ctr"/>
+          <a:lstStyle/>
+          <a:p>
+            <a:pPr marL="0" marR="0" lvl="0" indent="0" algn="ctr" defTabSz="914400" rtl="0" eaLnBrk="1" fontAlgn="auto" latinLnBrk="0" hangingPunct="1">
+              <a:lnSpc>
+                <a:spcPct val="100000"/>
+              </a:lnSpc>
+              <a:spcBef>
+                <a:spcPts val="0"/>
+              </a:spcBef>
+              <a:spcAft>
+                <a:spcPts val="0"/>
+              </a:spcAft>
+              <a:buClrTx/>
+              <a:buSzTx/>
+              <a:buFontTx/>
+              <a:buNone/>
+              <a:tabLst/>
+              <a:defRPr/>
+            </a:pPr>
+            <a:endParaRPr kumimoji="0" lang="en-US" sz="1800" b="0" i="0" u="none" strike="noStrike" kern="1200" cap="none" spc="0" normalizeH="0" baseline="0" noProof="0">
+              <a:ln>
+                <a:noFill/>
+              </a:ln>
+              <a:solidFill>
+                <a:prstClr val="white"/>
+              </a:solidFill>
+              <a:effectLst/>
+              <a:uLnTx/>
+              <a:uFillTx/>
+              <a:latin typeface="Calibri" panose="020F0502020204030204"/>
+              <a:ea typeface="+mn-ea"/>
+              <a:cs typeface="+mn-cs"/>
+            </a:endParaRPr>
+          </a:p>
+        </p:txBody>
+      </p:sp>
+      <p:sp>
+        <p:nvSpPr>
+          <p:cNvPr id="27" name="Rectangle 26">
+            <a:extLst>
+              <a:ext uri="{FF2B5EF4-FFF2-40B4-BE49-F238E27FC236}">
+                <a16:creationId xmlns:a16="http://schemas.microsoft.com/office/drawing/2014/main" id="{08C9B587-E65E-4B52-B37C-ABEBB6E87928}"/>
+              </a:ext>
+              <a:ext uri="{C183D7F6-B498-43B3-948B-1728B52AA6E4}">
+                <adec:decorative xmlns:adec="http://schemas.microsoft.com/office/drawing/2017/decorative" val="1"/>
+              </a:ext>
+            </a:extLst>
+          </p:cNvPr>
+          <p:cNvSpPr>
+            <a:spLocks noGrp="1" noRot="1" noChangeAspect="1" noMove="1" noResize="1" noEditPoints="1" noAdjustHandles="1" noChangeArrowheads="1" noChangeShapeType="1" noTextEdit="1"/>
+          </p:cNvSpPr>
+          <p:nvPr>
+            <p:extLst>
+              <p:ext uri="{386F3935-93C4-4BCD-93E2-E3B085C9AB24}">
+                <p16:designElem xmlns:p16="http://schemas.microsoft.com/office/powerpoint/2015/main" val="1"/>
+              </p:ext>
+            </p:extLst>
+          </p:nvPr>
+        </p:nvSpPr>
+        <p:spPr>
+          <a:xfrm>
+            <a:off x="481029" y="4546920"/>
+            <a:ext cx="4023360" cy="18288"/>
+          </a:xfrm>
+          <a:prstGeom prst="rect">
+            <a:avLst/>
+          </a:prstGeom>
+          <a:solidFill>
+            <a:srgbClr val="D5D5D5"/>
+          </a:solidFill>
+          <a:ln w="3175">
+            <a:noFill/>
+          </a:ln>
+          <a:effectLst/>
+        </p:spPr>
+        <p:style>
+          <a:lnRef idx="2">
+            <a:schemeClr val="accent1">
+              <a:shade val="50000"/>
+            </a:schemeClr>
+          </a:lnRef>
+          <a:fillRef idx="1">
+            <a:schemeClr val="accent1"/>
+          </a:fillRef>
+          <a:effectRef idx="0">
+            <a:schemeClr val="accent1"/>
+          </a:effectRef>
+          <a:fontRef idx="minor">
+            <a:schemeClr val="lt1"/>
+          </a:fontRef>
+        </p:style>
+        <p:txBody>
+          <a:bodyPr rtlCol="0" anchor="ctr"/>
+          <a:lstStyle/>
+          <a:p>
+            <a:pPr algn="ctr"/>
+            <a:endParaRPr lang="en-US">
+              <a:solidFill>
+                <a:prstClr val="white"/>
+              </a:solidFill>
+              <a:latin typeface="Calibri" panose="020F0502020204030204"/>
+            </a:endParaRPr>
+          </a:p>
+        </p:txBody>
+      </p:sp>
+      <p:pic>
+        <p:nvPicPr>
+          <p:cNvPr id="9" name="Content Placeholder 8" descr="A graph of a graph with numbers and text&#10;&#10;AI-generated content may be incorrect.">
+            <a:extLst>
+              <a:ext uri="{FF2B5EF4-FFF2-40B4-BE49-F238E27FC236}">
+                <a16:creationId xmlns:a16="http://schemas.microsoft.com/office/drawing/2014/main" id="{CD7FB4D6-0700-0A25-90B3-DA55CB4F2EE1}"/>
+              </a:ext>
+            </a:extLst>
+          </p:cNvPr>
+          <p:cNvPicPr>
+            <a:picLocks noGrp="1" noChangeAspect="1"/>
+          </p:cNvPicPr>
+          <p:nvPr>
+            <p:ph idx="1"/>
+          </p:nvPr>
+        </p:nvPicPr>
+        <p:blipFill>
+          <a:blip r:embed="rId2">
+            <a:extLst>
+              <a:ext uri="{28A0092B-C50C-407E-A947-70E740481C1C}">
+                <a14:useLocalDpi xmlns:a14="http://schemas.microsoft.com/office/drawing/2010/main" val="0"/>
+              </a:ext>
+            </a:extLst>
+          </a:blip>
+          <a:stretch>
+            <a:fillRect/>
+          </a:stretch>
+        </p:blipFill>
+        <p:spPr>
+          <a:xfrm>
+            <a:off x="4864608" y="785987"/>
+            <a:ext cx="6846363" cy="5134772"/>
+          </a:xfrm>
+          <a:prstGeom prst="rect">
+            <a:avLst/>
+          </a:prstGeom>
+        </p:spPr>
+      </p:pic>
+    </p:spTree>
+    <p:extLst>
+      <p:ext uri="{BB962C8B-B14F-4D97-AF65-F5344CB8AC3E}">
+        <p14:creationId xmlns:p14="http://schemas.microsoft.com/office/powerpoint/2010/main" val="4229450842"/>
+      </p:ext>
+    </p:extLst>
+  </p:cSld>
+  <p:clrMapOvr>
+    <a:masterClrMapping/>
+  </p:clrMapOvr>
+</p:sld>
+</file>
+
+<file path=ppt/slides/slide14.xml><?xml version="1.0" encoding="utf-8"?>
+<p:sld xmlns:a="http://schemas.openxmlformats.org/drawingml/2006/main" xmlns:r="http://schemas.openxmlformats.org/officeDocument/2006/relationships" xmlns:p="http://schemas.openxmlformats.org/presentationml/2006/main">
+  <p:cSld>
+    <p:bg>
+      <p:bgPr>
+        <a:solidFill>
+          <a:schemeClr val="bg1"/>
+        </a:solidFill>
+        <a:effectLst/>
+      </p:bgPr>
+    </p:bg>
+    <p:spTree>
+      <p:nvGrpSpPr>
+        <p:cNvPr id="1" name="">
+          <a:extLst>
+            <a:ext uri="{FF2B5EF4-FFF2-40B4-BE49-F238E27FC236}">
+              <a16:creationId xmlns:a16="http://schemas.microsoft.com/office/drawing/2014/main" id="{C93F2198-090D-73F2-AA89-74F98EED79AE}"/>
+            </a:ext>
+          </a:extLst>
+        </p:cNvPr>
+        <p:cNvGrpSpPr/>
+        <p:nvPr/>
+      </p:nvGrpSpPr>
+      <p:grpSpPr>
+        <a:xfrm>
+          <a:off x="0" y="0"/>
+          <a:ext cx="0" cy="0"/>
+          <a:chOff x="0" y="0"/>
+          <a:chExt cx="0" cy="0"/>
+        </a:xfrm>
+      </p:grpSpPr>
+      <p:sp useBgFill="1">
+        <p:nvSpPr>
+          <p:cNvPr id="9" name="Rectangle 8">
+            <a:extLst>
+              <a:ext uri="{FF2B5EF4-FFF2-40B4-BE49-F238E27FC236}">
+                <a16:creationId xmlns:a16="http://schemas.microsoft.com/office/drawing/2014/main" id="{68AF5748-FED8-45BA-8631-26D1D10F3246}"/>
+              </a:ext>
+              <a:ext uri="{C183D7F6-B498-43B3-948B-1728B52AA6E4}">
+                <adec:decorative xmlns:adec="http://schemas.microsoft.com/office/drawing/2017/decorative" val="1"/>
+              </a:ext>
+            </a:extLst>
+          </p:cNvPr>
+          <p:cNvSpPr>
+            <a:spLocks noGrp="1" noRot="1" noChangeAspect="1" noMove="1" noResize="1" noEditPoints="1" noAdjustHandles="1" noChangeArrowheads="1" noChangeShapeType="1" noTextEdit="1"/>
+          </p:cNvSpPr>
+          <p:nvPr>
+            <p:extLst>
+              <p:ext uri="{386F3935-93C4-4BCD-93E2-E3B085C9AB24}">
+                <p16:designElem xmlns:p16="http://schemas.microsoft.com/office/powerpoint/2015/main" val="1"/>
+              </p:ext>
+            </p:extLst>
+          </p:nvPr>
+        </p:nvSpPr>
+        <p:spPr>
+          <a:xfrm>
+            <a:off x="0" y="0"/>
+            <a:ext cx="12192000" cy="6858000"/>
+          </a:xfrm>
+          <a:prstGeom prst="rect">
+            <a:avLst/>
+          </a:prstGeom>
+          <a:ln>
+            <a:noFill/>
+          </a:ln>
+        </p:spPr>
+        <p:style>
+          <a:lnRef idx="2">
+            <a:schemeClr val="accent1">
+              <a:shade val="50000"/>
+            </a:schemeClr>
+          </a:lnRef>
+          <a:fillRef idx="1">
+            <a:schemeClr val="accent1"/>
+          </a:fillRef>
+          <a:effectRef idx="0">
+            <a:schemeClr val="accent1"/>
+          </a:effectRef>
+          <a:fontRef idx="minor">
+            <a:schemeClr val="lt1"/>
+          </a:fontRef>
+        </p:style>
+        <p:txBody>
+          <a:bodyPr rtlCol="0" anchor="ctr"/>
+          <a:lstStyle/>
+          <a:p>
+            <a:pPr algn="ctr"/>
+            <a:endParaRPr lang="en-US"/>
+          </a:p>
+        </p:txBody>
+      </p:sp>
+      <p:sp>
+        <p:nvSpPr>
+          <p:cNvPr id="2" name="Title 1">
+            <a:extLst>
+              <a:ext uri="{FF2B5EF4-FFF2-40B4-BE49-F238E27FC236}">
+                <a16:creationId xmlns:a16="http://schemas.microsoft.com/office/drawing/2014/main" id="{A1FE1C16-4AD2-88D6-1EF1-8FD19066BF5D}"/>
+              </a:ext>
+            </a:extLst>
+          </p:cNvPr>
+          <p:cNvSpPr>
+            <a:spLocks noGrp="1"/>
+          </p:cNvSpPr>
+          <p:nvPr>
+            <p:ph type="title"/>
+          </p:nvPr>
+        </p:nvSpPr>
+        <p:spPr>
+          <a:xfrm>
+            <a:off x="477981" y="1122363"/>
+            <a:ext cx="4023360" cy="3204134"/>
+          </a:xfrm>
+        </p:spPr>
+        <p:txBody>
+          <a:bodyPr vert="horz" lIns="91440" tIns="45720" rIns="91440" bIns="45720" rtlCol="0" anchor="b">
+            <a:normAutofit/>
+          </a:bodyPr>
+          <a:lstStyle/>
+          <a:p>
+            <a:r>
+              <a:rPr lang="en-US" sz="4800" kern="1200">
+                <a:solidFill>
+                  <a:schemeClr val="tx1"/>
+                </a:solidFill>
+                <a:latin typeface="+mj-lt"/>
+                <a:ea typeface="+mj-ea"/>
+                <a:cs typeface="+mj-cs"/>
+              </a:rPr>
+              <a:t>Image 6 – ERG11 Silhouette plot</a:t>
+            </a:r>
+          </a:p>
+        </p:txBody>
+      </p:sp>
+      <p:sp>
+        <p:nvSpPr>
+          <p:cNvPr id="11" name="Rectangle 10">
+            <a:extLst>
+              <a:ext uri="{FF2B5EF4-FFF2-40B4-BE49-F238E27FC236}">
+                <a16:creationId xmlns:a16="http://schemas.microsoft.com/office/drawing/2014/main" id="{AF2F604E-43BE-4DC3-B983-E071523364F8}"/>
+              </a:ext>
+              <a:ext uri="{C183D7F6-B498-43B3-948B-1728B52AA6E4}">
+                <adec:decorative xmlns:adec="http://schemas.microsoft.com/office/drawing/2017/decorative" val="1"/>
+              </a:ext>
+            </a:extLst>
+          </p:cNvPr>
+          <p:cNvSpPr>
+            <a:spLocks noGrp="1" noRot="1" noChangeAspect="1" noMove="1" noResize="1" noEditPoints="1" noAdjustHandles="1" noChangeArrowheads="1" noChangeShapeType="1" noTextEdit="1"/>
+          </p:cNvSpPr>
+          <p:nvPr>
+            <p:extLst>
+              <p:ext uri="{386F3935-93C4-4BCD-93E2-E3B085C9AB24}">
+                <p16:designElem xmlns:p16="http://schemas.microsoft.com/office/powerpoint/2015/main" val="1"/>
+              </p:ext>
+            </p:extLst>
+          </p:nvPr>
+        </p:nvSpPr>
+        <p:spPr>
+          <a:xfrm rot="5400000">
+            <a:off x="759921" y="346791"/>
+            <a:ext cx="146304" cy="704088"/>
+          </a:xfrm>
+          <a:prstGeom prst="rect">
+            <a:avLst/>
+          </a:prstGeom>
+          <a:solidFill>
+            <a:schemeClr val="accent2"/>
+          </a:solidFill>
+          <a:ln>
+            <a:noFill/>
+          </a:ln>
+        </p:spPr>
+        <p:style>
+          <a:lnRef idx="2">
+            <a:schemeClr val="accent1">
+              <a:shade val="50000"/>
+            </a:schemeClr>
+          </a:lnRef>
+          <a:fillRef idx="1">
+            <a:schemeClr val="accent1"/>
+          </a:fillRef>
+          <a:effectRef idx="0">
+            <a:schemeClr val="accent1"/>
+          </a:effectRef>
+          <a:fontRef idx="minor">
+            <a:schemeClr val="lt1"/>
+          </a:fontRef>
+        </p:style>
+        <p:txBody>
+          <a:bodyPr rtlCol="0" anchor="ctr"/>
+          <a:lstStyle/>
+          <a:p>
+            <a:pPr marL="0" marR="0" lvl="0" indent="0" algn="ctr" defTabSz="914400" rtl="0" eaLnBrk="1" fontAlgn="auto" latinLnBrk="0" hangingPunct="1">
+              <a:lnSpc>
+                <a:spcPct val="100000"/>
+              </a:lnSpc>
+              <a:spcBef>
+                <a:spcPts val="0"/>
+              </a:spcBef>
+              <a:spcAft>
+                <a:spcPts val="0"/>
+              </a:spcAft>
+              <a:buClrTx/>
+              <a:buSzTx/>
+              <a:buFontTx/>
+              <a:buNone/>
+              <a:tabLst/>
+              <a:defRPr/>
+            </a:pPr>
+            <a:endParaRPr kumimoji="0" lang="en-US" sz="1800" b="0" i="0" u="none" strike="noStrike" kern="1200" cap="none" spc="0" normalizeH="0" baseline="0" noProof="0">
+              <a:ln>
+                <a:noFill/>
+              </a:ln>
+              <a:solidFill>
+                <a:prstClr val="white"/>
+              </a:solidFill>
+              <a:effectLst/>
+              <a:uLnTx/>
+              <a:uFillTx/>
+              <a:latin typeface="Calibri" panose="020F0502020204030204"/>
+              <a:ea typeface="+mn-ea"/>
+              <a:cs typeface="+mn-cs"/>
+            </a:endParaRPr>
+          </a:p>
+        </p:txBody>
+      </p:sp>
+      <p:sp>
+        <p:nvSpPr>
+          <p:cNvPr id="13" name="Rectangle 12">
+            <a:extLst>
+              <a:ext uri="{FF2B5EF4-FFF2-40B4-BE49-F238E27FC236}">
+                <a16:creationId xmlns:a16="http://schemas.microsoft.com/office/drawing/2014/main" id="{08C9B587-E65E-4B52-B37C-ABEBB6E87928}"/>
+              </a:ext>
+              <a:ext uri="{C183D7F6-B498-43B3-948B-1728B52AA6E4}">
+                <adec:decorative xmlns:adec="http://schemas.microsoft.com/office/drawing/2017/decorative" val="1"/>
+              </a:ext>
+            </a:extLst>
+          </p:cNvPr>
+          <p:cNvSpPr>
+            <a:spLocks noGrp="1" noRot="1" noChangeAspect="1" noMove="1" noResize="1" noEditPoints="1" noAdjustHandles="1" noChangeArrowheads="1" noChangeShapeType="1" noTextEdit="1"/>
+          </p:cNvSpPr>
+          <p:nvPr>
+            <p:extLst>
+              <p:ext uri="{386F3935-93C4-4BCD-93E2-E3B085C9AB24}">
+                <p16:designElem xmlns:p16="http://schemas.microsoft.com/office/powerpoint/2015/main" val="1"/>
+              </p:ext>
+            </p:extLst>
+          </p:nvPr>
+        </p:nvSpPr>
+        <p:spPr>
+          <a:xfrm>
+            <a:off x="481029" y="4546920"/>
+            <a:ext cx="4023360" cy="18288"/>
+          </a:xfrm>
+          <a:prstGeom prst="rect">
+            <a:avLst/>
+          </a:prstGeom>
+          <a:solidFill>
+            <a:srgbClr val="D5D5D5"/>
+          </a:solidFill>
+          <a:ln w="3175">
+            <a:noFill/>
+          </a:ln>
+          <a:effectLst/>
+        </p:spPr>
+        <p:style>
+          <a:lnRef idx="2">
+            <a:schemeClr val="accent1">
+              <a:shade val="50000"/>
+            </a:schemeClr>
+          </a:lnRef>
+          <a:fillRef idx="1">
+            <a:schemeClr val="accent1"/>
+          </a:fillRef>
+          <a:effectRef idx="0">
+            <a:schemeClr val="accent1"/>
+          </a:effectRef>
+          <a:fontRef idx="minor">
+            <a:schemeClr val="lt1"/>
+          </a:fontRef>
+        </p:style>
+        <p:txBody>
+          <a:bodyPr rtlCol="0" anchor="ctr"/>
+          <a:lstStyle/>
+          <a:p>
+            <a:pPr algn="ctr"/>
+            <a:endParaRPr lang="en-US">
+              <a:solidFill>
+                <a:prstClr val="white"/>
+              </a:solidFill>
+              <a:latin typeface="Calibri" panose="020F0502020204030204"/>
+            </a:endParaRPr>
+          </a:p>
+        </p:txBody>
+      </p:sp>
+      <p:pic>
+        <p:nvPicPr>
+          <p:cNvPr id="4" name="Content Placeholder 3" descr="A graph with numbers and lines&#10;&#10;AI-generated content may be incorrect.">
+            <a:extLst>
+              <a:ext uri="{FF2B5EF4-FFF2-40B4-BE49-F238E27FC236}">
+                <a16:creationId xmlns:a16="http://schemas.microsoft.com/office/drawing/2014/main" id="{A1C67450-868C-EDDC-8BA9-25CCDA47F7FD}"/>
+              </a:ext>
+            </a:extLst>
+          </p:cNvPr>
+          <p:cNvPicPr>
+            <a:picLocks noGrp="1" noChangeAspect="1"/>
+          </p:cNvPicPr>
+          <p:nvPr>
+            <p:ph idx="1"/>
+          </p:nvPr>
+        </p:nvPicPr>
+        <p:blipFill>
+          <a:blip r:embed="rId2">
+            <a:extLst>
+              <a:ext uri="{28A0092B-C50C-407E-A947-70E740481C1C}">
+                <a14:useLocalDpi xmlns:a14="http://schemas.microsoft.com/office/drawing/2010/main" val="0"/>
+              </a:ext>
+            </a:extLst>
+          </a:blip>
+          <a:stretch>
+            <a:fillRect/>
+          </a:stretch>
+        </p:blipFill>
+        <p:spPr>
+          <a:xfrm>
+            <a:off x="4864608" y="785987"/>
+            <a:ext cx="6846363" cy="5134772"/>
+          </a:xfrm>
+          <a:prstGeom prst="rect">
+            <a:avLst/>
+          </a:prstGeom>
+        </p:spPr>
+      </p:pic>
+    </p:spTree>
+    <p:extLst>
+      <p:ext uri="{BB962C8B-B14F-4D97-AF65-F5344CB8AC3E}">
+        <p14:creationId xmlns:p14="http://schemas.microsoft.com/office/powerpoint/2010/main" val="3150043789"/>
+      </p:ext>
+    </p:extLst>
+  </p:cSld>
+  <p:clrMapOvr>
+    <a:masterClrMapping/>
+  </p:clrMapOvr>
+</p:sld>
+</file>
+
+<file path=ppt/slides/slide15.xml><?xml version="1.0" encoding="utf-8"?>
+<p:sld xmlns:a="http://schemas.openxmlformats.org/drawingml/2006/main" xmlns:r="http://schemas.openxmlformats.org/officeDocument/2006/relationships" xmlns:p="http://schemas.openxmlformats.org/presentationml/2006/main">
+  <p:cSld>
+    <p:spTree>
+      <p:nvGrpSpPr>
+        <p:cNvPr id="1" name="">
+          <a:extLst>
+            <a:ext uri="{FF2B5EF4-FFF2-40B4-BE49-F238E27FC236}">
+              <a16:creationId xmlns:a16="http://schemas.microsoft.com/office/drawing/2014/main" id="{87491A87-D6D8-6E21-545A-FABA272B37D3}"/>
+            </a:ext>
+          </a:extLst>
+        </p:cNvPr>
+        <p:cNvGrpSpPr/>
+        <p:nvPr/>
+      </p:nvGrpSpPr>
+      <p:grpSpPr>
+        <a:xfrm>
+          <a:off x="0" y="0"/>
+          <a:ext cx="0" cy="0"/>
+          <a:chOff x="0" y="0"/>
+          <a:chExt cx="0" cy="0"/>
+        </a:xfrm>
+      </p:grpSpPr>
+      <p:sp>
+        <p:nvSpPr>
+          <p:cNvPr id="2" name="Title 1">
+            <a:extLst>
+              <a:ext uri="{FF2B5EF4-FFF2-40B4-BE49-F238E27FC236}">
+                <a16:creationId xmlns:a16="http://schemas.microsoft.com/office/drawing/2014/main" id="{5C862C09-AA77-6A5A-C25C-5F5F795FADBA}"/>
+              </a:ext>
+            </a:extLst>
+          </p:cNvPr>
+          <p:cNvSpPr>
+            <a:spLocks noGrp="1"/>
+          </p:cNvSpPr>
+          <p:nvPr>
+            <p:ph type="title"/>
+          </p:nvPr>
+        </p:nvSpPr>
+        <p:spPr/>
+        <p:txBody>
+          <a:bodyPr/>
+          <a:lstStyle/>
+          <a:p>
+            <a:r>
+              <a:rPr lang="en-CA" dirty="0" err="1"/>
+              <a:t>Silhoulette</a:t>
+            </a:r>
+            <a:r>
+              <a:rPr lang="en-CA" dirty="0"/>
+              <a:t> Plot Discussion</a:t>
+            </a:r>
+          </a:p>
+        </p:txBody>
+      </p:sp>
+      <p:sp>
+        <p:nvSpPr>
+          <p:cNvPr id="3" name="Content Placeholder 2">
+            <a:extLst>
+              <a:ext uri="{FF2B5EF4-FFF2-40B4-BE49-F238E27FC236}">
+                <a16:creationId xmlns:a16="http://schemas.microsoft.com/office/drawing/2014/main" id="{83A1A237-1400-0B9C-DFCC-4EA7A490D230}"/>
+              </a:ext>
+            </a:extLst>
+          </p:cNvPr>
+          <p:cNvSpPr>
+            <a:spLocks noGrp="1"/>
+          </p:cNvSpPr>
+          <p:nvPr>
+            <p:ph idx="1"/>
+          </p:nvPr>
+        </p:nvSpPr>
+        <p:spPr/>
+        <p:txBody>
+          <a:bodyPr/>
+          <a:lstStyle/>
+          <a:p>
+            <a:endParaRPr lang="en-CA"/>
+          </a:p>
+        </p:txBody>
+      </p:sp>
+    </p:spTree>
+    <p:extLst>
+      <p:ext uri="{BB962C8B-B14F-4D97-AF65-F5344CB8AC3E}">
+        <p14:creationId xmlns:p14="http://schemas.microsoft.com/office/powerpoint/2010/main" val="688248080"/>
+      </p:ext>
+    </p:extLst>
+  </p:cSld>
+  <p:clrMapOvr>
+    <a:masterClrMapping/>
+  </p:clrMapOvr>
+</p:sld>
+</file>
+
+<file path=ppt/slides/slide16.xml><?xml version="1.0" encoding="utf-8"?>
 <p:sld xmlns:a="http://schemas.openxmlformats.org/drawingml/2006/main" xmlns:r="http://schemas.openxmlformats.org/officeDocument/2006/relationships" xmlns:p="http://schemas.openxmlformats.org/presentationml/2006/main">
   <p:cSld>
     <p:spTree>
@@ -3796,7 +7412,7 @@
           <p:cNvPr id="2" name="Title 1">
             <a:extLst>
               <a:ext uri="{FF2B5EF4-FFF2-40B4-BE49-F238E27FC236}">
-                <a16:creationId xmlns:a16="http://schemas.microsoft.com/office/drawing/2014/main" id="{18A991CC-66DE-BBB0-59C5-1DF76F0E430F}"/>
+                <a16:creationId xmlns:a16="http://schemas.microsoft.com/office/drawing/2014/main" id="{66B8FCD5-804E-0578-1A38-A3509A2E9978}"/>
               </a:ext>
             </a:extLst>
           </p:cNvPr>
@@ -3814,7 +7430,7 @@
           <a:p>
             <a:r>
               <a:rPr lang="en-CA" dirty="0"/>
-              <a:t>Questions</a:t>
+              <a:t>Discussion &amp; Limitations</a:t>
             </a:r>
           </a:p>
         </p:txBody>
@@ -3824,7 +7440,7 @@
           <p:cNvPr id="3" name="Content Placeholder 2">
             <a:extLst>
               <a:ext uri="{FF2B5EF4-FFF2-40B4-BE49-F238E27FC236}">
-                <a16:creationId xmlns:a16="http://schemas.microsoft.com/office/drawing/2014/main" id="{EAAF7AEC-F6E0-CF6D-3BF5-7A0C6E1274F6}"/>
+                <a16:creationId xmlns:a16="http://schemas.microsoft.com/office/drawing/2014/main" id="{90360C59-5FAF-7B6B-08FC-D58FB9BF36FA}"/>
               </a:ext>
             </a:extLst>
           </p:cNvPr>
@@ -3840,54 +7456,768 @@
           <a:bodyPr/>
           <a:lstStyle/>
           <a:p>
-            <a:r>
-              <a:rPr lang="en-US" dirty="0"/>
-              <a:t>Do sequences cluster by </a:t>
-            </a:r>
-            <a:r>
-              <a:rPr lang="en-US" b="1" dirty="0"/>
-              <a:t>species</a:t>
-            </a:r>
-            <a:r>
-              <a:rPr lang="en-US" dirty="0"/>
-              <a:t>?</a:t>
-            </a:r>
-          </a:p>
-          <a:p>
-            <a:r>
-              <a:rPr lang="en-US" dirty="0"/>
-              <a:t>Are there differences between </a:t>
-            </a:r>
-            <a:r>
-              <a:rPr lang="en-US" b="1" dirty="0"/>
-              <a:t>high resistance concern</a:t>
-            </a:r>
-            <a:r>
-              <a:rPr lang="en-US" dirty="0"/>
-              <a:t> species vs </a:t>
-            </a:r>
-            <a:r>
-              <a:rPr lang="en-US" b="1" dirty="0"/>
-              <a:t>lower resistance concern</a:t>
-            </a:r>
-            <a:r>
-              <a:rPr lang="en-US" dirty="0"/>
-              <a:t> species?</a:t>
-            </a:r>
-          </a:p>
-          <a:p>
-            <a:r>
-              <a:rPr lang="en-US" dirty="0"/>
-              <a:t>Does ITS vs ERG11 give different clustering patterns? Does ITS vs ERG11 give different clustering patterns?</a:t>
-            </a:r>
-            <a:endParaRPr lang="en-CA" dirty="0"/>
+            <a:endParaRPr lang="en-CA"/>
           </a:p>
         </p:txBody>
       </p:sp>
     </p:spTree>
     <p:extLst>
       <p:ext uri="{BB962C8B-B14F-4D97-AF65-F5344CB8AC3E}">
-        <p14:creationId xmlns:p14="http://schemas.microsoft.com/office/powerpoint/2010/main" val="3774420809"/>
+        <p14:creationId xmlns:p14="http://schemas.microsoft.com/office/powerpoint/2010/main" val="1610408392"/>
+      </p:ext>
+    </p:extLst>
+  </p:cSld>
+  <p:clrMapOvr>
+    <a:masterClrMapping/>
+  </p:clrMapOvr>
+</p:sld>
+</file>
+
+<file path=ppt/slides/slide17.xml><?xml version="1.0" encoding="utf-8"?>
+<p:sld xmlns:a="http://schemas.openxmlformats.org/drawingml/2006/main" xmlns:r="http://schemas.openxmlformats.org/officeDocument/2006/relationships" xmlns:p="http://schemas.openxmlformats.org/presentationml/2006/main">
+  <p:cSld>
+    <p:spTree>
+      <p:nvGrpSpPr>
+        <p:cNvPr id="1" name=""/>
+        <p:cNvGrpSpPr/>
+        <p:nvPr/>
+      </p:nvGrpSpPr>
+      <p:grpSpPr>
+        <a:xfrm>
+          <a:off x="0" y="0"/>
+          <a:ext cx="0" cy="0"/>
+          <a:chOff x="0" y="0"/>
+          <a:chExt cx="0" cy="0"/>
+        </a:xfrm>
+      </p:grpSpPr>
+      <p:sp>
+        <p:nvSpPr>
+          <p:cNvPr id="2" name="Title 1">
+            <a:extLst>
+              <a:ext uri="{FF2B5EF4-FFF2-40B4-BE49-F238E27FC236}">
+                <a16:creationId xmlns:a16="http://schemas.microsoft.com/office/drawing/2014/main" id="{9BF84893-49E0-688B-61C5-2DE14D776A0E}"/>
+              </a:ext>
+            </a:extLst>
+          </p:cNvPr>
+          <p:cNvSpPr>
+            <a:spLocks noGrp="1"/>
+          </p:cNvSpPr>
+          <p:nvPr>
+            <p:ph type="title"/>
+          </p:nvPr>
+        </p:nvSpPr>
+        <p:spPr/>
+        <p:txBody>
+          <a:bodyPr/>
+          <a:lstStyle/>
+          <a:p>
+            <a:r>
+              <a:rPr lang="en-CA" dirty="0"/>
+              <a:t>Next Steps &amp; Conclusion</a:t>
+            </a:r>
+          </a:p>
+        </p:txBody>
+      </p:sp>
+      <p:sp>
+        <p:nvSpPr>
+          <p:cNvPr id="3" name="Content Placeholder 2">
+            <a:extLst>
+              <a:ext uri="{FF2B5EF4-FFF2-40B4-BE49-F238E27FC236}">
+                <a16:creationId xmlns:a16="http://schemas.microsoft.com/office/drawing/2014/main" id="{9E694640-DD72-F039-1AAA-7D6A0AFADD06}"/>
+              </a:ext>
+            </a:extLst>
+          </p:cNvPr>
+          <p:cNvSpPr>
+            <a:spLocks noGrp="1"/>
+          </p:cNvSpPr>
+          <p:nvPr>
+            <p:ph idx="1"/>
+          </p:nvPr>
+        </p:nvSpPr>
+        <p:spPr/>
+        <p:txBody>
+          <a:bodyPr/>
+          <a:lstStyle/>
+          <a:p>
+            <a:endParaRPr lang="en-CA"/>
+          </a:p>
+        </p:txBody>
+      </p:sp>
+    </p:spTree>
+    <p:extLst>
+      <p:ext uri="{BB962C8B-B14F-4D97-AF65-F5344CB8AC3E}">
+        <p14:creationId xmlns:p14="http://schemas.microsoft.com/office/powerpoint/2010/main" val="2055492507"/>
+      </p:ext>
+    </p:extLst>
+  </p:cSld>
+  <p:clrMapOvr>
+    <a:masterClrMapping/>
+  </p:clrMapOvr>
+</p:sld>
+</file>
+
+<file path=ppt/slides/slide18.xml><?xml version="1.0" encoding="utf-8"?>
+<p:sld xmlns:a="http://schemas.openxmlformats.org/drawingml/2006/main" xmlns:r="http://schemas.openxmlformats.org/officeDocument/2006/relationships" xmlns:p="http://schemas.openxmlformats.org/presentationml/2006/main">
+  <p:cSld>
+    <p:spTree>
+      <p:nvGrpSpPr>
+        <p:cNvPr id="1" name=""/>
+        <p:cNvGrpSpPr/>
+        <p:nvPr/>
+      </p:nvGrpSpPr>
+      <p:grpSpPr>
+        <a:xfrm>
+          <a:off x="0" y="0"/>
+          <a:ext cx="0" cy="0"/>
+          <a:chOff x="0" y="0"/>
+          <a:chExt cx="0" cy="0"/>
+        </a:xfrm>
+      </p:grpSpPr>
+      <p:sp>
+        <p:nvSpPr>
+          <p:cNvPr id="2" name="Title 1">
+            <a:extLst>
+              <a:ext uri="{FF2B5EF4-FFF2-40B4-BE49-F238E27FC236}">
+                <a16:creationId xmlns:a16="http://schemas.microsoft.com/office/drawing/2014/main" id="{399F0BBB-CFF5-A445-E511-8203383E2DD8}"/>
+              </a:ext>
+            </a:extLst>
+          </p:cNvPr>
+          <p:cNvSpPr>
+            <a:spLocks noGrp="1"/>
+          </p:cNvSpPr>
+          <p:nvPr>
+            <p:ph type="title"/>
+          </p:nvPr>
+        </p:nvSpPr>
+        <p:spPr/>
+        <p:txBody>
+          <a:bodyPr/>
+          <a:lstStyle/>
+          <a:p>
+            <a:r>
+              <a:rPr lang="en-CA" dirty="0"/>
+              <a:t>Reflection</a:t>
+            </a:r>
+          </a:p>
+        </p:txBody>
+      </p:sp>
+      <p:sp>
+        <p:nvSpPr>
+          <p:cNvPr id="3" name="Content Placeholder 2">
+            <a:extLst>
+              <a:ext uri="{FF2B5EF4-FFF2-40B4-BE49-F238E27FC236}">
+                <a16:creationId xmlns:a16="http://schemas.microsoft.com/office/drawing/2014/main" id="{C173835F-899C-AA16-9FC0-19DE39D31E98}"/>
+              </a:ext>
+            </a:extLst>
+          </p:cNvPr>
+          <p:cNvSpPr>
+            <a:spLocks noGrp="1"/>
+          </p:cNvSpPr>
+          <p:nvPr>
+            <p:ph idx="1"/>
+          </p:nvPr>
+        </p:nvSpPr>
+        <p:spPr/>
+        <p:txBody>
+          <a:bodyPr/>
+          <a:lstStyle/>
+          <a:p>
+            <a:endParaRPr lang="en-CA"/>
+          </a:p>
+        </p:txBody>
+      </p:sp>
+    </p:spTree>
+    <p:extLst>
+      <p:ext uri="{BB962C8B-B14F-4D97-AF65-F5344CB8AC3E}">
+        <p14:creationId xmlns:p14="http://schemas.microsoft.com/office/powerpoint/2010/main" val="2800872766"/>
+      </p:ext>
+    </p:extLst>
+  </p:cSld>
+  <p:clrMapOvr>
+    <a:masterClrMapping/>
+  </p:clrMapOvr>
+</p:sld>
+</file>
+
+<file path=ppt/slides/slide19.xml><?xml version="1.0" encoding="utf-8"?>
+<p:sld xmlns:a="http://schemas.openxmlformats.org/drawingml/2006/main" xmlns:r="http://schemas.openxmlformats.org/officeDocument/2006/relationships" xmlns:p="http://schemas.openxmlformats.org/presentationml/2006/main">
+  <p:cSld>
+    <p:spTree>
+      <p:nvGrpSpPr>
+        <p:cNvPr id="1" name=""/>
+        <p:cNvGrpSpPr/>
+        <p:nvPr/>
+      </p:nvGrpSpPr>
+      <p:grpSpPr>
+        <a:xfrm>
+          <a:off x="0" y="0"/>
+          <a:ext cx="0" cy="0"/>
+          <a:chOff x="0" y="0"/>
+          <a:chExt cx="0" cy="0"/>
+        </a:xfrm>
+      </p:grpSpPr>
+      <p:sp>
+        <p:nvSpPr>
+          <p:cNvPr id="4" name="Title 3">
+            <a:extLst>
+              <a:ext uri="{FF2B5EF4-FFF2-40B4-BE49-F238E27FC236}">
+                <a16:creationId xmlns:a16="http://schemas.microsoft.com/office/drawing/2014/main" id="{847B9BA4-DDB8-BEA2-35A1-F7BD2F81D71F}"/>
+              </a:ext>
+            </a:extLst>
+          </p:cNvPr>
+          <p:cNvSpPr>
+            <a:spLocks noGrp="1"/>
+          </p:cNvSpPr>
+          <p:nvPr>
+            <p:ph type="title"/>
+          </p:nvPr>
+        </p:nvSpPr>
+        <p:spPr/>
+        <p:txBody>
+          <a:bodyPr/>
+          <a:lstStyle/>
+          <a:p>
+            <a:r>
+              <a:rPr lang="en-CA" dirty="0"/>
+              <a:t>Acknowledgements slide</a:t>
+            </a:r>
+          </a:p>
+        </p:txBody>
+      </p:sp>
+      <p:sp>
+        <p:nvSpPr>
+          <p:cNvPr id="5" name="Content Placeholder 4">
+            <a:extLst>
+              <a:ext uri="{FF2B5EF4-FFF2-40B4-BE49-F238E27FC236}">
+                <a16:creationId xmlns:a16="http://schemas.microsoft.com/office/drawing/2014/main" id="{EF090D86-9E38-DE45-F322-381004069004}"/>
+              </a:ext>
+            </a:extLst>
+          </p:cNvPr>
+          <p:cNvSpPr>
+            <a:spLocks noGrp="1"/>
+          </p:cNvSpPr>
+          <p:nvPr>
+            <p:ph idx="1"/>
+          </p:nvPr>
+        </p:nvSpPr>
+        <p:spPr/>
+        <p:txBody>
+          <a:bodyPr/>
+          <a:lstStyle/>
+          <a:p>
+            <a:endParaRPr lang="en-CA"/>
+          </a:p>
+        </p:txBody>
+      </p:sp>
+    </p:spTree>
+    <p:extLst>
+      <p:ext uri="{BB962C8B-B14F-4D97-AF65-F5344CB8AC3E}">
+        <p14:creationId xmlns:p14="http://schemas.microsoft.com/office/powerpoint/2010/main" val="3672716716"/>
+      </p:ext>
+    </p:extLst>
+  </p:cSld>
+  <p:clrMapOvr>
+    <a:masterClrMapping/>
+  </p:clrMapOvr>
+</p:sld>
+</file>
+
+<file path=ppt/slides/slide2.xml><?xml version="1.0" encoding="utf-8"?>
+<p:sld xmlns:a="http://schemas.openxmlformats.org/drawingml/2006/main" xmlns:r="http://schemas.openxmlformats.org/officeDocument/2006/relationships" xmlns:p="http://schemas.openxmlformats.org/presentationml/2006/main">
+  <p:cSld>
+    <p:bg>
+      <p:bgPr>
+        <a:solidFill>
+          <a:schemeClr val="bg1"/>
+        </a:solidFill>
+        <a:effectLst/>
+      </p:bgPr>
+    </p:bg>
+    <p:spTree>
+      <p:nvGrpSpPr>
+        <p:cNvPr id="1" name=""/>
+        <p:cNvGrpSpPr/>
+        <p:nvPr/>
+      </p:nvGrpSpPr>
+      <p:grpSpPr>
+        <a:xfrm>
+          <a:off x="0" y="0"/>
+          <a:ext cx="0" cy="0"/>
+          <a:chOff x="0" y="0"/>
+          <a:chExt cx="0" cy="0"/>
+        </a:xfrm>
+      </p:grpSpPr>
+      <p:sp useBgFill="1">
+        <p:nvSpPr>
+          <p:cNvPr id="8" name="Rectangle 7">
+            <a:extLst>
+              <a:ext uri="{FF2B5EF4-FFF2-40B4-BE49-F238E27FC236}">
+                <a16:creationId xmlns:a16="http://schemas.microsoft.com/office/drawing/2014/main" id="{DAF1966E-FD40-4A4A-B61B-C4DF7FA05F06}"/>
+              </a:ext>
+              <a:ext uri="{C183D7F6-B498-43B3-948B-1728B52AA6E4}">
+                <adec:decorative xmlns:adec="http://schemas.microsoft.com/office/drawing/2017/decorative" val="1"/>
+              </a:ext>
+            </a:extLst>
+          </p:cNvPr>
+          <p:cNvSpPr>
+            <a:spLocks noGrp="1" noRot="1" noChangeAspect="1" noMove="1" noResize="1" noEditPoints="1" noAdjustHandles="1" noChangeArrowheads="1" noChangeShapeType="1" noTextEdit="1"/>
+          </p:cNvSpPr>
+          <p:nvPr>
+            <p:extLst>
+              <p:ext uri="{386F3935-93C4-4BCD-93E2-E3B085C9AB24}">
+                <p16:designElem xmlns:p16="http://schemas.microsoft.com/office/powerpoint/2015/main" val="1"/>
+              </p:ext>
+            </p:extLst>
+          </p:nvPr>
+        </p:nvSpPr>
+        <p:spPr>
+          <a:xfrm>
+            <a:off x="0" y="0"/>
+            <a:ext cx="12192000" cy="6858000"/>
+          </a:xfrm>
+          <a:prstGeom prst="rect">
+            <a:avLst/>
+          </a:prstGeom>
+          <a:ln>
+            <a:noFill/>
+          </a:ln>
+        </p:spPr>
+        <p:style>
+          <a:lnRef idx="2">
+            <a:schemeClr val="accent1">
+              <a:shade val="50000"/>
+            </a:schemeClr>
+          </a:lnRef>
+          <a:fillRef idx="1">
+            <a:schemeClr val="accent1"/>
+          </a:fillRef>
+          <a:effectRef idx="0">
+            <a:schemeClr val="accent1"/>
+          </a:effectRef>
+          <a:fontRef idx="minor">
+            <a:schemeClr val="lt1"/>
+          </a:fontRef>
+        </p:style>
+        <p:txBody>
+          <a:bodyPr rtlCol="0" anchor="ctr"/>
+          <a:lstStyle/>
+          <a:p>
+            <a:pPr algn="ctr"/>
+            <a:endParaRPr lang="en-US"/>
+          </a:p>
+        </p:txBody>
+      </p:sp>
+      <p:sp useBgFill="1">
+        <p:nvSpPr>
+          <p:cNvPr id="10" name="Rectangle 9">
+            <a:extLst>
+              <a:ext uri="{FF2B5EF4-FFF2-40B4-BE49-F238E27FC236}">
+                <a16:creationId xmlns:a16="http://schemas.microsoft.com/office/drawing/2014/main" id="{047BFA19-D45E-416B-A404-7AF2F3F27017}"/>
+              </a:ext>
+              <a:ext uri="{C183D7F6-B498-43B3-948B-1728B52AA6E4}">
+                <adec:decorative xmlns:adec="http://schemas.microsoft.com/office/drawing/2017/decorative" val="1"/>
+              </a:ext>
+            </a:extLst>
+          </p:cNvPr>
+          <p:cNvSpPr>
+            <a:spLocks noGrp="1" noRot="1" noChangeAspect="1" noMove="1" noResize="1" noEditPoints="1" noAdjustHandles="1" noChangeArrowheads="1" noChangeShapeType="1" noTextEdit="1"/>
+          </p:cNvSpPr>
+          <p:nvPr>
+            <p:extLst>
+              <p:ext uri="{386F3935-93C4-4BCD-93E2-E3B085C9AB24}">
+                <p16:designElem xmlns:p16="http://schemas.microsoft.com/office/powerpoint/2015/main" val="1"/>
+              </p:ext>
+            </p:extLst>
+          </p:nvPr>
+        </p:nvSpPr>
+        <p:spPr>
+          <a:xfrm>
+            <a:off x="558209" y="0"/>
+            <a:ext cx="11167447" cy="2018806"/>
+          </a:xfrm>
+          <a:prstGeom prst="rect">
+            <a:avLst/>
+          </a:prstGeom>
+          <a:ln w="9525">
+            <a:solidFill>
+              <a:srgbClr val="E1E1E1"/>
+            </a:solidFill>
+          </a:ln>
+          <a:effectLst>
+            <a:outerShdw blurRad="50800" dist="38100" dir="2700000" algn="tl" rotWithShape="0">
+              <a:schemeClr val="bg1">
+                <a:lumMod val="85000"/>
+                <a:alpha val="50000"/>
+              </a:schemeClr>
+            </a:outerShdw>
+          </a:effectLst>
+        </p:spPr>
+        <p:style>
+          <a:lnRef idx="2">
+            <a:schemeClr val="accent1">
+              <a:shade val="50000"/>
+            </a:schemeClr>
+          </a:lnRef>
+          <a:fillRef idx="1">
+            <a:schemeClr val="accent1"/>
+          </a:fillRef>
+          <a:effectRef idx="0">
+            <a:schemeClr val="accent1"/>
+          </a:effectRef>
+          <a:fontRef idx="minor">
+            <a:schemeClr val="lt1"/>
+          </a:fontRef>
+        </p:style>
+        <p:txBody>
+          <a:bodyPr rtlCol="0" anchor="ctr"/>
+          <a:lstStyle/>
+          <a:p>
+            <a:pPr marL="0" marR="0" lvl="0" indent="0" algn="ctr" defTabSz="914400" rtl="0" eaLnBrk="1" fontAlgn="auto" latinLnBrk="0" hangingPunct="1">
+              <a:lnSpc>
+                <a:spcPct val="100000"/>
+              </a:lnSpc>
+              <a:spcBef>
+                <a:spcPts val="0"/>
+              </a:spcBef>
+              <a:spcAft>
+                <a:spcPts val="0"/>
+              </a:spcAft>
+              <a:buClrTx/>
+              <a:buSzTx/>
+              <a:buFontTx/>
+              <a:buNone/>
+              <a:tabLst/>
+              <a:defRPr/>
+            </a:pPr>
+            <a:endParaRPr kumimoji="0" lang="en-US" sz="1800" b="0" i="0" u="none" strike="noStrike" kern="1200" cap="none" spc="0" normalizeH="0" baseline="0" noProof="0">
+              <a:ln>
+                <a:noFill/>
+              </a:ln>
+              <a:solidFill>
+                <a:prstClr val="white"/>
+              </a:solidFill>
+              <a:effectLst/>
+              <a:uLnTx/>
+              <a:uFillTx/>
+              <a:latin typeface="Calibri" panose="020F0502020204030204"/>
+              <a:ea typeface="+mn-ea"/>
+              <a:cs typeface="+mn-cs"/>
+            </a:endParaRPr>
+          </a:p>
+        </p:txBody>
+      </p:sp>
+      <p:sp useBgFill="1">
+        <p:nvSpPr>
+          <p:cNvPr id="12" name="Rectangle 11">
+            <a:extLst>
+              <a:ext uri="{FF2B5EF4-FFF2-40B4-BE49-F238E27FC236}">
+                <a16:creationId xmlns:a16="http://schemas.microsoft.com/office/drawing/2014/main" id="{8E0105E7-23DB-4CF2-8258-FF47C7620F6E}"/>
+              </a:ext>
+              <a:ext uri="{C183D7F6-B498-43B3-948B-1728B52AA6E4}">
+                <adec:decorative xmlns:adec="http://schemas.microsoft.com/office/drawing/2017/decorative" val="1"/>
+              </a:ext>
+            </a:extLst>
+          </p:cNvPr>
+          <p:cNvSpPr>
+            <a:spLocks noGrp="1" noRot="1" noChangeAspect="1" noMove="1" noResize="1" noEditPoints="1" noAdjustHandles="1" noChangeArrowheads="1" noChangeShapeType="1" noTextEdit="1"/>
+          </p:cNvSpPr>
+          <p:nvPr>
+            <p:extLst>
+              <p:ext uri="{386F3935-93C4-4BCD-93E2-E3B085C9AB24}">
+                <p16:designElem xmlns:p16="http://schemas.microsoft.com/office/powerpoint/2015/main" val="1"/>
+              </p:ext>
+            </p:extLst>
+          </p:nvPr>
+        </p:nvSpPr>
+        <p:spPr>
+          <a:xfrm>
+            <a:off x="566928" y="0"/>
+            <a:ext cx="11155680" cy="2011680"/>
+          </a:xfrm>
+          <a:prstGeom prst="rect">
+            <a:avLst/>
+          </a:prstGeom>
+          <a:ln w="9525">
+            <a:noFill/>
+          </a:ln>
+          <a:effectLst/>
+        </p:spPr>
+        <p:style>
+          <a:lnRef idx="2">
+            <a:schemeClr val="accent1">
+              <a:shade val="50000"/>
+            </a:schemeClr>
+          </a:lnRef>
+          <a:fillRef idx="1">
+            <a:schemeClr val="accent1"/>
+          </a:fillRef>
+          <a:effectRef idx="0">
+            <a:schemeClr val="accent1"/>
+          </a:effectRef>
+          <a:fontRef idx="minor">
+            <a:schemeClr val="lt1"/>
+          </a:fontRef>
+        </p:style>
+        <p:txBody>
+          <a:bodyPr rtlCol="0" anchor="ctr"/>
+          <a:lstStyle/>
+          <a:p>
+            <a:pPr marL="0" marR="0" lvl="0" indent="0" algn="ctr" defTabSz="914400" rtl="0" eaLnBrk="1" fontAlgn="auto" latinLnBrk="0" hangingPunct="1">
+              <a:lnSpc>
+                <a:spcPct val="100000"/>
+              </a:lnSpc>
+              <a:spcBef>
+                <a:spcPts val="0"/>
+              </a:spcBef>
+              <a:spcAft>
+                <a:spcPts val="0"/>
+              </a:spcAft>
+              <a:buClrTx/>
+              <a:buSzTx/>
+              <a:buFontTx/>
+              <a:buNone/>
+              <a:tabLst/>
+              <a:defRPr/>
+            </a:pPr>
+            <a:endParaRPr kumimoji="0" lang="en-US" sz="1800" b="0" i="0" u="none" strike="noStrike" kern="1200" cap="none" spc="0" normalizeH="0" baseline="0" noProof="0">
+              <a:ln>
+                <a:noFill/>
+              </a:ln>
+              <a:solidFill>
+                <a:prstClr val="white"/>
+              </a:solidFill>
+              <a:effectLst/>
+              <a:uLnTx/>
+              <a:uFillTx/>
+              <a:latin typeface="Calibri" panose="020F0502020204030204"/>
+              <a:ea typeface="+mn-ea"/>
+              <a:cs typeface="+mn-cs"/>
+            </a:endParaRPr>
+          </a:p>
+        </p:txBody>
+      </p:sp>
+      <p:sp>
+        <p:nvSpPr>
+          <p:cNvPr id="2" name="Title 1">
+            <a:extLst>
+              <a:ext uri="{FF2B5EF4-FFF2-40B4-BE49-F238E27FC236}">
+                <a16:creationId xmlns:a16="http://schemas.microsoft.com/office/drawing/2014/main" id="{64CA6A74-2B82-02F4-B146-16927AAF62A3}"/>
+              </a:ext>
+            </a:extLst>
+          </p:cNvPr>
+          <p:cNvSpPr>
+            <a:spLocks noGrp="1"/>
+          </p:cNvSpPr>
+          <p:nvPr>
+            <p:ph type="title"/>
+          </p:nvPr>
+        </p:nvSpPr>
+        <p:spPr>
+          <a:xfrm>
+            <a:off x="1115568" y="548640"/>
+            <a:ext cx="10168128" cy="1179576"/>
+          </a:xfrm>
+        </p:spPr>
+        <p:txBody>
+          <a:bodyPr>
+            <a:normAutofit/>
+          </a:bodyPr>
+          <a:lstStyle/>
+          <a:p>
+            <a:r>
+              <a:rPr lang="en-CA" sz="4000"/>
+              <a:t>Candida Resistance Concern</a:t>
+            </a:r>
+          </a:p>
+        </p:txBody>
+      </p:sp>
+      <p:sp>
+        <p:nvSpPr>
+          <p:cNvPr id="14" name="Rectangle 13">
+            <a:extLst>
+              <a:ext uri="{FF2B5EF4-FFF2-40B4-BE49-F238E27FC236}">
+                <a16:creationId xmlns:a16="http://schemas.microsoft.com/office/drawing/2014/main" id="{074B4F7D-14B2-478B-8BF5-01E4E0C5D263}"/>
+              </a:ext>
+              <a:ext uri="{C183D7F6-B498-43B3-948B-1728B52AA6E4}">
+                <adec:decorative xmlns:adec="http://schemas.microsoft.com/office/drawing/2017/decorative" val="1"/>
+              </a:ext>
+            </a:extLst>
+          </p:cNvPr>
+          <p:cNvSpPr>
+            <a:spLocks noGrp="1" noRot="1" noChangeAspect="1" noMove="1" noResize="1" noEditPoints="1" noAdjustHandles="1" noChangeArrowheads="1" noChangeShapeType="1" noTextEdit="1"/>
+          </p:cNvSpPr>
+          <p:nvPr>
+            <p:extLst>
+              <p:ext uri="{386F3935-93C4-4BCD-93E2-E3B085C9AB24}">
+                <p16:designElem xmlns:p16="http://schemas.microsoft.com/office/powerpoint/2015/main" val="1"/>
+              </p:ext>
+            </p:extLst>
+          </p:nvPr>
+        </p:nvSpPr>
+        <p:spPr>
+          <a:xfrm>
+            <a:off x="498834" y="758952"/>
+            <a:ext cx="128016" cy="704088"/>
+          </a:xfrm>
+          <a:prstGeom prst="rect">
+            <a:avLst/>
+          </a:prstGeom>
+          <a:solidFill>
+            <a:schemeClr val="accent2"/>
+          </a:solidFill>
+          <a:ln>
+            <a:noFill/>
+          </a:ln>
+        </p:spPr>
+        <p:style>
+          <a:lnRef idx="2">
+            <a:schemeClr val="accent1">
+              <a:shade val="50000"/>
+            </a:schemeClr>
+          </a:lnRef>
+          <a:fillRef idx="1">
+            <a:schemeClr val="accent1"/>
+          </a:fillRef>
+          <a:effectRef idx="0">
+            <a:schemeClr val="accent1"/>
+          </a:effectRef>
+          <a:fontRef idx="minor">
+            <a:schemeClr val="lt1"/>
+          </a:fontRef>
+        </p:style>
+        <p:txBody>
+          <a:bodyPr rtlCol="0" anchor="ctr"/>
+          <a:lstStyle/>
+          <a:p>
+            <a:pPr algn="ctr"/>
+            <a:endParaRPr lang="en-US">
+              <a:solidFill>
+                <a:prstClr val="white"/>
+              </a:solidFill>
+              <a:latin typeface="Calibri" panose="020F0502020204030204"/>
+            </a:endParaRPr>
+          </a:p>
+        </p:txBody>
+      </p:sp>
+      <p:sp>
+        <p:nvSpPr>
+          <p:cNvPr id="3" name="Content Placeholder 2">
+            <a:extLst>
+              <a:ext uri="{FF2B5EF4-FFF2-40B4-BE49-F238E27FC236}">
+                <a16:creationId xmlns:a16="http://schemas.microsoft.com/office/drawing/2014/main" id="{57D59376-A0D0-A2E0-CA49-DEC497E419CC}"/>
+              </a:ext>
+            </a:extLst>
+          </p:cNvPr>
+          <p:cNvSpPr>
+            <a:spLocks noGrp="1"/>
+          </p:cNvSpPr>
+          <p:nvPr>
+            <p:ph idx="1"/>
+          </p:nvPr>
+        </p:nvSpPr>
+        <p:spPr>
+          <a:xfrm>
+            <a:off x="1115568" y="2481943"/>
+            <a:ext cx="10168128" cy="3695020"/>
+          </a:xfrm>
+        </p:spPr>
+        <p:txBody>
+          <a:bodyPr>
+            <a:normAutofit/>
+          </a:bodyPr>
+          <a:lstStyle/>
+          <a:p>
+            <a:endParaRPr lang="en-CA" sz="2200"/>
+          </a:p>
+        </p:txBody>
+      </p:sp>
+    </p:spTree>
+    <p:extLst>
+      <p:ext uri="{BB962C8B-B14F-4D97-AF65-F5344CB8AC3E}">
+        <p14:creationId xmlns:p14="http://schemas.microsoft.com/office/powerpoint/2010/main" val="3822432095"/>
+      </p:ext>
+    </p:extLst>
+  </p:cSld>
+  <p:clrMapOvr>
+    <a:masterClrMapping/>
+  </p:clrMapOvr>
+</p:sld>
+</file>
+
+<file path=ppt/slides/slide20.xml><?xml version="1.0" encoding="utf-8"?>
+<p:sld xmlns:a="http://schemas.openxmlformats.org/drawingml/2006/main" xmlns:r="http://schemas.openxmlformats.org/officeDocument/2006/relationships" xmlns:p="http://schemas.openxmlformats.org/presentationml/2006/main">
+  <p:cSld>
+    <p:spTree>
+      <p:nvGrpSpPr>
+        <p:cNvPr id="1" name=""/>
+        <p:cNvGrpSpPr/>
+        <p:nvPr/>
+      </p:nvGrpSpPr>
+      <p:grpSpPr>
+        <a:xfrm>
+          <a:off x="0" y="0"/>
+          <a:ext cx="0" cy="0"/>
+          <a:chOff x="0" y="0"/>
+          <a:chExt cx="0" cy="0"/>
+        </a:xfrm>
+      </p:grpSpPr>
+      <p:sp>
+        <p:nvSpPr>
+          <p:cNvPr id="2" name="Title 1">
+            <a:extLst>
+              <a:ext uri="{FF2B5EF4-FFF2-40B4-BE49-F238E27FC236}">
+                <a16:creationId xmlns:a16="http://schemas.microsoft.com/office/drawing/2014/main" id="{B34679DC-B13B-D4D1-46F8-998C6510540D}"/>
+              </a:ext>
+            </a:extLst>
+          </p:cNvPr>
+          <p:cNvSpPr>
+            <a:spLocks noGrp="1"/>
+          </p:cNvSpPr>
+          <p:nvPr>
+            <p:ph type="title"/>
+          </p:nvPr>
+        </p:nvSpPr>
+        <p:spPr/>
+        <p:txBody>
+          <a:bodyPr/>
+          <a:lstStyle/>
+          <a:p>
+            <a:r>
+              <a:rPr lang="en-CA" dirty="0"/>
+              <a:t>References</a:t>
+            </a:r>
+          </a:p>
+        </p:txBody>
+      </p:sp>
+      <p:sp>
+        <p:nvSpPr>
+          <p:cNvPr id="3" name="Content Placeholder 2">
+            <a:extLst>
+              <a:ext uri="{FF2B5EF4-FFF2-40B4-BE49-F238E27FC236}">
+                <a16:creationId xmlns:a16="http://schemas.microsoft.com/office/drawing/2014/main" id="{8C40398D-7486-643F-17E0-747158CF9CE9}"/>
+              </a:ext>
+            </a:extLst>
+          </p:cNvPr>
+          <p:cNvSpPr>
+            <a:spLocks noGrp="1"/>
+          </p:cNvSpPr>
+          <p:nvPr>
+            <p:ph idx="1"/>
+          </p:nvPr>
+        </p:nvSpPr>
+        <p:spPr/>
+        <p:txBody>
+          <a:bodyPr/>
+          <a:lstStyle/>
+          <a:p>
+            <a:endParaRPr lang="en-CA"/>
+          </a:p>
+        </p:txBody>
+      </p:sp>
+    </p:spTree>
+    <p:extLst>
+      <p:ext uri="{BB962C8B-B14F-4D97-AF65-F5344CB8AC3E}">
+        <p14:creationId xmlns:p14="http://schemas.microsoft.com/office/powerpoint/2010/main" val="3484402897"/>
       </p:ext>
     </p:extLst>
   </p:cSld>
@@ -3919,7 +8249,7 @@
           <p:cNvPr id="2" name="Title 1">
             <a:extLst>
               <a:ext uri="{FF2B5EF4-FFF2-40B4-BE49-F238E27FC236}">
-                <a16:creationId xmlns:a16="http://schemas.microsoft.com/office/drawing/2014/main" id="{FB81506D-A03F-FB45-ABE0-699B684C5D06}"/>
+                <a16:creationId xmlns:a16="http://schemas.microsoft.com/office/drawing/2014/main" id="{FC4699DD-36C4-83D6-AF34-C1FF230AEA31}"/>
               </a:ext>
             </a:extLst>
           </p:cNvPr>
@@ -3937,7 +8267,7 @@
           <a:p>
             <a:r>
               <a:rPr lang="en-CA" dirty="0"/>
-              <a:t>Methods</a:t>
+              <a:t>What study are you performing?</a:t>
             </a:r>
           </a:p>
         </p:txBody>
@@ -3947,7 +8277,7 @@
           <p:cNvPr id="3" name="Content Placeholder 2">
             <a:extLst>
               <a:ext uri="{FF2B5EF4-FFF2-40B4-BE49-F238E27FC236}">
-                <a16:creationId xmlns:a16="http://schemas.microsoft.com/office/drawing/2014/main" id="{CF530968-FBBB-275D-311B-50F20A251D33}"/>
+                <a16:creationId xmlns:a16="http://schemas.microsoft.com/office/drawing/2014/main" id="{201B2C50-4BCA-98F6-39F1-BAF8907577DB}"/>
               </a:ext>
             </a:extLst>
           </p:cNvPr>
@@ -3960,55 +8290,17 @@
         </p:nvSpPr>
         <p:spPr/>
         <p:txBody>
-          <a:bodyPr>
-            <a:normAutofit fontScale="92500"/>
-          </a:bodyPr>
-          <a:lstStyle/>
-          <a:p>
-            <a:r>
-              <a:rPr lang="en-US" dirty="0"/>
-              <a:t>“Overall, my pipeline:</a:t>
-            </a:r>
-          </a:p>
-          <a:p>
-            <a:r>
-              <a:rPr lang="en-US" dirty="0"/>
-              <a:t>Collected ITS and ERG11 sequences for 6 Candida species from NCBI.</a:t>
-            </a:r>
-          </a:p>
-          <a:p>
-            <a:r>
-              <a:rPr lang="en-US" dirty="0"/>
-              <a:t>Cleaned and standardized species names and balanced the dataset.</a:t>
-            </a:r>
-          </a:p>
-          <a:p>
-            <a:r>
-              <a:rPr lang="en-US" dirty="0"/>
-              <a:t>Measured sequence similarity using both alignment-based distances and simple sequence features.</a:t>
-            </a:r>
-          </a:p>
-          <a:p>
-            <a:r>
-              <a:rPr lang="en-US" dirty="0"/>
-              <a:t>Performed hierarchical clustering, PCA, and NMDS to visualize how sequences cluster by species and resistance group.</a:t>
-            </a:r>
-          </a:p>
-          <a:p>
-            <a:r>
-              <a:rPr lang="en-US" dirty="0"/>
-              <a:t>Used silhouette and Dunn indices to quantitatively compare clustering performance between ITS and ERG11.”</a:t>
-            </a:r>
-          </a:p>
-          <a:p>
-            <a:endParaRPr lang="en-CA" dirty="0"/>
+          <a:bodyPr/>
+          <a:lstStyle/>
+          <a:p>
+            <a:endParaRPr lang="en-CA"/>
           </a:p>
         </p:txBody>
       </p:sp>
     </p:spTree>
     <p:extLst>
       <p:ext uri="{BB962C8B-B14F-4D97-AF65-F5344CB8AC3E}">
-        <p14:creationId xmlns:p14="http://schemas.microsoft.com/office/powerpoint/2010/main" val="1562785195"/>
+        <p14:creationId xmlns:p14="http://schemas.microsoft.com/office/powerpoint/2010/main" val="2909032815"/>
       </p:ext>
     </p:extLst>
   </p:cSld>
@@ -4021,6 +8313,14 @@
 <file path=ppt/slides/slide4.xml><?xml version="1.0" encoding="utf-8"?>
 <p:sld xmlns:a="http://schemas.openxmlformats.org/drawingml/2006/main" xmlns:r="http://schemas.openxmlformats.org/officeDocument/2006/relationships" xmlns:p="http://schemas.openxmlformats.org/presentationml/2006/main">
   <p:cSld>
+    <p:bg>
+      <p:bgPr>
+        <a:solidFill>
+          <a:schemeClr val="bg1"/>
+        </a:solidFill>
+        <a:effectLst/>
+      </p:bgPr>
+    </p:bg>
     <p:spTree>
       <p:nvGrpSpPr>
         <p:cNvPr id="1" name=""/>
@@ -4035,12 +8335,261 @@
           <a:chExt cx="0" cy="0"/>
         </a:xfrm>
       </p:grpSpPr>
+      <p:sp useBgFill="1">
+        <p:nvSpPr>
+          <p:cNvPr id="8" name="Rectangle 7">
+            <a:extLst>
+              <a:ext uri="{FF2B5EF4-FFF2-40B4-BE49-F238E27FC236}">
+                <a16:creationId xmlns:a16="http://schemas.microsoft.com/office/drawing/2014/main" id="{DAF1966E-FD40-4A4A-B61B-C4DF7FA05F06}"/>
+              </a:ext>
+              <a:ext uri="{C183D7F6-B498-43B3-948B-1728B52AA6E4}">
+                <adec:decorative xmlns:adec="http://schemas.microsoft.com/office/drawing/2017/decorative" val="1"/>
+              </a:ext>
+            </a:extLst>
+          </p:cNvPr>
+          <p:cNvSpPr>
+            <a:spLocks noGrp="1" noRot="1" noChangeAspect="1" noMove="1" noResize="1" noEditPoints="1" noAdjustHandles="1" noChangeArrowheads="1" noChangeShapeType="1" noTextEdit="1"/>
+          </p:cNvSpPr>
+          <p:nvPr>
+            <p:extLst>
+              <p:ext uri="{386F3935-93C4-4BCD-93E2-E3B085C9AB24}">
+                <p16:designElem xmlns:p16="http://schemas.microsoft.com/office/powerpoint/2015/main" val="1"/>
+              </p:ext>
+            </p:extLst>
+          </p:nvPr>
+        </p:nvSpPr>
+        <p:spPr>
+          <a:xfrm>
+            <a:off x="0" y="0"/>
+            <a:ext cx="12192000" cy="6858000"/>
+          </a:xfrm>
+          <a:prstGeom prst="rect">
+            <a:avLst/>
+          </a:prstGeom>
+          <a:ln>
+            <a:noFill/>
+          </a:ln>
+        </p:spPr>
+        <p:style>
+          <a:lnRef idx="2">
+            <a:schemeClr val="accent1">
+              <a:shade val="50000"/>
+            </a:schemeClr>
+          </a:lnRef>
+          <a:fillRef idx="1">
+            <a:schemeClr val="accent1"/>
+          </a:fillRef>
+          <a:effectRef idx="0">
+            <a:schemeClr val="accent1"/>
+          </a:effectRef>
+          <a:fontRef idx="minor">
+            <a:schemeClr val="lt1"/>
+          </a:fontRef>
+        </p:style>
+        <p:txBody>
+          <a:bodyPr rtlCol="0" anchor="ctr"/>
+          <a:lstStyle/>
+          <a:p>
+            <a:pPr algn="ctr"/>
+            <a:endParaRPr lang="en-US"/>
+          </a:p>
+        </p:txBody>
+      </p:sp>
+      <p:sp useBgFill="1">
+        <p:nvSpPr>
+          <p:cNvPr id="10" name="Rectangle 9">
+            <a:extLst>
+              <a:ext uri="{FF2B5EF4-FFF2-40B4-BE49-F238E27FC236}">
+                <a16:creationId xmlns:a16="http://schemas.microsoft.com/office/drawing/2014/main" id="{047BFA19-D45E-416B-A404-7AF2F3F27017}"/>
+              </a:ext>
+              <a:ext uri="{C183D7F6-B498-43B3-948B-1728B52AA6E4}">
+                <adec:decorative xmlns:adec="http://schemas.microsoft.com/office/drawing/2017/decorative" val="1"/>
+              </a:ext>
+            </a:extLst>
+          </p:cNvPr>
+          <p:cNvSpPr>
+            <a:spLocks noGrp="1" noRot="1" noChangeAspect="1" noMove="1" noResize="1" noEditPoints="1" noAdjustHandles="1" noChangeArrowheads="1" noChangeShapeType="1" noTextEdit="1"/>
+          </p:cNvSpPr>
+          <p:nvPr>
+            <p:extLst>
+              <p:ext uri="{386F3935-93C4-4BCD-93E2-E3B085C9AB24}">
+                <p16:designElem xmlns:p16="http://schemas.microsoft.com/office/powerpoint/2015/main" val="1"/>
+              </p:ext>
+            </p:extLst>
+          </p:nvPr>
+        </p:nvSpPr>
+        <p:spPr>
+          <a:xfrm>
+            <a:off x="558209" y="0"/>
+            <a:ext cx="11167447" cy="2018806"/>
+          </a:xfrm>
+          <a:prstGeom prst="rect">
+            <a:avLst/>
+          </a:prstGeom>
+          <a:ln w="9525">
+            <a:solidFill>
+              <a:srgbClr val="E1E1E1"/>
+            </a:solidFill>
+          </a:ln>
+          <a:effectLst>
+            <a:outerShdw blurRad="50800" dist="38100" dir="2700000" algn="tl" rotWithShape="0">
+              <a:schemeClr val="bg1">
+                <a:lumMod val="85000"/>
+                <a:alpha val="50000"/>
+              </a:schemeClr>
+            </a:outerShdw>
+          </a:effectLst>
+        </p:spPr>
+        <p:style>
+          <a:lnRef idx="2">
+            <a:schemeClr val="accent1">
+              <a:shade val="50000"/>
+            </a:schemeClr>
+          </a:lnRef>
+          <a:fillRef idx="1">
+            <a:schemeClr val="accent1"/>
+          </a:fillRef>
+          <a:effectRef idx="0">
+            <a:schemeClr val="accent1"/>
+          </a:effectRef>
+          <a:fontRef idx="minor">
+            <a:schemeClr val="lt1"/>
+          </a:fontRef>
+        </p:style>
+        <p:txBody>
+          <a:bodyPr rtlCol="0" anchor="ctr"/>
+          <a:lstStyle/>
+          <a:p>
+            <a:pPr marL="0" marR="0" lvl="0" indent="0" algn="ctr" defTabSz="914400" rtl="0" eaLnBrk="1" fontAlgn="auto" latinLnBrk="0" hangingPunct="1">
+              <a:lnSpc>
+                <a:spcPct val="100000"/>
+              </a:lnSpc>
+              <a:spcBef>
+                <a:spcPts val="0"/>
+              </a:spcBef>
+              <a:spcAft>
+                <a:spcPts val="0"/>
+              </a:spcAft>
+              <a:buClrTx/>
+              <a:buSzTx/>
+              <a:buFontTx/>
+              <a:buNone/>
+              <a:tabLst/>
+              <a:defRPr/>
+            </a:pPr>
+            <a:endParaRPr kumimoji="0" lang="en-US" sz="1800" b="0" i="0" u="none" strike="noStrike" kern="1200" cap="none" spc="0" normalizeH="0" baseline="0" noProof="0">
+              <a:ln>
+                <a:noFill/>
+              </a:ln>
+              <a:solidFill>
+                <a:prstClr val="white"/>
+              </a:solidFill>
+              <a:effectLst/>
+              <a:uLnTx/>
+              <a:uFillTx/>
+              <a:latin typeface="Calibri" panose="020F0502020204030204"/>
+              <a:ea typeface="+mn-ea"/>
+              <a:cs typeface="+mn-cs"/>
+            </a:endParaRPr>
+          </a:p>
+        </p:txBody>
+      </p:sp>
+      <p:sp useBgFill="1">
+        <p:nvSpPr>
+          <p:cNvPr id="12" name="Rectangle 11">
+            <a:extLst>
+              <a:ext uri="{FF2B5EF4-FFF2-40B4-BE49-F238E27FC236}">
+                <a16:creationId xmlns:a16="http://schemas.microsoft.com/office/drawing/2014/main" id="{8E0105E7-23DB-4CF2-8258-FF47C7620F6E}"/>
+              </a:ext>
+              <a:ext uri="{C183D7F6-B498-43B3-948B-1728B52AA6E4}">
+                <adec:decorative xmlns:adec="http://schemas.microsoft.com/office/drawing/2017/decorative" val="1"/>
+              </a:ext>
+            </a:extLst>
+          </p:cNvPr>
+          <p:cNvSpPr>
+            <a:spLocks noGrp="1" noRot="1" noChangeAspect="1" noMove="1" noResize="1" noEditPoints="1" noAdjustHandles="1" noChangeArrowheads="1" noChangeShapeType="1" noTextEdit="1"/>
+          </p:cNvSpPr>
+          <p:nvPr>
+            <p:extLst>
+              <p:ext uri="{386F3935-93C4-4BCD-93E2-E3B085C9AB24}">
+                <p16:designElem xmlns:p16="http://schemas.microsoft.com/office/powerpoint/2015/main" val="1"/>
+              </p:ext>
+            </p:extLst>
+          </p:nvPr>
+        </p:nvSpPr>
+        <p:spPr>
+          <a:xfrm>
+            <a:off x="566928" y="0"/>
+            <a:ext cx="11155680" cy="2011680"/>
+          </a:xfrm>
+          <a:prstGeom prst="rect">
+            <a:avLst/>
+          </a:prstGeom>
+          <a:ln w="9525">
+            <a:noFill/>
+          </a:ln>
+          <a:effectLst/>
+        </p:spPr>
+        <p:style>
+          <a:lnRef idx="2">
+            <a:schemeClr val="accent1">
+              <a:shade val="50000"/>
+            </a:schemeClr>
+          </a:lnRef>
+          <a:fillRef idx="1">
+            <a:schemeClr val="accent1"/>
+          </a:fillRef>
+          <a:effectRef idx="0">
+            <a:schemeClr val="accent1"/>
+          </a:effectRef>
+          <a:fontRef idx="minor">
+            <a:schemeClr val="lt1"/>
+          </a:fontRef>
+        </p:style>
+        <p:txBody>
+          <a:bodyPr rtlCol="0" anchor="ctr"/>
+          <a:lstStyle/>
+          <a:p>
+            <a:pPr marL="0" marR="0" lvl="0" indent="0" algn="ctr" defTabSz="914400" rtl="0" eaLnBrk="1" fontAlgn="auto" latinLnBrk="0" hangingPunct="1">
+              <a:lnSpc>
+                <a:spcPct val="100000"/>
+              </a:lnSpc>
+              <a:spcBef>
+                <a:spcPts val="0"/>
+              </a:spcBef>
+              <a:spcAft>
+                <a:spcPts val="0"/>
+              </a:spcAft>
+              <a:buClrTx/>
+              <a:buSzTx/>
+              <a:buFontTx/>
+              <a:buNone/>
+              <a:tabLst/>
+              <a:defRPr/>
+            </a:pPr>
+            <a:endParaRPr kumimoji="0" lang="en-US" sz="1800" b="0" i="0" u="none" strike="noStrike" kern="1200" cap="none" spc="0" normalizeH="0" baseline="0" noProof="0">
+              <a:ln>
+                <a:noFill/>
+              </a:ln>
+              <a:solidFill>
+                <a:prstClr val="white"/>
+              </a:solidFill>
+              <a:effectLst/>
+              <a:uLnTx/>
+              <a:uFillTx/>
+              <a:latin typeface="Calibri" panose="020F0502020204030204"/>
+              <a:ea typeface="+mn-ea"/>
+              <a:cs typeface="+mn-cs"/>
+            </a:endParaRPr>
+          </a:p>
+        </p:txBody>
+      </p:sp>
       <p:sp>
         <p:nvSpPr>
           <p:cNvPr id="2" name="Title 1">
             <a:extLst>
               <a:ext uri="{FF2B5EF4-FFF2-40B4-BE49-F238E27FC236}">
-                <a16:creationId xmlns:a16="http://schemas.microsoft.com/office/drawing/2014/main" id="{8390770F-47C4-A1A6-1FA2-74C722B04C02}"/>
+                <a16:creationId xmlns:a16="http://schemas.microsoft.com/office/drawing/2014/main" id="{18A991CC-66DE-BBB0-59C5-1DF76F0E430F}"/>
               </a:ext>
             </a:extLst>
           </p:cNvPr>
@@ -4051,24 +8600,99 @@
             <p:ph type="title"/>
           </p:nvPr>
         </p:nvSpPr>
-        <p:spPr/>
-        <p:txBody>
-          <a:bodyPr/>
-          <a:lstStyle/>
-          <a:p>
-            <a:r>
-              <a:rPr lang="en-CA" dirty="0"/>
-              <a:t>Image 1 – ITS NMDS Plot</a:t>
-            </a:r>
-          </a:p>
-        </p:txBody>
-      </p:sp>
-      <p:sp>
-        <p:nvSpPr>
-          <p:cNvPr id="7" name="Content Placeholder 6">
-            <a:extLst>
-              <a:ext uri="{FF2B5EF4-FFF2-40B4-BE49-F238E27FC236}">
-                <a16:creationId xmlns:a16="http://schemas.microsoft.com/office/drawing/2014/main" id="{F498FD9B-9118-B951-2FD8-95C16DD5056E}"/>
+        <p:spPr>
+          <a:xfrm>
+            <a:off x="1115568" y="548640"/>
+            <a:ext cx="10168128" cy="1179576"/>
+          </a:xfrm>
+        </p:spPr>
+        <p:txBody>
+          <a:bodyPr>
+            <a:normAutofit/>
+          </a:bodyPr>
+          <a:lstStyle/>
+          <a:p>
+            <a:r>
+              <a:rPr lang="en-CA" sz="4000" dirty="0"/>
+              <a:t>Questions that will be Addressed</a:t>
+            </a:r>
+          </a:p>
+        </p:txBody>
+      </p:sp>
+      <p:sp>
+        <p:nvSpPr>
+          <p:cNvPr id="14" name="Rectangle 13">
+            <a:extLst>
+              <a:ext uri="{FF2B5EF4-FFF2-40B4-BE49-F238E27FC236}">
+                <a16:creationId xmlns:a16="http://schemas.microsoft.com/office/drawing/2014/main" id="{074B4F7D-14B2-478B-8BF5-01E4E0C5D263}"/>
+              </a:ext>
+              <a:ext uri="{C183D7F6-B498-43B3-948B-1728B52AA6E4}">
+                <adec:decorative xmlns:adec="http://schemas.microsoft.com/office/drawing/2017/decorative" val="1"/>
+              </a:ext>
+            </a:extLst>
+          </p:cNvPr>
+          <p:cNvSpPr>
+            <a:spLocks noGrp="1" noRot="1" noChangeAspect="1" noMove="1" noResize="1" noEditPoints="1" noAdjustHandles="1" noChangeArrowheads="1" noChangeShapeType="1" noTextEdit="1"/>
+          </p:cNvSpPr>
+          <p:nvPr>
+            <p:extLst>
+              <p:ext uri="{386F3935-93C4-4BCD-93E2-E3B085C9AB24}">
+                <p16:designElem xmlns:p16="http://schemas.microsoft.com/office/powerpoint/2015/main" val="1"/>
+              </p:ext>
+            </p:extLst>
+          </p:nvPr>
+        </p:nvSpPr>
+        <p:spPr>
+          <a:xfrm>
+            <a:off x="498834" y="758952"/>
+            <a:ext cx="128016" cy="704088"/>
+          </a:xfrm>
+          <a:prstGeom prst="rect">
+            <a:avLst/>
+          </a:prstGeom>
+          <a:solidFill>
+            <a:schemeClr val="accent2"/>
+          </a:solidFill>
+          <a:ln>
+            <a:noFill/>
+          </a:ln>
+        </p:spPr>
+        <p:style>
+          <a:lnRef idx="2">
+            <a:schemeClr val="accent1">
+              <a:shade val="50000"/>
+            </a:schemeClr>
+          </a:lnRef>
+          <a:fillRef idx="1">
+            <a:schemeClr val="accent1"/>
+          </a:fillRef>
+          <a:effectRef idx="0">
+            <a:schemeClr val="accent1"/>
+          </a:effectRef>
+          <a:fontRef idx="minor">
+            <a:schemeClr val="lt1"/>
+          </a:fontRef>
+        </p:style>
+        <p:txBody>
+          <a:bodyPr rtlCol="0" anchor="ctr"/>
+          <a:lstStyle/>
+          <a:p>
+            <a:pPr algn="ctr"/>
+            <a:endParaRPr lang="en-US">
+              <a:solidFill>
+                <a:prstClr val="white"/>
+              </a:solidFill>
+              <a:latin typeface="Calibri" panose="020F0502020204030204"/>
+            </a:endParaRPr>
+          </a:p>
+        </p:txBody>
+      </p:sp>
+      <p:sp>
+        <p:nvSpPr>
+          <p:cNvPr id="3" name="Content Placeholder 2">
+            <a:extLst>
+              <a:ext uri="{FF2B5EF4-FFF2-40B4-BE49-F238E27FC236}">
+                <a16:creationId xmlns:a16="http://schemas.microsoft.com/office/drawing/2014/main" id="{EAAF7AEC-F6E0-CF6D-3BF5-7A0C6E1274F6}"/>
               </a:ext>
             </a:extLst>
           </p:cNvPr>
@@ -4079,19 +8703,66 @@
             <p:ph idx="1"/>
           </p:nvPr>
         </p:nvSpPr>
-        <p:spPr/>
-        <p:txBody>
-          <a:bodyPr/>
-          <a:lstStyle/>
-          <a:p>
-            <a:endParaRPr lang="en-CA"/>
+        <p:spPr>
+          <a:xfrm>
+            <a:off x="1115568" y="2481943"/>
+            <a:ext cx="10168128" cy="3695020"/>
+          </a:xfrm>
+        </p:spPr>
+        <p:txBody>
+          <a:bodyPr>
+            <a:normAutofit/>
+          </a:bodyPr>
+          <a:lstStyle/>
+          <a:p>
+            <a:r>
+              <a:rPr lang="en-US" sz="2200"/>
+              <a:t>Do sequences cluster by </a:t>
+            </a:r>
+            <a:r>
+              <a:rPr lang="en-US" sz="2200" b="1"/>
+              <a:t>species</a:t>
+            </a:r>
+            <a:r>
+              <a:rPr lang="en-US" sz="2200"/>
+              <a:t>?</a:t>
+            </a:r>
+          </a:p>
+          <a:p>
+            <a:r>
+              <a:rPr lang="en-US" sz="2200"/>
+              <a:t>Are there differences between </a:t>
+            </a:r>
+            <a:r>
+              <a:rPr lang="en-US" sz="2200" b="1"/>
+              <a:t>high resistance concern</a:t>
+            </a:r>
+            <a:r>
+              <a:rPr lang="en-US" sz="2200"/>
+              <a:t> species vs </a:t>
+            </a:r>
+            <a:r>
+              <a:rPr lang="en-US" sz="2200" b="1"/>
+              <a:t>lower resistance concern</a:t>
+            </a:r>
+            <a:r>
+              <a:rPr lang="en-US" sz="2200"/>
+              <a:t> species?</a:t>
+            </a:r>
+          </a:p>
+          <a:p>
+            <a:r>
+              <a:rPr lang="en-US" sz="2200"/>
+              <a:t>Does ITS vs ERG11 give different clustering patterns? Does ITS vs ERG11 give different clustering patterns?</a:t>
+            </a:r>
+            <a:endParaRPr lang="en-CA" sz="2200"/>
           </a:p>
         </p:txBody>
       </p:sp>
     </p:spTree>
     <p:extLst>
       <p:ext uri="{BB962C8B-B14F-4D97-AF65-F5344CB8AC3E}">
-        <p14:creationId xmlns:p14="http://schemas.microsoft.com/office/powerpoint/2010/main" val="2006350347"/>
+        <p14:creationId xmlns:p14="http://schemas.microsoft.com/office/powerpoint/2010/main" val="3774420809"/>
       </p:ext>
     </p:extLst>
   </p:cSld>
@@ -4123,7 +8794,7 @@
           <p:cNvPr id="2" name="Title 1">
             <a:extLst>
               <a:ext uri="{FF2B5EF4-FFF2-40B4-BE49-F238E27FC236}">
-                <a16:creationId xmlns:a16="http://schemas.microsoft.com/office/drawing/2014/main" id="{6D7D140F-45E0-7AF3-DE96-A41A71125275}"/>
+                <a16:creationId xmlns:a16="http://schemas.microsoft.com/office/drawing/2014/main" id="{A83AD947-4B1B-366F-6E75-B1A905A4E8F8}"/>
               </a:ext>
             </a:extLst>
           </p:cNvPr>
@@ -4141,17 +8812,17 @@
           <a:p>
             <a:r>
               <a:rPr lang="en-CA" dirty="0"/>
-              <a:t>Image 2 – ERG11 NMDS plot</a:t>
-            </a:r>
-          </a:p>
-        </p:txBody>
-      </p:sp>
-      <p:sp>
-        <p:nvSpPr>
-          <p:cNvPr id="7" name="Content Placeholder 6">
-            <a:extLst>
-              <a:ext uri="{FF2B5EF4-FFF2-40B4-BE49-F238E27FC236}">
-                <a16:creationId xmlns:a16="http://schemas.microsoft.com/office/drawing/2014/main" id="{5559CD8B-1923-3EA4-1604-000332616E15}"/>
+              <a:t>Description of Candida Data </a:t>
+            </a:r>
+          </a:p>
+        </p:txBody>
+      </p:sp>
+      <p:sp>
+        <p:nvSpPr>
+          <p:cNvPr id="3" name="Content Placeholder 2">
+            <a:extLst>
+              <a:ext uri="{FF2B5EF4-FFF2-40B4-BE49-F238E27FC236}">
+                <a16:creationId xmlns:a16="http://schemas.microsoft.com/office/drawing/2014/main" id="{E0CF221B-4187-5340-FE8D-EE9EAE52BCBE}"/>
               </a:ext>
             </a:extLst>
           </p:cNvPr>
@@ -4167,14 +8838,41 @@
           <a:bodyPr/>
           <a:lstStyle/>
           <a:p>
-            <a:endParaRPr lang="en-CA"/>
+            <a:r>
+              <a:rPr lang="en-CA" dirty="0"/>
+              <a:t>Describe the dataset</a:t>
+            </a:r>
+          </a:p>
+          <a:p>
+            <a:r>
+              <a:rPr lang="en-CA" dirty="0"/>
+              <a:t>Where did it come from</a:t>
+            </a:r>
+          </a:p>
+          <a:p>
+            <a:r>
+              <a:rPr lang="en-CA" dirty="0"/>
+              <a:t>How was it obtained </a:t>
+            </a:r>
+          </a:p>
+          <a:p>
+            <a:r>
+              <a:rPr lang="en-CA" dirty="0"/>
+              <a:t>Sample Numbers </a:t>
+            </a:r>
+          </a:p>
+          <a:p>
+            <a:r>
+              <a:rPr lang="en-CA" dirty="0"/>
+              <a:t>Cite the source </a:t>
+            </a:r>
           </a:p>
         </p:txBody>
       </p:sp>
     </p:spTree>
     <p:extLst>
       <p:ext uri="{BB962C8B-B14F-4D97-AF65-F5344CB8AC3E}">
-        <p14:creationId xmlns:p14="http://schemas.microsoft.com/office/powerpoint/2010/main" val="2571068111"/>
+        <p14:creationId xmlns:p14="http://schemas.microsoft.com/office/powerpoint/2010/main" val="4201228382"/>
       </p:ext>
     </p:extLst>
   </p:cSld>
@@ -4187,6 +8885,14 @@
 <file path=ppt/slides/slide6.xml><?xml version="1.0" encoding="utf-8"?>
 <p:sld xmlns:a="http://schemas.openxmlformats.org/drawingml/2006/main" xmlns:r="http://schemas.openxmlformats.org/officeDocument/2006/relationships" xmlns:p="http://schemas.openxmlformats.org/presentationml/2006/main">
   <p:cSld>
+    <p:bg>
+      <p:bgPr>
+        <a:solidFill>
+          <a:schemeClr val="bg1"/>
+        </a:solidFill>
+        <a:effectLst/>
+      </p:bgPr>
+    </p:bg>
     <p:spTree>
       <p:nvGrpSpPr>
         <p:cNvPr id="1" name=""/>
@@ -4201,12 +8907,261 @@
           <a:chExt cx="0" cy="0"/>
         </a:xfrm>
       </p:grpSpPr>
+      <p:sp useBgFill="1">
+        <p:nvSpPr>
+          <p:cNvPr id="8" name="Rectangle 7">
+            <a:extLst>
+              <a:ext uri="{FF2B5EF4-FFF2-40B4-BE49-F238E27FC236}">
+                <a16:creationId xmlns:a16="http://schemas.microsoft.com/office/drawing/2014/main" id="{DAF1966E-FD40-4A4A-B61B-C4DF7FA05F06}"/>
+              </a:ext>
+              <a:ext uri="{C183D7F6-B498-43B3-948B-1728B52AA6E4}">
+                <adec:decorative xmlns:adec="http://schemas.microsoft.com/office/drawing/2017/decorative" val="1"/>
+              </a:ext>
+            </a:extLst>
+          </p:cNvPr>
+          <p:cNvSpPr>
+            <a:spLocks noGrp="1" noRot="1" noChangeAspect="1" noMove="1" noResize="1" noEditPoints="1" noAdjustHandles="1" noChangeArrowheads="1" noChangeShapeType="1" noTextEdit="1"/>
+          </p:cNvSpPr>
+          <p:nvPr>
+            <p:extLst>
+              <p:ext uri="{386F3935-93C4-4BCD-93E2-E3B085C9AB24}">
+                <p16:designElem xmlns:p16="http://schemas.microsoft.com/office/powerpoint/2015/main" val="1"/>
+              </p:ext>
+            </p:extLst>
+          </p:nvPr>
+        </p:nvSpPr>
+        <p:spPr>
+          <a:xfrm>
+            <a:off x="0" y="0"/>
+            <a:ext cx="12192000" cy="6858000"/>
+          </a:xfrm>
+          <a:prstGeom prst="rect">
+            <a:avLst/>
+          </a:prstGeom>
+          <a:ln>
+            <a:noFill/>
+          </a:ln>
+        </p:spPr>
+        <p:style>
+          <a:lnRef idx="2">
+            <a:schemeClr val="accent1">
+              <a:shade val="50000"/>
+            </a:schemeClr>
+          </a:lnRef>
+          <a:fillRef idx="1">
+            <a:schemeClr val="accent1"/>
+          </a:fillRef>
+          <a:effectRef idx="0">
+            <a:schemeClr val="accent1"/>
+          </a:effectRef>
+          <a:fontRef idx="minor">
+            <a:schemeClr val="lt1"/>
+          </a:fontRef>
+        </p:style>
+        <p:txBody>
+          <a:bodyPr rtlCol="0" anchor="ctr"/>
+          <a:lstStyle/>
+          <a:p>
+            <a:pPr algn="ctr"/>
+            <a:endParaRPr lang="en-US"/>
+          </a:p>
+        </p:txBody>
+      </p:sp>
+      <p:sp useBgFill="1">
+        <p:nvSpPr>
+          <p:cNvPr id="10" name="Rectangle 9">
+            <a:extLst>
+              <a:ext uri="{FF2B5EF4-FFF2-40B4-BE49-F238E27FC236}">
+                <a16:creationId xmlns:a16="http://schemas.microsoft.com/office/drawing/2014/main" id="{047BFA19-D45E-416B-A404-7AF2F3F27017}"/>
+              </a:ext>
+              <a:ext uri="{C183D7F6-B498-43B3-948B-1728B52AA6E4}">
+                <adec:decorative xmlns:adec="http://schemas.microsoft.com/office/drawing/2017/decorative" val="1"/>
+              </a:ext>
+            </a:extLst>
+          </p:cNvPr>
+          <p:cNvSpPr>
+            <a:spLocks noGrp="1" noRot="1" noChangeAspect="1" noMove="1" noResize="1" noEditPoints="1" noAdjustHandles="1" noChangeArrowheads="1" noChangeShapeType="1" noTextEdit="1"/>
+          </p:cNvSpPr>
+          <p:nvPr>
+            <p:extLst>
+              <p:ext uri="{386F3935-93C4-4BCD-93E2-E3B085C9AB24}">
+                <p16:designElem xmlns:p16="http://schemas.microsoft.com/office/powerpoint/2015/main" val="1"/>
+              </p:ext>
+            </p:extLst>
+          </p:nvPr>
+        </p:nvSpPr>
+        <p:spPr>
+          <a:xfrm>
+            <a:off x="558209" y="0"/>
+            <a:ext cx="11167447" cy="2018806"/>
+          </a:xfrm>
+          <a:prstGeom prst="rect">
+            <a:avLst/>
+          </a:prstGeom>
+          <a:ln w="9525">
+            <a:solidFill>
+              <a:srgbClr val="E1E1E1"/>
+            </a:solidFill>
+          </a:ln>
+          <a:effectLst>
+            <a:outerShdw blurRad="50800" dist="38100" dir="2700000" algn="tl" rotWithShape="0">
+              <a:schemeClr val="bg1">
+                <a:lumMod val="85000"/>
+                <a:alpha val="50000"/>
+              </a:schemeClr>
+            </a:outerShdw>
+          </a:effectLst>
+        </p:spPr>
+        <p:style>
+          <a:lnRef idx="2">
+            <a:schemeClr val="accent1">
+              <a:shade val="50000"/>
+            </a:schemeClr>
+          </a:lnRef>
+          <a:fillRef idx="1">
+            <a:schemeClr val="accent1"/>
+          </a:fillRef>
+          <a:effectRef idx="0">
+            <a:schemeClr val="accent1"/>
+          </a:effectRef>
+          <a:fontRef idx="minor">
+            <a:schemeClr val="lt1"/>
+          </a:fontRef>
+        </p:style>
+        <p:txBody>
+          <a:bodyPr rtlCol="0" anchor="ctr"/>
+          <a:lstStyle/>
+          <a:p>
+            <a:pPr marL="0" marR="0" lvl="0" indent="0" algn="ctr" defTabSz="914400" rtl="0" eaLnBrk="1" fontAlgn="auto" latinLnBrk="0" hangingPunct="1">
+              <a:lnSpc>
+                <a:spcPct val="100000"/>
+              </a:lnSpc>
+              <a:spcBef>
+                <a:spcPts val="0"/>
+              </a:spcBef>
+              <a:spcAft>
+                <a:spcPts val="0"/>
+              </a:spcAft>
+              <a:buClrTx/>
+              <a:buSzTx/>
+              <a:buFontTx/>
+              <a:buNone/>
+              <a:tabLst/>
+              <a:defRPr/>
+            </a:pPr>
+            <a:endParaRPr kumimoji="0" lang="en-US" sz="1800" b="0" i="0" u="none" strike="noStrike" kern="1200" cap="none" spc="0" normalizeH="0" baseline="0" noProof="0">
+              <a:ln>
+                <a:noFill/>
+              </a:ln>
+              <a:solidFill>
+                <a:prstClr val="white"/>
+              </a:solidFill>
+              <a:effectLst/>
+              <a:uLnTx/>
+              <a:uFillTx/>
+              <a:latin typeface="Calibri" panose="020F0502020204030204"/>
+              <a:ea typeface="+mn-ea"/>
+              <a:cs typeface="+mn-cs"/>
+            </a:endParaRPr>
+          </a:p>
+        </p:txBody>
+      </p:sp>
+      <p:sp useBgFill="1">
+        <p:nvSpPr>
+          <p:cNvPr id="12" name="Rectangle 11">
+            <a:extLst>
+              <a:ext uri="{FF2B5EF4-FFF2-40B4-BE49-F238E27FC236}">
+                <a16:creationId xmlns:a16="http://schemas.microsoft.com/office/drawing/2014/main" id="{8E0105E7-23DB-4CF2-8258-FF47C7620F6E}"/>
+              </a:ext>
+              <a:ext uri="{C183D7F6-B498-43B3-948B-1728B52AA6E4}">
+                <adec:decorative xmlns:adec="http://schemas.microsoft.com/office/drawing/2017/decorative" val="1"/>
+              </a:ext>
+            </a:extLst>
+          </p:cNvPr>
+          <p:cNvSpPr>
+            <a:spLocks noGrp="1" noRot="1" noChangeAspect="1" noMove="1" noResize="1" noEditPoints="1" noAdjustHandles="1" noChangeArrowheads="1" noChangeShapeType="1" noTextEdit="1"/>
+          </p:cNvSpPr>
+          <p:nvPr>
+            <p:extLst>
+              <p:ext uri="{386F3935-93C4-4BCD-93E2-E3B085C9AB24}">
+                <p16:designElem xmlns:p16="http://schemas.microsoft.com/office/powerpoint/2015/main" val="1"/>
+              </p:ext>
+            </p:extLst>
+          </p:nvPr>
+        </p:nvSpPr>
+        <p:spPr>
+          <a:xfrm>
+            <a:off x="566928" y="0"/>
+            <a:ext cx="11155680" cy="2011680"/>
+          </a:xfrm>
+          <a:prstGeom prst="rect">
+            <a:avLst/>
+          </a:prstGeom>
+          <a:ln w="9525">
+            <a:noFill/>
+          </a:ln>
+          <a:effectLst/>
+        </p:spPr>
+        <p:style>
+          <a:lnRef idx="2">
+            <a:schemeClr val="accent1">
+              <a:shade val="50000"/>
+            </a:schemeClr>
+          </a:lnRef>
+          <a:fillRef idx="1">
+            <a:schemeClr val="accent1"/>
+          </a:fillRef>
+          <a:effectRef idx="0">
+            <a:schemeClr val="accent1"/>
+          </a:effectRef>
+          <a:fontRef idx="minor">
+            <a:schemeClr val="lt1"/>
+          </a:fontRef>
+        </p:style>
+        <p:txBody>
+          <a:bodyPr rtlCol="0" anchor="ctr"/>
+          <a:lstStyle/>
+          <a:p>
+            <a:pPr marL="0" marR="0" lvl="0" indent="0" algn="ctr" defTabSz="914400" rtl="0" eaLnBrk="1" fontAlgn="auto" latinLnBrk="0" hangingPunct="1">
+              <a:lnSpc>
+                <a:spcPct val="100000"/>
+              </a:lnSpc>
+              <a:spcBef>
+                <a:spcPts val="0"/>
+              </a:spcBef>
+              <a:spcAft>
+                <a:spcPts val="0"/>
+              </a:spcAft>
+              <a:buClrTx/>
+              <a:buSzTx/>
+              <a:buFontTx/>
+              <a:buNone/>
+              <a:tabLst/>
+              <a:defRPr/>
+            </a:pPr>
+            <a:endParaRPr kumimoji="0" lang="en-US" sz="1800" b="0" i="0" u="none" strike="noStrike" kern="1200" cap="none" spc="0" normalizeH="0" baseline="0" noProof="0">
+              <a:ln>
+                <a:noFill/>
+              </a:ln>
+              <a:solidFill>
+                <a:prstClr val="white"/>
+              </a:solidFill>
+              <a:effectLst/>
+              <a:uLnTx/>
+              <a:uFillTx/>
+              <a:latin typeface="Calibri" panose="020F0502020204030204"/>
+              <a:ea typeface="+mn-ea"/>
+              <a:cs typeface="+mn-cs"/>
+            </a:endParaRPr>
+          </a:p>
+        </p:txBody>
+      </p:sp>
       <p:sp>
         <p:nvSpPr>
           <p:cNvPr id="2" name="Title 1">
             <a:extLst>
               <a:ext uri="{FF2B5EF4-FFF2-40B4-BE49-F238E27FC236}">
-                <a16:creationId xmlns:a16="http://schemas.microsoft.com/office/drawing/2014/main" id="{6633B26C-766D-D96B-659C-D582DE3DFE88}"/>
+                <a16:creationId xmlns:a16="http://schemas.microsoft.com/office/drawing/2014/main" id="{FB81506D-A03F-FB45-ABE0-699B684C5D06}"/>
               </a:ext>
             </a:extLst>
           </p:cNvPr>
@@ -4217,24 +9172,99 @@
             <p:ph type="title"/>
           </p:nvPr>
         </p:nvSpPr>
-        <p:spPr/>
-        <p:txBody>
-          <a:bodyPr/>
-          <a:lstStyle/>
-          <a:p>
-            <a:r>
-              <a:rPr lang="en-CA" dirty="0"/>
-              <a:t>Image 3 – ITS Feature-Based Clustering with PCA</a:t>
-            </a:r>
-          </a:p>
-        </p:txBody>
-      </p:sp>
-      <p:sp>
-        <p:nvSpPr>
-          <p:cNvPr id="7" name="Content Placeholder 6">
-            <a:extLst>
-              <a:ext uri="{FF2B5EF4-FFF2-40B4-BE49-F238E27FC236}">
-                <a16:creationId xmlns:a16="http://schemas.microsoft.com/office/drawing/2014/main" id="{53683359-93D0-6B5F-0C3E-452D7FB09ECC}"/>
+        <p:spPr>
+          <a:xfrm>
+            <a:off x="1115568" y="548640"/>
+            <a:ext cx="10168128" cy="1179576"/>
+          </a:xfrm>
+        </p:spPr>
+        <p:txBody>
+          <a:bodyPr>
+            <a:normAutofit/>
+          </a:bodyPr>
+          <a:lstStyle/>
+          <a:p>
+            <a:r>
+              <a:rPr lang="en-CA" sz="4000"/>
+              <a:t>Methods</a:t>
+            </a:r>
+          </a:p>
+        </p:txBody>
+      </p:sp>
+      <p:sp>
+        <p:nvSpPr>
+          <p:cNvPr id="14" name="Rectangle 13">
+            <a:extLst>
+              <a:ext uri="{FF2B5EF4-FFF2-40B4-BE49-F238E27FC236}">
+                <a16:creationId xmlns:a16="http://schemas.microsoft.com/office/drawing/2014/main" id="{074B4F7D-14B2-478B-8BF5-01E4E0C5D263}"/>
+              </a:ext>
+              <a:ext uri="{C183D7F6-B498-43B3-948B-1728B52AA6E4}">
+                <adec:decorative xmlns:adec="http://schemas.microsoft.com/office/drawing/2017/decorative" val="1"/>
+              </a:ext>
+            </a:extLst>
+          </p:cNvPr>
+          <p:cNvSpPr>
+            <a:spLocks noGrp="1" noRot="1" noChangeAspect="1" noMove="1" noResize="1" noEditPoints="1" noAdjustHandles="1" noChangeArrowheads="1" noChangeShapeType="1" noTextEdit="1"/>
+          </p:cNvSpPr>
+          <p:nvPr>
+            <p:extLst>
+              <p:ext uri="{386F3935-93C4-4BCD-93E2-E3B085C9AB24}">
+                <p16:designElem xmlns:p16="http://schemas.microsoft.com/office/powerpoint/2015/main" val="1"/>
+              </p:ext>
+            </p:extLst>
+          </p:nvPr>
+        </p:nvSpPr>
+        <p:spPr>
+          <a:xfrm>
+            <a:off x="498834" y="758952"/>
+            <a:ext cx="128016" cy="704088"/>
+          </a:xfrm>
+          <a:prstGeom prst="rect">
+            <a:avLst/>
+          </a:prstGeom>
+          <a:solidFill>
+            <a:schemeClr val="accent2"/>
+          </a:solidFill>
+          <a:ln>
+            <a:noFill/>
+          </a:ln>
+        </p:spPr>
+        <p:style>
+          <a:lnRef idx="2">
+            <a:schemeClr val="accent1">
+              <a:shade val="50000"/>
+            </a:schemeClr>
+          </a:lnRef>
+          <a:fillRef idx="1">
+            <a:schemeClr val="accent1"/>
+          </a:fillRef>
+          <a:effectRef idx="0">
+            <a:schemeClr val="accent1"/>
+          </a:effectRef>
+          <a:fontRef idx="minor">
+            <a:schemeClr val="lt1"/>
+          </a:fontRef>
+        </p:style>
+        <p:txBody>
+          <a:bodyPr rtlCol="0" anchor="ctr"/>
+          <a:lstStyle/>
+          <a:p>
+            <a:pPr algn="ctr"/>
+            <a:endParaRPr lang="en-US">
+              <a:solidFill>
+                <a:prstClr val="white"/>
+              </a:solidFill>
+              <a:latin typeface="Calibri" panose="020F0502020204030204"/>
+            </a:endParaRPr>
+          </a:p>
+        </p:txBody>
+      </p:sp>
+      <p:sp>
+        <p:nvSpPr>
+          <p:cNvPr id="3" name="Content Placeholder 2">
+            <a:extLst>
+              <a:ext uri="{FF2B5EF4-FFF2-40B4-BE49-F238E27FC236}">
+                <a16:creationId xmlns:a16="http://schemas.microsoft.com/office/drawing/2014/main" id="{CF530968-FBBB-275D-311B-50F20A251D33}"/>
               </a:ext>
             </a:extLst>
           </p:cNvPr>
@@ -4245,19 +9275,62 @@
             <p:ph idx="1"/>
           </p:nvPr>
         </p:nvSpPr>
-        <p:spPr/>
-        <p:txBody>
-          <a:bodyPr/>
-          <a:lstStyle/>
-          <a:p>
-            <a:endParaRPr lang="en-CA"/>
+        <p:spPr>
+          <a:xfrm>
+            <a:off x="1115568" y="2481943"/>
+            <a:ext cx="10168128" cy="3695020"/>
+          </a:xfrm>
+        </p:spPr>
+        <p:txBody>
+          <a:bodyPr>
+            <a:normAutofit/>
+          </a:bodyPr>
+          <a:lstStyle/>
+          <a:p>
+            <a:r>
+              <a:rPr lang="en-US" sz="2200"/>
+              <a:t>“Overall, my pipeline:</a:t>
+            </a:r>
+          </a:p>
+          <a:p>
+            <a:r>
+              <a:rPr lang="en-US" sz="2200"/>
+              <a:t>Collected ITS and ERG11 sequences for 6 Candida species from NCBI.</a:t>
+            </a:r>
+          </a:p>
+          <a:p>
+            <a:r>
+              <a:rPr lang="en-US" sz="2200"/>
+              <a:t>Cleaned and standardized species names and balanced the dataset.</a:t>
+            </a:r>
+          </a:p>
+          <a:p>
+            <a:r>
+              <a:rPr lang="en-US" sz="2200"/>
+              <a:t>Measured sequence similarity using both alignment-based distances and simple sequence features.</a:t>
+            </a:r>
+          </a:p>
+          <a:p>
+            <a:r>
+              <a:rPr lang="en-US" sz="2200"/>
+              <a:t>Performed hierarchical clustering, PCA, and NMDS to visualize how sequences cluster by species and resistance group.</a:t>
+            </a:r>
+          </a:p>
+          <a:p>
+            <a:r>
+              <a:rPr lang="en-US" sz="2200"/>
+              <a:t>Used silhouette and Dunn indices to quantitatively compare clustering performance between ITS and ERG11.”</a:t>
+            </a:r>
+          </a:p>
+          <a:p>
+            <a:endParaRPr lang="en-CA" sz="2200"/>
           </a:p>
         </p:txBody>
       </p:sp>
     </p:spTree>
     <p:extLst>
       <p:ext uri="{BB962C8B-B14F-4D97-AF65-F5344CB8AC3E}">
-        <p14:creationId xmlns:p14="http://schemas.microsoft.com/office/powerpoint/2010/main" val="721873184"/>
+        <p14:creationId xmlns:p14="http://schemas.microsoft.com/office/powerpoint/2010/main" val="1562785195"/>
       </p:ext>
     </p:extLst>
   </p:cSld>
@@ -4270,15 +9343,17 @@
 <file path=ppt/slides/slide7.xml><?xml version="1.0" encoding="utf-8"?>
 <p:sld xmlns:a="http://schemas.openxmlformats.org/drawingml/2006/main" xmlns:r="http://schemas.openxmlformats.org/officeDocument/2006/relationships" xmlns:p="http://schemas.openxmlformats.org/presentationml/2006/main">
   <p:cSld>
+    <p:bg>
+      <p:bgPr>
+        <a:solidFill>
+          <a:schemeClr val="bg1"/>
+        </a:solidFill>
+        <a:effectLst/>
+      </p:bgPr>
+    </p:bg>
     <p:spTree>
       <p:nvGrpSpPr>
-        <p:cNvPr id="1" name="">
-          <a:extLst>
-            <a:ext uri="{FF2B5EF4-FFF2-40B4-BE49-F238E27FC236}">
-              <a16:creationId xmlns:a16="http://schemas.microsoft.com/office/drawing/2014/main" id="{098F3956-4354-B183-BE32-41955005D129}"/>
-            </a:ext>
-          </a:extLst>
-        </p:cNvPr>
+        <p:cNvPr id="1" name=""/>
         <p:cNvGrpSpPr/>
         <p:nvPr/>
       </p:nvGrpSpPr>
@@ -4290,12 +9365,72 @@
           <a:chExt cx="0" cy="0"/>
         </a:xfrm>
       </p:grpSpPr>
+      <p:sp useBgFill="1">
+        <p:nvSpPr>
+          <p:cNvPr id="18" name="Rectangle 17">
+            <a:extLst>
+              <a:ext uri="{FF2B5EF4-FFF2-40B4-BE49-F238E27FC236}">
+                <a16:creationId xmlns:a16="http://schemas.microsoft.com/office/drawing/2014/main" id="{68AF5748-FED8-45BA-8631-26D1D10F3246}"/>
+              </a:ext>
+              <a:ext uri="{C183D7F6-B498-43B3-948B-1728B52AA6E4}">
+                <adec:decorative xmlns:adec="http://schemas.microsoft.com/office/drawing/2017/decorative" val="1"/>
+              </a:ext>
+            </a:extLst>
+          </p:cNvPr>
+          <p:cNvSpPr>
+            <a:spLocks noGrp="1" noRot="1" noChangeAspect="1" noMove="1" noResize="1" noEditPoints="1" noAdjustHandles="1" noChangeArrowheads="1" noChangeShapeType="1" noTextEdit="1"/>
+          </p:cNvSpPr>
+          <p:nvPr>
+            <p:extLst>
+              <p:ext uri="{386F3935-93C4-4BCD-93E2-E3B085C9AB24}">
+                <p16:designElem xmlns:p16="http://schemas.microsoft.com/office/powerpoint/2015/main" val="1"/>
+              </p:ext>
+            </p:extLst>
+          </p:nvPr>
+        </p:nvSpPr>
+        <p:spPr>
+          <a:xfrm>
+            <a:off x="0" y="0"/>
+            <a:ext cx="12192000" cy="6858000"/>
+          </a:xfrm>
+          <a:prstGeom prst="rect">
+            <a:avLst/>
+          </a:prstGeom>
+          <a:ln>
+            <a:noFill/>
+          </a:ln>
+        </p:spPr>
+        <p:style>
+          <a:lnRef idx="2">
+            <a:schemeClr val="accent1">
+              <a:shade val="50000"/>
+            </a:schemeClr>
+          </a:lnRef>
+          <a:fillRef idx="1">
+            <a:schemeClr val="accent1"/>
+          </a:fillRef>
+          <a:effectRef idx="0">
+            <a:schemeClr val="accent1"/>
+          </a:effectRef>
+          <a:fontRef idx="minor">
+            <a:schemeClr val="lt1"/>
+          </a:fontRef>
+        </p:style>
+        <p:txBody>
+          <a:bodyPr rtlCol="0" anchor="ctr"/>
+          <a:lstStyle/>
+          <a:p>
+            <a:pPr algn="ctr"/>
+            <a:endParaRPr lang="en-US"/>
+          </a:p>
+        </p:txBody>
+      </p:sp>
       <p:sp>
         <p:nvSpPr>
           <p:cNvPr id="2" name="Title 1">
             <a:extLst>
               <a:ext uri="{FF2B5EF4-FFF2-40B4-BE49-F238E27FC236}">
-                <a16:creationId xmlns:a16="http://schemas.microsoft.com/office/drawing/2014/main" id="{F9586A67-2A06-FD07-F282-8990DB42C684}"/>
+                <a16:creationId xmlns:a16="http://schemas.microsoft.com/office/drawing/2014/main" id="{8390770F-47C4-A1A6-1FA2-74C722B04C02}"/>
               </a:ext>
             </a:extLst>
           </p:cNvPr>
@@ -4306,47 +9441,235 @@
             <p:ph type="title"/>
           </p:nvPr>
         </p:nvSpPr>
-        <p:spPr/>
-        <p:txBody>
-          <a:bodyPr/>
-          <a:lstStyle/>
-          <a:p>
-            <a:r>
-              <a:rPr lang="en-CA" dirty="0"/>
-              <a:t>Image 4 – ERG11Feature-Based Clustering with PCA</a:t>
-            </a:r>
-          </a:p>
-        </p:txBody>
-      </p:sp>
-      <p:sp>
-        <p:nvSpPr>
-          <p:cNvPr id="7" name="Content Placeholder 6">
-            <a:extLst>
-              <a:ext uri="{FF2B5EF4-FFF2-40B4-BE49-F238E27FC236}">
-                <a16:creationId xmlns:a16="http://schemas.microsoft.com/office/drawing/2014/main" id="{6217E57D-15CB-69C8-01DE-9170D3075E5F}"/>
-              </a:ext>
-            </a:extLst>
-          </p:cNvPr>
-          <p:cNvSpPr>
-            <a:spLocks noGrp="1"/>
-          </p:cNvSpPr>
+        <p:spPr>
+          <a:xfrm>
+            <a:off x="477981" y="1122363"/>
+            <a:ext cx="4023360" cy="3204134"/>
+          </a:xfrm>
+        </p:spPr>
+        <p:txBody>
+          <a:bodyPr vert="horz" lIns="91440" tIns="45720" rIns="91440" bIns="45720" rtlCol="0" anchor="b">
+            <a:normAutofit/>
+          </a:bodyPr>
+          <a:lstStyle/>
+          <a:p>
+            <a:r>
+              <a:rPr lang="en-US" sz="4800" kern="1200">
+                <a:solidFill>
+                  <a:schemeClr val="tx1"/>
+                </a:solidFill>
+                <a:latin typeface="+mj-lt"/>
+                <a:ea typeface="+mj-ea"/>
+                <a:cs typeface="+mj-cs"/>
+              </a:rPr>
+              <a:t>Image 1 – ITS NMDS Plot</a:t>
+            </a:r>
+          </a:p>
+        </p:txBody>
+      </p:sp>
+      <p:sp>
+        <p:nvSpPr>
+          <p:cNvPr id="20" name="Rectangle 19">
+            <a:extLst>
+              <a:ext uri="{FF2B5EF4-FFF2-40B4-BE49-F238E27FC236}">
+                <a16:creationId xmlns:a16="http://schemas.microsoft.com/office/drawing/2014/main" id="{AF2F604E-43BE-4DC3-B983-E071523364F8}"/>
+              </a:ext>
+              <a:ext uri="{C183D7F6-B498-43B3-948B-1728B52AA6E4}">
+                <adec:decorative xmlns:adec="http://schemas.microsoft.com/office/drawing/2017/decorative" val="1"/>
+              </a:ext>
+            </a:extLst>
+          </p:cNvPr>
+          <p:cNvSpPr>
+            <a:spLocks noGrp="1" noRot="1" noChangeAspect="1" noMove="1" noResize="1" noEditPoints="1" noAdjustHandles="1" noChangeArrowheads="1" noChangeShapeType="1" noTextEdit="1"/>
+          </p:cNvSpPr>
+          <p:nvPr>
+            <p:extLst>
+              <p:ext uri="{386F3935-93C4-4BCD-93E2-E3B085C9AB24}">
+                <p16:designElem xmlns:p16="http://schemas.microsoft.com/office/powerpoint/2015/main" val="1"/>
+              </p:ext>
+            </p:extLst>
+          </p:nvPr>
+        </p:nvSpPr>
+        <p:spPr>
+          <a:xfrm rot="5400000">
+            <a:off x="759921" y="346791"/>
+            <a:ext cx="146304" cy="704088"/>
+          </a:xfrm>
+          <a:prstGeom prst="rect">
+            <a:avLst/>
+          </a:prstGeom>
+          <a:solidFill>
+            <a:schemeClr val="accent2"/>
+          </a:solidFill>
+          <a:ln>
+            <a:noFill/>
+          </a:ln>
+        </p:spPr>
+        <p:style>
+          <a:lnRef idx="2">
+            <a:schemeClr val="accent1">
+              <a:shade val="50000"/>
+            </a:schemeClr>
+          </a:lnRef>
+          <a:fillRef idx="1">
+            <a:schemeClr val="accent1"/>
+          </a:fillRef>
+          <a:effectRef idx="0">
+            <a:schemeClr val="accent1"/>
+          </a:effectRef>
+          <a:fontRef idx="minor">
+            <a:schemeClr val="lt1"/>
+          </a:fontRef>
+        </p:style>
+        <p:txBody>
+          <a:bodyPr rtlCol="0" anchor="ctr"/>
+          <a:lstStyle/>
+          <a:p>
+            <a:pPr marL="0" marR="0" lvl="0" indent="0" algn="ctr" defTabSz="914400" rtl="0" eaLnBrk="1" fontAlgn="auto" latinLnBrk="0" hangingPunct="1">
+              <a:lnSpc>
+                <a:spcPct val="100000"/>
+              </a:lnSpc>
+              <a:spcBef>
+                <a:spcPts val="0"/>
+              </a:spcBef>
+              <a:spcAft>
+                <a:spcPts val="0"/>
+              </a:spcAft>
+              <a:buClrTx/>
+              <a:buSzTx/>
+              <a:buFontTx/>
+              <a:buNone/>
+              <a:tabLst/>
+              <a:defRPr/>
+            </a:pPr>
+            <a:endParaRPr kumimoji="0" lang="en-US" sz="1800" b="0" i="0" u="none" strike="noStrike" kern="1200" cap="none" spc="0" normalizeH="0" baseline="0" noProof="0">
+              <a:ln>
+                <a:noFill/>
+              </a:ln>
+              <a:solidFill>
+                <a:prstClr val="white"/>
+              </a:solidFill>
+              <a:effectLst/>
+              <a:uLnTx/>
+              <a:uFillTx/>
+              <a:latin typeface="Calibri" panose="020F0502020204030204"/>
+              <a:ea typeface="+mn-ea"/>
+              <a:cs typeface="+mn-cs"/>
+            </a:endParaRPr>
+          </a:p>
+        </p:txBody>
+      </p:sp>
+      <p:sp>
+        <p:nvSpPr>
+          <p:cNvPr id="22" name="Rectangle 21">
+            <a:extLst>
+              <a:ext uri="{FF2B5EF4-FFF2-40B4-BE49-F238E27FC236}">
+                <a16:creationId xmlns:a16="http://schemas.microsoft.com/office/drawing/2014/main" id="{08C9B587-E65E-4B52-B37C-ABEBB6E87928}"/>
+              </a:ext>
+              <a:ext uri="{C183D7F6-B498-43B3-948B-1728B52AA6E4}">
+                <adec:decorative xmlns:adec="http://schemas.microsoft.com/office/drawing/2017/decorative" val="1"/>
+              </a:ext>
+            </a:extLst>
+          </p:cNvPr>
+          <p:cNvSpPr>
+            <a:spLocks noGrp="1" noRot="1" noChangeAspect="1" noMove="1" noResize="1" noEditPoints="1" noAdjustHandles="1" noChangeArrowheads="1" noChangeShapeType="1" noTextEdit="1"/>
+          </p:cNvSpPr>
+          <p:nvPr>
+            <p:extLst>
+              <p:ext uri="{386F3935-93C4-4BCD-93E2-E3B085C9AB24}">
+                <p16:designElem xmlns:p16="http://schemas.microsoft.com/office/powerpoint/2015/main" val="1"/>
+              </p:ext>
+            </p:extLst>
+          </p:nvPr>
+        </p:nvSpPr>
+        <p:spPr>
+          <a:xfrm>
+            <a:off x="481029" y="4546920"/>
+            <a:ext cx="4023360" cy="18288"/>
+          </a:xfrm>
+          <a:prstGeom prst="rect">
+            <a:avLst/>
+          </a:prstGeom>
+          <a:solidFill>
+            <a:srgbClr val="D5D5D5"/>
+          </a:solidFill>
+          <a:ln w="3175">
+            <a:noFill/>
+          </a:ln>
+          <a:effectLst/>
+        </p:spPr>
+        <p:style>
+          <a:lnRef idx="2">
+            <a:schemeClr val="accent1">
+              <a:shade val="50000"/>
+            </a:schemeClr>
+          </a:lnRef>
+          <a:fillRef idx="1">
+            <a:schemeClr val="accent1"/>
+          </a:fillRef>
+          <a:effectRef idx="0">
+            <a:schemeClr val="accent1"/>
+          </a:effectRef>
+          <a:fontRef idx="minor">
+            <a:schemeClr val="lt1"/>
+          </a:fontRef>
+        </p:style>
+        <p:txBody>
+          <a:bodyPr rtlCol="0" anchor="ctr"/>
+          <a:lstStyle/>
+          <a:p>
+            <a:pPr algn="ctr"/>
+            <a:endParaRPr lang="en-US">
+              <a:solidFill>
+                <a:prstClr val="white"/>
+              </a:solidFill>
+              <a:latin typeface="Calibri" panose="020F0502020204030204"/>
+            </a:endParaRPr>
+          </a:p>
+        </p:txBody>
+      </p:sp>
+      <p:pic>
+        <p:nvPicPr>
+          <p:cNvPr id="6" name="Content Placeholder 5" descr="A chart with different colored dots&#10;&#10;AI-generated content may be incorrect.">
+            <a:extLst>
+              <a:ext uri="{FF2B5EF4-FFF2-40B4-BE49-F238E27FC236}">
+                <a16:creationId xmlns:a16="http://schemas.microsoft.com/office/drawing/2014/main" id="{C0B9DBBF-5366-1389-ED0C-AC6C0CDEB959}"/>
+              </a:ext>
+            </a:extLst>
+          </p:cNvPr>
+          <p:cNvPicPr>
+            <a:picLocks noGrp="1" noChangeAspect="1"/>
+          </p:cNvPicPr>
           <p:nvPr>
             <p:ph idx="1"/>
           </p:nvPr>
-        </p:nvSpPr>
-        <p:spPr/>
-        <p:txBody>
-          <a:bodyPr/>
-          <a:lstStyle/>
-          <a:p>
-            <a:endParaRPr lang="en-CA"/>
-          </a:p>
-        </p:txBody>
-      </p:sp>
+        </p:nvPicPr>
+        <p:blipFill>
+          <a:blip r:embed="rId2">
+            <a:extLst>
+              <a:ext uri="{28A0092B-C50C-407E-A947-70E740481C1C}">
+                <a14:useLocalDpi xmlns:a14="http://schemas.microsoft.com/office/drawing/2010/main" val="0"/>
+              </a:ext>
+            </a:extLst>
+          </a:blip>
+          <a:stretch>
+            <a:fillRect/>
+          </a:stretch>
+        </p:blipFill>
+        <p:spPr>
+          <a:xfrm>
+            <a:off x="4864608" y="785987"/>
+            <a:ext cx="6846363" cy="5134772"/>
+          </a:xfrm>
+          <a:prstGeom prst="rect">
+            <a:avLst/>
+          </a:prstGeom>
+        </p:spPr>
+      </p:pic>
     </p:spTree>
     <p:extLst>
       <p:ext uri="{BB962C8B-B14F-4D97-AF65-F5344CB8AC3E}">
-        <p14:creationId xmlns:p14="http://schemas.microsoft.com/office/powerpoint/2010/main" val="1614155236"/>
+        <p14:creationId xmlns:p14="http://schemas.microsoft.com/office/powerpoint/2010/main" val="2006350347"/>
       </p:ext>
     </p:extLst>
   </p:cSld>
@@ -4359,15 +9682,17 @@
 <file path=ppt/slides/slide8.xml><?xml version="1.0" encoding="utf-8"?>
 <p:sld xmlns:a="http://schemas.openxmlformats.org/drawingml/2006/main" xmlns:r="http://schemas.openxmlformats.org/officeDocument/2006/relationships" xmlns:p="http://schemas.openxmlformats.org/presentationml/2006/main">
   <p:cSld>
+    <p:bg>
+      <p:bgPr>
+        <a:solidFill>
+          <a:schemeClr val="bg1"/>
+        </a:solidFill>
+        <a:effectLst/>
+      </p:bgPr>
+    </p:bg>
     <p:spTree>
       <p:nvGrpSpPr>
-        <p:cNvPr id="1" name="">
-          <a:extLst>
-            <a:ext uri="{FF2B5EF4-FFF2-40B4-BE49-F238E27FC236}">
-              <a16:creationId xmlns:a16="http://schemas.microsoft.com/office/drawing/2014/main" id="{627264CC-F8BB-B9D4-C83A-F2BFD0D10B0F}"/>
-            </a:ext>
-          </a:extLst>
-        </p:cNvPr>
+        <p:cNvPr id="1" name=""/>
         <p:cNvGrpSpPr/>
         <p:nvPr/>
       </p:nvGrpSpPr>
@@ -4379,12 +9704,72 @@
           <a:chExt cx="0" cy="0"/>
         </a:xfrm>
       </p:grpSpPr>
+      <p:sp useBgFill="1">
+        <p:nvSpPr>
+          <p:cNvPr id="16" name="Rectangle 15">
+            <a:extLst>
+              <a:ext uri="{FF2B5EF4-FFF2-40B4-BE49-F238E27FC236}">
+                <a16:creationId xmlns:a16="http://schemas.microsoft.com/office/drawing/2014/main" id="{68AF5748-FED8-45BA-8631-26D1D10F3246}"/>
+              </a:ext>
+              <a:ext uri="{C183D7F6-B498-43B3-948B-1728B52AA6E4}">
+                <adec:decorative xmlns:adec="http://schemas.microsoft.com/office/drawing/2017/decorative" val="1"/>
+              </a:ext>
+            </a:extLst>
+          </p:cNvPr>
+          <p:cNvSpPr>
+            <a:spLocks noGrp="1" noRot="1" noChangeAspect="1" noMove="1" noResize="1" noEditPoints="1" noAdjustHandles="1" noChangeArrowheads="1" noChangeShapeType="1" noTextEdit="1"/>
+          </p:cNvSpPr>
+          <p:nvPr>
+            <p:extLst>
+              <p:ext uri="{386F3935-93C4-4BCD-93E2-E3B085C9AB24}">
+                <p16:designElem xmlns:p16="http://schemas.microsoft.com/office/powerpoint/2015/main" val="1"/>
+              </p:ext>
+            </p:extLst>
+          </p:nvPr>
+        </p:nvSpPr>
+        <p:spPr>
+          <a:xfrm>
+            <a:off x="0" y="0"/>
+            <a:ext cx="12192000" cy="6858000"/>
+          </a:xfrm>
+          <a:prstGeom prst="rect">
+            <a:avLst/>
+          </a:prstGeom>
+          <a:ln>
+            <a:noFill/>
+          </a:ln>
+        </p:spPr>
+        <p:style>
+          <a:lnRef idx="2">
+            <a:schemeClr val="accent1">
+              <a:shade val="50000"/>
+            </a:schemeClr>
+          </a:lnRef>
+          <a:fillRef idx="1">
+            <a:schemeClr val="accent1"/>
+          </a:fillRef>
+          <a:effectRef idx="0">
+            <a:schemeClr val="accent1"/>
+          </a:effectRef>
+          <a:fontRef idx="minor">
+            <a:schemeClr val="lt1"/>
+          </a:fontRef>
+        </p:style>
+        <p:txBody>
+          <a:bodyPr rtlCol="0" anchor="ctr"/>
+          <a:lstStyle/>
+          <a:p>
+            <a:pPr algn="ctr"/>
+            <a:endParaRPr lang="en-US"/>
+          </a:p>
+        </p:txBody>
+      </p:sp>
       <p:sp>
         <p:nvSpPr>
           <p:cNvPr id="2" name="Title 1">
             <a:extLst>
               <a:ext uri="{FF2B5EF4-FFF2-40B4-BE49-F238E27FC236}">
-                <a16:creationId xmlns:a16="http://schemas.microsoft.com/office/drawing/2014/main" id="{99BE6C36-EC13-1AD6-9795-0AFA16A478C6}"/>
+                <a16:creationId xmlns:a16="http://schemas.microsoft.com/office/drawing/2014/main" id="{6D7D140F-45E0-7AF3-DE96-A41A71125275}"/>
               </a:ext>
             </a:extLst>
           </p:cNvPr>
@@ -4395,55 +9780,235 @@
             <p:ph type="title"/>
           </p:nvPr>
         </p:nvSpPr>
-        <p:spPr/>
-        <p:txBody>
-          <a:bodyPr/>
-          <a:lstStyle/>
-          <a:p>
-            <a:r>
-              <a:rPr lang="en-CA" dirty="0"/>
-              <a:t>Image 5 </a:t>
-            </a:r>
-            <a:r>
-              <a:rPr lang="en-CA"/>
-              <a:t>– ITS </a:t>
-            </a:r>
-            <a:r>
-              <a:rPr lang="en-CA" dirty="0"/>
-              <a:t>Silhouette plot</a:t>
-            </a:r>
-          </a:p>
-        </p:txBody>
-      </p:sp>
-      <p:sp>
-        <p:nvSpPr>
-          <p:cNvPr id="7" name="Content Placeholder 6">
-            <a:extLst>
-              <a:ext uri="{FF2B5EF4-FFF2-40B4-BE49-F238E27FC236}">
-                <a16:creationId xmlns:a16="http://schemas.microsoft.com/office/drawing/2014/main" id="{EDC7B3AA-C1A3-7124-9CEF-19A726969BA3}"/>
-              </a:ext>
-            </a:extLst>
-          </p:cNvPr>
-          <p:cNvSpPr>
-            <a:spLocks noGrp="1"/>
-          </p:cNvSpPr>
+        <p:spPr>
+          <a:xfrm>
+            <a:off x="477981" y="1122363"/>
+            <a:ext cx="4023360" cy="3204134"/>
+          </a:xfrm>
+        </p:spPr>
+        <p:txBody>
+          <a:bodyPr vert="horz" lIns="91440" tIns="45720" rIns="91440" bIns="45720" rtlCol="0" anchor="b">
+            <a:normAutofit/>
+          </a:bodyPr>
+          <a:lstStyle/>
+          <a:p>
+            <a:r>
+              <a:rPr lang="en-US" sz="4800" kern="1200">
+                <a:solidFill>
+                  <a:schemeClr val="tx1"/>
+                </a:solidFill>
+                <a:latin typeface="+mj-lt"/>
+                <a:ea typeface="+mj-ea"/>
+                <a:cs typeface="+mj-cs"/>
+              </a:rPr>
+              <a:t>Image 2 – ERG11 NMDS plot</a:t>
+            </a:r>
+          </a:p>
+        </p:txBody>
+      </p:sp>
+      <p:sp>
+        <p:nvSpPr>
+          <p:cNvPr id="18" name="Rectangle 17">
+            <a:extLst>
+              <a:ext uri="{FF2B5EF4-FFF2-40B4-BE49-F238E27FC236}">
+                <a16:creationId xmlns:a16="http://schemas.microsoft.com/office/drawing/2014/main" id="{AF2F604E-43BE-4DC3-B983-E071523364F8}"/>
+              </a:ext>
+              <a:ext uri="{C183D7F6-B498-43B3-948B-1728B52AA6E4}">
+                <adec:decorative xmlns:adec="http://schemas.microsoft.com/office/drawing/2017/decorative" val="1"/>
+              </a:ext>
+            </a:extLst>
+          </p:cNvPr>
+          <p:cNvSpPr>
+            <a:spLocks noGrp="1" noRot="1" noChangeAspect="1" noMove="1" noResize="1" noEditPoints="1" noAdjustHandles="1" noChangeArrowheads="1" noChangeShapeType="1" noTextEdit="1"/>
+          </p:cNvSpPr>
+          <p:nvPr>
+            <p:extLst>
+              <p:ext uri="{386F3935-93C4-4BCD-93E2-E3B085C9AB24}">
+                <p16:designElem xmlns:p16="http://schemas.microsoft.com/office/powerpoint/2015/main" val="1"/>
+              </p:ext>
+            </p:extLst>
+          </p:nvPr>
+        </p:nvSpPr>
+        <p:spPr>
+          <a:xfrm rot="5400000">
+            <a:off x="759921" y="346791"/>
+            <a:ext cx="146304" cy="704088"/>
+          </a:xfrm>
+          <a:prstGeom prst="rect">
+            <a:avLst/>
+          </a:prstGeom>
+          <a:solidFill>
+            <a:schemeClr val="accent2"/>
+          </a:solidFill>
+          <a:ln>
+            <a:noFill/>
+          </a:ln>
+        </p:spPr>
+        <p:style>
+          <a:lnRef idx="2">
+            <a:schemeClr val="accent1">
+              <a:shade val="50000"/>
+            </a:schemeClr>
+          </a:lnRef>
+          <a:fillRef idx="1">
+            <a:schemeClr val="accent1"/>
+          </a:fillRef>
+          <a:effectRef idx="0">
+            <a:schemeClr val="accent1"/>
+          </a:effectRef>
+          <a:fontRef idx="minor">
+            <a:schemeClr val="lt1"/>
+          </a:fontRef>
+        </p:style>
+        <p:txBody>
+          <a:bodyPr rtlCol="0" anchor="ctr"/>
+          <a:lstStyle/>
+          <a:p>
+            <a:pPr marL="0" marR="0" lvl="0" indent="0" algn="ctr" defTabSz="914400" rtl="0" eaLnBrk="1" fontAlgn="auto" latinLnBrk="0" hangingPunct="1">
+              <a:lnSpc>
+                <a:spcPct val="100000"/>
+              </a:lnSpc>
+              <a:spcBef>
+                <a:spcPts val="0"/>
+              </a:spcBef>
+              <a:spcAft>
+                <a:spcPts val="0"/>
+              </a:spcAft>
+              <a:buClrTx/>
+              <a:buSzTx/>
+              <a:buFontTx/>
+              <a:buNone/>
+              <a:tabLst/>
+              <a:defRPr/>
+            </a:pPr>
+            <a:endParaRPr kumimoji="0" lang="en-US" sz="1800" b="0" i="0" u="none" strike="noStrike" kern="1200" cap="none" spc="0" normalizeH="0" baseline="0" noProof="0">
+              <a:ln>
+                <a:noFill/>
+              </a:ln>
+              <a:solidFill>
+                <a:prstClr val="white"/>
+              </a:solidFill>
+              <a:effectLst/>
+              <a:uLnTx/>
+              <a:uFillTx/>
+              <a:latin typeface="Calibri" panose="020F0502020204030204"/>
+              <a:ea typeface="+mn-ea"/>
+              <a:cs typeface="+mn-cs"/>
+            </a:endParaRPr>
+          </a:p>
+        </p:txBody>
+      </p:sp>
+      <p:sp>
+        <p:nvSpPr>
+          <p:cNvPr id="20" name="Rectangle 19">
+            <a:extLst>
+              <a:ext uri="{FF2B5EF4-FFF2-40B4-BE49-F238E27FC236}">
+                <a16:creationId xmlns:a16="http://schemas.microsoft.com/office/drawing/2014/main" id="{08C9B587-E65E-4B52-B37C-ABEBB6E87928}"/>
+              </a:ext>
+              <a:ext uri="{C183D7F6-B498-43B3-948B-1728B52AA6E4}">
+                <adec:decorative xmlns:adec="http://schemas.microsoft.com/office/drawing/2017/decorative" val="1"/>
+              </a:ext>
+            </a:extLst>
+          </p:cNvPr>
+          <p:cNvSpPr>
+            <a:spLocks noGrp="1" noRot="1" noChangeAspect="1" noMove="1" noResize="1" noEditPoints="1" noAdjustHandles="1" noChangeArrowheads="1" noChangeShapeType="1" noTextEdit="1"/>
+          </p:cNvSpPr>
+          <p:nvPr>
+            <p:extLst>
+              <p:ext uri="{386F3935-93C4-4BCD-93E2-E3B085C9AB24}">
+                <p16:designElem xmlns:p16="http://schemas.microsoft.com/office/powerpoint/2015/main" val="1"/>
+              </p:ext>
+            </p:extLst>
+          </p:nvPr>
+        </p:nvSpPr>
+        <p:spPr>
+          <a:xfrm>
+            <a:off x="481029" y="4546920"/>
+            <a:ext cx="4023360" cy="18288"/>
+          </a:xfrm>
+          <a:prstGeom prst="rect">
+            <a:avLst/>
+          </a:prstGeom>
+          <a:solidFill>
+            <a:srgbClr val="D5D5D5"/>
+          </a:solidFill>
+          <a:ln w="3175">
+            <a:noFill/>
+          </a:ln>
+          <a:effectLst/>
+        </p:spPr>
+        <p:style>
+          <a:lnRef idx="2">
+            <a:schemeClr val="accent1">
+              <a:shade val="50000"/>
+            </a:schemeClr>
+          </a:lnRef>
+          <a:fillRef idx="1">
+            <a:schemeClr val="accent1"/>
+          </a:fillRef>
+          <a:effectRef idx="0">
+            <a:schemeClr val="accent1"/>
+          </a:effectRef>
+          <a:fontRef idx="minor">
+            <a:schemeClr val="lt1"/>
+          </a:fontRef>
+        </p:style>
+        <p:txBody>
+          <a:bodyPr rtlCol="0" anchor="ctr"/>
+          <a:lstStyle/>
+          <a:p>
+            <a:pPr algn="ctr"/>
+            <a:endParaRPr lang="en-US">
+              <a:solidFill>
+                <a:prstClr val="white"/>
+              </a:solidFill>
+              <a:latin typeface="Calibri" panose="020F0502020204030204"/>
+            </a:endParaRPr>
+          </a:p>
+        </p:txBody>
+      </p:sp>
+      <p:pic>
+        <p:nvPicPr>
+          <p:cNvPr id="4" name="Content Placeholder 3" descr="A graph of different colored dots&#10;&#10;AI-generated content may be incorrect.">
+            <a:extLst>
+              <a:ext uri="{FF2B5EF4-FFF2-40B4-BE49-F238E27FC236}">
+                <a16:creationId xmlns:a16="http://schemas.microsoft.com/office/drawing/2014/main" id="{25720D99-0272-52A3-204C-9A304F3383A7}"/>
+              </a:ext>
+            </a:extLst>
+          </p:cNvPr>
+          <p:cNvPicPr>
+            <a:picLocks noGrp="1" noChangeAspect="1"/>
+          </p:cNvPicPr>
           <p:nvPr>
             <p:ph idx="1"/>
           </p:nvPr>
-        </p:nvSpPr>
-        <p:spPr/>
-        <p:txBody>
-          <a:bodyPr/>
-          <a:lstStyle/>
-          <a:p>
-            <a:endParaRPr lang="en-CA"/>
-          </a:p>
-        </p:txBody>
-      </p:sp>
+        </p:nvPicPr>
+        <p:blipFill>
+          <a:blip r:embed="rId2">
+            <a:extLst>
+              <a:ext uri="{28A0092B-C50C-407E-A947-70E740481C1C}">
+                <a14:useLocalDpi xmlns:a14="http://schemas.microsoft.com/office/drawing/2010/main" val="0"/>
+              </a:ext>
+            </a:extLst>
+          </a:blip>
+          <a:stretch>
+            <a:fillRect/>
+          </a:stretch>
+        </p:blipFill>
+        <p:spPr>
+          <a:xfrm>
+            <a:off x="4864608" y="785987"/>
+            <a:ext cx="6846363" cy="5134772"/>
+          </a:xfrm>
+          <a:prstGeom prst="rect">
+            <a:avLst/>
+          </a:prstGeom>
+        </p:spPr>
+      </p:pic>
     </p:spTree>
     <p:extLst>
       <p:ext uri="{BB962C8B-B14F-4D97-AF65-F5344CB8AC3E}">
-        <p14:creationId xmlns:p14="http://schemas.microsoft.com/office/powerpoint/2010/main" val="4229450842"/>
+        <p14:creationId xmlns:p14="http://schemas.microsoft.com/office/powerpoint/2010/main" val="2571068111"/>
       </p:ext>
     </p:extLst>
   </p:cSld>
@@ -4461,7 +10026,7 @@
         <p:cNvPr id="1" name="">
           <a:extLst>
             <a:ext uri="{FF2B5EF4-FFF2-40B4-BE49-F238E27FC236}">
-              <a16:creationId xmlns:a16="http://schemas.microsoft.com/office/drawing/2014/main" id="{C93F2198-090D-73F2-AA89-74F98EED79AE}"/>
+              <a16:creationId xmlns:a16="http://schemas.microsoft.com/office/drawing/2014/main" id="{C22626F0-6080-736A-2D9A-AA94F916D2E9}"/>
             </a:ext>
           </a:extLst>
         </p:cNvPr>
@@ -4481,7 +10046,7 @@
           <p:cNvPr id="2" name="Title 1">
             <a:extLst>
               <a:ext uri="{FF2B5EF4-FFF2-40B4-BE49-F238E27FC236}">
-                <a16:creationId xmlns:a16="http://schemas.microsoft.com/office/drawing/2014/main" id="{A1FE1C16-4AD2-88D6-1EF1-8FD19066BF5D}"/>
+                <a16:creationId xmlns:a16="http://schemas.microsoft.com/office/drawing/2014/main" id="{FFE3D95D-040C-678C-7D56-6EE99A08DC11}"/>
               </a:ext>
             </a:extLst>
           </p:cNvPr>
@@ -4499,17 +10064,17 @@
           <a:p>
             <a:r>
               <a:rPr lang="en-CA" dirty="0"/>
-              <a:t>Image 6 – ERG11 Silhouette plot</a:t>
-            </a:r>
-          </a:p>
-        </p:txBody>
-      </p:sp>
-      <p:sp>
-        <p:nvSpPr>
-          <p:cNvPr id="7" name="Content Placeholder 6">
-            <a:extLst>
-              <a:ext uri="{FF2B5EF4-FFF2-40B4-BE49-F238E27FC236}">
-                <a16:creationId xmlns:a16="http://schemas.microsoft.com/office/drawing/2014/main" id="{BF2B3E1F-D8A3-6619-1BEC-9D1F0851767C}"/>
+              <a:t>NMDS Plot Discussion</a:t>
+            </a:r>
+          </a:p>
+        </p:txBody>
+      </p:sp>
+      <p:sp>
+        <p:nvSpPr>
+          <p:cNvPr id="3" name="Content Placeholder 2">
+            <a:extLst>
+              <a:ext uri="{FF2B5EF4-FFF2-40B4-BE49-F238E27FC236}">
+                <a16:creationId xmlns:a16="http://schemas.microsoft.com/office/drawing/2014/main" id="{7FB32626-02D4-A295-597D-25B08D756419}"/>
               </a:ext>
             </a:extLst>
           </p:cNvPr>
@@ -4532,7 +10097,7 @@
     </p:spTree>
     <p:extLst>
       <p:ext uri="{BB962C8B-B14F-4D97-AF65-F5344CB8AC3E}">
-        <p14:creationId xmlns:p14="http://schemas.microsoft.com/office/powerpoint/2010/main" val="3150043789"/>
+        <p14:creationId xmlns:p14="http://schemas.microsoft.com/office/powerpoint/2010/main" val="3009727759"/>
       </p:ext>
     </p:extLst>
   </p:cSld>
@@ -4855,4 +10420,319 @@
     </a:ext>
   </a:extLst>
 </a:theme>
+</file>
+
+<file path=ppt/theme/theme2.xml><?xml version="1.0" encoding="utf-8"?>
+<a:theme xmlns:a="http://schemas.openxmlformats.org/drawingml/2006/main" name="Office Theme">
+  <a:themeElements>
+    <a:clrScheme name="Office">
+      <a:dk1>
+        <a:sysClr val="windowText" lastClr="000000"/>
+      </a:dk1>
+      <a:lt1>
+        <a:sysClr val="window" lastClr="FFFFFF"/>
+      </a:lt1>
+      <a:dk2>
+        <a:srgbClr val="0E2841"/>
+      </a:dk2>
+      <a:lt2>
+        <a:srgbClr val="E8E8E8"/>
+      </a:lt2>
+      <a:accent1>
+        <a:srgbClr val="156082"/>
+      </a:accent1>
+      <a:accent2>
+        <a:srgbClr val="E97132"/>
+      </a:accent2>
+      <a:accent3>
+        <a:srgbClr val="196B24"/>
+      </a:accent3>
+      <a:accent4>
+        <a:srgbClr val="0F9ED5"/>
+      </a:accent4>
+      <a:accent5>
+        <a:srgbClr val="A02B93"/>
+      </a:accent5>
+      <a:accent6>
+        <a:srgbClr val="4EA72E"/>
+      </a:accent6>
+      <a:hlink>
+        <a:srgbClr val="467886"/>
+      </a:hlink>
+      <a:folHlink>
+        <a:srgbClr val="96607D"/>
+      </a:folHlink>
+    </a:clrScheme>
+    <a:fontScheme name="Office">
+      <a:majorFont>
+        <a:latin typeface="Aptos Display" panose="02110004020202020204"/>
+        <a:ea typeface=""/>
+        <a:cs typeface=""/>
+        <a:font script="Jpan" typeface="游ゴシック Light"/>
+        <a:font script="Hang" typeface="맑은 고딕"/>
+        <a:font script="Hans" typeface="等线 Light"/>
+        <a:font script="Hant" typeface="新細明體"/>
+        <a:font script="Arab" typeface="Times New Roman"/>
+        <a:font script="Hebr" typeface="Times New Roman"/>
+        <a:font script="Thai" typeface="Angsana New"/>
+        <a:font script="Ethi" typeface="Nyala"/>
+        <a:font script="Beng" typeface="Vrinda"/>
+        <a:font script="Gujr" typeface="Shruti"/>
+        <a:font script="Khmr" typeface="MoolBoran"/>
+        <a:font script="Knda" typeface="Tunga"/>
+        <a:font script="Guru" typeface="Raavi"/>
+        <a:font script="Cans" typeface="Euphemia"/>
+        <a:font script="Cher" typeface="Plantagenet Cherokee"/>
+        <a:font script="Yiii" typeface="Microsoft Yi Baiti"/>
+        <a:font script="Tibt" typeface="Microsoft Himalaya"/>
+        <a:font script="Thaa" typeface="MV Boli"/>
+        <a:font script="Deva" typeface="Mangal"/>
+        <a:font script="Telu" typeface="Gautami"/>
+        <a:font script="Taml" typeface="Latha"/>
+        <a:font script="Syrc" typeface="Estrangelo Edessa"/>
+        <a:font script="Orya" typeface="Kalinga"/>
+        <a:font script="Mlym" typeface="Kartika"/>
+        <a:font script="Laoo" typeface="DokChampa"/>
+        <a:font script="Sinh" typeface="Iskoola Pota"/>
+        <a:font script="Mong" typeface="Mongolian Baiti"/>
+        <a:font script="Viet" typeface="Times New Roman"/>
+        <a:font script="Uigh" typeface="Microsoft Uighur"/>
+        <a:font script="Geor" typeface="Sylfaen"/>
+        <a:font script="Armn" typeface="Arial"/>
+        <a:font script="Bugi" typeface="Leelawadee UI"/>
+        <a:font script="Bopo" typeface="Microsoft JhengHei"/>
+        <a:font script="Java" typeface="Javanese Text"/>
+        <a:font script="Lisu" typeface="Segoe UI"/>
+        <a:font script="Mymr" typeface="Myanmar Text"/>
+        <a:font script="Nkoo" typeface="Ebrima"/>
+        <a:font script="Olck" typeface="Nirmala UI"/>
+        <a:font script="Osma" typeface="Ebrima"/>
+        <a:font script="Phag" typeface="Phagspa"/>
+        <a:font script="Syrn" typeface="Estrangelo Edessa"/>
+        <a:font script="Syrj" typeface="Estrangelo Edessa"/>
+        <a:font script="Syre" typeface="Estrangelo Edessa"/>
+        <a:font script="Sora" typeface="Nirmala UI"/>
+        <a:font script="Tale" typeface="Microsoft Tai Le"/>
+        <a:font script="Talu" typeface="Microsoft New Tai Lue"/>
+        <a:font script="Tfng" typeface="Ebrima"/>
+      </a:majorFont>
+      <a:minorFont>
+        <a:latin typeface="Aptos" panose="02110004020202020204"/>
+        <a:ea typeface=""/>
+        <a:cs typeface=""/>
+        <a:font script="Jpan" typeface="游ゴシック"/>
+        <a:font script="Hang" typeface="맑은 고딕"/>
+        <a:font script="Hans" typeface="等线"/>
+        <a:font script="Hant" typeface="新細明體"/>
+        <a:font script="Arab" typeface="Arial"/>
+        <a:font script="Hebr" typeface="Arial"/>
+        <a:font script="Thai" typeface="Cordia New"/>
+        <a:font script="Ethi" typeface="Nyala"/>
+        <a:font script="Beng" typeface="Vrinda"/>
+        <a:font script="Gujr" typeface="Shruti"/>
+        <a:font script="Khmr" typeface="DaunPenh"/>
+        <a:font script="Knda" typeface="Tunga"/>
+        <a:font script="Guru" typeface="Raavi"/>
+        <a:font script="Cans" typeface="Euphemia"/>
+        <a:font script="Cher" typeface="Plantagenet Cherokee"/>
+        <a:font script="Yiii" typeface="Microsoft Yi Baiti"/>
+        <a:font script="Tibt" typeface="Microsoft Himalaya"/>
+        <a:font script="Thaa" typeface="MV Boli"/>
+        <a:font script="Deva" typeface="Mangal"/>
+        <a:font script="Telu" typeface="Gautami"/>
+        <a:font script="Taml" typeface="Latha"/>
+        <a:font script="Syrc" typeface="Estrangelo Edessa"/>
+        <a:font script="Orya" typeface="Kalinga"/>
+        <a:font script="Mlym" typeface="Kartika"/>
+        <a:font script="Laoo" typeface="DokChampa"/>
+        <a:font script="Sinh" typeface="Iskoola Pota"/>
+        <a:font script="Mong" typeface="Mongolian Baiti"/>
+        <a:font script="Viet" typeface="Arial"/>
+        <a:font script="Uigh" typeface="Microsoft Uighur"/>
+        <a:font script="Geor" typeface="Sylfaen"/>
+        <a:font script="Armn" typeface="Arial"/>
+        <a:font script="Bugi" typeface="Leelawadee UI"/>
+        <a:font script="Bopo" typeface="Microsoft JhengHei"/>
+        <a:font script="Java" typeface="Javanese Text"/>
+        <a:font script="Lisu" typeface="Segoe UI"/>
+        <a:font script="Mymr" typeface="Myanmar Text"/>
+        <a:font script="Nkoo" typeface="Ebrima"/>
+        <a:font script="Olck" typeface="Nirmala UI"/>
+        <a:font script="Osma" typeface="Ebrima"/>
+        <a:font script="Phag" typeface="Phagspa"/>
+        <a:font script="Syrn" typeface="Estrangelo Edessa"/>
+        <a:font script="Syrj" typeface="Estrangelo Edessa"/>
+        <a:font script="Syre" typeface="Estrangelo Edessa"/>
+        <a:font script="Sora" typeface="Nirmala UI"/>
+        <a:font script="Tale" typeface="Microsoft Tai Le"/>
+        <a:font script="Talu" typeface="Microsoft New Tai Lue"/>
+        <a:font script="Tfng" typeface="Ebrima"/>
+      </a:minorFont>
+    </a:fontScheme>
+    <a:fmtScheme name="Office">
+      <a:fillStyleLst>
+        <a:solidFill>
+          <a:schemeClr val="phClr"/>
+        </a:solidFill>
+        <a:gradFill rotWithShape="1">
+          <a:gsLst>
+            <a:gs pos="0">
+              <a:schemeClr val="phClr">
+                <a:lumMod val="110000"/>
+                <a:satMod val="105000"/>
+                <a:tint val="67000"/>
+              </a:schemeClr>
+            </a:gs>
+            <a:gs pos="50000">
+              <a:schemeClr val="phClr">
+                <a:lumMod val="105000"/>
+                <a:satMod val="103000"/>
+                <a:tint val="73000"/>
+              </a:schemeClr>
+            </a:gs>
+            <a:gs pos="100000">
+              <a:schemeClr val="phClr">
+                <a:lumMod val="105000"/>
+                <a:satMod val="109000"/>
+                <a:tint val="81000"/>
+              </a:schemeClr>
+            </a:gs>
+          </a:gsLst>
+          <a:lin ang="5400000" scaled="0"/>
+        </a:gradFill>
+        <a:gradFill rotWithShape="1">
+          <a:gsLst>
+            <a:gs pos="0">
+              <a:schemeClr val="phClr">
+                <a:satMod val="103000"/>
+                <a:lumMod val="102000"/>
+                <a:tint val="94000"/>
+              </a:schemeClr>
+            </a:gs>
+            <a:gs pos="50000">
+              <a:schemeClr val="phClr">
+                <a:satMod val="110000"/>
+                <a:lumMod val="100000"/>
+                <a:shade val="100000"/>
+              </a:schemeClr>
+            </a:gs>
+            <a:gs pos="100000">
+              <a:schemeClr val="phClr">
+                <a:lumMod val="99000"/>
+                <a:satMod val="120000"/>
+                <a:shade val="78000"/>
+              </a:schemeClr>
+            </a:gs>
+          </a:gsLst>
+          <a:lin ang="5400000" scaled="0"/>
+        </a:gradFill>
+      </a:fillStyleLst>
+      <a:lnStyleLst>
+        <a:ln w="12700" cap="flat" cmpd="sng" algn="ctr">
+          <a:solidFill>
+            <a:schemeClr val="phClr"/>
+          </a:solidFill>
+          <a:prstDash val="solid"/>
+          <a:miter lim="800000"/>
+        </a:ln>
+        <a:ln w="19050" cap="flat" cmpd="sng" algn="ctr">
+          <a:solidFill>
+            <a:schemeClr val="phClr"/>
+          </a:solidFill>
+          <a:prstDash val="solid"/>
+          <a:miter lim="800000"/>
+        </a:ln>
+        <a:ln w="25400" cap="flat" cmpd="sng" algn="ctr">
+          <a:solidFill>
+            <a:schemeClr val="phClr"/>
+          </a:solidFill>
+          <a:prstDash val="solid"/>
+          <a:miter lim="800000"/>
+        </a:ln>
+      </a:lnStyleLst>
+      <a:effectStyleLst>
+        <a:effectStyle>
+          <a:effectLst/>
+        </a:effectStyle>
+        <a:effectStyle>
+          <a:effectLst/>
+        </a:effectStyle>
+        <a:effectStyle>
+          <a:effectLst>
+            <a:outerShdw blurRad="57150" dist="19050" dir="5400000" algn="ctr" rotWithShape="0">
+              <a:srgbClr val="000000">
+                <a:alpha val="63000"/>
+              </a:srgbClr>
+            </a:outerShdw>
+          </a:effectLst>
+        </a:effectStyle>
+      </a:effectStyleLst>
+      <a:bgFillStyleLst>
+        <a:solidFill>
+          <a:schemeClr val="phClr"/>
+        </a:solidFill>
+        <a:solidFill>
+          <a:schemeClr val="phClr">
+            <a:tint val="95000"/>
+            <a:satMod val="170000"/>
+          </a:schemeClr>
+        </a:solidFill>
+        <a:gradFill rotWithShape="1">
+          <a:gsLst>
+            <a:gs pos="0">
+              <a:schemeClr val="phClr">
+                <a:tint val="93000"/>
+                <a:satMod val="150000"/>
+                <a:shade val="98000"/>
+                <a:lumMod val="102000"/>
+              </a:schemeClr>
+            </a:gs>
+            <a:gs pos="50000">
+              <a:schemeClr val="phClr">
+                <a:tint val="98000"/>
+                <a:satMod val="130000"/>
+                <a:shade val="90000"/>
+                <a:lumMod val="103000"/>
+              </a:schemeClr>
+            </a:gs>
+            <a:gs pos="100000">
+              <a:schemeClr val="phClr">
+                <a:shade val="63000"/>
+                <a:satMod val="120000"/>
+              </a:schemeClr>
+            </a:gs>
+          </a:gsLst>
+          <a:lin ang="5400000" scaled="0"/>
+        </a:gradFill>
+      </a:bgFillStyleLst>
+    </a:fmtScheme>
+  </a:themeElements>
+  <a:objectDefaults>
+    <a:lnDef>
+      <a:spPr/>
+      <a:bodyPr/>
+      <a:lstStyle/>
+      <a:style>
+        <a:lnRef idx="2">
+          <a:schemeClr val="accent1"/>
+        </a:lnRef>
+        <a:fillRef idx="0">
+          <a:schemeClr val="accent1"/>
+        </a:fillRef>
+        <a:effectRef idx="1">
+          <a:schemeClr val="accent1"/>
+        </a:effectRef>
+        <a:fontRef idx="minor">
+          <a:schemeClr val="tx1"/>
+        </a:fontRef>
+      </a:style>
+    </a:lnDef>
+  </a:objectDefaults>
+  <a:extraClrSchemeLst/>
+  <a:extLst>
+    <a:ext uri="{05A4C25C-085E-4340-85A3-A5531E510DB2}">
+      <thm15:themeFamily xmlns:thm15="http://schemas.microsoft.com/office/thememl/2012/main" name="Office Theme" id="{2E142A2C-CD16-42D6-873A-C26D2A0506FA}" vid="{1BDDFF52-6CD6-40A5-AB3C-68EB2F1E4D0A}"/>
+    </a:ext>
+  </a:extLst>
+</a:theme>
 </file>
--- a/doc/Candida Comparison.pptx
+++ b/doc/Candida Comparison.pptx
@@ -148,7 +148,7 @@
   <pc:docChgLst>
     <pc:chgData name="Sabrina Saiphoo" userId="c384fbdc55ec1817" providerId="LiveId" clId="{C7219627-2762-4F40-B5D0-FB5BACC945B4}"/>
     <pc:docChg chg="undo redo custSel addSld delSld modSld sldOrd">
-      <pc:chgData name="Sabrina Saiphoo" userId="c384fbdc55ec1817" providerId="LiveId" clId="{C7219627-2762-4F40-B5D0-FB5BACC945B4}" dt="2025-12-05T23:25:59.022" v="9879" actId="20577"/>
+      <pc:chgData name="Sabrina Saiphoo" userId="c384fbdc55ec1817" providerId="LiveId" clId="{C7219627-2762-4F40-B5D0-FB5BACC945B4}" dt="2025-12-05T23:59:26.725" v="11173" actId="20577"/>
       <pc:docMkLst>
         <pc:docMk/>
       </pc:docMkLst>
@@ -568,7 +568,7 @@
         </pc:cxnChg>
       </pc:sldChg>
       <pc:sldChg chg="addSp delSp modSp new mod ord setBg">
-        <pc:chgData name="Sabrina Saiphoo" userId="c384fbdc55ec1817" providerId="LiveId" clId="{C7219627-2762-4F40-B5D0-FB5BACC945B4}" dt="2025-12-05T20:48:17.900" v="3191" actId="113"/>
+        <pc:chgData name="Sabrina Saiphoo" userId="c384fbdc55ec1817" providerId="LiveId" clId="{C7219627-2762-4F40-B5D0-FB5BACC945B4}" dt="2025-12-05T23:59:03.569" v="11167" actId="12"/>
         <pc:sldMkLst>
           <pc:docMk/>
           <pc:sldMk cId="3774420809" sldId="257"/>
@@ -582,7 +582,7 @@
           </ac:spMkLst>
         </pc:spChg>
         <pc:spChg chg="add del mod">
-          <ac:chgData name="Sabrina Saiphoo" userId="c384fbdc55ec1817" providerId="LiveId" clId="{C7219627-2762-4F40-B5D0-FB5BACC945B4}" dt="2025-12-05T20:48:17.900" v="3191" actId="113"/>
+          <ac:chgData name="Sabrina Saiphoo" userId="c384fbdc55ec1817" providerId="LiveId" clId="{C7219627-2762-4F40-B5D0-FB5BACC945B4}" dt="2025-12-05T23:59:03.569" v="11167" actId="12"/>
           <ac:spMkLst>
             <pc:docMk/>
             <pc:sldMk cId="3774420809" sldId="257"/>
@@ -671,7 +671,7 @@
         </pc:spChg>
       </pc:sldChg>
       <pc:sldChg chg="addSp delSp modSp new mod setBg">
-        <pc:chgData name="Sabrina Saiphoo" userId="c384fbdc55ec1817" providerId="LiveId" clId="{C7219627-2762-4F40-B5D0-FB5BACC945B4}" dt="2025-12-05T22:04:15.207" v="6176" actId="255"/>
+        <pc:chgData name="Sabrina Saiphoo" userId="c384fbdc55ec1817" providerId="LiveId" clId="{C7219627-2762-4F40-B5D0-FB5BACC945B4}" dt="2025-12-05T23:32:00.783" v="9938" actId="20577"/>
         <pc:sldMkLst>
           <pc:docMk/>
           <pc:sldMk cId="1562785195" sldId="258"/>
@@ -781,7 +781,7 @@
           </ac:spMkLst>
         </pc:spChg>
         <pc:graphicFrameChg chg="mod modGraphic">
-          <ac:chgData name="Sabrina Saiphoo" userId="c384fbdc55ec1817" providerId="LiveId" clId="{C7219627-2762-4F40-B5D0-FB5BACC945B4}" dt="2025-12-05T22:04:15.207" v="6176" actId="255"/>
+          <ac:chgData name="Sabrina Saiphoo" userId="c384fbdc55ec1817" providerId="LiveId" clId="{C7219627-2762-4F40-B5D0-FB5BACC945B4}" dt="2025-12-05T23:32:00.783" v="9938" actId="20577"/>
           <ac:graphicFrameMkLst>
             <pc:docMk/>
             <pc:sldMk cId="1562785195" sldId="258"/>
@@ -1723,7 +1723,7 @@
         </pc:spChg>
       </pc:sldChg>
       <pc:sldChg chg="addSp modSp add mod setBg">
-        <pc:chgData name="Sabrina Saiphoo" userId="c384fbdc55ec1817" providerId="LiveId" clId="{C7219627-2762-4F40-B5D0-FB5BACC945B4}" dt="2025-12-05T22:58:37.183" v="8136" actId="20577"/>
+        <pc:chgData name="Sabrina Saiphoo" userId="c384fbdc55ec1817" providerId="LiveId" clId="{C7219627-2762-4F40-B5D0-FB5BACC945B4}" dt="2025-12-05T23:59:15.184" v="11169" actId="20577"/>
         <pc:sldMkLst>
           <pc:docMk/>
           <pc:sldMk cId="3009727759" sldId="270"/>
@@ -1737,7 +1737,7 @@
           </ac:spMkLst>
         </pc:spChg>
         <pc:spChg chg="mod">
-          <ac:chgData name="Sabrina Saiphoo" userId="c384fbdc55ec1817" providerId="LiveId" clId="{C7219627-2762-4F40-B5D0-FB5BACC945B4}" dt="2025-12-05T22:58:37.183" v="8136" actId="20577"/>
+          <ac:chgData name="Sabrina Saiphoo" userId="c384fbdc55ec1817" providerId="LiveId" clId="{C7219627-2762-4F40-B5D0-FB5BACC945B4}" dt="2025-12-05T23:59:15.184" v="11169" actId="20577"/>
           <ac:spMkLst>
             <pc:docMk/>
             <pc:sldMk cId="3009727759" sldId="270"/>
@@ -1793,7 +1793,7 @@
         </pc:spChg>
       </pc:sldChg>
       <pc:sldChg chg="addSp modSp add mod setBg">
-        <pc:chgData name="Sabrina Saiphoo" userId="c384fbdc55ec1817" providerId="LiveId" clId="{C7219627-2762-4F40-B5D0-FB5BACC945B4}" dt="2025-12-05T22:59:37.618" v="8243" actId="20577"/>
+        <pc:chgData name="Sabrina Saiphoo" userId="c384fbdc55ec1817" providerId="LiveId" clId="{C7219627-2762-4F40-B5D0-FB5BACC945B4}" dt="2025-12-05T23:59:20.086" v="11171" actId="20577"/>
         <pc:sldMkLst>
           <pc:docMk/>
           <pc:sldMk cId="3855461042" sldId="272"/>
@@ -1807,7 +1807,7 @@
           </ac:spMkLst>
         </pc:spChg>
         <pc:spChg chg="mod">
-          <ac:chgData name="Sabrina Saiphoo" userId="c384fbdc55ec1817" providerId="LiveId" clId="{C7219627-2762-4F40-B5D0-FB5BACC945B4}" dt="2025-12-05T22:59:37.618" v="8243" actId="20577"/>
+          <ac:chgData name="Sabrina Saiphoo" userId="c384fbdc55ec1817" providerId="LiveId" clId="{C7219627-2762-4F40-B5D0-FB5BACC945B4}" dt="2025-12-05T23:59:20.086" v="11171" actId="20577"/>
           <ac:spMkLst>
             <pc:docMk/>
             <pc:sldMk cId="3855461042" sldId="272"/>
@@ -1863,7 +1863,7 @@
         </pc:spChg>
       </pc:sldChg>
       <pc:sldChg chg="addSp modSp add mod setBg">
-        <pc:chgData name="Sabrina Saiphoo" userId="c384fbdc55ec1817" providerId="LiveId" clId="{C7219627-2762-4F40-B5D0-FB5BACC945B4}" dt="2025-12-05T22:41:36.123" v="7849" actId="20577"/>
+        <pc:chgData name="Sabrina Saiphoo" userId="c384fbdc55ec1817" providerId="LiveId" clId="{C7219627-2762-4F40-B5D0-FB5BACC945B4}" dt="2025-12-05T23:59:26.725" v="11173" actId="20577"/>
         <pc:sldMkLst>
           <pc:docMk/>
           <pc:sldMk cId="688248080" sldId="274"/>
@@ -1877,7 +1877,7 @@
           </ac:spMkLst>
         </pc:spChg>
         <pc:spChg chg="mod">
-          <ac:chgData name="Sabrina Saiphoo" userId="c384fbdc55ec1817" providerId="LiveId" clId="{C7219627-2762-4F40-B5D0-FB5BACC945B4}" dt="2025-12-05T22:41:36.123" v="7849" actId="20577"/>
+          <ac:chgData name="Sabrina Saiphoo" userId="c384fbdc55ec1817" providerId="LiveId" clId="{C7219627-2762-4F40-B5D0-FB5BACC945B4}" dt="2025-12-05T23:59:26.725" v="11173" actId="20577"/>
           <ac:spMkLst>
             <pc:docMk/>
             <pc:sldMk cId="688248080" sldId="274"/>
@@ -2091,7 +2091,7 @@
         </pc:spChg>
       </pc:sldChg>
       <pc:sldChg chg="addSp delSp modSp new mod setBg">
-        <pc:chgData name="Sabrina Saiphoo" userId="c384fbdc55ec1817" providerId="LiveId" clId="{C7219627-2762-4F40-B5D0-FB5BACC945B4}" dt="2025-12-05T22:54:12.577" v="7986" actId="27636"/>
+        <pc:chgData name="Sabrina Saiphoo" userId="c384fbdc55ec1817" providerId="LiveId" clId="{C7219627-2762-4F40-B5D0-FB5BACC945B4}" dt="2025-12-05T23:57:32.022" v="11124" actId="6549"/>
         <pc:sldMkLst>
           <pc:docMk/>
           <pc:sldMk cId="1610408392" sldId="278"/>
@@ -2105,7 +2105,7 @@
           </ac:spMkLst>
         </pc:spChg>
         <pc:spChg chg="mod">
-          <ac:chgData name="Sabrina Saiphoo" userId="c384fbdc55ec1817" providerId="LiveId" clId="{C7219627-2762-4F40-B5D0-FB5BACC945B4}" dt="2025-12-05T22:54:12.577" v="7986" actId="27636"/>
+          <ac:chgData name="Sabrina Saiphoo" userId="c384fbdc55ec1817" providerId="LiveId" clId="{C7219627-2762-4F40-B5D0-FB5BACC945B4}" dt="2025-12-05T23:57:32.022" v="11124" actId="6549"/>
           <ac:spMkLst>
             <pc:docMk/>
             <pc:sldMk cId="1610408392" sldId="278"/>
@@ -2178,7 +2178,7 @@
         </pc:spChg>
       </pc:sldChg>
       <pc:sldChg chg="addSp modSp new mod setBg">
-        <pc:chgData name="Sabrina Saiphoo" userId="c384fbdc55ec1817" providerId="LiveId" clId="{C7219627-2762-4F40-B5D0-FB5BACC945B4}" dt="2025-12-05T23:09:37.684" v="9571" actId="14100"/>
+        <pc:chgData name="Sabrina Saiphoo" userId="c384fbdc55ec1817" providerId="LiveId" clId="{C7219627-2762-4F40-B5D0-FB5BACC945B4}" dt="2025-12-05T23:58:26.921" v="11166" actId="20577"/>
         <pc:sldMkLst>
           <pc:docMk/>
           <pc:sldMk cId="2055492507" sldId="279"/>
@@ -2192,7 +2192,7 @@
           </ac:spMkLst>
         </pc:spChg>
         <pc:spChg chg="mod">
-          <ac:chgData name="Sabrina Saiphoo" userId="c384fbdc55ec1817" providerId="LiveId" clId="{C7219627-2762-4F40-B5D0-FB5BACC945B4}" dt="2025-12-05T23:09:37.684" v="9571" actId="14100"/>
+          <ac:chgData name="Sabrina Saiphoo" userId="c384fbdc55ec1817" providerId="LiveId" clId="{C7219627-2762-4F40-B5D0-FB5BACC945B4}" dt="2025-12-05T23:58:26.921" v="11166" actId="20577"/>
           <ac:spMkLst>
             <pc:docMk/>
             <pc:sldMk cId="2055492507" sldId="279"/>
@@ -3475,7 +3475,7 @@
           </a:pPr>
           <a:r>
             <a:rPr lang="en-US" sz="1500" dirty="0"/>
-            <a:t>Measured sequence similarity using both alignment-based distances and simple sequence features.</a:t>
+            <a:t>Measured distance matrices using both alignment-based distances and simple sequence features.</a:t>
           </a:r>
         </a:p>
       </dgm:t>
@@ -3567,7 +3567,7 @@
           </a:pPr>
           <a:r>
             <a:rPr lang="en-US" sz="1600" dirty="0"/>
-            <a:t>Used silhouette and Dunn indices to quantitatively compare clustering performance between ITS and ERG11.</a:t>
+            <a:t>Used silhouette indices to quantitatively compare clustering performance between ITS and ERG11.</a:t>
           </a:r>
         </a:p>
       </dgm:t>
@@ -4373,7 +4373,7 @@
           </a:pPr>
           <a:r>
             <a:rPr lang="en-US" sz="1500" kern="1200" dirty="0"/>
-            <a:t>Measured sequence similarity using both alignment-based distances and simple sequence features.</a:t>
+            <a:t>Measured distance matrices using both alignment-based distances and simple sequence features.</a:t>
           </a:r>
         </a:p>
       </dsp:txBody>
@@ -4675,7 +4675,7 @@
           </a:pPr>
           <a:r>
             <a:rPr lang="en-US" sz="1600" kern="1200" dirty="0"/>
-            <a:t>Used silhouette and Dunn indices to quantitatively compare clustering performance between ITS and ERG11.</a:t>
+            <a:t>Used silhouette indices to quantitatively compare clustering performance between ITS and ERG11.</a:t>
           </a:r>
         </a:p>
       </dsp:txBody>
@@ -10916,7 +10916,7 @@
         </p:spPr>
         <p:txBody>
           <a:bodyPr anchor="ctr">
-            <a:normAutofit fontScale="92500" lnSpcReduction="10000"/>
+            <a:normAutofit fontScale="85000" lnSpcReduction="20000"/>
           </a:bodyPr>
           <a:lstStyle/>
           <a:p>
@@ -10954,7 +10954,7 @@
               <a:rPr lang="en-CA" sz="1900" dirty="0">
                 <a:sym typeface="Wingdings" panose="05000000000000000000" pitchFamily="2" charset="2"/>
               </a:rPr>
-              <a:t>The high resistance strains were isolated, low resistance had overlap.</a:t>
+              <a:t>The high resistance concern strains were isolated, low resistance had overlap.</a:t>
             </a:r>
           </a:p>
           <a:p>
@@ -11011,7 +11011,7 @@
             </a:pPr>
             <a:r>
               <a:rPr lang="en-CA" sz="1900" b="1" dirty="0"/>
-              <a:t>Answer to the question</a:t>
+              <a:t>Answer to the question 1</a:t>
             </a:r>
             <a:r>
               <a:rPr lang="en-CA" sz="1900" dirty="0"/>
@@ -11032,7 +11032,16 @@
             </a:r>
             <a:r>
               <a:rPr lang="en-US" sz="2000" dirty="0"/>
-              <a:t> species do show distinct clustering patterns individually, but the strength of separation differs by gene, with ERG11 providing clearer separation than ITS.</a:t>
+              <a:t> species do show distinct clustering patterns. ITS shows high resistance concern strains to the right half of the plot, MDS1 &gt; 0, and therefore low resistance concern strains on the left MSD1 &lt; 0. </a:t>
+            </a:r>
+          </a:p>
+          <a:p>
+            <a:pPr marL="0" indent="0">
+              <a:buNone/>
+            </a:pPr>
+            <a:r>
+              <a:rPr lang="en-US" sz="2000" dirty="0"/>
+              <a:t>ERG11 showed the high resistance concern strains in the top right, above the descending diagonal, so not as good at clustering resistance. But the strength of separation differs by gene, with ERG11 providing clearer separation than ITS.</a:t>
             </a:r>
             <a:endParaRPr lang="en-CA" sz="1900" dirty="0"/>
           </a:p>
@@ -12296,7 +12305,7 @@
         </p:spPr>
         <p:txBody>
           <a:bodyPr anchor="ctr">
-            <a:normAutofit fontScale="92500" lnSpcReduction="10000"/>
+            <a:normAutofit fontScale="85000" lnSpcReduction="10000"/>
           </a:bodyPr>
           <a:lstStyle/>
           <a:p>
@@ -12395,7 +12404,7 @@
             </a:pPr>
             <a:r>
               <a:rPr lang="en-US" sz="2000" b="1" dirty="0"/>
-              <a:t>Answer to the original question:</a:t>
+              <a:t>Answer to the original question 1:</a:t>
             </a:r>
           </a:p>
           <a:p>
@@ -12404,7 +12413,16 @@
             </a:pPr>
             <a:r>
               <a:rPr lang="en-US" sz="2000" dirty="0"/>
-              <a:t>Candida species show clearer separation in ERG11 PCA than ITS PCA, indicating that feature-based clustering strongly depends on gene choice. The high or low resistance concern species are isolated not clustering with each other.</a:t>
+              <a:t>Candida species show clearer separation in ERG11 PCA than ITS PCA, indicating that feature-based clustering strongly depends on gene choice. </a:t>
+            </a:r>
+          </a:p>
+          <a:p>
+            <a:pPr marL="0" indent="0">
+              <a:buNone/>
+            </a:pPr>
+            <a:r>
+              <a:rPr lang="en-US" sz="2000" dirty="0"/>
+              <a:t>The high or low resistance concern species are isolated not clustering with each other in the ITS graph. ERG11, shows that a PC1 &gt; 0 has the high resistance concern strains and PC1 &lt; 0 has the low resistance concern strains.</a:t>
             </a:r>
           </a:p>
         </p:txBody>
@@ -13761,7 +13779,7 @@
             </a:pPr>
             <a:r>
               <a:rPr lang="en-US" sz="2000" b="1" dirty="0"/>
-              <a:t>Answer to the original question:</a:t>
+              <a:t>Answer to the original question 2:</a:t>
             </a:r>
           </a:p>
           <a:p>
@@ -14249,11 +14267,11 @@
             </a:pPr>
             <a:r>
               <a:rPr lang="en-US" sz="2000" dirty="0"/>
-              <a:t>So overall, while the ERG11 results were interesting, they </a:t>
+              <a:t>So overall, while the ERG11 results were interesting, but future work should attempt to confirm this by </a:t>
             </a:r>
             <a:r>
               <a:rPr lang="en-US" sz="2000" b="1" dirty="0"/>
-              <a:t>can’t really be confirmed without analyzing a much larger ERG11 dataset </a:t>
+              <a:t>analyzing a much larger ERG11 dataset </a:t>
             </a:r>
             <a:r>
               <a:rPr lang="en-US" sz="2000" dirty="0"/>
@@ -14686,19 +14704,19 @@
             </a:pPr>
             <a:r>
               <a:rPr lang="en-US" sz="2400" b="1" dirty="0"/>
-              <a:t>Next Steps</a:t>
+              <a:t>Conclusion</a:t>
             </a:r>
           </a:p>
           <a:p>
             <a:r>
               <a:rPr lang="en-US" sz="2400" dirty="0"/>
-              <a:t>Both NMDS and PCA showed that the high-resistance species clustered well individually, but they did not form a single “high-resistance group”.</a:t>
+              <a:t>For NMDS, the ITS showed high resistance concerned strains MSD1 &gt; 0, and low resistance concern strains MSD1 &lt; 0, but ERG11 had a better species separation overall.</a:t>
             </a:r>
           </a:p>
           <a:p>
             <a:r>
               <a:rPr lang="en-US" sz="2400" dirty="0"/>
-              <a:t>The low-resistance species showed more overlap, so the original resistance-concern question wasn’t fully answered.</a:t>
+              <a:t>The PCA plots had a similar results but with high resistance concern strains having a PC1 &gt; 0 for ERG11 and the low resistance having PC1 &lt; 0. The ERG11 showed better species separation overall and by resistance concern. </a:t>
             </a:r>
           </a:p>
           <a:p>
@@ -14725,7 +14743,7 @@
           <a:p>
             <a:r>
               <a:rPr lang="en-US" sz="2400" dirty="0"/>
-              <a:t>The fact that each high-resistance species clustered cleanly on its own is still a valuable signal and worth exploring further. </a:t>
+              <a:t>The fact that each high-resistance species clustered cleanly is a valuable signal and worth exploring further. </a:t>
             </a:r>
           </a:p>
           <a:p>
@@ -18125,12 +18143,20 @@
             </a:r>
           </a:p>
           <a:p>
+            <a:pPr marL="457200" indent="-457200">
+              <a:buFont typeface="+mj-lt"/>
+              <a:buAutoNum type="arabicPeriod"/>
+            </a:pPr>
             <a:r>
               <a:rPr lang="en-US" sz="2000" dirty="0"/>
               <a:t>Are there differences between high resistance concern species vs lower resistance concern species?</a:t>
             </a:r>
           </a:p>
           <a:p>
+            <a:pPr marL="457200" indent="-457200">
+              <a:buFont typeface="+mj-lt"/>
+              <a:buAutoNum type="arabicPeriod"/>
+            </a:pPr>
             <a:r>
               <a:rPr lang="en-US" sz="2000" dirty="0"/>
               <a:t>Does ITS vs ERG11 give different clustering patterns? </a:t>
@@ -18993,13 +19019,8 @@
           <a:p>
             <a:r>
               <a:rPr lang="en-CA" sz="4000" dirty="0"/>
-              <a:t>Key Variables &amp; NCBI </a:t>
-            </a:r>
-            <a:r>
-              <a:rPr lang="en-CA" sz="4000"/>
-              <a:t>Search Terms</a:t>
-            </a:r>
-            <a:endParaRPr lang="en-CA" sz="4000" dirty="0"/>
+              <a:t>Key Variables &amp; NCBI Search Terms</a:t>
+            </a:r>
           </a:p>
         </p:txBody>
       </p:sp>
@@ -19877,7 +19898,7 @@
             <p:ph idx="1"/>
             <p:extLst>
               <p:ext uri="{D42A27DB-BD31-4B8C-83A1-F6EECF244321}">
-                <p14:modId xmlns:p14="http://schemas.microsoft.com/office/powerpoint/2010/main" val="3253209812"/>
+                <p14:modId xmlns:p14="http://schemas.microsoft.com/office/powerpoint/2010/main" val="2981117772"/>
               </p:ext>
             </p:extLst>
           </p:nvPr>

--- a/doc/Candida Comparison.pptx
+++ b/doc/Candida Comparison.pptx
@@ -138,7 +138,7 @@
 <file path=ppt/revisionInfo.xml><?xml version="1.0" encoding="utf-8"?>
 <p1510:revInfo xmlns:a="http://schemas.openxmlformats.org/drawingml/2006/main" xmlns:r="http://schemas.openxmlformats.org/officeDocument/2006/relationships" xmlns:p1510="http://schemas.microsoft.com/office/powerpoint/2015/10/main">
   <p1510:revLst>
-    <p1510:client id="{0291CB95-2AE6-47A1-BF8B-781C6B23D02D}" v="180" dt="2025-12-05T23:23:51.013"/>
+    <p1510:client id="{0291CB95-2AE6-47A1-BF8B-781C6B23D02D}" v="181" dt="2025-12-06T01:45:37.652"/>
   </p1510:revLst>
 </p1510:revInfo>
 </file>
@@ -148,7 +148,7 @@
   <pc:docChgLst>
     <pc:chgData name="Sabrina Saiphoo" userId="c384fbdc55ec1817" providerId="LiveId" clId="{C7219627-2762-4F40-B5D0-FB5BACC945B4}"/>
     <pc:docChg chg="undo redo custSel addSld delSld modSld sldOrd">
-      <pc:chgData name="Sabrina Saiphoo" userId="c384fbdc55ec1817" providerId="LiveId" clId="{C7219627-2762-4F40-B5D0-FB5BACC945B4}" dt="2025-12-05T23:59:26.725" v="11173" actId="20577"/>
+      <pc:chgData name="Sabrina Saiphoo" userId="c384fbdc55ec1817" providerId="LiveId" clId="{C7219627-2762-4F40-B5D0-FB5BACC945B4}" dt="2025-12-06T02:01:30.916" v="11600" actId="20577"/>
       <pc:docMkLst>
         <pc:docMk/>
       </pc:docMkLst>
@@ -1327,13 +1327,13 @@
         </pc:picChg>
       </pc:sldChg>
       <pc:sldChg chg="addSp delSp modSp new mod setBg">
-        <pc:chgData name="Sabrina Saiphoo" userId="c384fbdc55ec1817" providerId="LiveId" clId="{C7219627-2762-4F40-B5D0-FB5BACC945B4}" dt="2025-12-05T20:29:34.815" v="2078" actId="20577"/>
+        <pc:chgData name="Sabrina Saiphoo" userId="c384fbdc55ec1817" providerId="LiveId" clId="{C7219627-2762-4F40-B5D0-FB5BACC945B4}" dt="2025-12-06T01:28:57.794" v="11269" actId="20577"/>
         <pc:sldMkLst>
           <pc:docMk/>
           <pc:sldMk cId="3822432095" sldId="266"/>
         </pc:sldMkLst>
         <pc:spChg chg="mod">
-          <ac:chgData name="Sabrina Saiphoo" userId="c384fbdc55ec1817" providerId="LiveId" clId="{C7219627-2762-4F40-B5D0-FB5BACC945B4}" dt="2025-12-05T19:49:07.996" v="1023" actId="26606"/>
+          <ac:chgData name="Sabrina Saiphoo" userId="c384fbdc55ec1817" providerId="LiveId" clId="{C7219627-2762-4F40-B5D0-FB5BACC945B4}" dt="2025-12-06T01:28:18.131" v="11205" actId="20577"/>
           <ac:spMkLst>
             <pc:docMk/>
             <pc:sldMk cId="3822432095" sldId="266"/>
@@ -1341,7 +1341,7 @@
           </ac:spMkLst>
         </pc:spChg>
         <pc:spChg chg="add del mod">
-          <ac:chgData name="Sabrina Saiphoo" userId="c384fbdc55ec1817" providerId="LiveId" clId="{C7219627-2762-4F40-B5D0-FB5BACC945B4}" dt="2025-12-05T20:29:34.815" v="2078" actId="20577"/>
+          <ac:chgData name="Sabrina Saiphoo" userId="c384fbdc55ec1817" providerId="LiveId" clId="{C7219627-2762-4F40-B5D0-FB5BACC945B4}" dt="2025-12-06T01:28:57.794" v="11269" actId="20577"/>
           <ac:spMkLst>
             <pc:docMk/>
             <pc:sldMk cId="3822432095" sldId="266"/>
@@ -1605,7 +1605,7 @@
         </pc:spChg>
       </pc:sldChg>
       <pc:sldChg chg="addSp modSp new mod setBg">
-        <pc:chgData name="Sabrina Saiphoo" userId="c384fbdc55ec1817" providerId="LiveId" clId="{C7219627-2762-4F40-B5D0-FB5BACC945B4}" dt="2025-12-05T23:25:26.668" v="9775" actId="20577"/>
+        <pc:chgData name="Sabrina Saiphoo" userId="c384fbdc55ec1817" providerId="LiveId" clId="{C7219627-2762-4F40-B5D0-FB5BACC945B4}" dt="2025-12-06T01:31:18.946" v="11368" actId="20577"/>
         <pc:sldMkLst>
           <pc:docMk/>
           <pc:sldMk cId="4201228382" sldId="268"/>
@@ -1619,7 +1619,7 @@
           </ac:spMkLst>
         </pc:spChg>
         <pc:spChg chg="mod">
-          <ac:chgData name="Sabrina Saiphoo" userId="c384fbdc55ec1817" providerId="LiveId" clId="{C7219627-2762-4F40-B5D0-FB5BACC945B4}" dt="2025-12-05T22:02:33.161" v="6158" actId="403"/>
+          <ac:chgData name="Sabrina Saiphoo" userId="c384fbdc55ec1817" providerId="LiveId" clId="{C7219627-2762-4F40-B5D0-FB5BACC945B4}" dt="2025-12-06T01:31:18.946" v="11368" actId="20577"/>
           <ac:spMkLst>
             <pc:docMk/>
             <pc:sldMk cId="4201228382" sldId="268"/>
@@ -1723,7 +1723,7 @@
         </pc:spChg>
       </pc:sldChg>
       <pc:sldChg chg="addSp modSp add mod setBg">
-        <pc:chgData name="Sabrina Saiphoo" userId="c384fbdc55ec1817" providerId="LiveId" clId="{C7219627-2762-4F40-B5D0-FB5BACC945B4}" dt="2025-12-05T23:59:15.184" v="11169" actId="20577"/>
+        <pc:chgData name="Sabrina Saiphoo" userId="c384fbdc55ec1817" providerId="LiveId" clId="{C7219627-2762-4F40-B5D0-FB5BACC945B4}" dt="2025-12-06T01:50:16.014" v="11492" actId="6549"/>
         <pc:sldMkLst>
           <pc:docMk/>
           <pc:sldMk cId="3009727759" sldId="270"/>
@@ -1737,7 +1737,7 @@
           </ac:spMkLst>
         </pc:spChg>
         <pc:spChg chg="mod">
-          <ac:chgData name="Sabrina Saiphoo" userId="c384fbdc55ec1817" providerId="LiveId" clId="{C7219627-2762-4F40-B5D0-FB5BACC945B4}" dt="2025-12-05T23:59:15.184" v="11169" actId="20577"/>
+          <ac:chgData name="Sabrina Saiphoo" userId="c384fbdc55ec1817" providerId="LiveId" clId="{C7219627-2762-4F40-B5D0-FB5BACC945B4}" dt="2025-12-06T01:50:16.014" v="11492" actId="6549"/>
           <ac:spMkLst>
             <pc:docMk/>
             <pc:sldMk cId="3009727759" sldId="270"/>
@@ -2091,7 +2091,7 @@
         </pc:spChg>
       </pc:sldChg>
       <pc:sldChg chg="addSp delSp modSp new mod setBg">
-        <pc:chgData name="Sabrina Saiphoo" userId="c384fbdc55ec1817" providerId="LiveId" clId="{C7219627-2762-4F40-B5D0-FB5BACC945B4}" dt="2025-12-05T23:57:32.022" v="11124" actId="6549"/>
+        <pc:chgData name="Sabrina Saiphoo" userId="c384fbdc55ec1817" providerId="LiveId" clId="{C7219627-2762-4F40-B5D0-FB5BACC945B4}" dt="2025-12-06T02:00:48.373" v="11560" actId="20577"/>
         <pc:sldMkLst>
           <pc:docMk/>
           <pc:sldMk cId="1610408392" sldId="278"/>
@@ -2105,7 +2105,7 @@
           </ac:spMkLst>
         </pc:spChg>
         <pc:spChg chg="mod">
-          <ac:chgData name="Sabrina Saiphoo" userId="c384fbdc55ec1817" providerId="LiveId" clId="{C7219627-2762-4F40-B5D0-FB5BACC945B4}" dt="2025-12-05T23:57:32.022" v="11124" actId="6549"/>
+          <ac:chgData name="Sabrina Saiphoo" userId="c384fbdc55ec1817" providerId="LiveId" clId="{C7219627-2762-4F40-B5D0-FB5BACC945B4}" dt="2025-12-06T02:00:48.373" v="11560" actId="20577"/>
           <ac:spMkLst>
             <pc:docMk/>
             <pc:sldMk cId="1610408392" sldId="278"/>
@@ -2178,7 +2178,7 @@
         </pc:spChg>
       </pc:sldChg>
       <pc:sldChg chg="addSp modSp new mod setBg">
-        <pc:chgData name="Sabrina Saiphoo" userId="c384fbdc55ec1817" providerId="LiveId" clId="{C7219627-2762-4F40-B5D0-FB5BACC945B4}" dt="2025-12-05T23:58:26.921" v="11166" actId="20577"/>
+        <pc:chgData name="Sabrina Saiphoo" userId="c384fbdc55ec1817" providerId="LiveId" clId="{C7219627-2762-4F40-B5D0-FB5BACC945B4}" dt="2025-12-06T02:01:30.916" v="11600" actId="20577"/>
         <pc:sldMkLst>
           <pc:docMk/>
           <pc:sldMk cId="2055492507" sldId="279"/>
@@ -2192,7 +2192,7 @@
           </ac:spMkLst>
         </pc:spChg>
         <pc:spChg chg="mod">
-          <ac:chgData name="Sabrina Saiphoo" userId="c384fbdc55ec1817" providerId="LiveId" clId="{C7219627-2762-4F40-B5D0-FB5BACC945B4}" dt="2025-12-05T23:58:26.921" v="11166" actId="20577"/>
+          <ac:chgData name="Sabrina Saiphoo" userId="c384fbdc55ec1817" providerId="LiveId" clId="{C7219627-2762-4F40-B5D0-FB5BACC945B4}" dt="2025-12-06T02:01:30.916" v="11600" actId="20577"/>
           <ac:spMkLst>
             <pc:docMk/>
             <pc:sldMk cId="2055492507" sldId="279"/>
@@ -2241,13 +2241,13 @@
         </pc:spChg>
       </pc:sldChg>
       <pc:sldChg chg="modSp add mod">
-        <pc:chgData name="Sabrina Saiphoo" userId="c384fbdc55ec1817" providerId="LiveId" clId="{C7219627-2762-4F40-B5D0-FB5BACC945B4}" dt="2025-12-05T20:45:42.148" v="2915"/>
+        <pc:chgData name="Sabrina Saiphoo" userId="c384fbdc55ec1817" providerId="LiveId" clId="{C7219627-2762-4F40-B5D0-FB5BACC945B4}" dt="2025-12-06T01:29:55.194" v="11277" actId="20577"/>
         <pc:sldMkLst>
           <pc:docMk/>
           <pc:sldMk cId="366308488" sldId="280"/>
         </pc:sldMkLst>
         <pc:spChg chg="mod">
-          <ac:chgData name="Sabrina Saiphoo" userId="c384fbdc55ec1817" providerId="LiveId" clId="{C7219627-2762-4F40-B5D0-FB5BACC945B4}" dt="2025-12-05T20:27:47.042" v="2047"/>
+          <ac:chgData name="Sabrina Saiphoo" userId="c384fbdc55ec1817" providerId="LiveId" clId="{C7219627-2762-4F40-B5D0-FB5BACC945B4}" dt="2025-12-06T01:29:09.153" v="11270" actId="20577"/>
           <ac:spMkLst>
             <pc:docMk/>
             <pc:sldMk cId="366308488" sldId="280"/>
@@ -2255,7 +2255,7 @@
           </ac:spMkLst>
         </pc:spChg>
         <pc:spChg chg="mod">
-          <ac:chgData name="Sabrina Saiphoo" userId="c384fbdc55ec1817" providerId="LiveId" clId="{C7219627-2762-4F40-B5D0-FB5BACC945B4}" dt="2025-12-05T20:45:42.148" v="2915"/>
+          <ac:chgData name="Sabrina Saiphoo" userId="c384fbdc55ec1817" providerId="LiveId" clId="{C7219627-2762-4F40-B5D0-FB5BACC945B4}" dt="2025-12-06T01:29:55.194" v="11277" actId="20577"/>
           <ac:spMkLst>
             <pc:docMk/>
             <pc:sldMk cId="366308488" sldId="280"/>
@@ -10910,13 +10910,13 @@
         </p:nvSpPr>
         <p:spPr>
           <a:xfrm>
-            <a:off x="5434149" y="932688"/>
-            <a:ext cx="5916603" cy="4992624"/>
+            <a:off x="5434149" y="840088"/>
+            <a:ext cx="5916603" cy="5363940"/>
           </a:xfrm>
         </p:spPr>
         <p:txBody>
           <a:bodyPr anchor="ctr">
-            <a:normAutofit fontScale="85000" lnSpcReduction="20000"/>
+            <a:normAutofit fontScale="92500" lnSpcReduction="20000"/>
           </a:bodyPr>
           <a:lstStyle/>
           <a:p>
@@ -10924,13 +10924,13 @@
               <a:buNone/>
             </a:pPr>
             <a:r>
-              <a:rPr lang="en-CA" sz="1900" b="1" dirty="0"/>
+              <a:rPr lang="en-CA" sz="1800" b="1" dirty="0"/>
               <a:t>Non-metric Multidimensional Scaling (NMDS):</a:t>
             </a:r>
           </a:p>
           <a:p>
             <a:r>
-              <a:rPr lang="en-CA" sz="1900" b="1" dirty="0">
+              <a:rPr lang="en-CA" sz="1800" b="1" dirty="0">
                 <a:solidFill>
                   <a:schemeClr val="accent3"/>
                 </a:solidFill>
@@ -10938,11 +10938,11 @@
               <a:t>ITS</a:t>
             </a:r>
             <a:r>
-              <a:rPr lang="en-CA" sz="1900" dirty="0"/>
+              <a:rPr lang="en-CA" sz="1800" dirty="0"/>
               <a:t> </a:t>
             </a:r>
             <a:r>
-              <a:rPr lang="en-CA" sz="1900" dirty="0">
+              <a:rPr lang="en-CA" sz="1800" dirty="0">
                 <a:sym typeface="Wingdings" panose="05000000000000000000" pitchFamily="2" charset="2"/>
               </a:rPr>
               <a:t> Most species from their own regions except Candida tropicalis and Candida albicans, these ones overlap. (Figure 1)</a:t>
@@ -10951,7 +10951,7 @@
           <a:p>
             <a:pPr lvl="1"/>
             <a:r>
-              <a:rPr lang="en-CA" sz="1900" dirty="0">
+              <a:rPr lang="en-CA" sz="1800" dirty="0">
                 <a:sym typeface="Wingdings" panose="05000000000000000000" pitchFamily="2" charset="2"/>
               </a:rPr>
               <a:t>The high resistance concern strains were isolated, low resistance had overlap.</a:t>
@@ -10959,7 +10959,7 @@
           </a:p>
           <a:p>
             <a:r>
-              <a:rPr lang="en-CA" sz="1900" b="1" dirty="0">
+              <a:rPr lang="en-CA" sz="1800" b="1" dirty="0">
                 <a:solidFill>
                   <a:schemeClr val="accent5"/>
                 </a:solidFill>
@@ -10968,7 +10968,7 @@
               <a:t>ERG11</a:t>
             </a:r>
             <a:r>
-              <a:rPr lang="en-CA" sz="1900" dirty="0">
+              <a:rPr lang="en-CA" sz="1800" dirty="0">
                 <a:sym typeface="Wingdings" panose="05000000000000000000" pitchFamily="2" charset="2"/>
               </a:rPr>
               <a:t>  Species clusters are more compact and more clearly separated. (Figure 2)</a:t>
@@ -10977,7 +10977,7 @@
           <a:p>
             <a:pPr lvl="1"/>
             <a:r>
-              <a:rPr lang="en-CA" sz="1900" dirty="0">
+              <a:rPr lang="en-CA" sz="1800" dirty="0">
                 <a:sym typeface="Wingdings" panose="05000000000000000000" pitchFamily="2" charset="2"/>
               </a:rPr>
               <a:t>All were quite separated, no overlap, but also smaller sample size.</a:t>
@@ -10988,7 +10988,7 @@
               <a:buNone/>
             </a:pPr>
             <a:r>
-              <a:rPr lang="en-CA" sz="1900" b="1" dirty="0">
+              <a:rPr lang="en-CA" sz="1800" b="1" dirty="0">
                 <a:sym typeface="Wingdings" panose="05000000000000000000" pitchFamily="2" charset="2"/>
               </a:rPr>
               <a:t>Were the results expected?</a:t>
@@ -10999,7 +10999,7 @@
               <a:buNone/>
             </a:pPr>
             <a:r>
-              <a:rPr lang="en-CA" sz="1900" dirty="0">
+              <a:rPr lang="en-CA" sz="1800" dirty="0">
                 <a:sym typeface="Wingdings" panose="05000000000000000000" pitchFamily="2" charset="2"/>
               </a:rPr>
               <a:t>ERG11 overall performed better than ITS for species separation, which was unexpected. </a:t>
@@ -11010,11 +11010,11 @@
               <a:buNone/>
             </a:pPr>
             <a:r>
-              <a:rPr lang="en-CA" sz="1900" b="1" dirty="0"/>
+              <a:rPr lang="en-CA" sz="1800" b="1" dirty="0"/>
               <a:t>Answer to the question 1</a:t>
             </a:r>
             <a:r>
-              <a:rPr lang="en-CA" sz="1900" dirty="0"/>
+              <a:rPr lang="en-CA" sz="1800" dirty="0"/>
               <a:t>:</a:t>
             </a:r>
           </a:p>
@@ -11023,16 +11023,16 @@
               <a:buNone/>
             </a:pPr>
             <a:r>
-              <a:rPr lang="en-US" sz="2000" dirty="0"/>
+              <a:rPr lang="en-US" sz="1800" dirty="0"/>
               <a:t>High- and low-resistance </a:t>
             </a:r>
             <a:r>
-              <a:rPr lang="en-US" sz="2000" i="1" dirty="0"/>
+              <a:rPr lang="en-US" sz="1800" i="1" dirty="0"/>
               <a:t>Candida</a:t>
             </a:r>
             <a:r>
-              <a:rPr lang="en-US" sz="2000" dirty="0"/>
-              <a:t> species do show distinct clustering patterns. ITS shows high resistance concern strains to the right half of the plot, MDS1 &gt; 0, and therefore low resistance concern strains on the left MSD1 &lt; 0. </a:t>
+              <a:rPr lang="en-US" sz="1800" dirty="0"/>
+              <a:t> species do show distinct clustering patterns. ITS shows high resistance concern strains for when MDS1 &gt; 0, and therefore low resistance concern strains on the left MSD1 &lt; 0. </a:t>
             </a:r>
           </a:p>
           <a:p>
@@ -11040,10 +11040,10 @@
               <a:buNone/>
             </a:pPr>
             <a:r>
-              <a:rPr lang="en-US" sz="2000" dirty="0"/>
-              <a:t>ERG11 showed the high resistance concern strains in the top right, above the descending diagonal, so not as good at clustering resistance. But the strength of separation differs by gene, with ERG11 providing clearer separation than ITS.</a:t>
-            </a:r>
-            <a:endParaRPr lang="en-CA" sz="1900" dirty="0"/>
+              <a:rPr lang="en-US" sz="1800" dirty="0"/>
+              <a:t>ERG11 showed the high resistance concern strains in the top right, above the descending diagonal, so not as good at clustering resistance. But the strength of separation increases in the ERG11 NMDS plot, providing clearer separation than ITS.</a:t>
+            </a:r>
+            <a:endParaRPr lang="en-CA" sz="1800" dirty="0"/>
           </a:p>
         </p:txBody>
       </p:sp>
@@ -14267,7 +14267,7 @@
             </a:pPr>
             <a:r>
               <a:rPr lang="en-US" sz="2000" dirty="0"/>
-              <a:t>So overall, while the ERG11 results were interesting, but future work should attempt to confirm this by </a:t>
+              <a:t>So overall, while the ERG11 results were clustering the high and low resistant concern strains, future work should attempt to confirm this by </a:t>
             </a:r>
             <a:r>
               <a:rPr lang="en-US" sz="2000" b="1" dirty="0"/>
@@ -14726,12 +14726,6 @@
             </a:r>
           </a:p>
           <a:p>
-            <a:r>
-              <a:rPr lang="en-US" sz="2400" dirty="0"/>
-              <a:t> I would also analyze additional antifungal genes to see whether functional genes consistently separate species better than ITS. </a:t>
-            </a:r>
-          </a:p>
-          <a:p>
             <a:pPr marL="0" indent="0">
               <a:buNone/>
             </a:pPr>
@@ -14739,12 +14733,24 @@
               <a:rPr lang="en-US" sz="2400" b="1" dirty="0"/>
               <a:t>Preliminary Finding Worth Following Up</a:t>
             </a:r>
+            <a:endParaRPr lang="en-US" sz="2400" dirty="0"/>
           </a:p>
           <a:p>
             <a:r>
               <a:rPr lang="en-US" sz="2400" dirty="0"/>
-              <a:t>The fact that each high-resistance species clustered cleanly is a valuable signal and worth exploring further. </a:t>
-            </a:r>
+              <a:t> I would also want to analyze additional antifungal genes to see whether functional genes consistently separate species better than ITS. </a:t>
+            </a:r>
+          </a:p>
+          <a:p>
+            <a:r>
+              <a:rPr lang="en-US" sz="2400" dirty="0"/>
+              <a:t>The fact that each high and low-resistance species clustered cleanly is a valuable signal and worth exploring further in the field </a:t>
+            </a:r>
+            <a:r>
+              <a:rPr lang="en-US" sz="2400"/>
+              <a:t>of antifungals. </a:t>
+            </a:r>
+            <a:endParaRPr lang="en-US" sz="2400" dirty="0"/>
           </a:p>
           <a:p>
             <a:r>
@@ -15672,7 +15678,7 @@
           <a:p>
             <a:r>
               <a:rPr lang="en-CA" sz="4000" dirty="0"/>
-              <a:t>Species Clustering &amp; Antifungal Resistance in </a:t>
+              <a:t>Species Clustering &amp; Antifungal Resistance Concern in </a:t>
             </a:r>
             <a:r>
               <a:rPr lang="en-CA" sz="4000" i="1" dirty="0"/>
@@ -15769,12 +15775,12 @@
         <p:spPr>
           <a:xfrm>
             <a:off x="5305254" y="669471"/>
-            <a:ext cx="6264953" cy="5551715"/>
+            <a:ext cx="6512498" cy="5551715"/>
           </a:xfrm>
         </p:spPr>
         <p:txBody>
           <a:bodyPr anchor="ctr">
-            <a:normAutofit/>
+            <a:normAutofit lnSpcReduction="10000"/>
           </a:bodyPr>
           <a:lstStyle/>
           <a:p>
@@ -15792,7 +15798,16 @@
             </a:pPr>
             <a:r>
               <a:rPr lang="en-CA" sz="1800" dirty="0"/>
-              <a:t>This project explores how high- and low-resistance Candida species cluster using two fungal marker genes.</a:t>
+              <a:t>This project explores how high- and low-resistance Candida species cluster using two fungal marker genes. </a:t>
+            </a:r>
+          </a:p>
+          <a:p>
+            <a:pPr marL="0" indent="0">
+              <a:buNone/>
+            </a:pPr>
+            <a:r>
+              <a:rPr lang="en-CA" sz="1800" dirty="0"/>
+              <a:t>The species are:</a:t>
             </a:r>
           </a:p>
           <a:p>
@@ -15935,7 +15950,7 @@
             </a:pPr>
             <a:r>
               <a:rPr lang="en-US" sz="1800" dirty="0"/>
-              <a:t>Understanding these clustering patterns may provide insight into whether gene choice (ITS vs ERG11) reflects clinically meaningful resistance categories.</a:t>
+              <a:t>Understanding these clustering patterns may provide insight into whether gene choice (ITS vs ERG11) reflects clinically meaningful resistance categories, and if high or low resistance concern strains can be grouped.</a:t>
             </a:r>
             <a:endParaRPr lang="en-CA" sz="1800" dirty="0">
               <a:sym typeface="Wingdings" panose="05000000000000000000" pitchFamily="2" charset="2"/>
@@ -17367,7 +17382,7 @@
           <a:p>
             <a:r>
               <a:rPr lang="en-US" sz="4000" dirty="0"/>
-              <a:t>Resistance patterns are known, but clustering patterns are not</a:t>
+              <a:t>Resistance patterns are known, but clustering patterns are not.</a:t>
             </a:r>
             <a:endParaRPr lang="en-CA" sz="4000" dirty="0"/>
           </a:p>
@@ -17491,7 +17506,7 @@
             </a:pPr>
             <a:r>
               <a:rPr lang="en-US" sz="2000" dirty="0"/>
-              <a:t>However, it is unclear whether these resistance categories also emerge from genomic sequence variation when analyzed with unsupervised clustering.</a:t>
+              <a:t>However, it is unclear whether these resistance categories also emerge when analyzed with unsupervised clustering.</a:t>
             </a:r>
           </a:p>
           <a:p>
@@ -18606,7 +18621,7 @@
           <a:p>
             <a:r>
               <a:rPr lang="en-CA" sz="2000" dirty="0"/>
-              <a:t>ITS and ERG11 gene sequences were obtained from NCBI Nucleotide Database (GenBank) through R’s </a:t>
+              <a:t>ITS and ERG11 gene sequences from six Candida species were obtained from NCBI Nucleotide Database (GenBank) through R’s </a:t>
             </a:r>
             <a:r>
               <a:rPr lang="en-CA" sz="2000" dirty="0" err="1"/>
